--- a/SE_Intro.pptx
+++ b/SE_Intro.pptx
@@ -33,6 +33,12 @@
     <p:sldId id="280" r:id="rId28"/>
     <p:sldId id="281" r:id="rId29"/>
     <p:sldId id="282" r:id="rId30"/>
+    <p:sldId id="283" r:id="rId31"/>
+    <p:sldId id="284" r:id="rId32"/>
+    <p:sldId id="285" r:id="rId33"/>
+    <p:sldId id="286" r:id="rId34"/>
+    <p:sldId id="287" r:id="rId35"/>
+    <p:sldId id="288" r:id="rId36"/>
   </p:sldIdLst>
   <p:sldSz cx="10080625" cy="7559675"/>
   <p:notesSz cx="7559675" cy="10691812"/>
@@ -2729,7 +2735,7 @@
         <p:spPr>
           <a:xfrm>
             <a:off x="0" y="4320000"/>
-            <a:ext cx="501120" cy="1077120"/>
+            <a:ext cx="500760" cy="1076760"/>
           </a:xfrm>
           <a:prstGeom prst="rect">
             <a:avLst/>
@@ -3008,7 +3014,7 @@
         <p:spPr>
           <a:xfrm>
             <a:off x="0" y="288000"/>
-            <a:ext cx="501120" cy="1077120"/>
+            <a:ext cx="500760" cy="1076760"/>
           </a:xfrm>
           <a:prstGeom prst="rect">
             <a:avLst/>
@@ -3287,7 +3293,7 @@
         <p:spPr>
           <a:xfrm>
             <a:off x="792000" y="3993480"/>
-            <a:ext cx="8565120" cy="1658520"/>
+            <a:ext cx="8564760" cy="1658160"/>
           </a:xfrm>
           <a:prstGeom prst="rect">
             <a:avLst/>
@@ -3338,7 +3344,7 @@
         <p:spPr>
           <a:xfrm>
             <a:off x="792000" y="5904000"/>
-            <a:ext cx="8565120" cy="979560"/>
+            <a:ext cx="8564760" cy="979200"/>
           </a:xfrm>
           <a:prstGeom prst="rect">
             <a:avLst/>
@@ -3413,7 +3419,7 @@
         <p:spPr>
           <a:xfrm>
             <a:off x="720000" y="300960"/>
-            <a:ext cx="8852760" cy="1259640"/>
+            <a:ext cx="8852400" cy="1259280"/>
           </a:xfrm>
           <a:prstGeom prst="rect">
             <a:avLst/>
@@ -3462,7 +3468,7 @@
         <p:spPr>
           <a:xfrm>
             <a:off x="720000" y="2160000"/>
-            <a:ext cx="8637120" cy="4381920"/>
+            <a:ext cx="8636760" cy="4381560"/>
           </a:xfrm>
           <a:prstGeom prst="rect">
             <a:avLst/>
@@ -3481,7 +3487,7 @@
         <p:txBody>
           <a:bodyPr lIns="0" rIns="0" tIns="0" bIns="0"/>
           <a:p>
-            <a:pPr marL="432000" indent="-321120">
+            <a:pPr marL="432000" indent="-320760">
               <a:lnSpc>
                 <a:spcPct val="100000"/>
               </a:lnSpc>
@@ -3510,7 +3516,7 @@
             </a:endParaRPr>
           </a:p>
           <a:p>
-            <a:pPr lvl="1" marL="432000" indent="-216000">
+            <a:pPr lvl="1" marL="432000" indent="-215640">
               <a:lnSpc>
                 <a:spcPct val="100000"/>
               </a:lnSpc>
@@ -3539,7 +3545,7 @@
             </a:endParaRPr>
           </a:p>
           <a:p>
-            <a:pPr lvl="1" marL="432000" indent="-216000">
+            <a:pPr lvl="1" marL="432000" indent="-215640">
               <a:lnSpc>
                 <a:spcPct val="100000"/>
               </a:lnSpc>
@@ -3568,7 +3574,7 @@
             </a:endParaRPr>
           </a:p>
           <a:p>
-            <a:pPr lvl="1" marL="432000" indent="-216000">
+            <a:pPr lvl="1" marL="432000" indent="-215640">
               <a:lnSpc>
                 <a:spcPct val="100000"/>
               </a:lnSpc>
@@ -3633,7 +3639,7 @@
         <p:spPr>
           <a:xfrm>
             <a:off x="465480" y="7040880"/>
-            <a:ext cx="5749560" cy="343800"/>
+            <a:ext cx="5749200" cy="343440"/>
           </a:xfrm>
           <a:prstGeom prst="rect">
             <a:avLst/>
@@ -3731,7 +3737,7 @@
         <p:spPr>
           <a:xfrm>
             <a:off x="720000" y="300960"/>
-            <a:ext cx="8852760" cy="1259640"/>
+            <a:ext cx="8852400" cy="1259280"/>
           </a:xfrm>
           <a:prstGeom prst="rect">
             <a:avLst/>
@@ -3780,7 +3786,7 @@
         <p:spPr>
           <a:xfrm>
             <a:off x="465480" y="7040880"/>
-            <a:ext cx="5749560" cy="343800"/>
+            <a:ext cx="5749200" cy="343440"/>
           </a:xfrm>
           <a:prstGeom prst="rect">
             <a:avLst/>
@@ -3833,7 +3839,7 @@
         <p:spPr>
           <a:xfrm>
             <a:off x="528480" y="1392480"/>
-            <a:ext cx="5686560" cy="5648400"/>
+            <a:ext cx="5686200" cy="5648040"/>
           </a:xfrm>
           <a:prstGeom prst="rect">
             <a:avLst/>
@@ -3845,14 +3851,14 @@
       </p:pic>
       <p:sp>
         <p:nvSpPr>
-          <p:cNvPr id="110" name="TextShape 3"/>
-          <p:cNvSpPr txBox="1"/>
+          <p:cNvPr id="110" name="CustomShape 3"/>
+          <p:cNvSpPr/>
           <p:nvPr/>
         </p:nvSpPr>
         <p:spPr>
           <a:xfrm>
             <a:off x="6224760" y="2468880"/>
-            <a:ext cx="3762000" cy="1626120"/>
+            <a:ext cx="3761640" cy="1625760"/>
           </a:xfrm>
           <a:prstGeom prst="rect">
             <a:avLst/>
@@ -3862,9 +3868,20 @@
             <a:noFill/>
           </a:ln>
         </p:spPr>
+        <p:style>
+          <a:lnRef idx="0"/>
+          <a:fillRef idx="0"/>
+          <a:effectRef idx="0"/>
+          <a:fontRef idx="minor"/>
+        </p:style>
         <p:txBody>
           <a:bodyPr lIns="90000" rIns="90000" tIns="45000" bIns="45000"/>
           <a:p>
+            <a:pPr>
+              <a:lnSpc>
+                <a:spcPct val="100000"/>
+              </a:lnSpc>
+            </a:pPr>
             <a:r>
               <a:rPr b="0" lang="en-SG" sz="1800" spc="-1" strike="noStrike">
                 <a:latin typeface="Arial"/>
@@ -3876,11 +3893,21 @@
             </a:endParaRPr>
           </a:p>
           <a:p>
+            <a:pPr>
+              <a:lnSpc>
+                <a:spcPct val="100000"/>
+              </a:lnSpc>
+            </a:pPr>
             <a:endParaRPr b="0" lang="en-SG" sz="1800" spc="-1" strike="noStrike">
               <a:latin typeface="Arial"/>
             </a:endParaRPr>
           </a:p>
           <a:p>
+            <a:pPr>
+              <a:lnSpc>
+                <a:spcPct val="100000"/>
+              </a:lnSpc>
+            </a:pPr>
             <a:r>
               <a:rPr b="0" lang="en-SG" sz="1800" spc="-1" strike="noStrike">
                 <a:latin typeface="Arial"/>
@@ -3892,6 +3919,11 @@
             </a:endParaRPr>
           </a:p>
           <a:p>
+            <a:pPr>
+              <a:lnSpc>
+                <a:spcPct val="100000"/>
+              </a:lnSpc>
+            </a:pPr>
             <a:r>
               <a:rPr b="0" lang="en-SG" sz="1800" spc="-1" strike="noStrike">
                 <a:latin typeface="Arial"/>
@@ -3903,11 +3935,21 @@
             </a:endParaRPr>
           </a:p>
           <a:p>
+            <a:pPr>
+              <a:lnSpc>
+                <a:spcPct val="100000"/>
+              </a:lnSpc>
+            </a:pPr>
             <a:endParaRPr b="0" lang="en-SG" sz="1800" spc="-1" strike="noStrike">
               <a:latin typeface="Arial"/>
             </a:endParaRPr>
           </a:p>
           <a:p>
+            <a:pPr>
+              <a:lnSpc>
+                <a:spcPct val="100000"/>
+              </a:lnSpc>
+            </a:pPr>
             <a:r>
               <a:rPr b="0" lang="en-SG" sz="1800" spc="-1" strike="noStrike">
                 <a:latin typeface="Arial"/>
@@ -3978,7 +4020,7 @@
         <p:spPr>
           <a:xfrm>
             <a:off x="720000" y="300960"/>
-            <a:ext cx="8852760" cy="1259640"/>
+            <a:ext cx="8852400" cy="1259280"/>
           </a:xfrm>
           <a:prstGeom prst="rect">
             <a:avLst/>
@@ -4027,7 +4069,7 @@
         <p:spPr>
           <a:xfrm>
             <a:off x="465480" y="7040880"/>
-            <a:ext cx="5749560" cy="343800"/>
+            <a:ext cx="5749200" cy="343440"/>
           </a:xfrm>
           <a:prstGeom prst="rect">
             <a:avLst/>
@@ -4080,7 +4122,7 @@
         <p:spPr>
           <a:xfrm>
             <a:off x="274320" y="2062080"/>
-            <a:ext cx="9298440" cy="1778400"/>
+            <a:ext cx="9298080" cy="1778040"/>
           </a:xfrm>
           <a:prstGeom prst="rect">
             <a:avLst/>
@@ -4148,7 +4190,7 @@
         <p:spPr>
           <a:xfrm>
             <a:off x="720000" y="300960"/>
-            <a:ext cx="8852760" cy="1259640"/>
+            <a:ext cx="8852400" cy="1259280"/>
           </a:xfrm>
           <a:prstGeom prst="rect">
             <a:avLst/>
@@ -4197,7 +4239,7 @@
         <p:spPr>
           <a:xfrm>
             <a:off x="465480" y="7040880"/>
-            <a:ext cx="5749560" cy="343800"/>
+            <a:ext cx="5749200" cy="343440"/>
           </a:xfrm>
           <a:prstGeom prst="rect">
             <a:avLst/>
@@ -4250,7 +4292,7 @@
         <p:spPr>
           <a:xfrm>
             <a:off x="375120" y="1560600"/>
-            <a:ext cx="8586000" cy="3941280"/>
+            <a:ext cx="8585640" cy="3940920"/>
           </a:xfrm>
           <a:prstGeom prst="rect">
             <a:avLst/>
@@ -4318,7 +4360,7 @@
         <p:spPr>
           <a:xfrm>
             <a:off x="720000" y="300960"/>
-            <a:ext cx="8852760" cy="1259640"/>
+            <a:ext cx="8852400" cy="1259280"/>
           </a:xfrm>
           <a:prstGeom prst="rect">
             <a:avLst/>
@@ -4367,7 +4409,7 @@
         <p:spPr>
           <a:xfrm>
             <a:off x="465480" y="7040880"/>
-            <a:ext cx="5749560" cy="343800"/>
+            <a:ext cx="5749200" cy="343440"/>
           </a:xfrm>
           <a:prstGeom prst="rect">
             <a:avLst/>
@@ -4420,7 +4462,7 @@
         <p:spPr>
           <a:xfrm>
             <a:off x="375120" y="1560600"/>
-            <a:ext cx="8586000" cy="3941280"/>
+            <a:ext cx="8585640" cy="3940920"/>
           </a:xfrm>
           <a:prstGeom prst="rect">
             <a:avLst/>
@@ -4488,7 +4530,7 @@
         <p:spPr>
           <a:xfrm>
             <a:off x="720000" y="300960"/>
-            <a:ext cx="8852760" cy="1259640"/>
+            <a:ext cx="8852400" cy="1259280"/>
           </a:xfrm>
           <a:prstGeom prst="rect">
             <a:avLst/>
@@ -4537,7 +4579,7 @@
         <p:spPr>
           <a:xfrm>
             <a:off x="465480" y="7040880"/>
-            <a:ext cx="5749560" cy="343800"/>
+            <a:ext cx="5749200" cy="343440"/>
           </a:xfrm>
           <a:prstGeom prst="rect">
             <a:avLst/>
@@ -4590,7 +4632,7 @@
         <p:spPr>
           <a:xfrm>
             <a:off x="365760" y="1920240"/>
-            <a:ext cx="9282960" cy="3317400"/>
+            <a:ext cx="9282600" cy="3317040"/>
           </a:xfrm>
           <a:prstGeom prst="rect">
             <a:avLst/>
@@ -4658,7 +4700,7 @@
         <p:spPr>
           <a:xfrm>
             <a:off x="720000" y="300960"/>
-            <a:ext cx="8852760" cy="1259640"/>
+            <a:ext cx="8852400" cy="1259280"/>
           </a:xfrm>
           <a:prstGeom prst="rect">
             <a:avLst/>
@@ -4707,7 +4749,7 @@
         <p:spPr>
           <a:xfrm>
             <a:off x="465480" y="7040880"/>
-            <a:ext cx="5749560" cy="343800"/>
+            <a:ext cx="5749200" cy="343440"/>
           </a:xfrm>
           <a:prstGeom prst="rect">
             <a:avLst/>
@@ -4737,7 +4779,7 @@
         <p:spPr>
           <a:xfrm>
             <a:off x="1268640" y="2857320"/>
-            <a:ext cx="5772240" cy="2171880"/>
+            <a:ext cx="5771880" cy="2171520"/>
           </a:xfrm>
           <a:prstGeom prst="rect">
             <a:avLst/>
@@ -4805,7 +4847,7 @@
         <p:spPr>
           <a:xfrm>
             <a:off x="792000" y="3993480"/>
-            <a:ext cx="8565120" cy="1658520"/>
+            <a:ext cx="8564760" cy="1658160"/>
           </a:xfrm>
           <a:prstGeom prst="rect">
             <a:avLst/>
@@ -4856,7 +4898,7 @@
         <p:spPr>
           <a:xfrm>
             <a:off x="792000" y="5904000"/>
-            <a:ext cx="8565120" cy="979560"/>
+            <a:ext cx="8564760" cy="979200"/>
           </a:xfrm>
           <a:prstGeom prst="rect">
             <a:avLst/>
@@ -4931,7 +4973,7 @@
         <p:spPr>
           <a:xfrm>
             <a:off x="720000" y="300960"/>
-            <a:ext cx="8852760" cy="1259640"/>
+            <a:ext cx="8852400" cy="1259280"/>
           </a:xfrm>
           <a:prstGeom prst="rect">
             <a:avLst/>
@@ -4980,7 +5022,7 @@
         <p:spPr>
           <a:xfrm>
             <a:off x="720000" y="2160000"/>
-            <a:ext cx="8637120" cy="4381920"/>
+            <a:ext cx="8636760" cy="4381560"/>
           </a:xfrm>
           <a:prstGeom prst="rect">
             <a:avLst/>
@@ -4999,7 +5041,7 @@
         <p:txBody>
           <a:bodyPr lIns="0" rIns="0" tIns="0" bIns="0"/>
           <a:p>
-            <a:pPr marL="432000" indent="-321120">
+            <a:pPr marL="432000" indent="-320760">
               <a:lnSpc>
                 <a:spcPct val="100000"/>
               </a:lnSpc>
@@ -5028,7 +5070,7 @@
             </a:endParaRPr>
           </a:p>
           <a:p>
-            <a:pPr marL="432000" indent="-321120">
+            <a:pPr marL="432000" indent="-320760">
               <a:lnSpc>
                 <a:spcPct val="100000"/>
               </a:lnSpc>
@@ -5057,7 +5099,7 @@
             </a:endParaRPr>
           </a:p>
           <a:p>
-            <a:pPr marL="432000" indent="-321120">
+            <a:pPr marL="432000" indent="-320760">
               <a:lnSpc>
                 <a:spcPct val="100000"/>
               </a:lnSpc>
@@ -5164,7 +5206,7 @@
         <p:spPr>
           <a:xfrm>
             <a:off x="465480" y="7040880"/>
-            <a:ext cx="5749560" cy="343800"/>
+            <a:ext cx="5749200" cy="343440"/>
           </a:xfrm>
           <a:prstGeom prst="rect">
             <a:avLst/>
@@ -5217,7 +5259,7 @@
         <p:spPr>
           <a:xfrm>
             <a:off x="5216040" y="4114800"/>
-            <a:ext cx="2190240" cy="2800080"/>
+            <a:ext cx="2189880" cy="2799720"/>
           </a:xfrm>
           <a:prstGeom prst="rect">
             <a:avLst/>
@@ -5285,7 +5327,7 @@
         <p:spPr>
           <a:xfrm>
             <a:off x="720000" y="300960"/>
-            <a:ext cx="8852760" cy="1259640"/>
+            <a:ext cx="8852400" cy="1259280"/>
           </a:xfrm>
           <a:prstGeom prst="rect">
             <a:avLst/>
@@ -5334,7 +5376,7 @@
         <p:spPr>
           <a:xfrm>
             <a:off x="720000" y="2160000"/>
-            <a:ext cx="8637120" cy="4381920"/>
+            <a:ext cx="8636760" cy="4381560"/>
           </a:xfrm>
           <a:prstGeom prst="rect">
             <a:avLst/>
@@ -5353,7 +5395,7 @@
         <p:txBody>
           <a:bodyPr lIns="0" rIns="0" tIns="0" bIns="0"/>
           <a:p>
-            <a:pPr marL="432000" indent="-321120">
+            <a:pPr marL="432000" indent="-320760">
               <a:lnSpc>
                 <a:spcPct val="100000"/>
               </a:lnSpc>
@@ -5422,7 +5464,7 @@
         <p:spPr>
           <a:xfrm>
             <a:off x="4754880" y="2560320"/>
-            <a:ext cx="4722120" cy="4849560"/>
+            <a:ext cx="4721760" cy="4849200"/>
           </a:xfrm>
           <a:prstGeom prst="rect">
             <a:avLst/>
@@ -5490,7 +5532,7 @@
         <p:spPr>
           <a:xfrm>
             <a:off x="720000" y="300960"/>
-            <a:ext cx="8852760" cy="1259640"/>
+            <a:ext cx="8852400" cy="1259280"/>
           </a:xfrm>
           <a:prstGeom prst="rect">
             <a:avLst/>
@@ -5539,7 +5581,7 @@
         <p:spPr>
           <a:xfrm>
             <a:off x="720000" y="2160000"/>
-            <a:ext cx="8637120" cy="4381920"/>
+            <a:ext cx="8636760" cy="4381560"/>
           </a:xfrm>
           <a:prstGeom prst="rect">
             <a:avLst/>
@@ -5558,7 +5600,7 @@
         <p:txBody>
           <a:bodyPr lIns="0" rIns="0" tIns="0" bIns="0"/>
           <a:p>
-            <a:pPr marL="432000" indent="-321120">
+            <a:pPr marL="432000" indent="-320760">
               <a:lnSpc>
                 <a:spcPct val="100000"/>
               </a:lnSpc>
@@ -5587,7 +5629,7 @@
             </a:endParaRPr>
           </a:p>
           <a:p>
-            <a:pPr marL="432000" indent="-321120">
+            <a:pPr marL="432000" indent="-320760">
               <a:lnSpc>
                 <a:spcPct val="100000"/>
               </a:lnSpc>
@@ -5616,7 +5658,7 @@
             </a:endParaRPr>
           </a:p>
           <a:p>
-            <a:pPr marL="432000" indent="-321120">
+            <a:pPr marL="432000" indent="-320760">
               <a:lnSpc>
                 <a:spcPct val="100000"/>
               </a:lnSpc>
@@ -5645,7 +5687,7 @@
             </a:endParaRPr>
           </a:p>
           <a:p>
-            <a:pPr marL="432000" indent="-321120">
+            <a:pPr marL="432000" indent="-320760">
               <a:lnSpc>
                 <a:spcPct val="100000"/>
               </a:lnSpc>
@@ -5674,7 +5716,7 @@
             </a:endParaRPr>
           </a:p>
           <a:p>
-            <a:pPr marL="432000" indent="-321120">
+            <a:pPr marL="432000" indent="-320760">
               <a:lnSpc>
                 <a:spcPct val="100000"/>
               </a:lnSpc>
@@ -5775,7 +5817,7 @@
         <p:spPr>
           <a:xfrm>
             <a:off x="720000" y="300960"/>
-            <a:ext cx="8852760" cy="1259640"/>
+            <a:ext cx="8852400" cy="1259280"/>
           </a:xfrm>
           <a:prstGeom prst="rect">
             <a:avLst/>
@@ -5824,7 +5866,7 @@
         <p:spPr>
           <a:xfrm>
             <a:off x="720000" y="2160000"/>
-            <a:ext cx="8637120" cy="4381920"/>
+            <a:ext cx="8636760" cy="4381560"/>
           </a:xfrm>
           <a:prstGeom prst="rect">
             <a:avLst/>
@@ -5843,7 +5885,7 @@
         <p:txBody>
           <a:bodyPr lIns="0" rIns="0" tIns="0" bIns="0"/>
           <a:p>
-            <a:pPr marL="432000" indent="-321120">
+            <a:pPr marL="432000" indent="-320760">
               <a:lnSpc>
                 <a:spcPct val="100000"/>
               </a:lnSpc>
@@ -5912,7 +5954,7 @@
         <p:spPr>
           <a:xfrm>
             <a:off x="977400" y="2853720"/>
-            <a:ext cx="3753720" cy="1809360"/>
+            <a:ext cx="3753360" cy="1809000"/>
           </a:xfrm>
           <a:prstGeom prst="rect">
             <a:avLst/>
@@ -5935,7 +5977,7 @@
         <p:spPr>
           <a:xfrm>
             <a:off x="5294160" y="2926080"/>
-            <a:ext cx="3827880" cy="4114440"/>
+            <a:ext cx="3827520" cy="4114080"/>
           </a:xfrm>
           <a:prstGeom prst="rect">
             <a:avLst/>
@@ -6003,7 +6045,7 @@
         <p:spPr>
           <a:xfrm>
             <a:off x="720000" y="300960"/>
-            <a:ext cx="8852760" cy="1259640"/>
+            <a:ext cx="8852400" cy="1259280"/>
           </a:xfrm>
           <a:prstGeom prst="rect">
             <a:avLst/>
@@ -6052,7 +6094,7 @@
         <p:spPr>
           <a:xfrm>
             <a:off x="720000" y="2160000"/>
-            <a:ext cx="8637120" cy="4381920"/>
+            <a:ext cx="8636760" cy="4381560"/>
           </a:xfrm>
           <a:prstGeom prst="rect">
             <a:avLst/>
@@ -6071,7 +6113,7 @@
         <p:txBody>
           <a:bodyPr lIns="0" rIns="0" tIns="0" bIns="0"/>
           <a:p>
-            <a:pPr marL="432000" indent="-321120">
+            <a:pPr marL="432000" indent="-320760">
               <a:lnSpc>
                 <a:spcPct val="100000"/>
               </a:lnSpc>
@@ -6100,7 +6142,7 @@
             </a:endParaRPr>
           </a:p>
           <a:p>
-            <a:pPr lvl="1" marL="432000" indent="-216000">
+            <a:pPr lvl="1" marL="432000" indent="-215640">
               <a:lnSpc>
                 <a:spcPct val="100000"/>
               </a:lnSpc>
@@ -6129,7 +6171,7 @@
             </a:endParaRPr>
           </a:p>
           <a:p>
-            <a:pPr marL="432000" indent="-321120">
+            <a:pPr marL="432000" indent="-320760">
               <a:lnSpc>
                 <a:spcPct val="100000"/>
               </a:lnSpc>
@@ -6158,7 +6200,7 @@
             </a:endParaRPr>
           </a:p>
           <a:p>
-            <a:pPr lvl="1" marL="432000" indent="-216000">
+            <a:pPr lvl="1" marL="432000" indent="-215640">
               <a:lnSpc>
                 <a:spcPct val="100000"/>
               </a:lnSpc>
@@ -6187,7 +6229,7 @@
             </a:endParaRPr>
           </a:p>
           <a:p>
-            <a:pPr lvl="1" marL="432000" indent="-216000">
+            <a:pPr lvl="1" marL="432000" indent="-215640">
               <a:lnSpc>
                 <a:spcPct val="100000"/>
               </a:lnSpc>
@@ -6301,7 +6343,7 @@
         <p:spPr>
           <a:xfrm>
             <a:off x="720000" y="300960"/>
-            <a:ext cx="8852760" cy="1259640"/>
+            <a:ext cx="8852400" cy="1259280"/>
           </a:xfrm>
           <a:prstGeom prst="rect">
             <a:avLst/>
@@ -6350,7 +6392,7 @@
         <p:spPr>
           <a:xfrm>
             <a:off x="720000" y="2160000"/>
-            <a:ext cx="8637120" cy="4381920"/>
+            <a:ext cx="8636760" cy="4381560"/>
           </a:xfrm>
           <a:prstGeom prst="rect">
             <a:avLst/>
@@ -6369,7 +6411,7 @@
         <p:txBody>
           <a:bodyPr lIns="0" rIns="0" tIns="0" bIns="0"/>
           <a:p>
-            <a:pPr marL="432000" indent="-321120">
+            <a:pPr marL="432000" indent="-320760">
               <a:lnSpc>
                 <a:spcPct val="100000"/>
               </a:lnSpc>
@@ -6398,7 +6440,7 @@
             </a:endParaRPr>
           </a:p>
           <a:p>
-            <a:pPr marL="432000" indent="-321120">
+            <a:pPr marL="432000" indent="-320760">
               <a:lnSpc>
                 <a:spcPct val="100000"/>
               </a:lnSpc>
@@ -6427,7 +6469,7 @@
             </a:endParaRPr>
           </a:p>
           <a:p>
-            <a:pPr marL="432000" indent="-321120">
+            <a:pPr marL="432000" indent="-320760">
               <a:lnSpc>
                 <a:spcPct val="100000"/>
               </a:lnSpc>
@@ -6456,7 +6498,7 @@
             </a:endParaRPr>
           </a:p>
           <a:p>
-            <a:pPr marL="432000" indent="-321120">
+            <a:pPr marL="432000" indent="-320760">
               <a:lnSpc>
                 <a:spcPct val="100000"/>
               </a:lnSpc>
@@ -6521,7 +6563,7 @@
         <p:spPr>
           <a:xfrm>
             <a:off x="465480" y="7040880"/>
-            <a:ext cx="5749560" cy="343800"/>
+            <a:ext cx="5749200" cy="343440"/>
           </a:xfrm>
           <a:prstGeom prst="rect">
             <a:avLst/>
@@ -6619,7 +6661,7 @@
         <p:spPr>
           <a:xfrm>
             <a:off x="720000" y="300960"/>
-            <a:ext cx="8852760" cy="1259640"/>
+            <a:ext cx="8852400" cy="1259280"/>
           </a:xfrm>
           <a:prstGeom prst="rect">
             <a:avLst/>
@@ -6668,7 +6710,7 @@
         <p:spPr>
           <a:xfrm>
             <a:off x="720000" y="2160000"/>
-            <a:ext cx="8637120" cy="4381920"/>
+            <a:ext cx="8636760" cy="4381560"/>
           </a:xfrm>
           <a:prstGeom prst="rect">
             <a:avLst/>
@@ -6687,7 +6729,7 @@
         <p:txBody>
           <a:bodyPr lIns="0" rIns="0" tIns="0" bIns="0"/>
           <a:p>
-            <a:pPr marL="432000" indent="-321120">
+            <a:pPr marL="432000" indent="-320760">
               <a:lnSpc>
                 <a:spcPct val="100000"/>
               </a:lnSpc>
@@ -6725,10 +6767,11 @@
               </a:spcBef>
             </a:pPr>
             <a:r>
-              <a:rPr b="0" lang="en-SG" sz="2000" spc="-1" strike="noStrike">
-                <a:solidFill>
-                  <a:srgbClr val="333333"/>
-                </a:solidFill>
+              <a:rPr b="0" lang="en-SG" sz="2000" spc="-1" strike="noStrike" u="sng">
+                <a:solidFill>
+                  <a:srgbClr val="0000ff"/>
+                </a:solidFill>
+                <a:uFillTx/>
                 <a:latin typeface="Noto Sans Regular"/>
                 <a:ea typeface="DejaVu Sans"/>
                 <a:hlinkClick r:id="rId1"/>
@@ -6740,7 +6783,7 @@
             </a:endParaRPr>
           </a:p>
           <a:p>
-            <a:pPr marL="432000" indent="-321120">
+            <a:pPr marL="432000" indent="-320760">
               <a:lnSpc>
                 <a:spcPct val="100000"/>
               </a:lnSpc>
@@ -6769,7 +6812,20 @@
             </a:endParaRPr>
           </a:p>
           <a:p>
-            <a:pPr marL="432000" indent="-321120">
+            <a:pPr>
+              <a:lnSpc>
+                <a:spcPct val="100000"/>
+              </a:lnSpc>
+              <a:spcBef>
+                <a:spcPts val="1417"/>
+              </a:spcBef>
+            </a:pPr>
+            <a:endParaRPr b="0" lang="en-SG" sz="2000" spc="-1" strike="noStrike">
+              <a:latin typeface="Arial"/>
+            </a:endParaRPr>
+          </a:p>
+          <a:p>
+            <a:pPr marL="432000" indent="-320760">
               <a:lnSpc>
                 <a:spcPct val="100000"/>
               </a:lnSpc>
@@ -6783,12 +6839,45 @@
               <a:buFont typeface="Wingdings" charset="2"/>
               <a:buChar char=""/>
             </a:pPr>
-            <a:endParaRPr b="0" lang="en-SG" sz="2000" spc="-1" strike="noStrike">
-              <a:latin typeface="Arial"/>
-            </a:endParaRPr>
-          </a:p>
-          <a:p>
-            <a:pPr marL="432000" indent="-321120">
+            <a:r>
+              <a:rPr b="0" lang="en-SG" sz="2000" spc="-1" strike="noStrike">
+                <a:solidFill>
+                  <a:srgbClr val="333333"/>
+                </a:solidFill>
+                <a:latin typeface="Noto Sans Regular"/>
+                <a:ea typeface="DejaVu Sans"/>
+              </a:rPr>
+              <a:t>Factory – Creational</a:t>
+            </a:r>
+            <a:endParaRPr b="0" lang="en-SG" sz="2000" spc="-1" strike="noStrike">
+              <a:latin typeface="Arial"/>
+            </a:endParaRPr>
+          </a:p>
+          <a:p>
+            <a:pPr>
+              <a:lnSpc>
+                <a:spcPct val="100000"/>
+              </a:lnSpc>
+              <a:spcBef>
+                <a:spcPts val="1417"/>
+              </a:spcBef>
+            </a:pPr>
+            <a:r>
+              <a:rPr b="0" lang="en-SG" sz="2000" spc="-1" strike="noStrike">
+                <a:solidFill>
+                  <a:srgbClr val="333333"/>
+                </a:solidFill>
+                <a:latin typeface="Noto Sans Regular"/>
+                <a:ea typeface="DejaVu Sans"/>
+              </a:rPr>
+              <a:t>https://www.dofactory.com/net/factory-method-design-pattern</a:t>
+            </a:r>
+            <a:endParaRPr b="0" lang="en-SG" sz="2000" spc="-1" strike="noStrike">
+              <a:latin typeface="Arial"/>
+            </a:endParaRPr>
+          </a:p>
+          <a:p>
+            <a:pPr marL="432000" indent="-320760">
               <a:lnSpc>
                 <a:spcPct val="100000"/>
               </a:lnSpc>
@@ -6810,7 +6899,7 @@
                 <a:latin typeface="Noto Sans Regular"/>
                 <a:ea typeface="DejaVu Sans"/>
               </a:rPr>
-              <a:t>Factory – Creational</a:t>
+              <a:t>Observe “Document” class. Its constructor calls CreatePages(), which is the Factory Method implemented as an abstract method, that needs to be overriden by those inheriting from Document.</a:t>
             </a:r>
             <a:endParaRPr b="0" lang="en-SG" sz="2000" spc="-1" strike="noStrike">
               <a:latin typeface="Arial"/>
@@ -6824,64 +6913,6 @@
               <a:spcBef>
                 <a:spcPts val="1417"/>
               </a:spcBef>
-            </a:pPr>
-            <a:r>
-              <a:rPr b="0" lang="en-SG" sz="2000" spc="-1" strike="noStrike">
-                <a:solidFill>
-                  <a:srgbClr val="333333"/>
-                </a:solidFill>
-                <a:latin typeface="Noto Sans Regular"/>
-                <a:ea typeface="DejaVu Sans"/>
-              </a:rPr>
-              <a:t>https://www.dofactory.com/net/factory-method-design-pattern</a:t>
-            </a:r>
-            <a:endParaRPr b="0" lang="en-SG" sz="2000" spc="-1" strike="noStrike">
-              <a:latin typeface="Arial"/>
-            </a:endParaRPr>
-          </a:p>
-          <a:p>
-            <a:pPr marL="432000" indent="-321120">
-              <a:lnSpc>
-                <a:spcPct val="100000"/>
-              </a:lnSpc>
-              <a:spcBef>
-                <a:spcPts val="1417"/>
-              </a:spcBef>
-              <a:buClr>
-                <a:srgbClr val="ef2929"/>
-              </a:buClr>
-              <a:buSzPct val="45000"/>
-              <a:buFont typeface="Wingdings" charset="2"/>
-              <a:buChar char=""/>
-            </a:pPr>
-            <a:r>
-              <a:rPr b="0" lang="en-SG" sz="2000" spc="-1" strike="noStrike">
-                <a:solidFill>
-                  <a:srgbClr val="333333"/>
-                </a:solidFill>
-                <a:latin typeface="Noto Sans Regular"/>
-                <a:ea typeface="DejaVu Sans"/>
-              </a:rPr>
-              <a:t>Observe “Document” class. Its constructor calls CreatePages(), which is the Factory Method implemented as an abstract method, that needs to be overriden by those inheriting from Document.</a:t>
-            </a:r>
-            <a:endParaRPr b="0" lang="en-SG" sz="2000" spc="-1" strike="noStrike">
-              <a:latin typeface="Arial"/>
-            </a:endParaRPr>
-          </a:p>
-          <a:p>
-            <a:pPr marL="432000" indent="-321120">
-              <a:lnSpc>
-                <a:spcPct val="100000"/>
-              </a:lnSpc>
-              <a:spcBef>
-                <a:spcPts val="1417"/>
-              </a:spcBef>
-              <a:buClr>
-                <a:srgbClr val="ef2929"/>
-              </a:buClr>
-              <a:buSzPct val="45000"/>
-              <a:buFont typeface="Wingdings" charset="2"/>
-              <a:buChar char=""/>
             </a:pPr>
             <a:endParaRPr b="0" lang="en-SG" sz="2000" spc="-1" strike="noStrike">
               <a:latin typeface="Arial"/>
@@ -6924,7 +6955,7 @@
         <p:spPr>
           <a:xfrm>
             <a:off x="465480" y="7040880"/>
-            <a:ext cx="5749560" cy="343800"/>
+            <a:ext cx="5749200" cy="343440"/>
           </a:xfrm>
           <a:prstGeom prst="rect">
             <a:avLst/>
@@ -6999,7 +7030,7 @@
         <p:spPr>
           <a:xfrm>
             <a:off x="720000" y="300960"/>
-            <a:ext cx="8852760" cy="1259640"/>
+            <a:ext cx="8852400" cy="1259280"/>
           </a:xfrm>
           <a:prstGeom prst="rect">
             <a:avLst/>
@@ -7048,7 +7079,7 @@
         <p:spPr>
           <a:xfrm>
             <a:off x="720000" y="2160000"/>
-            <a:ext cx="8637120" cy="4381920"/>
+            <a:ext cx="8636760" cy="4381560"/>
           </a:xfrm>
           <a:prstGeom prst="rect">
             <a:avLst/>
@@ -7067,7 +7098,7 @@
         <p:txBody>
           <a:bodyPr lIns="0" rIns="0" tIns="0" bIns="0"/>
           <a:p>
-            <a:pPr marL="432000" indent="-321120">
+            <a:pPr marL="432000" indent="-320760">
               <a:lnSpc>
                 <a:spcPct val="100000"/>
               </a:lnSpc>
@@ -7119,7 +7150,7 @@
             </a:endParaRPr>
           </a:p>
           <a:p>
-            <a:pPr marL="432000" indent="-321120">
+            <a:pPr marL="432000" indent="-320760">
               <a:lnSpc>
                 <a:spcPct val="100000"/>
               </a:lnSpc>
@@ -7148,7 +7179,20 @@
             </a:endParaRPr>
           </a:p>
           <a:p>
-            <a:pPr marL="432000" indent="-321120">
+            <a:pPr>
+              <a:lnSpc>
+                <a:spcPct val="100000"/>
+              </a:lnSpc>
+              <a:spcBef>
+                <a:spcPts val="1417"/>
+              </a:spcBef>
+            </a:pPr>
+            <a:endParaRPr b="0" lang="en-SG" sz="2000" spc="-1" strike="noStrike">
+              <a:latin typeface="Arial"/>
+            </a:endParaRPr>
+          </a:p>
+          <a:p>
+            <a:pPr marL="432000" indent="-320760">
               <a:lnSpc>
                 <a:spcPct val="100000"/>
               </a:lnSpc>
@@ -7162,12 +7206,45 @@
               <a:buFont typeface="Wingdings" charset="2"/>
               <a:buChar char=""/>
             </a:pPr>
-            <a:endParaRPr b="0" lang="en-SG" sz="2000" spc="-1" strike="noStrike">
-              <a:latin typeface="Arial"/>
-            </a:endParaRPr>
-          </a:p>
-          <a:p>
-            <a:pPr marL="432000" indent="-321120">
+            <a:r>
+              <a:rPr b="0" lang="en-SG" sz="2000" spc="-1" strike="noStrike">
+                <a:solidFill>
+                  <a:srgbClr val="333333"/>
+                </a:solidFill>
+                <a:latin typeface="Noto Sans Regular"/>
+                <a:ea typeface="DejaVu Sans"/>
+              </a:rPr>
+              <a:t>Template – Behavioural</a:t>
+            </a:r>
+            <a:endParaRPr b="0" lang="en-SG" sz="2000" spc="-1" strike="noStrike">
+              <a:latin typeface="Arial"/>
+            </a:endParaRPr>
+          </a:p>
+          <a:p>
+            <a:pPr>
+              <a:lnSpc>
+                <a:spcPct val="100000"/>
+              </a:lnSpc>
+              <a:spcBef>
+                <a:spcPts val="1417"/>
+              </a:spcBef>
+            </a:pPr>
+            <a:r>
+              <a:rPr b="0" lang="en-SG" sz="2000" spc="-1" strike="noStrike">
+                <a:solidFill>
+                  <a:srgbClr val="333333"/>
+                </a:solidFill>
+                <a:latin typeface="Noto Sans Regular"/>
+                <a:ea typeface="DejaVu Sans"/>
+              </a:rPr>
+              <a:t>https://www.dofactory.com/net/template-method-design-pattern</a:t>
+            </a:r>
+            <a:endParaRPr b="0" lang="en-SG" sz="2000" spc="-1" strike="noStrike">
+              <a:latin typeface="Arial"/>
+            </a:endParaRPr>
+          </a:p>
+          <a:p>
+            <a:pPr marL="432000" indent="-320760">
               <a:lnSpc>
                 <a:spcPct val="100000"/>
               </a:lnSpc>
@@ -7189,7 +7266,7 @@
                 <a:latin typeface="Noto Sans Regular"/>
                 <a:ea typeface="DejaVu Sans"/>
               </a:rPr>
-              <a:t>Template – Behavioural</a:t>
+              <a:t>Note the ‘Template Method’ Run(). It defines the 4 methods that need to run in this sequence. Note that these are abstract methods within the abstract class. Implementing classes need to override these.</a:t>
             </a:r>
             <a:endParaRPr b="0" lang="en-SG" sz="2000" spc="-1" strike="noStrike">
               <a:latin typeface="Arial"/>
@@ -7203,64 +7280,6 @@
               <a:spcBef>
                 <a:spcPts val="1417"/>
               </a:spcBef>
-            </a:pPr>
-            <a:r>
-              <a:rPr b="0" lang="en-SG" sz="2000" spc="-1" strike="noStrike">
-                <a:solidFill>
-                  <a:srgbClr val="333333"/>
-                </a:solidFill>
-                <a:latin typeface="Noto Sans Regular"/>
-                <a:ea typeface="DejaVu Sans"/>
-              </a:rPr>
-              <a:t>https://www.dofactory.com/net/template-method-design-pattern</a:t>
-            </a:r>
-            <a:endParaRPr b="0" lang="en-SG" sz="2000" spc="-1" strike="noStrike">
-              <a:latin typeface="Arial"/>
-            </a:endParaRPr>
-          </a:p>
-          <a:p>
-            <a:pPr marL="432000" indent="-321120">
-              <a:lnSpc>
-                <a:spcPct val="100000"/>
-              </a:lnSpc>
-              <a:spcBef>
-                <a:spcPts val="1417"/>
-              </a:spcBef>
-              <a:buClr>
-                <a:srgbClr val="ef2929"/>
-              </a:buClr>
-              <a:buSzPct val="45000"/>
-              <a:buFont typeface="Wingdings" charset="2"/>
-              <a:buChar char=""/>
-            </a:pPr>
-            <a:r>
-              <a:rPr b="0" lang="en-SG" sz="2000" spc="-1" strike="noStrike">
-                <a:solidFill>
-                  <a:srgbClr val="333333"/>
-                </a:solidFill>
-                <a:latin typeface="Noto Sans Regular"/>
-                <a:ea typeface="DejaVu Sans"/>
-              </a:rPr>
-              <a:t>Note the ‘Template Method’ Run(). It defines the 4 methods that need to run in this sequence. Note that these are abstract methods within the abstract class. Implementing classes need to override these.</a:t>
-            </a:r>
-            <a:endParaRPr b="0" lang="en-SG" sz="2000" spc="-1" strike="noStrike">
-              <a:latin typeface="Arial"/>
-            </a:endParaRPr>
-          </a:p>
-          <a:p>
-            <a:pPr marL="432000" indent="-321120">
-              <a:lnSpc>
-                <a:spcPct val="100000"/>
-              </a:lnSpc>
-              <a:spcBef>
-                <a:spcPts val="1417"/>
-              </a:spcBef>
-              <a:buClr>
-                <a:srgbClr val="ef2929"/>
-              </a:buClr>
-              <a:buSzPct val="45000"/>
-              <a:buFont typeface="Wingdings" charset="2"/>
-              <a:buChar char=""/>
             </a:pPr>
             <a:endParaRPr b="0" lang="en-SG" sz="2000" spc="-1" strike="noStrike">
               <a:latin typeface="Arial"/>
@@ -7303,7 +7322,7 @@
         <p:spPr>
           <a:xfrm>
             <a:off x="465480" y="7040880"/>
-            <a:ext cx="5749560" cy="343800"/>
+            <a:ext cx="5749200" cy="343440"/>
           </a:xfrm>
           <a:prstGeom prst="rect">
             <a:avLst/>
@@ -7378,7 +7397,7 @@
         <p:spPr>
           <a:xfrm>
             <a:off x="720000" y="300960"/>
-            <a:ext cx="8852760" cy="1259640"/>
+            <a:ext cx="8852400" cy="1259280"/>
           </a:xfrm>
           <a:prstGeom prst="rect">
             <a:avLst/>
@@ -7427,7 +7446,7 @@
         <p:spPr>
           <a:xfrm>
             <a:off x="720000" y="2160000"/>
-            <a:ext cx="8637120" cy="4381920"/>
+            <a:ext cx="8636760" cy="4381560"/>
           </a:xfrm>
           <a:prstGeom prst="rect">
             <a:avLst/>
@@ -7446,7 +7465,7 @@
         <p:txBody>
           <a:bodyPr lIns="0" rIns="0" tIns="0" bIns="0"/>
           <a:p>
-            <a:pPr marL="432000" indent="-321120">
+            <a:pPr marL="432000" indent="-320760">
               <a:lnSpc>
                 <a:spcPct val="100000"/>
               </a:lnSpc>
@@ -7498,7 +7517,7 @@
             </a:endParaRPr>
           </a:p>
           <a:p>
-            <a:pPr marL="432000" indent="-321120">
+            <a:pPr marL="432000" indent="-320760">
               <a:lnSpc>
                 <a:spcPct val="100000"/>
               </a:lnSpc>
@@ -7563,7 +7582,7 @@
         <p:spPr>
           <a:xfrm>
             <a:off x="465480" y="7040880"/>
-            <a:ext cx="5749560" cy="343800"/>
+            <a:ext cx="5749200" cy="343440"/>
           </a:xfrm>
           <a:prstGeom prst="rect">
             <a:avLst/>
@@ -7638,7 +7657,7 @@
         <p:spPr>
           <a:xfrm>
             <a:off x="720000" y="300960"/>
-            <a:ext cx="8852760" cy="1259640"/>
+            <a:ext cx="8852400" cy="1259280"/>
           </a:xfrm>
           <a:prstGeom prst="rect">
             <a:avLst/>
@@ -7687,7 +7706,7 @@
         <p:spPr>
           <a:xfrm>
             <a:off x="720000" y="2160000"/>
-            <a:ext cx="8637120" cy="4381920"/>
+            <a:ext cx="8636760" cy="4381560"/>
           </a:xfrm>
           <a:prstGeom prst="rect">
             <a:avLst/>
@@ -7706,7 +7725,7 @@
         <p:txBody>
           <a:bodyPr lIns="0" rIns="0" tIns="0" bIns="0"/>
           <a:p>
-            <a:pPr marL="432000" indent="-321120">
+            <a:pPr marL="432000" indent="-320760">
               <a:lnSpc>
                 <a:spcPct val="100000"/>
               </a:lnSpc>
@@ -7735,7 +7754,7 @@
             </a:endParaRPr>
           </a:p>
           <a:p>
-            <a:pPr lvl="1" marL="432000" indent="-215280">
+            <a:pPr lvl="1" marL="432000" indent="-214920">
               <a:lnSpc>
                 <a:spcPct val="100000"/>
               </a:lnSpc>
@@ -7764,7 +7783,7 @@
             </a:endParaRPr>
           </a:p>
           <a:p>
-            <a:pPr lvl="1" marL="432000" indent="-215280">
+            <a:pPr lvl="1" marL="432000" indent="-214920">
               <a:lnSpc>
                 <a:spcPct val="100000"/>
               </a:lnSpc>
@@ -7793,7 +7812,7 @@
             </a:endParaRPr>
           </a:p>
           <a:p>
-            <a:pPr lvl="1" marL="432000" indent="-215280">
+            <a:pPr lvl="1" marL="432000" indent="-214920">
               <a:lnSpc>
                 <a:spcPct val="100000"/>
               </a:lnSpc>
@@ -7822,7 +7841,7 @@
             </a:endParaRPr>
           </a:p>
           <a:p>
-            <a:pPr lvl="1" marL="432000" indent="-215280">
+            <a:pPr lvl="1" marL="432000" indent="-214920">
               <a:lnSpc>
                 <a:spcPct val="100000"/>
               </a:lnSpc>
@@ -7851,7 +7870,7 @@
             </a:endParaRPr>
           </a:p>
           <a:p>
-            <a:pPr lvl="1" marL="432000" indent="-215280">
+            <a:pPr lvl="1" marL="432000" indent="-214920">
               <a:lnSpc>
                 <a:spcPct val="100000"/>
               </a:lnSpc>
@@ -7902,55 +7921,6 @@
               </a:spcAft>
             </a:pPr>
             <a:endParaRPr b="0" lang="en-SG" sz="2000" spc="-1" strike="noStrike">
-              <a:latin typeface="Arial"/>
-            </a:endParaRPr>
-          </a:p>
-        </p:txBody>
-      </p:sp>
-      <p:sp>
-        <p:nvSpPr>
-          <p:cNvPr id="155" name="CustomShape 3"/>
-          <p:cNvSpPr/>
-          <p:nvPr/>
-        </p:nvSpPr>
-        <p:spPr>
-          <a:xfrm>
-            <a:off x="465480" y="7040880"/>
-            <a:ext cx="5749560" cy="343800"/>
-          </a:xfrm>
-          <a:prstGeom prst="rect">
-            <a:avLst/>
-          </a:prstGeom>
-          <a:noFill/>
-          <a:ln>
-            <a:noFill/>
-          </a:ln>
-        </p:spPr>
-        <p:style>
-          <a:lnRef idx="0"/>
-          <a:fillRef idx="0"/>
-          <a:effectRef idx="0"/>
-          <a:fontRef idx="minor"/>
-        </p:style>
-        <p:txBody>
-          <a:bodyPr lIns="90000" rIns="90000" tIns="45000" bIns="45000"/>
-          <a:p>
-            <a:pPr>
-              <a:lnSpc>
-                <a:spcPct val="100000"/>
-              </a:lnSpc>
-            </a:pPr>
-            <a:r>
-              <a:rPr b="0" lang="en-SG" sz="1300" spc="-1" strike="noStrike">
-                <a:solidFill>
-                  <a:srgbClr val="000000"/>
-                </a:solidFill>
-                <a:latin typeface="Arial"/>
-                <a:ea typeface="DejaVu Sans"/>
-              </a:rPr>
-              <a:t>https://www.geeksforgeeks.org/introduction-to-net-framework/</a:t>
-            </a:r>
-            <a:endParaRPr b="0" lang="en-SG" sz="1300" spc="-1" strike="noStrike">
               <a:latin typeface="Arial"/>
             </a:endParaRPr>
           </a:p>
@@ -8007,14 +7977,14 @@
       </p:grpSpPr>
       <p:sp>
         <p:nvSpPr>
-          <p:cNvPr id="156" name="CustomShape 1"/>
+          <p:cNvPr id="155" name="CustomShape 1"/>
           <p:cNvSpPr/>
           <p:nvPr/>
         </p:nvSpPr>
         <p:spPr>
           <a:xfrm>
             <a:off x="720000" y="300960"/>
-            <a:ext cx="8852760" cy="1259640"/>
+            <a:ext cx="8852400" cy="1259280"/>
           </a:xfrm>
           <a:prstGeom prst="rect">
             <a:avLst/>
@@ -8038,7 +8008,6 @@
                 <a:spcPct val="100000"/>
               </a:lnSpc>
             </a:pPr>
-            <a:br/>
             <a:r>
               <a:rPr b="1" lang="en-SG" sz="4400" spc="-1" strike="noStrike">
                 <a:solidFill>
@@ -8047,7 +8016,7 @@
                 <a:latin typeface="Noto Sans Regular"/>
                 <a:ea typeface="DejaVu Sans"/>
               </a:rPr>
-              <a:t>References</a:t>
+              <a:t>SOLID</a:t>
             </a:r>
             <a:endParaRPr b="0" lang="en-SG" sz="4400" spc="-1" strike="noStrike">
               <a:latin typeface="Arial"/>
@@ -8057,14 +8026,14 @@
       </p:sp>
       <p:sp>
         <p:nvSpPr>
-          <p:cNvPr id="157" name="CustomShape 2"/>
+          <p:cNvPr id="156" name="CustomShape 2"/>
           <p:cNvSpPr/>
           <p:nvPr/>
         </p:nvSpPr>
         <p:spPr>
           <a:xfrm>
             <a:off x="720000" y="2160000"/>
-            <a:ext cx="8637120" cy="4381920"/>
+            <a:ext cx="8636760" cy="4381560"/>
           </a:xfrm>
           <a:prstGeom prst="rect">
             <a:avLst/>
@@ -8083,7 +8052,7 @@
         <p:txBody>
           <a:bodyPr lIns="0" rIns="0" tIns="0" bIns="0"/>
           <a:p>
-            <a:pPr marL="432000" indent="-321120">
+            <a:pPr marL="432000" indent="-320760">
               <a:lnSpc>
                 <a:spcPct val="100000"/>
               </a:lnSpc>
@@ -8098,6 +8067,16 @@
               <a:buChar char=""/>
             </a:pPr>
             <a:r>
+              <a:rPr b="0" lang="en-SG" sz="1800" spc="-1" strike="noStrike">
+                <a:solidFill>
+                  <a:srgbClr val="333333"/>
+                </a:solidFill>
+                <a:latin typeface="Noto Sans Regular"/>
+                <a:ea typeface="DejaVu Sans"/>
+              </a:rPr>
+              <a:t>Si</a:t>
+            </a:r>
+            <a:r>
               <a:rPr b="0" lang="en-SG" sz="2000" spc="-1" strike="noStrike">
                 <a:solidFill>
                   <a:srgbClr val="333333"/>
@@ -8105,38 +8084,14 @@
                 <a:latin typeface="Noto Sans Regular"/>
                 <a:ea typeface="DejaVu Sans"/>
               </a:rPr>
-              <a:t>University of Wisconsin, CSE 403 materials</a:t>
-            </a:r>
-            <a:endParaRPr b="0" lang="en-SG" sz="2000" spc="-1" strike="noStrike">
-              <a:latin typeface="Arial"/>
-            </a:endParaRPr>
-          </a:p>
-          <a:p>
-            <a:pPr>
-              <a:lnSpc>
-                <a:spcPct val="100000"/>
-              </a:lnSpc>
-              <a:spcBef>
-                <a:spcPts val="1417"/>
-              </a:spcBef>
-            </a:pPr>
-            <a:r>
-              <a:rPr b="0" lang="en-SG" sz="2000" spc="-1" strike="noStrike">
-                <a:solidFill>
-                  <a:srgbClr val="333333"/>
-                </a:solidFill>
-                <a:latin typeface="Noto Sans Regular"/>
-                <a:ea typeface="DejaVu Sans"/>
-                <a:hlinkClick r:id="rId1"/>
-              </a:rPr>
-              <a:t>https://courses.cs.washington.edu/courses/cse403/11sp/lectures/</a:t>
-            </a:r>
-            <a:endParaRPr b="0" lang="en-SG" sz="2000" spc="-1" strike="noStrike">
-              <a:latin typeface="Arial"/>
-            </a:endParaRPr>
-          </a:p>
-          <a:p>
-            <a:pPr marL="432000" indent="-321120">
+              <a:t>ngle Responsibility Principle (SRP)</a:t>
+            </a:r>
+            <a:endParaRPr b="0" lang="en-SG" sz="2000" spc="-1" strike="noStrike">
+              <a:latin typeface="Arial"/>
+            </a:endParaRPr>
+          </a:p>
+          <a:p>
+            <a:pPr marL="432000" indent="-320760">
               <a:lnSpc>
                 <a:spcPct val="100000"/>
               </a:lnSpc>
@@ -8158,27 +8113,8 @@
                 <a:latin typeface="Noto Sans Regular"/>
                 <a:ea typeface="DejaVu Sans"/>
               </a:rPr>
-              <a:t>Blackboard system/Architecture</a:t>
-            </a:r>
-            <a:endParaRPr b="0" lang="en-SG" sz="2000" spc="-1" strike="noStrike">
-              <a:latin typeface="Arial"/>
-            </a:endParaRPr>
-          </a:p>
-          <a:p>
-            <a:pPr marL="432000" indent="-321120">
-              <a:lnSpc>
-                <a:spcPct val="100000"/>
-              </a:lnSpc>
-              <a:spcBef>
-                <a:spcPts val="1417"/>
-              </a:spcBef>
-              <a:buClr>
-                <a:srgbClr val="ef2929"/>
-              </a:buClr>
-              <a:buSzPct val="45000"/>
-              <a:buFont typeface="Wingdings" charset="2"/>
-              <a:buChar char=""/>
-            </a:pPr>
+              <a:t>“</a:t>
+            </a:r>
             <a:r>
               <a:rPr b="0" lang="en-SG" sz="2000" spc="-1" strike="noStrike">
                 <a:solidFill>
@@ -8187,21 +8123,8 @@
                 <a:latin typeface="Noto Sans Regular"/>
                 <a:ea typeface="DejaVu Sans"/>
               </a:rPr>
-              <a:t>https://en.wikipedia.org/wiki/Blackboard_system</a:t>
-            </a:r>
-            <a:endParaRPr b="0" lang="en-SG" sz="2000" spc="-1" strike="noStrike">
-              <a:latin typeface="Arial"/>
-            </a:endParaRPr>
-          </a:p>
-          <a:p>
-            <a:pPr>
-              <a:lnSpc>
-                <a:spcPct val="100000"/>
-              </a:lnSpc>
-              <a:spcBef>
-                <a:spcPts val="1417"/>
-              </a:spcBef>
-            </a:pPr>
+              <a:t>A class should have only one reason to change.”</a:t>
+            </a:r>
             <a:endParaRPr b="0" lang="en-SG" sz="2000" spc="-1" strike="noStrike">
               <a:latin typeface="Arial"/>
             </a:endParaRPr>
@@ -8234,55 +8157,29 @@
           </a:p>
         </p:txBody>
       </p:sp>
-      <p:sp>
-        <p:nvSpPr>
-          <p:cNvPr id="158" name="CustomShape 3"/>
-          <p:cNvSpPr/>
+      <p:pic>
+        <p:nvPicPr>
+          <p:cNvPr id="157" name="" descr=""/>
+          <p:cNvPicPr/>
           <p:nvPr/>
-        </p:nvSpPr>
-        <p:spPr>
-          <a:xfrm>
-            <a:off x="465480" y="7040880"/>
-            <a:ext cx="5749560" cy="343800"/>
-          </a:xfrm>
-          <a:prstGeom prst="rect">
-            <a:avLst/>
-          </a:prstGeom>
-          <a:noFill/>
+        </p:nvPicPr>
+        <p:blipFill>
+          <a:blip r:embed="rId1"/>
+          <a:stretch/>
+        </p:blipFill>
+        <p:spPr>
+          <a:xfrm>
+            <a:off x="1139040" y="3200400"/>
+            <a:ext cx="5444640" cy="3776760"/>
+          </a:xfrm>
+          <a:prstGeom prst="rect">
+            <a:avLst/>
+          </a:prstGeom>
           <a:ln>
             <a:noFill/>
           </a:ln>
         </p:spPr>
-        <p:style>
-          <a:lnRef idx="0"/>
-          <a:fillRef idx="0"/>
-          <a:effectRef idx="0"/>
-          <a:fontRef idx="minor"/>
-        </p:style>
-        <p:txBody>
-          <a:bodyPr lIns="90000" rIns="90000" tIns="45000" bIns="45000"/>
-          <a:p>
-            <a:pPr>
-              <a:lnSpc>
-                <a:spcPct val="100000"/>
-              </a:lnSpc>
-            </a:pPr>
-            <a:r>
-              <a:rPr b="0" lang="en-SG" sz="1300" spc="-1" strike="noStrike">
-                <a:solidFill>
-                  <a:srgbClr val="000000"/>
-                </a:solidFill>
-                <a:latin typeface="Arial"/>
-                <a:ea typeface="DejaVu Sans"/>
-              </a:rPr>
-              <a:t>https://www.geeksforgeeks.org/introduction-to-net-framework/</a:t>
-            </a:r>
-            <a:endParaRPr b="0" lang="en-SG" sz="1300" spc="-1" strike="noStrike">
-              <a:latin typeface="Arial"/>
-            </a:endParaRPr>
-          </a:p>
-        </p:txBody>
-      </p:sp>
+      </p:pic>
     </p:spTree>
   </p:cSld>
   <p:timing>
@@ -8292,6 +8189,622 @@
           <p:childTnLst>
             <p:seq>
               <p:cTn id="54" dur="indefinite" nodeType="mainSeq"/>
+              <p:prevCondLst>
+                <p:cond delay="0" evt="onPrev">
+                  <p:tgtEl>
+                    <p:sldTgt/>
+                  </p:tgtEl>
+                </p:cond>
+              </p:prevCondLst>
+              <p:nextCondLst>
+                <p:cond delay="0" evt="onNext">
+                  <p:tgtEl>
+                    <p:sldTgt/>
+                  </p:tgtEl>
+                </p:cond>
+              </p:nextCondLst>
+            </p:seq>
+          </p:childTnLst>
+        </p:cTn>
+      </p:par>
+    </p:tnLst>
+  </p:timing>
+</p:sld>
+</file>
+
+<file path=ppt/slides/slide28.xml><?xml version="1.0" encoding="utf-8"?>
+<p:sld xmlns:a="http://schemas.openxmlformats.org/drawingml/2006/main" xmlns:p="http://schemas.openxmlformats.org/presentationml/2006/main" xmlns:r="http://schemas.openxmlformats.org/officeDocument/2006/relationships" xmlns:p14="http://schemas.microsoft.com/office/powerpoint/2010/main" xmlns:p15="http://schemas.microsoft.com/office/powerpoint/2012/main" xmlns:mc="http://schemas.openxmlformats.org/markup-compatibility/2006">
+  <p:cSld>
+    <p:spTree>
+      <p:nvGrpSpPr>
+        <p:cNvPr id="1" name=""/>
+        <p:cNvGrpSpPr/>
+        <p:nvPr/>
+      </p:nvGrpSpPr>
+      <p:grpSpPr>
+        <a:xfrm>
+          <a:off x="0" y="0"/>
+          <a:ext cx="0" cy="0"/>
+          <a:chOff x="0" y="0"/>
+          <a:chExt cx="0" cy="0"/>
+        </a:xfrm>
+      </p:grpSpPr>
+      <p:sp>
+        <p:nvSpPr>
+          <p:cNvPr id="158" name="CustomShape 1"/>
+          <p:cNvSpPr/>
+          <p:nvPr/>
+        </p:nvSpPr>
+        <p:spPr>
+          <a:xfrm>
+            <a:off x="720000" y="300960"/>
+            <a:ext cx="8852400" cy="1259280"/>
+          </a:xfrm>
+          <a:prstGeom prst="rect">
+            <a:avLst/>
+          </a:prstGeom>
+          <a:noFill/>
+          <a:ln>
+            <a:noFill/>
+          </a:ln>
+        </p:spPr>
+        <p:style>
+          <a:lnRef idx="0"/>
+          <a:fillRef idx="0"/>
+          <a:effectRef idx="0"/>
+          <a:fontRef idx="minor"/>
+        </p:style>
+        <p:txBody>
+          <a:bodyPr lIns="0" rIns="0" tIns="0" bIns="0" anchor="ctr"/>
+          <a:p>
+            <a:pPr>
+              <a:lnSpc>
+                <a:spcPct val="100000"/>
+              </a:lnSpc>
+            </a:pPr>
+            <a:r>
+              <a:rPr b="1" lang="en-SG" sz="4400" spc="-1" strike="noStrike">
+                <a:solidFill>
+                  <a:srgbClr val="333333"/>
+                </a:solidFill>
+                <a:latin typeface="Noto Sans Regular"/>
+                <a:ea typeface="DejaVu Sans"/>
+              </a:rPr>
+              <a:t>SOLID</a:t>
+            </a:r>
+            <a:endParaRPr b="0" lang="en-SG" sz="4400" spc="-1" strike="noStrike">
+              <a:latin typeface="Arial"/>
+            </a:endParaRPr>
+          </a:p>
+        </p:txBody>
+      </p:sp>
+      <p:sp>
+        <p:nvSpPr>
+          <p:cNvPr id="159" name="CustomShape 2"/>
+          <p:cNvSpPr/>
+          <p:nvPr/>
+        </p:nvSpPr>
+        <p:spPr>
+          <a:xfrm>
+            <a:off x="720000" y="2160000"/>
+            <a:ext cx="8636760" cy="4381560"/>
+          </a:xfrm>
+          <a:prstGeom prst="rect">
+            <a:avLst/>
+          </a:prstGeom>
+          <a:noFill/>
+          <a:ln>
+            <a:noFill/>
+          </a:ln>
+        </p:spPr>
+        <p:style>
+          <a:lnRef idx="0"/>
+          <a:fillRef idx="0"/>
+          <a:effectRef idx="0"/>
+          <a:fontRef idx="minor"/>
+        </p:style>
+        <p:txBody>
+          <a:bodyPr lIns="0" rIns="0" tIns="0" bIns="0"/>
+          <a:p>
+            <a:pPr marL="432000" indent="-320760">
+              <a:lnSpc>
+                <a:spcPct val="100000"/>
+              </a:lnSpc>
+              <a:spcBef>
+                <a:spcPts val="1417"/>
+              </a:spcBef>
+              <a:buClr>
+                <a:srgbClr val="ef2929"/>
+              </a:buClr>
+              <a:buSzPct val="45000"/>
+              <a:buFont typeface="Wingdings" charset="2"/>
+              <a:buChar char=""/>
+            </a:pPr>
+            <a:r>
+              <a:rPr b="0" lang="en-SG" sz="1800" spc="-1" strike="noStrike">
+                <a:solidFill>
+                  <a:srgbClr val="333333"/>
+                </a:solidFill>
+                <a:latin typeface="Noto Sans Regular"/>
+                <a:ea typeface="DejaVu Sans"/>
+              </a:rPr>
+              <a:t>Si</a:t>
+            </a:r>
+            <a:r>
+              <a:rPr b="0" lang="en-SG" sz="2000" spc="-1" strike="noStrike">
+                <a:solidFill>
+                  <a:srgbClr val="333333"/>
+                </a:solidFill>
+                <a:latin typeface="Noto Sans Regular"/>
+                <a:ea typeface="DejaVu Sans"/>
+              </a:rPr>
+              <a:t>ngle Responsibility Principle (SRP)</a:t>
+            </a:r>
+            <a:endParaRPr b="0" lang="en-SG" sz="2000" spc="-1" strike="noStrike">
+              <a:latin typeface="Arial"/>
+            </a:endParaRPr>
+          </a:p>
+          <a:p>
+            <a:pPr marL="432000" indent="-320760">
+              <a:lnSpc>
+                <a:spcPct val="100000"/>
+              </a:lnSpc>
+              <a:spcBef>
+                <a:spcPts val="1417"/>
+              </a:spcBef>
+              <a:buClr>
+                <a:srgbClr val="ef2929"/>
+              </a:buClr>
+              <a:buSzPct val="45000"/>
+              <a:buFont typeface="Wingdings" charset="2"/>
+              <a:buChar char=""/>
+            </a:pPr>
+            <a:endParaRPr b="0" lang="en-SG" sz="2000" spc="-1" strike="noStrike">
+              <a:latin typeface="Arial"/>
+            </a:endParaRPr>
+          </a:p>
+          <a:p>
+            <a:pPr>
+              <a:lnSpc>
+                <a:spcPct val="100000"/>
+              </a:lnSpc>
+              <a:spcBef>
+                <a:spcPts val="1417"/>
+              </a:spcBef>
+            </a:pPr>
+            <a:endParaRPr b="0" lang="en-SG" sz="2000" spc="-1" strike="noStrike">
+              <a:latin typeface="Arial"/>
+            </a:endParaRPr>
+          </a:p>
+          <a:p>
+            <a:pPr>
+              <a:lnSpc>
+                <a:spcPct val="100000"/>
+              </a:lnSpc>
+              <a:spcAft>
+                <a:spcPts val="1414"/>
+              </a:spcAft>
+            </a:pPr>
+            <a:endParaRPr b="0" lang="en-SG" sz="2000" spc="-1" strike="noStrike">
+              <a:latin typeface="Arial"/>
+            </a:endParaRPr>
+          </a:p>
+        </p:txBody>
+      </p:sp>
+      <p:pic>
+        <p:nvPicPr>
+          <p:cNvPr id="160" name="" descr=""/>
+          <p:cNvPicPr/>
+          <p:nvPr/>
+        </p:nvPicPr>
+        <p:blipFill>
+          <a:blip r:embed="rId1"/>
+          <a:stretch/>
+        </p:blipFill>
+        <p:spPr>
+          <a:xfrm>
+            <a:off x="1146960" y="2638080"/>
+            <a:ext cx="3699360" cy="2025360"/>
+          </a:xfrm>
+          <a:prstGeom prst="rect">
+            <a:avLst/>
+          </a:prstGeom>
+          <a:ln>
+            <a:noFill/>
+          </a:ln>
+        </p:spPr>
+      </p:pic>
+      <p:pic>
+        <p:nvPicPr>
+          <p:cNvPr id="161" name="" descr=""/>
+          <p:cNvPicPr/>
+          <p:nvPr/>
+        </p:nvPicPr>
+        <p:blipFill>
+          <a:blip r:embed="rId2"/>
+          <a:stretch/>
+        </p:blipFill>
+        <p:spPr>
+          <a:xfrm>
+            <a:off x="5146560" y="4212000"/>
+            <a:ext cx="4088880" cy="2737440"/>
+          </a:xfrm>
+          <a:prstGeom prst="rect">
+            <a:avLst/>
+          </a:prstGeom>
+          <a:ln>
+            <a:noFill/>
+          </a:ln>
+        </p:spPr>
+      </p:pic>
+    </p:spTree>
+  </p:cSld>
+  <p:timing>
+    <p:tnLst>
+      <p:par>
+        <p:cTn id="55" dur="indefinite" restart="never" nodeType="tmRoot">
+          <p:childTnLst>
+            <p:seq>
+              <p:cTn id="56" dur="indefinite" nodeType="mainSeq"/>
+              <p:prevCondLst>
+                <p:cond delay="0" evt="onPrev">
+                  <p:tgtEl>
+                    <p:sldTgt/>
+                  </p:tgtEl>
+                </p:cond>
+              </p:prevCondLst>
+              <p:nextCondLst>
+                <p:cond delay="0" evt="onNext">
+                  <p:tgtEl>
+                    <p:sldTgt/>
+                  </p:tgtEl>
+                </p:cond>
+              </p:nextCondLst>
+            </p:seq>
+          </p:childTnLst>
+        </p:cTn>
+      </p:par>
+    </p:tnLst>
+  </p:timing>
+</p:sld>
+</file>
+
+<file path=ppt/slides/slide29.xml><?xml version="1.0" encoding="utf-8"?>
+<p:sld xmlns:a="http://schemas.openxmlformats.org/drawingml/2006/main" xmlns:p="http://schemas.openxmlformats.org/presentationml/2006/main" xmlns:r="http://schemas.openxmlformats.org/officeDocument/2006/relationships" xmlns:p14="http://schemas.microsoft.com/office/powerpoint/2010/main" xmlns:p15="http://schemas.microsoft.com/office/powerpoint/2012/main" xmlns:mc="http://schemas.openxmlformats.org/markup-compatibility/2006">
+  <p:cSld>
+    <p:spTree>
+      <p:nvGrpSpPr>
+        <p:cNvPr id="1" name=""/>
+        <p:cNvGrpSpPr/>
+        <p:nvPr/>
+      </p:nvGrpSpPr>
+      <p:grpSpPr>
+        <a:xfrm>
+          <a:off x="0" y="0"/>
+          <a:ext cx="0" cy="0"/>
+          <a:chOff x="0" y="0"/>
+          <a:chExt cx="0" cy="0"/>
+        </a:xfrm>
+      </p:grpSpPr>
+      <p:sp>
+        <p:nvSpPr>
+          <p:cNvPr id="162" name="CustomShape 1"/>
+          <p:cNvSpPr/>
+          <p:nvPr/>
+        </p:nvSpPr>
+        <p:spPr>
+          <a:xfrm>
+            <a:off x="720000" y="300960"/>
+            <a:ext cx="8852400" cy="1259280"/>
+          </a:xfrm>
+          <a:prstGeom prst="rect">
+            <a:avLst/>
+          </a:prstGeom>
+          <a:noFill/>
+          <a:ln>
+            <a:noFill/>
+          </a:ln>
+        </p:spPr>
+        <p:style>
+          <a:lnRef idx="0"/>
+          <a:fillRef idx="0"/>
+          <a:effectRef idx="0"/>
+          <a:fontRef idx="minor"/>
+        </p:style>
+        <p:txBody>
+          <a:bodyPr lIns="0" rIns="0" tIns="0" bIns="0" anchor="ctr"/>
+          <a:p>
+            <a:pPr>
+              <a:lnSpc>
+                <a:spcPct val="100000"/>
+              </a:lnSpc>
+            </a:pPr>
+            <a:r>
+              <a:rPr b="1" lang="en-SG" sz="4400" spc="-1" strike="noStrike">
+                <a:solidFill>
+                  <a:srgbClr val="333333"/>
+                </a:solidFill>
+                <a:latin typeface="Noto Sans Regular"/>
+                <a:ea typeface="DejaVu Sans"/>
+              </a:rPr>
+              <a:t>SOLID</a:t>
+            </a:r>
+            <a:endParaRPr b="0" lang="en-SG" sz="4400" spc="-1" strike="noStrike">
+              <a:latin typeface="Arial"/>
+            </a:endParaRPr>
+          </a:p>
+        </p:txBody>
+      </p:sp>
+      <p:sp>
+        <p:nvSpPr>
+          <p:cNvPr id="163" name="CustomShape 2"/>
+          <p:cNvSpPr/>
+          <p:nvPr/>
+        </p:nvSpPr>
+        <p:spPr>
+          <a:xfrm>
+            <a:off x="720000" y="2160000"/>
+            <a:ext cx="8636760" cy="4381560"/>
+          </a:xfrm>
+          <a:prstGeom prst="rect">
+            <a:avLst/>
+          </a:prstGeom>
+          <a:noFill/>
+          <a:ln>
+            <a:noFill/>
+          </a:ln>
+        </p:spPr>
+        <p:style>
+          <a:lnRef idx="0"/>
+          <a:fillRef idx="0"/>
+          <a:effectRef idx="0"/>
+          <a:fontRef idx="minor"/>
+        </p:style>
+        <p:txBody>
+          <a:bodyPr lIns="0" rIns="0" tIns="0" bIns="0"/>
+          <a:p>
+            <a:pPr marL="432000" indent="-320760">
+              <a:lnSpc>
+                <a:spcPct val="100000"/>
+              </a:lnSpc>
+              <a:spcBef>
+                <a:spcPts val="1417"/>
+              </a:spcBef>
+              <a:buClr>
+                <a:srgbClr val="ef2929"/>
+              </a:buClr>
+              <a:buSzPct val="45000"/>
+              <a:buFont typeface="Wingdings" charset="2"/>
+              <a:buChar char=""/>
+            </a:pPr>
+            <a:r>
+              <a:rPr b="0" lang="en-SG" sz="2000" spc="-1" strike="noStrike">
+                <a:solidFill>
+                  <a:srgbClr val="333333"/>
+                </a:solidFill>
+                <a:latin typeface="Noto Sans Regular"/>
+                <a:ea typeface="DejaVu Sans"/>
+              </a:rPr>
+              <a:t>Open-Close Principle</a:t>
+            </a:r>
+            <a:endParaRPr b="0" lang="en-SG" sz="2000" spc="-1" strike="noStrike">
+              <a:latin typeface="Arial"/>
+            </a:endParaRPr>
+          </a:p>
+          <a:p>
+            <a:pPr marL="432000" indent="-320760">
+              <a:lnSpc>
+                <a:spcPct val="100000"/>
+              </a:lnSpc>
+              <a:spcBef>
+                <a:spcPts val="1417"/>
+              </a:spcBef>
+              <a:buClr>
+                <a:srgbClr val="ef2929"/>
+              </a:buClr>
+              <a:buSzPct val="45000"/>
+              <a:buFont typeface="Wingdings" charset="2"/>
+              <a:buChar char=""/>
+            </a:pPr>
+            <a:r>
+              <a:rPr b="0" lang="en-SG" sz="2000" spc="-1" strike="noStrike">
+                <a:solidFill>
+                  <a:srgbClr val="333333"/>
+                </a:solidFill>
+                <a:latin typeface="Noto Sans Regular"/>
+                <a:ea typeface="DejaVu Sans"/>
+              </a:rPr>
+              <a:t>“</a:t>
+            </a:r>
+            <a:r>
+              <a:rPr b="0" lang="en-SG" sz="2000" spc="-1" strike="noStrike">
+                <a:solidFill>
+                  <a:srgbClr val="333333"/>
+                </a:solidFill>
+                <a:latin typeface="Noto Sans Regular"/>
+                <a:ea typeface="DejaVu Sans"/>
+              </a:rPr>
+              <a:t>Software entities (classes, modules, functions etc) should be open for extension, but closed for modification.”</a:t>
+            </a:r>
+            <a:endParaRPr b="0" lang="en-SG" sz="2000" spc="-1" strike="noStrike">
+              <a:latin typeface="Arial"/>
+            </a:endParaRPr>
+          </a:p>
+          <a:p>
+            <a:pPr>
+              <a:lnSpc>
+                <a:spcPct val="100000"/>
+              </a:lnSpc>
+              <a:spcAft>
+                <a:spcPts val="1414"/>
+              </a:spcAft>
+            </a:pPr>
+            <a:endParaRPr b="0" lang="en-SG" sz="2000" spc="-1" strike="noStrike">
+              <a:latin typeface="Arial"/>
+            </a:endParaRPr>
+          </a:p>
+        </p:txBody>
+      </p:sp>
+      <p:sp>
+        <p:nvSpPr>
+          <p:cNvPr id="164" name="CustomShape 3"/>
+          <p:cNvSpPr/>
+          <p:nvPr/>
+        </p:nvSpPr>
+        <p:spPr>
+          <a:xfrm>
+            <a:off x="465480" y="7040880"/>
+            <a:ext cx="5749200" cy="343440"/>
+          </a:xfrm>
+          <a:prstGeom prst="rect">
+            <a:avLst/>
+          </a:prstGeom>
+          <a:noFill/>
+          <a:ln>
+            <a:noFill/>
+          </a:ln>
+        </p:spPr>
+        <p:style>
+          <a:lnRef idx="0"/>
+          <a:fillRef idx="0"/>
+          <a:effectRef idx="0"/>
+          <a:fontRef idx="minor"/>
+        </p:style>
+      </p:sp>
+      <p:pic>
+        <p:nvPicPr>
+          <p:cNvPr id="165" name="" descr=""/>
+          <p:cNvPicPr/>
+          <p:nvPr/>
+        </p:nvPicPr>
+        <p:blipFill>
+          <a:blip r:embed="rId1"/>
+          <a:stretch/>
+        </p:blipFill>
+        <p:spPr>
+          <a:xfrm>
+            <a:off x="1230480" y="3461400"/>
+            <a:ext cx="3524400" cy="1019160"/>
+          </a:xfrm>
+          <a:prstGeom prst="rect">
+            <a:avLst/>
+          </a:prstGeom>
+          <a:ln>
+            <a:noFill/>
+          </a:ln>
+        </p:spPr>
+      </p:pic>
+      <p:pic>
+        <p:nvPicPr>
+          <p:cNvPr id="166" name="" descr=""/>
+          <p:cNvPicPr/>
+          <p:nvPr/>
+        </p:nvPicPr>
+        <p:blipFill>
+          <a:blip r:embed="rId2"/>
+          <a:stretch/>
+        </p:blipFill>
+        <p:spPr>
+          <a:xfrm>
+            <a:off x="1432440" y="4720680"/>
+            <a:ext cx="2133720" cy="2228760"/>
+          </a:xfrm>
+          <a:prstGeom prst="rect">
+            <a:avLst/>
+          </a:prstGeom>
+          <a:ln>
+            <a:noFill/>
+          </a:ln>
+        </p:spPr>
+      </p:pic>
+      <p:sp>
+        <p:nvSpPr>
+          <p:cNvPr id="167" name="TextShape 4"/>
+          <p:cNvSpPr txBox="1"/>
+          <p:nvPr/>
+        </p:nvSpPr>
+        <p:spPr>
+          <a:xfrm>
+            <a:off x="4847040" y="3749040"/>
+            <a:ext cx="3108240" cy="346320"/>
+          </a:xfrm>
+          <a:prstGeom prst="rect">
+            <a:avLst/>
+          </a:prstGeom>
+          <a:noFill/>
+          <a:ln>
+            <a:noFill/>
+          </a:ln>
+        </p:spPr>
+        <p:txBody>
+          <a:bodyPr lIns="90000" rIns="90000" tIns="45000" bIns="45000"/>
+          <a:p>
+            <a:r>
+              <a:rPr b="0" lang="en-SG" sz="1800" spc="-1" strike="noStrike">
+                <a:latin typeface="Arial"/>
+              </a:rPr>
+              <a:t>Client is not open and closed</a:t>
+            </a:r>
+            <a:endParaRPr b="0" lang="en-SG" sz="1800" spc="-1" strike="noStrike">
+              <a:latin typeface="Arial"/>
+            </a:endParaRPr>
+          </a:p>
+        </p:txBody>
+      </p:sp>
+      <p:sp>
+        <p:nvSpPr>
+          <p:cNvPr id="168" name="TextShape 5"/>
+          <p:cNvSpPr txBox="1"/>
+          <p:nvPr/>
+        </p:nvSpPr>
+        <p:spPr>
+          <a:xfrm>
+            <a:off x="5029200" y="5048640"/>
+            <a:ext cx="3248640" cy="602280"/>
+          </a:xfrm>
+          <a:prstGeom prst="rect">
+            <a:avLst/>
+          </a:prstGeom>
+          <a:noFill/>
+          <a:ln>
+            <a:noFill/>
+          </a:ln>
+        </p:spPr>
+        <p:txBody>
+          <a:bodyPr lIns="90000" rIns="90000" tIns="45000" bIns="45000"/>
+          <a:p>
+            <a:r>
+              <a:rPr b="0" lang="en-SG" sz="1800" spc="-1" strike="noStrike">
+                <a:latin typeface="Arial"/>
+              </a:rPr>
+              <a:t>Template Method Pattern: </a:t>
+            </a:r>
+            <a:endParaRPr b="0" lang="en-SG" sz="1800" spc="-1" strike="noStrike">
+              <a:latin typeface="Arial"/>
+            </a:endParaRPr>
+          </a:p>
+          <a:p>
+            <a:r>
+              <a:rPr b="0" lang="en-SG" sz="1800" spc="-1" strike="noStrike">
+                <a:latin typeface="Arial"/>
+              </a:rPr>
+              <a:t>Base class is open and closed</a:t>
+            </a:r>
+            <a:endParaRPr b="0" lang="en-SG" sz="1800" spc="-1" strike="noStrike">
+              <a:latin typeface="Arial"/>
+            </a:endParaRPr>
+          </a:p>
+        </p:txBody>
+      </p:sp>
+    </p:spTree>
+  </p:cSld>
+  <p:timing>
+    <p:tnLst>
+      <p:par>
+        <p:cTn id="57" dur="indefinite" restart="never" nodeType="tmRoot">
+          <p:childTnLst>
+            <p:seq>
+              <p:cTn id="58" dur="indefinite" nodeType="mainSeq"/>
               <p:prevCondLst>
                 <p:cond delay="0" evt="onPrev">
                   <p:tgtEl>
@@ -8341,7 +8854,7 @@
         <p:spPr>
           <a:xfrm>
             <a:off x="720000" y="300960"/>
-            <a:ext cx="8852760" cy="1259640"/>
+            <a:ext cx="8852400" cy="1259280"/>
           </a:xfrm>
           <a:prstGeom prst="rect">
             <a:avLst/>
@@ -8390,7 +8903,7 @@
         <p:spPr>
           <a:xfrm>
             <a:off x="720000" y="2160000"/>
-            <a:ext cx="8637120" cy="4381920"/>
+            <a:ext cx="8636760" cy="4381560"/>
           </a:xfrm>
           <a:prstGeom prst="rect">
             <a:avLst/>
@@ -8409,7 +8922,7 @@
         <p:txBody>
           <a:bodyPr lIns="0" rIns="0" tIns="0" bIns="0"/>
           <a:p>
-            <a:pPr marL="432000" indent="-321120">
+            <a:pPr marL="432000" indent="-320760">
               <a:lnSpc>
                 <a:spcPct val="100000"/>
               </a:lnSpc>
@@ -8438,7 +8951,7 @@
             </a:endParaRPr>
           </a:p>
           <a:p>
-            <a:pPr marL="432000" indent="-321120">
+            <a:pPr marL="432000" indent="-320760">
               <a:lnSpc>
                 <a:spcPct val="100000"/>
               </a:lnSpc>
@@ -8467,7 +8980,7 @@
             </a:endParaRPr>
           </a:p>
           <a:p>
-            <a:pPr marL="432000" indent="-321120">
+            <a:pPr marL="432000" indent="-320760">
               <a:lnSpc>
                 <a:spcPct val="100000"/>
               </a:lnSpc>
@@ -8496,7 +9009,7 @@
             </a:endParaRPr>
           </a:p>
           <a:p>
-            <a:pPr marL="432000" indent="-321120">
+            <a:pPr marL="432000" indent="-320760">
               <a:lnSpc>
                 <a:spcPct val="100000"/>
               </a:lnSpc>
@@ -8525,7 +9038,7 @@
             </a:endParaRPr>
           </a:p>
           <a:p>
-            <a:pPr marL="432000" indent="-321120">
+            <a:pPr marL="432000" indent="-320760">
               <a:lnSpc>
                 <a:spcPct val="100000"/>
               </a:lnSpc>
@@ -8554,7 +9067,7 @@
             </a:endParaRPr>
           </a:p>
           <a:p>
-            <a:pPr lvl="1" marL="432000" indent="-216000">
+            <a:pPr lvl="1" marL="432000" indent="-215640">
               <a:lnSpc>
                 <a:spcPct val="100000"/>
               </a:lnSpc>
@@ -8583,7 +9096,7 @@
             </a:endParaRPr>
           </a:p>
           <a:p>
-            <a:pPr lvl="1" marL="432000" indent="-216000">
+            <a:pPr lvl="1" marL="432000" indent="-215640">
               <a:lnSpc>
                 <a:spcPct val="100000"/>
               </a:lnSpc>
@@ -8612,7 +9125,7 @@
             </a:endParaRPr>
           </a:p>
           <a:p>
-            <a:pPr lvl="1" marL="432000" indent="-216000">
+            <a:pPr lvl="1" marL="432000" indent="-215640">
               <a:lnSpc>
                 <a:spcPct val="100000"/>
               </a:lnSpc>
@@ -8690,7 +9203,7 @@
         <p:spPr>
           <a:xfrm>
             <a:off x="465480" y="7040880"/>
-            <a:ext cx="5749560" cy="343800"/>
+            <a:ext cx="5749200" cy="343440"/>
           </a:xfrm>
           <a:prstGeom prst="rect">
             <a:avLst/>
@@ -8716,6 +9229,1303 @@
           <p:childTnLst>
             <p:seq>
               <p:cTn id="6" dur="indefinite" nodeType="mainSeq"/>
+              <p:prevCondLst>
+                <p:cond delay="0" evt="onPrev">
+                  <p:tgtEl>
+                    <p:sldTgt/>
+                  </p:tgtEl>
+                </p:cond>
+              </p:prevCondLst>
+              <p:nextCondLst>
+                <p:cond delay="0" evt="onNext">
+                  <p:tgtEl>
+                    <p:sldTgt/>
+                  </p:tgtEl>
+                </p:cond>
+              </p:nextCondLst>
+            </p:seq>
+          </p:childTnLst>
+        </p:cTn>
+      </p:par>
+    </p:tnLst>
+  </p:timing>
+</p:sld>
+</file>
+
+<file path=ppt/slides/slide30.xml><?xml version="1.0" encoding="utf-8"?>
+<p:sld xmlns:a="http://schemas.openxmlformats.org/drawingml/2006/main" xmlns:p="http://schemas.openxmlformats.org/presentationml/2006/main" xmlns:r="http://schemas.openxmlformats.org/officeDocument/2006/relationships" xmlns:p14="http://schemas.microsoft.com/office/powerpoint/2010/main" xmlns:p15="http://schemas.microsoft.com/office/powerpoint/2012/main" xmlns:mc="http://schemas.openxmlformats.org/markup-compatibility/2006">
+  <p:cSld>
+    <p:spTree>
+      <p:nvGrpSpPr>
+        <p:cNvPr id="1" name=""/>
+        <p:cNvGrpSpPr/>
+        <p:nvPr/>
+      </p:nvGrpSpPr>
+      <p:grpSpPr>
+        <a:xfrm>
+          <a:off x="0" y="0"/>
+          <a:ext cx="0" cy="0"/>
+          <a:chOff x="0" y="0"/>
+          <a:chExt cx="0" cy="0"/>
+        </a:xfrm>
+      </p:grpSpPr>
+      <p:sp>
+        <p:nvSpPr>
+          <p:cNvPr id="169" name="CustomShape 1"/>
+          <p:cNvSpPr/>
+          <p:nvPr/>
+        </p:nvSpPr>
+        <p:spPr>
+          <a:xfrm>
+            <a:off x="720000" y="300960"/>
+            <a:ext cx="8852400" cy="1259280"/>
+          </a:xfrm>
+          <a:prstGeom prst="rect">
+            <a:avLst/>
+          </a:prstGeom>
+          <a:noFill/>
+          <a:ln>
+            <a:noFill/>
+          </a:ln>
+        </p:spPr>
+        <p:style>
+          <a:lnRef idx="0"/>
+          <a:fillRef idx="0"/>
+          <a:effectRef idx="0"/>
+          <a:fontRef idx="minor"/>
+        </p:style>
+        <p:txBody>
+          <a:bodyPr lIns="0" rIns="0" tIns="0" bIns="0" anchor="ctr"/>
+          <a:p>
+            <a:pPr>
+              <a:lnSpc>
+                <a:spcPct val="100000"/>
+              </a:lnSpc>
+            </a:pPr>
+            <a:r>
+              <a:rPr b="1" lang="en-SG" sz="4400" spc="-1" strike="noStrike">
+                <a:solidFill>
+                  <a:srgbClr val="333333"/>
+                </a:solidFill>
+                <a:latin typeface="Noto Sans Regular"/>
+                <a:ea typeface="DejaVu Sans"/>
+              </a:rPr>
+              <a:t>SOLID</a:t>
+            </a:r>
+            <a:endParaRPr b="0" lang="en-SG" sz="4400" spc="-1" strike="noStrike">
+              <a:latin typeface="Arial"/>
+            </a:endParaRPr>
+          </a:p>
+        </p:txBody>
+      </p:sp>
+      <p:sp>
+        <p:nvSpPr>
+          <p:cNvPr id="170" name="CustomShape 2"/>
+          <p:cNvSpPr/>
+          <p:nvPr/>
+        </p:nvSpPr>
+        <p:spPr>
+          <a:xfrm>
+            <a:off x="720000" y="2160000"/>
+            <a:ext cx="4857840" cy="4381560"/>
+          </a:xfrm>
+          <a:prstGeom prst="rect">
+            <a:avLst/>
+          </a:prstGeom>
+          <a:noFill/>
+          <a:ln>
+            <a:noFill/>
+          </a:ln>
+        </p:spPr>
+        <p:style>
+          <a:lnRef idx="0"/>
+          <a:fillRef idx="0"/>
+          <a:effectRef idx="0"/>
+          <a:fontRef idx="minor"/>
+        </p:style>
+        <p:txBody>
+          <a:bodyPr lIns="0" rIns="0" tIns="0" bIns="0"/>
+          <a:p>
+            <a:pPr marL="432000" indent="-320760">
+              <a:lnSpc>
+                <a:spcPct val="100000"/>
+              </a:lnSpc>
+              <a:spcBef>
+                <a:spcPts val="1417"/>
+              </a:spcBef>
+              <a:buClr>
+                <a:srgbClr val="ef2929"/>
+              </a:buClr>
+              <a:buSzPct val="45000"/>
+              <a:buFont typeface="Wingdings" charset="2"/>
+              <a:buChar char=""/>
+            </a:pPr>
+            <a:r>
+              <a:rPr b="0" lang="en-SG" sz="1800" spc="-1" strike="noStrike">
+                <a:solidFill>
+                  <a:srgbClr val="333333"/>
+                </a:solidFill>
+                <a:latin typeface="Noto Sans Regular"/>
+                <a:ea typeface="DejaVu Sans"/>
+              </a:rPr>
+              <a:t>L</a:t>
+            </a:r>
+            <a:r>
+              <a:rPr b="0" lang="en-SG" sz="2000" spc="-1" strike="noStrike">
+                <a:solidFill>
+                  <a:srgbClr val="333333"/>
+                </a:solidFill>
+                <a:latin typeface="Noto Sans Regular"/>
+                <a:ea typeface="DejaVu Sans"/>
+              </a:rPr>
+              <a:t>iskov Substitution Principle (LSP)</a:t>
+            </a:r>
+            <a:endParaRPr b="0" lang="en-SG" sz="2000" spc="-1" strike="noStrike">
+              <a:latin typeface="Arial"/>
+            </a:endParaRPr>
+          </a:p>
+          <a:p>
+            <a:pPr marL="432000" indent="-320760">
+              <a:lnSpc>
+                <a:spcPct val="100000"/>
+              </a:lnSpc>
+              <a:spcBef>
+                <a:spcPts val="1417"/>
+              </a:spcBef>
+              <a:buClr>
+                <a:srgbClr val="ef2929"/>
+              </a:buClr>
+              <a:buSzPct val="45000"/>
+              <a:buFont typeface="Wingdings" charset="2"/>
+              <a:buChar char=""/>
+            </a:pPr>
+            <a:r>
+              <a:rPr b="0" lang="en-SG" sz="2000" spc="-1" strike="noStrike">
+                <a:solidFill>
+                  <a:srgbClr val="333333"/>
+                </a:solidFill>
+                <a:latin typeface="Noto Sans Regular"/>
+                <a:ea typeface="DejaVu Sans"/>
+              </a:rPr>
+              <a:t>Subtypes must be substitutable for their base types.</a:t>
+            </a:r>
+            <a:endParaRPr b="0" lang="en-SG" sz="2000" spc="-1" strike="noStrike">
+              <a:latin typeface="Arial"/>
+            </a:endParaRPr>
+          </a:p>
+          <a:p>
+            <a:pPr marL="432000" indent="-320760">
+              <a:lnSpc>
+                <a:spcPct val="100000"/>
+              </a:lnSpc>
+              <a:spcBef>
+                <a:spcPts val="1417"/>
+              </a:spcBef>
+              <a:buClr>
+                <a:srgbClr val="ef2929"/>
+              </a:buClr>
+              <a:buSzPct val="45000"/>
+              <a:buFont typeface="Wingdings" charset="2"/>
+              <a:buChar char=""/>
+            </a:pPr>
+            <a:r>
+              <a:rPr b="0" lang="en-SG" sz="2000" spc="-1" strike="noStrike">
+                <a:solidFill>
+                  <a:srgbClr val="333333"/>
+                </a:solidFill>
+                <a:latin typeface="Noto Sans Regular"/>
+                <a:ea typeface="DejaVu Sans"/>
+              </a:rPr>
+              <a:t>Violating LSP often results in Run-Time Type Information (RTTI)</a:t>
+            </a:r>
+            <a:endParaRPr b="0" lang="en-SG" sz="2000" spc="-1" strike="noStrike">
+              <a:latin typeface="Arial"/>
+            </a:endParaRPr>
+          </a:p>
+          <a:p>
+            <a:pPr marL="432000" indent="-320760">
+              <a:lnSpc>
+                <a:spcPct val="100000"/>
+              </a:lnSpc>
+              <a:spcBef>
+                <a:spcPts val="1417"/>
+              </a:spcBef>
+              <a:buClr>
+                <a:srgbClr val="ef2929"/>
+              </a:buClr>
+              <a:buSzPct val="45000"/>
+              <a:buFont typeface="Wingdings" charset="2"/>
+              <a:buChar char=""/>
+            </a:pPr>
+            <a:r>
+              <a:rPr b="0" lang="en-SG" sz="2000" spc="-1" strike="noStrike">
+                <a:solidFill>
+                  <a:srgbClr val="333333"/>
+                </a:solidFill>
+                <a:latin typeface="Noto Sans Regular"/>
+                <a:ea typeface="DejaVu Sans"/>
+              </a:rPr>
+              <a:t>Frequent use of if or if/else to determine type of an object so behaviour is appropriate.</a:t>
+            </a:r>
+            <a:endParaRPr b="0" lang="en-SG" sz="2000" spc="-1" strike="noStrike">
+              <a:latin typeface="Arial"/>
+            </a:endParaRPr>
+          </a:p>
+          <a:p>
+            <a:pPr marL="432000" indent="-320760">
+              <a:lnSpc>
+                <a:spcPct val="100000"/>
+              </a:lnSpc>
+              <a:spcBef>
+                <a:spcPts val="1417"/>
+              </a:spcBef>
+              <a:buClr>
+                <a:srgbClr val="ef2929"/>
+              </a:buClr>
+              <a:buSzPct val="45000"/>
+              <a:buFont typeface="Wingdings" charset="2"/>
+              <a:buChar char=""/>
+            </a:pPr>
+            <a:endParaRPr b="0" lang="en-SG" sz="2000" spc="-1" strike="noStrike">
+              <a:latin typeface="Arial"/>
+            </a:endParaRPr>
+          </a:p>
+          <a:p>
+            <a:pPr>
+              <a:lnSpc>
+                <a:spcPct val="100000"/>
+              </a:lnSpc>
+              <a:spcBef>
+                <a:spcPts val="1417"/>
+              </a:spcBef>
+            </a:pPr>
+            <a:endParaRPr b="0" lang="en-SG" sz="2000" spc="-1" strike="noStrike">
+              <a:latin typeface="Arial"/>
+            </a:endParaRPr>
+          </a:p>
+          <a:p>
+            <a:pPr>
+              <a:lnSpc>
+                <a:spcPct val="100000"/>
+              </a:lnSpc>
+              <a:spcAft>
+                <a:spcPts val="1414"/>
+              </a:spcAft>
+            </a:pPr>
+            <a:endParaRPr b="0" lang="en-SG" sz="2000" spc="-1" strike="noStrike">
+              <a:latin typeface="Arial"/>
+            </a:endParaRPr>
+          </a:p>
+        </p:txBody>
+      </p:sp>
+      <p:pic>
+        <p:nvPicPr>
+          <p:cNvPr id="171" name="" descr=""/>
+          <p:cNvPicPr/>
+          <p:nvPr/>
+        </p:nvPicPr>
+        <p:blipFill>
+          <a:blip r:embed="rId1"/>
+          <a:stretch/>
+        </p:blipFill>
+        <p:spPr>
+          <a:xfrm>
+            <a:off x="6366600" y="2379240"/>
+            <a:ext cx="2228760" cy="3838680"/>
+          </a:xfrm>
+          <a:prstGeom prst="rect">
+            <a:avLst/>
+          </a:prstGeom>
+          <a:ln>
+            <a:noFill/>
+          </a:ln>
+        </p:spPr>
+      </p:pic>
+    </p:spTree>
+  </p:cSld>
+  <p:timing>
+    <p:tnLst>
+      <p:par>
+        <p:cTn id="59" dur="indefinite" restart="never" nodeType="tmRoot">
+          <p:childTnLst>
+            <p:seq>
+              <p:cTn id="60" dur="indefinite" nodeType="mainSeq"/>
+              <p:prevCondLst>
+                <p:cond delay="0" evt="onPrev">
+                  <p:tgtEl>
+                    <p:sldTgt/>
+                  </p:tgtEl>
+                </p:cond>
+              </p:prevCondLst>
+              <p:nextCondLst>
+                <p:cond delay="0" evt="onNext">
+                  <p:tgtEl>
+                    <p:sldTgt/>
+                  </p:tgtEl>
+                </p:cond>
+              </p:nextCondLst>
+            </p:seq>
+          </p:childTnLst>
+        </p:cTn>
+      </p:par>
+    </p:tnLst>
+  </p:timing>
+</p:sld>
+</file>
+
+<file path=ppt/slides/slide31.xml><?xml version="1.0" encoding="utf-8"?>
+<p:sld xmlns:a="http://schemas.openxmlformats.org/drawingml/2006/main" xmlns:p="http://schemas.openxmlformats.org/presentationml/2006/main" xmlns:r="http://schemas.openxmlformats.org/officeDocument/2006/relationships" xmlns:p14="http://schemas.microsoft.com/office/powerpoint/2010/main" xmlns:p15="http://schemas.microsoft.com/office/powerpoint/2012/main" xmlns:mc="http://schemas.openxmlformats.org/markup-compatibility/2006">
+  <p:cSld>
+    <p:spTree>
+      <p:nvGrpSpPr>
+        <p:cNvPr id="1" name=""/>
+        <p:cNvGrpSpPr/>
+        <p:nvPr/>
+      </p:nvGrpSpPr>
+      <p:grpSpPr>
+        <a:xfrm>
+          <a:off x="0" y="0"/>
+          <a:ext cx="0" cy="0"/>
+          <a:chOff x="0" y="0"/>
+          <a:chExt cx="0" cy="0"/>
+        </a:xfrm>
+      </p:grpSpPr>
+      <p:sp>
+        <p:nvSpPr>
+          <p:cNvPr id="172" name="CustomShape 1"/>
+          <p:cNvSpPr/>
+          <p:nvPr/>
+        </p:nvSpPr>
+        <p:spPr>
+          <a:xfrm>
+            <a:off x="720000" y="300960"/>
+            <a:ext cx="8852400" cy="1259280"/>
+          </a:xfrm>
+          <a:prstGeom prst="rect">
+            <a:avLst/>
+          </a:prstGeom>
+          <a:noFill/>
+          <a:ln>
+            <a:noFill/>
+          </a:ln>
+        </p:spPr>
+        <p:style>
+          <a:lnRef idx="0"/>
+          <a:fillRef idx="0"/>
+          <a:effectRef idx="0"/>
+          <a:fontRef idx="minor"/>
+        </p:style>
+        <p:txBody>
+          <a:bodyPr lIns="0" rIns="0" tIns="0" bIns="0" anchor="ctr"/>
+          <a:p>
+            <a:pPr>
+              <a:lnSpc>
+                <a:spcPct val="100000"/>
+              </a:lnSpc>
+            </a:pPr>
+            <a:r>
+              <a:rPr b="1" lang="en-SG" sz="4400" spc="-1" strike="noStrike">
+                <a:solidFill>
+                  <a:srgbClr val="333333"/>
+                </a:solidFill>
+                <a:latin typeface="Noto Sans Regular"/>
+                <a:ea typeface="DejaVu Sans"/>
+              </a:rPr>
+              <a:t>SOLID</a:t>
+            </a:r>
+            <a:endParaRPr b="0" lang="en-SG" sz="4400" spc="-1" strike="noStrike">
+              <a:latin typeface="Arial"/>
+            </a:endParaRPr>
+          </a:p>
+        </p:txBody>
+      </p:sp>
+      <p:sp>
+        <p:nvSpPr>
+          <p:cNvPr id="173" name="CustomShape 2"/>
+          <p:cNvSpPr/>
+          <p:nvPr/>
+        </p:nvSpPr>
+        <p:spPr>
+          <a:xfrm>
+            <a:off x="720000" y="2160000"/>
+            <a:ext cx="8636760" cy="4381560"/>
+          </a:xfrm>
+          <a:prstGeom prst="rect">
+            <a:avLst/>
+          </a:prstGeom>
+          <a:noFill/>
+          <a:ln>
+            <a:noFill/>
+          </a:ln>
+        </p:spPr>
+        <p:style>
+          <a:lnRef idx="0"/>
+          <a:fillRef idx="0"/>
+          <a:effectRef idx="0"/>
+          <a:fontRef idx="minor"/>
+        </p:style>
+        <p:txBody>
+          <a:bodyPr lIns="0" rIns="0" tIns="0" bIns="0"/>
+          <a:p>
+            <a:pPr marL="432000" indent="-320760">
+              <a:lnSpc>
+                <a:spcPct val="100000"/>
+              </a:lnSpc>
+              <a:spcBef>
+                <a:spcPts val="1417"/>
+              </a:spcBef>
+              <a:buClr>
+                <a:srgbClr val="ef2929"/>
+              </a:buClr>
+              <a:buSzPct val="45000"/>
+              <a:buFont typeface="Wingdings" charset="2"/>
+              <a:buChar char=""/>
+            </a:pPr>
+            <a:r>
+              <a:rPr b="0" lang="en-SG" sz="2000" spc="-1" strike="noStrike">
+                <a:solidFill>
+                  <a:srgbClr val="333333"/>
+                </a:solidFill>
+                <a:latin typeface="Noto Sans Regular"/>
+                <a:ea typeface="DejaVu Sans"/>
+              </a:rPr>
+              <a:t>Interface Segregation Principle</a:t>
+            </a:r>
+            <a:endParaRPr b="0" lang="en-SG" sz="2000" spc="-1" strike="noStrike">
+              <a:latin typeface="Arial"/>
+            </a:endParaRPr>
+          </a:p>
+          <a:p>
+            <a:pPr marL="432000" indent="-320760">
+              <a:lnSpc>
+                <a:spcPct val="100000"/>
+              </a:lnSpc>
+              <a:spcBef>
+                <a:spcPts val="1417"/>
+              </a:spcBef>
+              <a:buClr>
+                <a:srgbClr val="ef2929"/>
+              </a:buClr>
+              <a:buSzPct val="45000"/>
+              <a:buFont typeface="Wingdings" charset="2"/>
+              <a:buChar char=""/>
+            </a:pPr>
+            <a:r>
+              <a:rPr b="0" lang="en-SG" sz="2000" spc="-1" strike="noStrike">
+                <a:solidFill>
+                  <a:srgbClr val="333333"/>
+                </a:solidFill>
+                <a:latin typeface="Noto Sans Regular"/>
+                <a:ea typeface="DejaVu Sans"/>
+              </a:rPr>
+              <a:t>Clients should not be forced to depend on methods that they do not use.</a:t>
+            </a:r>
+            <a:endParaRPr b="0" lang="en-SG" sz="2000" spc="-1" strike="noStrike">
+              <a:latin typeface="Arial"/>
+            </a:endParaRPr>
+          </a:p>
+          <a:p>
+            <a:pPr marL="432000" indent="-320760">
+              <a:lnSpc>
+                <a:spcPct val="100000"/>
+              </a:lnSpc>
+              <a:spcBef>
+                <a:spcPts val="1417"/>
+              </a:spcBef>
+              <a:buClr>
+                <a:srgbClr val="ef2929"/>
+              </a:buClr>
+              <a:buSzPct val="45000"/>
+              <a:buFont typeface="Wingdings" charset="2"/>
+              <a:buChar char=""/>
+            </a:pPr>
+            <a:r>
+              <a:rPr b="0" lang="en-SG" sz="2000" spc="-1" strike="noStrike">
+                <a:solidFill>
+                  <a:srgbClr val="333333"/>
+                </a:solidFill>
+                <a:latin typeface="Noto Sans Regular"/>
+                <a:ea typeface="DejaVu Sans"/>
+              </a:rPr>
+              <a:t>Disadvantages of ‘fat’ interfaces – classes whose interfaces are not cohesive.</a:t>
+            </a:r>
+            <a:endParaRPr b="0" lang="en-SG" sz="2000" spc="-1" strike="noStrike">
+              <a:latin typeface="Arial"/>
+            </a:endParaRPr>
+          </a:p>
+          <a:p>
+            <a:pPr marL="432000" indent="-320760">
+              <a:lnSpc>
+                <a:spcPct val="100000"/>
+              </a:lnSpc>
+              <a:spcBef>
+                <a:spcPts val="1417"/>
+              </a:spcBef>
+              <a:buClr>
+                <a:srgbClr val="ef2929"/>
+              </a:buClr>
+              <a:buSzPct val="45000"/>
+              <a:buFont typeface="Wingdings" charset="2"/>
+              <a:buChar char=""/>
+            </a:pPr>
+            <a:r>
+              <a:rPr b="0" lang="en-SG" sz="2000" spc="-1" strike="noStrike">
+                <a:solidFill>
+                  <a:srgbClr val="333333"/>
+                </a:solidFill>
+                <a:latin typeface="Noto Sans Regular"/>
+                <a:ea typeface="DejaVu Sans"/>
+              </a:rPr>
+              <a:t>Should be broken up into group of methods.</a:t>
+            </a:r>
+            <a:endParaRPr b="0" lang="en-SG" sz="2000" spc="-1" strike="noStrike">
+              <a:latin typeface="Arial"/>
+            </a:endParaRPr>
+          </a:p>
+          <a:p>
+            <a:pPr>
+              <a:lnSpc>
+                <a:spcPct val="100000"/>
+              </a:lnSpc>
+              <a:spcBef>
+                <a:spcPts val="1417"/>
+              </a:spcBef>
+            </a:pPr>
+            <a:endParaRPr b="0" lang="en-SG" sz="2000" spc="-1" strike="noStrike">
+              <a:latin typeface="Arial"/>
+            </a:endParaRPr>
+          </a:p>
+          <a:p>
+            <a:pPr>
+              <a:lnSpc>
+                <a:spcPct val="100000"/>
+              </a:lnSpc>
+              <a:spcAft>
+                <a:spcPts val="1414"/>
+              </a:spcAft>
+            </a:pPr>
+            <a:endParaRPr b="0" lang="en-SG" sz="2000" spc="-1" strike="noStrike">
+              <a:latin typeface="Arial"/>
+            </a:endParaRPr>
+          </a:p>
+        </p:txBody>
+      </p:sp>
+    </p:spTree>
+  </p:cSld>
+  <p:timing>
+    <p:tnLst>
+      <p:par>
+        <p:cTn id="61" dur="indefinite" restart="never" nodeType="tmRoot">
+          <p:childTnLst>
+            <p:seq>
+              <p:cTn id="62" dur="indefinite" nodeType="mainSeq"/>
+              <p:prevCondLst>
+                <p:cond delay="0" evt="onPrev">
+                  <p:tgtEl>
+                    <p:sldTgt/>
+                  </p:tgtEl>
+                </p:cond>
+              </p:prevCondLst>
+              <p:nextCondLst>
+                <p:cond delay="0" evt="onNext">
+                  <p:tgtEl>
+                    <p:sldTgt/>
+                  </p:tgtEl>
+                </p:cond>
+              </p:nextCondLst>
+            </p:seq>
+          </p:childTnLst>
+        </p:cTn>
+      </p:par>
+    </p:tnLst>
+  </p:timing>
+</p:sld>
+</file>
+
+<file path=ppt/slides/slide32.xml><?xml version="1.0" encoding="utf-8"?>
+<p:sld xmlns:a="http://schemas.openxmlformats.org/drawingml/2006/main" xmlns:p="http://schemas.openxmlformats.org/presentationml/2006/main" xmlns:r="http://schemas.openxmlformats.org/officeDocument/2006/relationships" xmlns:p14="http://schemas.microsoft.com/office/powerpoint/2010/main" xmlns:p15="http://schemas.microsoft.com/office/powerpoint/2012/main" xmlns:mc="http://schemas.openxmlformats.org/markup-compatibility/2006">
+  <p:cSld>
+    <p:spTree>
+      <p:nvGrpSpPr>
+        <p:cNvPr id="1" name=""/>
+        <p:cNvGrpSpPr/>
+        <p:nvPr/>
+      </p:nvGrpSpPr>
+      <p:grpSpPr>
+        <a:xfrm>
+          <a:off x="0" y="0"/>
+          <a:ext cx="0" cy="0"/>
+          <a:chOff x="0" y="0"/>
+          <a:chExt cx="0" cy="0"/>
+        </a:xfrm>
+      </p:grpSpPr>
+      <p:sp>
+        <p:nvSpPr>
+          <p:cNvPr id="174" name="CustomShape 1"/>
+          <p:cNvSpPr/>
+          <p:nvPr/>
+        </p:nvSpPr>
+        <p:spPr>
+          <a:xfrm>
+            <a:off x="720000" y="300960"/>
+            <a:ext cx="8852400" cy="1259280"/>
+          </a:xfrm>
+          <a:prstGeom prst="rect">
+            <a:avLst/>
+          </a:prstGeom>
+          <a:noFill/>
+          <a:ln>
+            <a:noFill/>
+          </a:ln>
+        </p:spPr>
+        <p:style>
+          <a:lnRef idx="0"/>
+          <a:fillRef idx="0"/>
+          <a:effectRef idx="0"/>
+          <a:fontRef idx="minor"/>
+        </p:style>
+        <p:txBody>
+          <a:bodyPr lIns="0" rIns="0" tIns="0" bIns="0" anchor="ctr"/>
+          <a:p>
+            <a:pPr>
+              <a:lnSpc>
+                <a:spcPct val="100000"/>
+              </a:lnSpc>
+            </a:pPr>
+            <a:r>
+              <a:rPr b="1" lang="en-SG" sz="4400" spc="-1" strike="noStrike">
+                <a:solidFill>
+                  <a:srgbClr val="333333"/>
+                </a:solidFill>
+                <a:latin typeface="Noto Sans Regular"/>
+                <a:ea typeface="DejaVu Sans"/>
+              </a:rPr>
+              <a:t>SOLID</a:t>
+            </a:r>
+            <a:endParaRPr b="0" lang="en-SG" sz="4400" spc="-1" strike="noStrike">
+              <a:latin typeface="Arial"/>
+            </a:endParaRPr>
+          </a:p>
+        </p:txBody>
+      </p:sp>
+      <p:sp>
+        <p:nvSpPr>
+          <p:cNvPr id="175" name="CustomShape 2"/>
+          <p:cNvSpPr/>
+          <p:nvPr/>
+        </p:nvSpPr>
+        <p:spPr>
+          <a:xfrm>
+            <a:off x="720000" y="2160000"/>
+            <a:ext cx="8636760" cy="4381560"/>
+          </a:xfrm>
+          <a:prstGeom prst="rect">
+            <a:avLst/>
+          </a:prstGeom>
+          <a:noFill/>
+          <a:ln>
+            <a:noFill/>
+          </a:ln>
+        </p:spPr>
+        <p:style>
+          <a:lnRef idx="0"/>
+          <a:fillRef idx="0"/>
+          <a:effectRef idx="0"/>
+          <a:fontRef idx="minor"/>
+        </p:style>
+        <p:txBody>
+          <a:bodyPr lIns="0" rIns="0" tIns="0" bIns="0"/>
+          <a:p>
+            <a:pPr marL="432000" indent="-320760">
+              <a:lnSpc>
+                <a:spcPct val="100000"/>
+              </a:lnSpc>
+              <a:spcBef>
+                <a:spcPts val="1417"/>
+              </a:spcBef>
+              <a:buClr>
+                <a:srgbClr val="ef2929"/>
+              </a:buClr>
+              <a:buSzPct val="45000"/>
+              <a:buFont typeface="Wingdings" charset="2"/>
+              <a:buChar char=""/>
+            </a:pPr>
+            <a:r>
+              <a:rPr b="0" lang="en-SG" sz="2000" spc="-1" strike="noStrike">
+                <a:solidFill>
+                  <a:srgbClr val="333333"/>
+                </a:solidFill>
+                <a:latin typeface="Noto Sans Regular"/>
+                <a:ea typeface="DejaVu Sans"/>
+              </a:rPr>
+              <a:t>Dependency Inversion Principle (DIP)</a:t>
+            </a:r>
+            <a:endParaRPr b="0" lang="en-SG" sz="2000" spc="-1" strike="noStrike">
+              <a:latin typeface="Arial"/>
+            </a:endParaRPr>
+          </a:p>
+          <a:p>
+            <a:pPr marL="432000" indent="-320760">
+              <a:lnSpc>
+                <a:spcPct val="100000"/>
+              </a:lnSpc>
+              <a:spcBef>
+                <a:spcPts val="1417"/>
+              </a:spcBef>
+              <a:buClr>
+                <a:srgbClr val="ef2929"/>
+              </a:buClr>
+              <a:buSzPct val="45000"/>
+              <a:buFont typeface="Wingdings" charset="2"/>
+              <a:buChar char=""/>
+            </a:pPr>
+            <a:r>
+              <a:rPr b="0" lang="en-SG" sz="2000" spc="-1" strike="noStrike">
+                <a:solidFill>
+                  <a:srgbClr val="333333"/>
+                </a:solidFill>
+                <a:latin typeface="Noto Sans Regular"/>
+                <a:ea typeface="DejaVu Sans"/>
+              </a:rPr>
+              <a:t>High-level modules should not depend on low-level modules. Both should depend on abstractions.</a:t>
+            </a:r>
+            <a:endParaRPr b="0" lang="en-SG" sz="2000" spc="-1" strike="noStrike">
+              <a:latin typeface="Arial"/>
+            </a:endParaRPr>
+          </a:p>
+          <a:p>
+            <a:pPr marL="432000" indent="-320760">
+              <a:lnSpc>
+                <a:spcPct val="100000"/>
+              </a:lnSpc>
+              <a:spcBef>
+                <a:spcPts val="1417"/>
+              </a:spcBef>
+              <a:buClr>
+                <a:srgbClr val="ef2929"/>
+              </a:buClr>
+              <a:buSzPct val="45000"/>
+              <a:buFont typeface="Wingdings" charset="2"/>
+              <a:buChar char=""/>
+            </a:pPr>
+            <a:r>
+              <a:rPr b="0" lang="en-SG" sz="2000" spc="-1" strike="noStrike">
+                <a:solidFill>
+                  <a:srgbClr val="333333"/>
+                </a:solidFill>
+                <a:latin typeface="Noto Sans Regular"/>
+                <a:ea typeface="DejaVu Sans"/>
+              </a:rPr>
+              <a:t>Abstractions should not depend on details. Details should depend on abstractions.</a:t>
+            </a:r>
+            <a:endParaRPr b="0" lang="en-SG" sz="2000" spc="-1" strike="noStrike">
+              <a:latin typeface="Arial"/>
+            </a:endParaRPr>
+          </a:p>
+          <a:p>
+            <a:pPr marL="432000" indent="-320760">
+              <a:lnSpc>
+                <a:spcPct val="100000"/>
+              </a:lnSpc>
+              <a:spcBef>
+                <a:spcPts val="1417"/>
+              </a:spcBef>
+              <a:buClr>
+                <a:srgbClr val="ef2929"/>
+              </a:buClr>
+              <a:buSzPct val="45000"/>
+              <a:buFont typeface="Wingdings" charset="2"/>
+              <a:buChar char=""/>
+            </a:pPr>
+            <a:r>
+              <a:rPr b="0" lang="en-SG" sz="2000" spc="-1" strike="noStrike">
+                <a:solidFill>
+                  <a:srgbClr val="333333"/>
+                </a:solidFill>
+                <a:latin typeface="Noto Sans Regular"/>
+                <a:ea typeface="DejaVu Sans"/>
+              </a:rPr>
+              <a:t>Naively:</a:t>
+            </a:r>
+            <a:endParaRPr b="0" lang="en-SG" sz="2000" spc="-1" strike="noStrike">
+              <a:latin typeface="Arial"/>
+            </a:endParaRPr>
+          </a:p>
+          <a:p>
+            <a:pPr lvl="1" marL="432000" indent="-216000">
+              <a:lnSpc>
+                <a:spcPct val="100000"/>
+              </a:lnSpc>
+              <a:spcBef>
+                <a:spcPts val="1417"/>
+              </a:spcBef>
+              <a:buClr>
+                <a:srgbClr val="000000"/>
+              </a:buClr>
+              <a:buSzPct val="45000"/>
+              <a:buFont typeface="Wingdings" charset="2"/>
+              <a:buChar char=""/>
+            </a:pPr>
+            <a:r>
+              <a:rPr b="0" lang="en-SG" sz="2000" spc="-1" strike="noStrike">
+                <a:solidFill>
+                  <a:srgbClr val="333333"/>
+                </a:solidFill>
+                <a:latin typeface="Noto Sans Regular"/>
+                <a:ea typeface="DejaVu Sans"/>
+              </a:rPr>
+              <a:t>No variable should hold a reference to a concrete class;</a:t>
+            </a:r>
+            <a:endParaRPr b="0" lang="en-SG" sz="2000" spc="-1" strike="noStrike">
+              <a:latin typeface="Arial"/>
+            </a:endParaRPr>
+          </a:p>
+          <a:p>
+            <a:pPr lvl="1" marL="432000" indent="-216000">
+              <a:lnSpc>
+                <a:spcPct val="100000"/>
+              </a:lnSpc>
+              <a:spcBef>
+                <a:spcPts val="1417"/>
+              </a:spcBef>
+              <a:buClr>
+                <a:srgbClr val="000000"/>
+              </a:buClr>
+              <a:buSzPct val="45000"/>
+              <a:buFont typeface="Wingdings" charset="2"/>
+              <a:buChar char=""/>
+            </a:pPr>
+            <a:r>
+              <a:rPr b="0" lang="en-SG" sz="2000" spc="-1" strike="noStrike">
+                <a:solidFill>
+                  <a:srgbClr val="333333"/>
+                </a:solidFill>
+                <a:latin typeface="Noto Sans Regular"/>
+                <a:ea typeface="DejaVu Sans"/>
+              </a:rPr>
+              <a:t>No class should derive from a concrete class;</a:t>
+            </a:r>
+            <a:endParaRPr b="0" lang="en-SG" sz="2000" spc="-1" strike="noStrike">
+              <a:latin typeface="Arial"/>
+            </a:endParaRPr>
+          </a:p>
+          <a:p>
+            <a:pPr lvl="1" marL="432000" indent="-216000">
+              <a:lnSpc>
+                <a:spcPct val="100000"/>
+              </a:lnSpc>
+              <a:spcBef>
+                <a:spcPts val="1417"/>
+              </a:spcBef>
+              <a:buClr>
+                <a:srgbClr val="000000"/>
+              </a:buClr>
+              <a:buSzPct val="45000"/>
+              <a:buFont typeface="Wingdings" charset="2"/>
+              <a:buChar char=""/>
+            </a:pPr>
+            <a:r>
+              <a:rPr b="0" lang="en-SG" sz="2000" spc="-1" strike="noStrike">
+                <a:solidFill>
+                  <a:srgbClr val="333333"/>
+                </a:solidFill>
+                <a:latin typeface="Noto Sans Regular"/>
+                <a:ea typeface="DejaVu Sans"/>
+              </a:rPr>
+              <a:t>No method should override an implemented method of any of its base classes.</a:t>
+            </a:r>
+            <a:endParaRPr b="0" lang="en-SG" sz="2000" spc="-1" strike="noStrike">
+              <a:latin typeface="Arial"/>
+            </a:endParaRPr>
+          </a:p>
+          <a:p>
+            <a:pPr>
+              <a:lnSpc>
+                <a:spcPct val="100000"/>
+              </a:lnSpc>
+              <a:spcBef>
+                <a:spcPts val="1417"/>
+              </a:spcBef>
+            </a:pPr>
+            <a:r>
+              <a:rPr b="0" lang="en-SG" sz="2000" spc="-1" strike="noStrike">
+                <a:solidFill>
+                  <a:srgbClr val="333333"/>
+                </a:solidFill>
+                <a:latin typeface="Noto Sans Regular"/>
+                <a:ea typeface="DejaVu Sans"/>
+              </a:rPr>
+              <a:t> </a:t>
+            </a:r>
+            <a:endParaRPr b="0" lang="en-SG" sz="2000" spc="-1" strike="noStrike">
+              <a:latin typeface="Arial"/>
+            </a:endParaRPr>
+          </a:p>
+          <a:p>
+            <a:pPr>
+              <a:lnSpc>
+                <a:spcPct val="100000"/>
+              </a:lnSpc>
+              <a:spcBef>
+                <a:spcPts val="1417"/>
+              </a:spcBef>
+            </a:pPr>
+            <a:endParaRPr b="0" lang="en-SG" sz="2000" spc="-1" strike="noStrike">
+              <a:latin typeface="Arial"/>
+            </a:endParaRPr>
+          </a:p>
+          <a:p>
+            <a:pPr>
+              <a:lnSpc>
+                <a:spcPct val="100000"/>
+              </a:lnSpc>
+              <a:spcAft>
+                <a:spcPts val="1414"/>
+              </a:spcAft>
+            </a:pPr>
+            <a:endParaRPr b="0" lang="en-SG" sz="2000" spc="-1" strike="noStrike">
+              <a:latin typeface="Arial"/>
+            </a:endParaRPr>
+          </a:p>
+        </p:txBody>
+      </p:sp>
+    </p:spTree>
+  </p:cSld>
+  <p:timing>
+    <p:tnLst>
+      <p:par>
+        <p:cTn id="63" dur="indefinite" restart="never" nodeType="tmRoot">
+          <p:childTnLst>
+            <p:seq>
+              <p:cTn id="64" dur="indefinite" nodeType="mainSeq"/>
+              <p:prevCondLst>
+                <p:cond delay="0" evt="onPrev">
+                  <p:tgtEl>
+                    <p:sldTgt/>
+                  </p:tgtEl>
+                </p:cond>
+              </p:prevCondLst>
+              <p:nextCondLst>
+                <p:cond delay="0" evt="onNext">
+                  <p:tgtEl>
+                    <p:sldTgt/>
+                  </p:tgtEl>
+                </p:cond>
+              </p:nextCondLst>
+            </p:seq>
+          </p:childTnLst>
+        </p:cTn>
+      </p:par>
+    </p:tnLst>
+  </p:timing>
+</p:sld>
+</file>
+
+<file path=ppt/slides/slide33.xml><?xml version="1.0" encoding="utf-8"?>
+<p:sld xmlns:a="http://schemas.openxmlformats.org/drawingml/2006/main" xmlns:p="http://schemas.openxmlformats.org/presentationml/2006/main" xmlns:r="http://schemas.openxmlformats.org/officeDocument/2006/relationships" xmlns:p14="http://schemas.microsoft.com/office/powerpoint/2010/main" xmlns:p15="http://schemas.microsoft.com/office/powerpoint/2012/main" xmlns:mc="http://schemas.openxmlformats.org/markup-compatibility/2006">
+  <p:cSld>
+    <p:spTree>
+      <p:nvGrpSpPr>
+        <p:cNvPr id="1" name=""/>
+        <p:cNvGrpSpPr/>
+        <p:nvPr/>
+      </p:nvGrpSpPr>
+      <p:grpSpPr>
+        <a:xfrm>
+          <a:off x="0" y="0"/>
+          <a:ext cx="0" cy="0"/>
+          <a:chOff x="0" y="0"/>
+          <a:chExt cx="0" cy="0"/>
+        </a:xfrm>
+      </p:grpSpPr>
+      <p:sp>
+        <p:nvSpPr>
+          <p:cNvPr id="176" name="CustomShape 1"/>
+          <p:cNvSpPr/>
+          <p:nvPr/>
+        </p:nvSpPr>
+        <p:spPr>
+          <a:xfrm>
+            <a:off x="720000" y="300960"/>
+            <a:ext cx="8852400" cy="1259280"/>
+          </a:xfrm>
+          <a:prstGeom prst="rect">
+            <a:avLst/>
+          </a:prstGeom>
+          <a:noFill/>
+          <a:ln>
+            <a:noFill/>
+          </a:ln>
+        </p:spPr>
+        <p:style>
+          <a:lnRef idx="0"/>
+          <a:fillRef idx="0"/>
+          <a:effectRef idx="0"/>
+          <a:fontRef idx="minor"/>
+        </p:style>
+        <p:txBody>
+          <a:bodyPr lIns="0" rIns="0" tIns="0" bIns="0" anchor="ctr"/>
+          <a:p>
+            <a:pPr>
+              <a:lnSpc>
+                <a:spcPct val="100000"/>
+              </a:lnSpc>
+            </a:pPr>
+            <a:br/>
+            <a:r>
+              <a:rPr b="1" lang="en-SG" sz="4400" spc="-1" strike="noStrike">
+                <a:solidFill>
+                  <a:srgbClr val="333333"/>
+                </a:solidFill>
+                <a:latin typeface="Noto Sans Regular"/>
+                <a:ea typeface="DejaVu Sans"/>
+              </a:rPr>
+              <a:t>References</a:t>
+            </a:r>
+            <a:endParaRPr b="0" lang="en-SG" sz="4400" spc="-1" strike="noStrike">
+              <a:latin typeface="Arial"/>
+            </a:endParaRPr>
+          </a:p>
+        </p:txBody>
+      </p:sp>
+      <p:sp>
+        <p:nvSpPr>
+          <p:cNvPr id="177" name="CustomShape 2"/>
+          <p:cNvSpPr/>
+          <p:nvPr/>
+        </p:nvSpPr>
+        <p:spPr>
+          <a:xfrm>
+            <a:off x="720000" y="2160000"/>
+            <a:ext cx="8636760" cy="4381560"/>
+          </a:xfrm>
+          <a:prstGeom prst="rect">
+            <a:avLst/>
+          </a:prstGeom>
+          <a:noFill/>
+          <a:ln>
+            <a:noFill/>
+          </a:ln>
+        </p:spPr>
+        <p:style>
+          <a:lnRef idx="0"/>
+          <a:fillRef idx="0"/>
+          <a:effectRef idx="0"/>
+          <a:fontRef idx="minor"/>
+        </p:style>
+        <p:txBody>
+          <a:bodyPr lIns="0" rIns="0" tIns="0" bIns="0"/>
+          <a:p>
+            <a:pPr marL="432000" indent="-320760">
+              <a:lnSpc>
+                <a:spcPct val="100000"/>
+              </a:lnSpc>
+              <a:spcBef>
+                <a:spcPts val="1417"/>
+              </a:spcBef>
+              <a:buClr>
+                <a:srgbClr val="ef2929"/>
+              </a:buClr>
+              <a:buSzPct val="45000"/>
+              <a:buFont typeface="Wingdings" charset="2"/>
+              <a:buChar char=""/>
+            </a:pPr>
+            <a:r>
+              <a:rPr b="0" lang="en-SG" sz="2000" spc="-1" strike="noStrike">
+                <a:solidFill>
+                  <a:srgbClr val="333333"/>
+                </a:solidFill>
+                <a:latin typeface="Noto Sans Regular"/>
+                <a:ea typeface="DejaVu Sans"/>
+              </a:rPr>
+              <a:t>University of Wisconsin, CSE 403 materials</a:t>
+            </a:r>
+            <a:endParaRPr b="0" lang="en-SG" sz="2000" spc="-1" strike="noStrike">
+              <a:latin typeface="Arial"/>
+            </a:endParaRPr>
+          </a:p>
+          <a:p>
+            <a:pPr>
+              <a:lnSpc>
+                <a:spcPct val="100000"/>
+              </a:lnSpc>
+              <a:spcBef>
+                <a:spcPts val="1417"/>
+              </a:spcBef>
+            </a:pPr>
+            <a:r>
+              <a:rPr b="0" lang="en-SG" sz="2000" spc="-1" strike="noStrike" u="sng">
+                <a:solidFill>
+                  <a:srgbClr val="0000ff"/>
+                </a:solidFill>
+                <a:uFillTx/>
+                <a:latin typeface="Noto Sans Regular"/>
+                <a:ea typeface="DejaVu Sans"/>
+                <a:hlinkClick r:id="rId1"/>
+              </a:rPr>
+              <a:t>https://courses.cs.washington.edu/courses/cse403/11sp/lectures/</a:t>
+            </a:r>
+            <a:endParaRPr b="0" lang="en-SG" sz="2000" spc="-1" strike="noStrike">
+              <a:latin typeface="Arial"/>
+            </a:endParaRPr>
+          </a:p>
+          <a:p>
+            <a:pPr marL="432000" indent="-320760">
+              <a:lnSpc>
+                <a:spcPct val="100000"/>
+              </a:lnSpc>
+              <a:spcBef>
+                <a:spcPts val="1417"/>
+              </a:spcBef>
+              <a:buClr>
+                <a:srgbClr val="ef2929"/>
+              </a:buClr>
+              <a:buSzPct val="45000"/>
+              <a:buFont typeface="Wingdings" charset="2"/>
+              <a:buChar char=""/>
+            </a:pPr>
+            <a:r>
+              <a:rPr b="0" lang="en-SG" sz="2000" spc="-1" strike="noStrike">
+                <a:solidFill>
+                  <a:srgbClr val="333333"/>
+                </a:solidFill>
+                <a:latin typeface="Noto Sans Regular"/>
+                <a:ea typeface="DejaVu Sans"/>
+              </a:rPr>
+              <a:t>Blackboard system/Architecture</a:t>
+            </a:r>
+            <a:endParaRPr b="0" lang="en-SG" sz="2000" spc="-1" strike="noStrike">
+              <a:latin typeface="Arial"/>
+            </a:endParaRPr>
+          </a:p>
+          <a:p>
+            <a:pPr marL="432000" indent="-320760">
+              <a:lnSpc>
+                <a:spcPct val="100000"/>
+              </a:lnSpc>
+              <a:spcBef>
+                <a:spcPts val="1417"/>
+              </a:spcBef>
+              <a:buClr>
+                <a:srgbClr val="ef2929"/>
+              </a:buClr>
+              <a:buSzPct val="45000"/>
+              <a:buFont typeface="Wingdings" charset="2"/>
+              <a:buChar char=""/>
+            </a:pPr>
+            <a:r>
+              <a:rPr b="0" lang="en-SG" sz="2000" spc="-1" strike="noStrike">
+                <a:solidFill>
+                  <a:srgbClr val="333333"/>
+                </a:solidFill>
+                <a:latin typeface="Noto Sans Regular"/>
+                <a:ea typeface="DejaVu Sans"/>
+              </a:rPr>
+              <a:t>https://en.wikipedia.org/wiki/Blackboard_system</a:t>
+            </a:r>
+            <a:endParaRPr b="0" lang="en-SG" sz="2000" spc="-1" strike="noStrike">
+              <a:latin typeface="Arial"/>
+            </a:endParaRPr>
+          </a:p>
+          <a:p>
+            <a:pPr>
+              <a:lnSpc>
+                <a:spcPct val="100000"/>
+              </a:lnSpc>
+              <a:spcBef>
+                <a:spcPts val="1417"/>
+              </a:spcBef>
+            </a:pPr>
+            <a:endParaRPr b="0" lang="en-SG" sz="2000" spc="-1" strike="noStrike">
+              <a:latin typeface="Arial"/>
+            </a:endParaRPr>
+          </a:p>
+          <a:p>
+            <a:pPr>
+              <a:lnSpc>
+                <a:spcPct val="100000"/>
+              </a:lnSpc>
+              <a:spcBef>
+                <a:spcPts val="1417"/>
+              </a:spcBef>
+            </a:pPr>
+            <a:endParaRPr b="0" lang="en-SG" sz="2000" spc="-1" strike="noStrike">
+              <a:latin typeface="Arial"/>
+            </a:endParaRPr>
+          </a:p>
+          <a:p>
+            <a:pPr>
+              <a:lnSpc>
+                <a:spcPct val="100000"/>
+              </a:lnSpc>
+              <a:spcAft>
+                <a:spcPts val="1414"/>
+              </a:spcAft>
+            </a:pPr>
+            <a:endParaRPr b="0" lang="en-SG" sz="2000" spc="-1" strike="noStrike">
+              <a:latin typeface="Arial"/>
+            </a:endParaRPr>
+          </a:p>
+        </p:txBody>
+      </p:sp>
+      <p:sp>
+        <p:nvSpPr>
+          <p:cNvPr id="178" name="CustomShape 3"/>
+          <p:cNvSpPr/>
+          <p:nvPr/>
+        </p:nvSpPr>
+        <p:spPr>
+          <a:xfrm>
+            <a:off x="465480" y="7040880"/>
+            <a:ext cx="5749200" cy="343440"/>
+          </a:xfrm>
+          <a:prstGeom prst="rect">
+            <a:avLst/>
+          </a:prstGeom>
+          <a:noFill/>
+          <a:ln>
+            <a:noFill/>
+          </a:ln>
+        </p:spPr>
+        <p:style>
+          <a:lnRef idx="0"/>
+          <a:fillRef idx="0"/>
+          <a:effectRef idx="0"/>
+          <a:fontRef idx="minor"/>
+        </p:style>
+        <p:txBody>
+          <a:bodyPr lIns="90000" rIns="90000" tIns="45000" bIns="45000"/>
+          <a:p>
+            <a:pPr>
+              <a:lnSpc>
+                <a:spcPct val="100000"/>
+              </a:lnSpc>
+            </a:pPr>
+            <a:r>
+              <a:rPr b="0" lang="en-SG" sz="1300" spc="-1" strike="noStrike">
+                <a:solidFill>
+                  <a:srgbClr val="000000"/>
+                </a:solidFill>
+                <a:latin typeface="Arial"/>
+                <a:ea typeface="DejaVu Sans"/>
+              </a:rPr>
+              <a:t>https://www.geeksforgeeks.org/introduction-to-net-framework/</a:t>
+            </a:r>
+            <a:endParaRPr b="0" lang="en-SG" sz="1300" spc="-1" strike="noStrike">
+              <a:latin typeface="Arial"/>
+            </a:endParaRPr>
+          </a:p>
+        </p:txBody>
+      </p:sp>
+    </p:spTree>
+  </p:cSld>
+  <p:timing>
+    <p:tnLst>
+      <p:par>
+        <p:cTn id="65" dur="indefinite" restart="never" nodeType="tmRoot">
+          <p:childTnLst>
+            <p:seq>
+              <p:cTn id="66" dur="indefinite" nodeType="mainSeq"/>
               <p:prevCondLst>
                 <p:cond delay="0" evt="onPrev">
                   <p:tgtEl>
@@ -8765,7 +10575,7 @@
         <p:spPr>
           <a:xfrm>
             <a:off x="720000" y="300960"/>
-            <a:ext cx="8852760" cy="1259640"/>
+            <a:ext cx="8852400" cy="1259280"/>
           </a:xfrm>
           <a:prstGeom prst="rect">
             <a:avLst/>
@@ -8814,7 +10624,7 @@
         <p:spPr>
           <a:xfrm>
             <a:off x="720000" y="2160000"/>
-            <a:ext cx="8637120" cy="4381920"/>
+            <a:ext cx="8636760" cy="4381560"/>
           </a:xfrm>
           <a:prstGeom prst="rect">
             <a:avLst/>
@@ -8833,7 +10643,7 @@
         <p:txBody>
           <a:bodyPr lIns="0" rIns="0" tIns="0" bIns="0"/>
           <a:p>
-            <a:pPr marL="432000" indent="-321120">
+            <a:pPr marL="432000" indent="-320760">
               <a:lnSpc>
                 <a:spcPct val="100000"/>
               </a:lnSpc>
@@ -8862,7 +10672,7 @@
             </a:endParaRPr>
           </a:p>
           <a:p>
-            <a:pPr lvl="1" marL="432000" indent="-216000">
+            <a:pPr lvl="1" marL="432000" indent="-215640">
               <a:lnSpc>
                 <a:spcPct val="100000"/>
               </a:lnSpc>
@@ -8891,7 +10701,7 @@
             </a:endParaRPr>
           </a:p>
           <a:p>
-            <a:pPr lvl="1" marL="432000" indent="-216000">
+            <a:pPr lvl="1" marL="432000" indent="-215640">
               <a:lnSpc>
                 <a:spcPct val="100000"/>
               </a:lnSpc>
@@ -8920,7 +10730,7 @@
             </a:endParaRPr>
           </a:p>
           <a:p>
-            <a:pPr lvl="1" marL="432000" indent="-216000">
+            <a:pPr lvl="1" marL="432000" indent="-215640">
               <a:lnSpc>
                 <a:spcPct val="100000"/>
               </a:lnSpc>
@@ -8949,7 +10759,7 @@
             </a:endParaRPr>
           </a:p>
           <a:p>
-            <a:pPr lvl="1" marL="432000" indent="-216000">
+            <a:pPr lvl="1" marL="432000" indent="-215640">
               <a:lnSpc>
                 <a:spcPct val="100000"/>
               </a:lnSpc>
@@ -8978,7 +10788,7 @@
             </a:endParaRPr>
           </a:p>
           <a:p>
-            <a:pPr lvl="1" marL="432000" indent="-216000">
+            <a:pPr lvl="1" marL="432000" indent="-215640">
               <a:lnSpc>
                 <a:spcPct val="100000"/>
               </a:lnSpc>
@@ -9043,7 +10853,7 @@
         <p:spPr>
           <a:xfrm>
             <a:off x="465480" y="7040880"/>
-            <a:ext cx="5749560" cy="343800"/>
+            <a:ext cx="5749200" cy="343440"/>
           </a:xfrm>
           <a:prstGeom prst="rect">
             <a:avLst/>
@@ -9118,7 +10928,7 @@
         <p:spPr>
           <a:xfrm>
             <a:off x="720000" y="300960"/>
-            <a:ext cx="8852760" cy="1259640"/>
+            <a:ext cx="8852400" cy="1259280"/>
           </a:xfrm>
           <a:prstGeom prst="rect">
             <a:avLst/>
@@ -9167,7 +10977,7 @@
         <p:spPr>
           <a:xfrm>
             <a:off x="720000" y="2160000"/>
-            <a:ext cx="8637120" cy="4381920"/>
+            <a:ext cx="8636760" cy="4381560"/>
           </a:xfrm>
           <a:prstGeom prst="rect">
             <a:avLst/>
@@ -9186,19 +10996,13 @@
         <p:txBody>
           <a:bodyPr lIns="0" rIns="0" tIns="0" bIns="0"/>
           <a:p>
-            <a:pPr marL="432000" indent="-321120">
+            <a:pPr>
               <a:lnSpc>
                 <a:spcPct val="100000"/>
               </a:lnSpc>
               <a:spcBef>
                 <a:spcPts val="1417"/>
               </a:spcBef>
-              <a:buClr>
-                <a:srgbClr val="ef2929"/>
-              </a:buClr>
-              <a:buSzPct val="45000"/>
-              <a:buFont typeface="Wingdings" charset="2"/>
-              <a:buChar char=""/>
             </a:pPr>
             <a:endParaRPr b="0" lang="en-SG" sz="1800" spc="-1" strike="noStrike">
               <a:latin typeface="Arial"/>
@@ -9241,7 +11045,7 @@
         <p:spPr>
           <a:xfrm>
             <a:off x="465480" y="7040880"/>
-            <a:ext cx="5749560" cy="343800"/>
+            <a:ext cx="5749200" cy="343440"/>
           </a:xfrm>
           <a:prstGeom prst="rect">
             <a:avLst/>
@@ -9271,7 +11075,7 @@
         <p:spPr>
           <a:xfrm>
             <a:off x="822960" y="1818000"/>
-            <a:ext cx="7016400" cy="5131440"/>
+            <a:ext cx="7016040" cy="5131080"/>
           </a:xfrm>
           <a:prstGeom prst="rect">
             <a:avLst/>
@@ -9339,7 +11143,7 @@
         <p:spPr>
           <a:xfrm>
             <a:off x="720000" y="300960"/>
-            <a:ext cx="8852760" cy="1259640"/>
+            <a:ext cx="8852400" cy="1259280"/>
           </a:xfrm>
           <a:prstGeom prst="rect">
             <a:avLst/>
@@ -9388,7 +11192,7 @@
         <p:spPr>
           <a:xfrm>
             <a:off x="720000" y="2160000"/>
-            <a:ext cx="8637120" cy="4381920"/>
+            <a:ext cx="8636760" cy="4381560"/>
           </a:xfrm>
           <a:prstGeom prst="rect">
             <a:avLst/>
@@ -9407,19 +11211,13 @@
         <p:txBody>
           <a:bodyPr lIns="0" rIns="0" tIns="0" bIns="0"/>
           <a:p>
-            <a:pPr marL="432000" indent="-321120">
+            <a:pPr>
               <a:lnSpc>
                 <a:spcPct val="100000"/>
               </a:lnSpc>
               <a:spcBef>
                 <a:spcPts val="1417"/>
               </a:spcBef>
-              <a:buClr>
-                <a:srgbClr val="ef2929"/>
-              </a:buClr>
-              <a:buSzPct val="45000"/>
-              <a:buFont typeface="Wingdings" charset="2"/>
-              <a:buChar char=""/>
             </a:pPr>
             <a:endParaRPr b="0" lang="en-SG" sz="1800" spc="-1" strike="noStrike">
               <a:latin typeface="Arial"/>
@@ -9462,7 +11260,7 @@
         <p:spPr>
           <a:xfrm>
             <a:off x="465480" y="7040880"/>
-            <a:ext cx="5749560" cy="343800"/>
+            <a:ext cx="5749200" cy="343440"/>
           </a:xfrm>
           <a:prstGeom prst="rect">
             <a:avLst/>
@@ -9492,7 +11290,7 @@
         <p:spPr>
           <a:xfrm>
             <a:off x="345240" y="1828800"/>
-            <a:ext cx="7701480" cy="5029200"/>
+            <a:ext cx="7701120" cy="5028840"/>
           </a:xfrm>
           <a:prstGeom prst="rect">
             <a:avLst/>
@@ -9560,7 +11358,7 @@
         <p:spPr>
           <a:xfrm>
             <a:off x="720000" y="300960"/>
-            <a:ext cx="8852760" cy="1259640"/>
+            <a:ext cx="8852400" cy="1259280"/>
           </a:xfrm>
           <a:prstGeom prst="rect">
             <a:avLst/>
@@ -9609,7 +11407,7 @@
         <p:spPr>
           <a:xfrm>
             <a:off x="720000" y="2160000"/>
-            <a:ext cx="8637120" cy="4381920"/>
+            <a:ext cx="8636760" cy="4381560"/>
           </a:xfrm>
           <a:prstGeom prst="rect">
             <a:avLst/>
@@ -9628,19 +11426,13 @@
         <p:txBody>
           <a:bodyPr lIns="0" rIns="0" tIns="0" bIns="0"/>
           <a:p>
-            <a:pPr marL="432000" indent="-321120">
+            <a:pPr>
               <a:lnSpc>
                 <a:spcPct val="100000"/>
               </a:lnSpc>
               <a:spcBef>
                 <a:spcPts val="1417"/>
               </a:spcBef>
-              <a:buClr>
-                <a:srgbClr val="ef2929"/>
-              </a:buClr>
-              <a:buSzPct val="45000"/>
-              <a:buFont typeface="Wingdings" charset="2"/>
-              <a:buChar char=""/>
             </a:pPr>
             <a:endParaRPr b="0" lang="en-SG" sz="1800" spc="-1" strike="noStrike">
               <a:latin typeface="Arial"/>
@@ -9683,7 +11475,7 @@
         <p:spPr>
           <a:xfrm>
             <a:off x="465480" y="7040880"/>
-            <a:ext cx="5749560" cy="343800"/>
+            <a:ext cx="5749200" cy="343440"/>
           </a:xfrm>
           <a:prstGeom prst="rect">
             <a:avLst/>
@@ -9713,7 +11505,7 @@
         <p:spPr>
           <a:xfrm>
             <a:off x="346680" y="2011680"/>
-            <a:ext cx="9620280" cy="4753080"/>
+            <a:ext cx="9619920" cy="4752720"/>
           </a:xfrm>
           <a:prstGeom prst="rect">
             <a:avLst/>
@@ -9781,7 +11573,7 @@
         <p:spPr>
           <a:xfrm>
             <a:off x="792000" y="3993480"/>
-            <a:ext cx="8565120" cy="1658520"/>
+            <a:ext cx="8564760" cy="1658160"/>
           </a:xfrm>
           <a:prstGeom prst="rect">
             <a:avLst/>
@@ -9845,7 +11637,7 @@
                 <a:latin typeface="Noto Sans Regular"/>
                 <a:ea typeface="DejaVu Sans"/>
               </a:rPr>
-              <a:t>[ Imagine your role as a software architecture, leading a team of competent software engineers that can build whatever you design]</a:t>
+              <a:t>[ Imagine your role as a software architecture, leading a team of competent software engineers who can build whatever you design]</a:t>
             </a:r>
             <a:endParaRPr b="0" lang="en-SG" sz="1800" spc="-1" strike="noStrike">
               <a:latin typeface="Arial"/>
@@ -9872,7 +11664,7 @@
         <p:spPr>
           <a:xfrm>
             <a:off x="792000" y="5904000"/>
-            <a:ext cx="8565120" cy="979560"/>
+            <a:ext cx="8564760" cy="979200"/>
           </a:xfrm>
           <a:prstGeom prst="rect">
             <a:avLst/>
@@ -9947,7 +11739,7 @@
         <p:spPr>
           <a:xfrm>
             <a:off x="792000" y="3993480"/>
-            <a:ext cx="8565120" cy="1658520"/>
+            <a:ext cx="8564760" cy="1658160"/>
           </a:xfrm>
           <a:prstGeom prst="rect">
             <a:avLst/>
@@ -9998,7 +11790,7 @@
         <p:spPr>
           <a:xfrm>
             <a:off x="792000" y="5904000"/>
-            <a:ext cx="8565120" cy="979560"/>
+            <a:ext cx="8564760" cy="979200"/>
           </a:xfrm>
           <a:prstGeom prst="rect">
             <a:avLst/>

--- a/SE_Intro.pptx
+++ b/SE_Intro.pptx
@@ -33,12 +33,6 @@
     <p:sldId id="280" r:id="rId28"/>
     <p:sldId id="281" r:id="rId29"/>
     <p:sldId id="282" r:id="rId30"/>
-    <p:sldId id="283" r:id="rId31"/>
-    <p:sldId id="284" r:id="rId32"/>
-    <p:sldId id="285" r:id="rId33"/>
-    <p:sldId id="286" r:id="rId34"/>
-    <p:sldId id="287" r:id="rId35"/>
-    <p:sldId id="288" r:id="rId36"/>
   </p:sldIdLst>
   <p:sldSz cx="10080625" cy="7559675"/>
   <p:notesSz cx="7559675" cy="10691812"/>
@@ -2735,7 +2729,7 @@
         <p:spPr>
           <a:xfrm>
             <a:off x="0" y="4320000"/>
-            <a:ext cx="500760" cy="1076760"/>
+            <a:ext cx="501120" cy="1077120"/>
           </a:xfrm>
           <a:prstGeom prst="rect">
             <a:avLst/>
@@ -3014,7 +3008,7 @@
         <p:spPr>
           <a:xfrm>
             <a:off x="0" y="288000"/>
-            <a:ext cx="500760" cy="1076760"/>
+            <a:ext cx="501120" cy="1077120"/>
           </a:xfrm>
           <a:prstGeom prst="rect">
             <a:avLst/>
@@ -3293,7 +3287,7 @@
         <p:spPr>
           <a:xfrm>
             <a:off x="792000" y="3993480"/>
-            <a:ext cx="8564760" cy="1658160"/>
+            <a:ext cx="8565120" cy="1658520"/>
           </a:xfrm>
           <a:prstGeom prst="rect">
             <a:avLst/>
@@ -3344,7 +3338,7 @@
         <p:spPr>
           <a:xfrm>
             <a:off x="792000" y="5904000"/>
-            <a:ext cx="8564760" cy="979200"/>
+            <a:ext cx="8565120" cy="979560"/>
           </a:xfrm>
           <a:prstGeom prst="rect">
             <a:avLst/>
@@ -3419,7 +3413,7 @@
         <p:spPr>
           <a:xfrm>
             <a:off x="720000" y="300960"/>
-            <a:ext cx="8852400" cy="1259280"/>
+            <a:ext cx="8852760" cy="1259640"/>
           </a:xfrm>
           <a:prstGeom prst="rect">
             <a:avLst/>
@@ -3468,7 +3462,7 @@
         <p:spPr>
           <a:xfrm>
             <a:off x="720000" y="2160000"/>
-            <a:ext cx="8636760" cy="4381560"/>
+            <a:ext cx="8637120" cy="4381920"/>
           </a:xfrm>
           <a:prstGeom prst="rect">
             <a:avLst/>
@@ -3487,7 +3481,7 @@
         <p:txBody>
           <a:bodyPr lIns="0" rIns="0" tIns="0" bIns="0"/>
           <a:p>
-            <a:pPr marL="432000" indent="-320760">
+            <a:pPr marL="432000" indent="-321120">
               <a:lnSpc>
                 <a:spcPct val="100000"/>
               </a:lnSpc>
@@ -3516,7 +3510,7 @@
             </a:endParaRPr>
           </a:p>
           <a:p>
-            <a:pPr lvl="1" marL="432000" indent="-215640">
+            <a:pPr lvl="1" marL="432000" indent="-216000">
               <a:lnSpc>
                 <a:spcPct val="100000"/>
               </a:lnSpc>
@@ -3545,7 +3539,7 @@
             </a:endParaRPr>
           </a:p>
           <a:p>
-            <a:pPr lvl="1" marL="432000" indent="-215640">
+            <a:pPr lvl="1" marL="432000" indent="-216000">
               <a:lnSpc>
                 <a:spcPct val="100000"/>
               </a:lnSpc>
@@ -3574,7 +3568,7 @@
             </a:endParaRPr>
           </a:p>
           <a:p>
-            <a:pPr lvl="1" marL="432000" indent="-215640">
+            <a:pPr lvl="1" marL="432000" indent="-216000">
               <a:lnSpc>
                 <a:spcPct val="100000"/>
               </a:lnSpc>
@@ -3639,7 +3633,7 @@
         <p:spPr>
           <a:xfrm>
             <a:off x="465480" y="7040880"/>
-            <a:ext cx="5749200" cy="343440"/>
+            <a:ext cx="5749560" cy="343800"/>
           </a:xfrm>
           <a:prstGeom prst="rect">
             <a:avLst/>
@@ -3737,7 +3731,7 @@
         <p:spPr>
           <a:xfrm>
             <a:off x="720000" y="300960"/>
-            <a:ext cx="8852400" cy="1259280"/>
+            <a:ext cx="8852760" cy="1259640"/>
           </a:xfrm>
           <a:prstGeom prst="rect">
             <a:avLst/>
@@ -3786,7 +3780,7 @@
         <p:spPr>
           <a:xfrm>
             <a:off x="465480" y="7040880"/>
-            <a:ext cx="5749200" cy="343440"/>
+            <a:ext cx="5749560" cy="343800"/>
           </a:xfrm>
           <a:prstGeom prst="rect">
             <a:avLst/>
@@ -3839,7 +3833,7 @@
         <p:spPr>
           <a:xfrm>
             <a:off x="528480" y="1392480"/>
-            <a:ext cx="5686200" cy="5648040"/>
+            <a:ext cx="5686560" cy="5648400"/>
           </a:xfrm>
           <a:prstGeom prst="rect">
             <a:avLst/>
@@ -3851,14 +3845,14 @@
       </p:pic>
       <p:sp>
         <p:nvSpPr>
-          <p:cNvPr id="110" name="CustomShape 3"/>
-          <p:cNvSpPr/>
+          <p:cNvPr id="110" name="TextShape 3"/>
+          <p:cNvSpPr txBox="1"/>
           <p:nvPr/>
         </p:nvSpPr>
         <p:spPr>
           <a:xfrm>
             <a:off x="6224760" y="2468880"/>
-            <a:ext cx="3761640" cy="1625760"/>
+            <a:ext cx="3762000" cy="1626120"/>
           </a:xfrm>
           <a:prstGeom prst="rect">
             <a:avLst/>
@@ -3868,20 +3862,9 @@
             <a:noFill/>
           </a:ln>
         </p:spPr>
-        <p:style>
-          <a:lnRef idx="0"/>
-          <a:fillRef idx="0"/>
-          <a:effectRef idx="0"/>
-          <a:fontRef idx="minor"/>
-        </p:style>
         <p:txBody>
           <a:bodyPr lIns="90000" rIns="90000" tIns="45000" bIns="45000"/>
           <a:p>
-            <a:pPr>
-              <a:lnSpc>
-                <a:spcPct val="100000"/>
-              </a:lnSpc>
-            </a:pPr>
             <a:r>
               <a:rPr b="0" lang="en-SG" sz="1800" spc="-1" strike="noStrike">
                 <a:latin typeface="Arial"/>
@@ -3893,21 +3876,11 @@
             </a:endParaRPr>
           </a:p>
           <a:p>
-            <a:pPr>
-              <a:lnSpc>
-                <a:spcPct val="100000"/>
-              </a:lnSpc>
-            </a:pPr>
             <a:endParaRPr b="0" lang="en-SG" sz="1800" spc="-1" strike="noStrike">
               <a:latin typeface="Arial"/>
             </a:endParaRPr>
           </a:p>
           <a:p>
-            <a:pPr>
-              <a:lnSpc>
-                <a:spcPct val="100000"/>
-              </a:lnSpc>
-            </a:pPr>
             <a:r>
               <a:rPr b="0" lang="en-SG" sz="1800" spc="-1" strike="noStrike">
                 <a:latin typeface="Arial"/>
@@ -3919,11 +3892,6 @@
             </a:endParaRPr>
           </a:p>
           <a:p>
-            <a:pPr>
-              <a:lnSpc>
-                <a:spcPct val="100000"/>
-              </a:lnSpc>
-            </a:pPr>
             <a:r>
               <a:rPr b="0" lang="en-SG" sz="1800" spc="-1" strike="noStrike">
                 <a:latin typeface="Arial"/>
@@ -3935,21 +3903,11 @@
             </a:endParaRPr>
           </a:p>
           <a:p>
-            <a:pPr>
-              <a:lnSpc>
-                <a:spcPct val="100000"/>
-              </a:lnSpc>
-            </a:pPr>
             <a:endParaRPr b="0" lang="en-SG" sz="1800" spc="-1" strike="noStrike">
               <a:latin typeface="Arial"/>
             </a:endParaRPr>
           </a:p>
           <a:p>
-            <a:pPr>
-              <a:lnSpc>
-                <a:spcPct val="100000"/>
-              </a:lnSpc>
-            </a:pPr>
             <a:r>
               <a:rPr b="0" lang="en-SG" sz="1800" spc="-1" strike="noStrike">
                 <a:latin typeface="Arial"/>
@@ -4020,7 +3978,7 @@
         <p:spPr>
           <a:xfrm>
             <a:off x="720000" y="300960"/>
-            <a:ext cx="8852400" cy="1259280"/>
+            <a:ext cx="8852760" cy="1259640"/>
           </a:xfrm>
           <a:prstGeom prst="rect">
             <a:avLst/>
@@ -4069,7 +4027,7 @@
         <p:spPr>
           <a:xfrm>
             <a:off x="465480" y="7040880"/>
-            <a:ext cx="5749200" cy="343440"/>
+            <a:ext cx="5749560" cy="343800"/>
           </a:xfrm>
           <a:prstGeom prst="rect">
             <a:avLst/>
@@ -4122,7 +4080,7 @@
         <p:spPr>
           <a:xfrm>
             <a:off x="274320" y="2062080"/>
-            <a:ext cx="9298080" cy="1778040"/>
+            <a:ext cx="9298440" cy="1778400"/>
           </a:xfrm>
           <a:prstGeom prst="rect">
             <a:avLst/>
@@ -4190,7 +4148,7 @@
         <p:spPr>
           <a:xfrm>
             <a:off x="720000" y="300960"/>
-            <a:ext cx="8852400" cy="1259280"/>
+            <a:ext cx="8852760" cy="1259640"/>
           </a:xfrm>
           <a:prstGeom prst="rect">
             <a:avLst/>
@@ -4239,7 +4197,7 @@
         <p:spPr>
           <a:xfrm>
             <a:off x="465480" y="7040880"/>
-            <a:ext cx="5749200" cy="343440"/>
+            <a:ext cx="5749560" cy="343800"/>
           </a:xfrm>
           <a:prstGeom prst="rect">
             <a:avLst/>
@@ -4292,7 +4250,7 @@
         <p:spPr>
           <a:xfrm>
             <a:off x="375120" y="1560600"/>
-            <a:ext cx="8585640" cy="3940920"/>
+            <a:ext cx="8586000" cy="3941280"/>
           </a:xfrm>
           <a:prstGeom prst="rect">
             <a:avLst/>
@@ -4360,7 +4318,7 @@
         <p:spPr>
           <a:xfrm>
             <a:off x="720000" y="300960"/>
-            <a:ext cx="8852400" cy="1259280"/>
+            <a:ext cx="8852760" cy="1259640"/>
           </a:xfrm>
           <a:prstGeom prst="rect">
             <a:avLst/>
@@ -4409,7 +4367,7 @@
         <p:spPr>
           <a:xfrm>
             <a:off x="465480" y="7040880"/>
-            <a:ext cx="5749200" cy="343440"/>
+            <a:ext cx="5749560" cy="343800"/>
           </a:xfrm>
           <a:prstGeom prst="rect">
             <a:avLst/>
@@ -4462,7 +4420,7 @@
         <p:spPr>
           <a:xfrm>
             <a:off x="375120" y="1560600"/>
-            <a:ext cx="8585640" cy="3940920"/>
+            <a:ext cx="8586000" cy="3941280"/>
           </a:xfrm>
           <a:prstGeom prst="rect">
             <a:avLst/>
@@ -4530,7 +4488,7 @@
         <p:spPr>
           <a:xfrm>
             <a:off x="720000" y="300960"/>
-            <a:ext cx="8852400" cy="1259280"/>
+            <a:ext cx="8852760" cy="1259640"/>
           </a:xfrm>
           <a:prstGeom prst="rect">
             <a:avLst/>
@@ -4579,7 +4537,7 @@
         <p:spPr>
           <a:xfrm>
             <a:off x="465480" y="7040880"/>
-            <a:ext cx="5749200" cy="343440"/>
+            <a:ext cx="5749560" cy="343800"/>
           </a:xfrm>
           <a:prstGeom prst="rect">
             <a:avLst/>
@@ -4632,7 +4590,7 @@
         <p:spPr>
           <a:xfrm>
             <a:off x="365760" y="1920240"/>
-            <a:ext cx="9282600" cy="3317040"/>
+            <a:ext cx="9282960" cy="3317400"/>
           </a:xfrm>
           <a:prstGeom prst="rect">
             <a:avLst/>
@@ -4700,7 +4658,7 @@
         <p:spPr>
           <a:xfrm>
             <a:off x="720000" y="300960"/>
-            <a:ext cx="8852400" cy="1259280"/>
+            <a:ext cx="8852760" cy="1259640"/>
           </a:xfrm>
           <a:prstGeom prst="rect">
             <a:avLst/>
@@ -4749,7 +4707,7 @@
         <p:spPr>
           <a:xfrm>
             <a:off x="465480" y="7040880"/>
-            <a:ext cx="5749200" cy="343440"/>
+            <a:ext cx="5749560" cy="343800"/>
           </a:xfrm>
           <a:prstGeom prst="rect">
             <a:avLst/>
@@ -4779,7 +4737,7 @@
         <p:spPr>
           <a:xfrm>
             <a:off x="1268640" y="2857320"/>
-            <a:ext cx="5771880" cy="2171520"/>
+            <a:ext cx="5772240" cy="2171880"/>
           </a:xfrm>
           <a:prstGeom prst="rect">
             <a:avLst/>
@@ -4847,7 +4805,7 @@
         <p:spPr>
           <a:xfrm>
             <a:off x="792000" y="3993480"/>
-            <a:ext cx="8564760" cy="1658160"/>
+            <a:ext cx="8565120" cy="1658520"/>
           </a:xfrm>
           <a:prstGeom prst="rect">
             <a:avLst/>
@@ -4898,7 +4856,7 @@
         <p:spPr>
           <a:xfrm>
             <a:off x="792000" y="5904000"/>
-            <a:ext cx="8564760" cy="979200"/>
+            <a:ext cx="8565120" cy="979560"/>
           </a:xfrm>
           <a:prstGeom prst="rect">
             <a:avLst/>
@@ -4973,7 +4931,7 @@
         <p:spPr>
           <a:xfrm>
             <a:off x="720000" y="300960"/>
-            <a:ext cx="8852400" cy="1259280"/>
+            <a:ext cx="8852760" cy="1259640"/>
           </a:xfrm>
           <a:prstGeom prst="rect">
             <a:avLst/>
@@ -5022,7 +4980,7 @@
         <p:spPr>
           <a:xfrm>
             <a:off x="720000" y="2160000"/>
-            <a:ext cx="8636760" cy="4381560"/>
+            <a:ext cx="8637120" cy="4381920"/>
           </a:xfrm>
           <a:prstGeom prst="rect">
             <a:avLst/>
@@ -5041,7 +4999,7 @@
         <p:txBody>
           <a:bodyPr lIns="0" rIns="0" tIns="0" bIns="0"/>
           <a:p>
-            <a:pPr marL="432000" indent="-320760">
+            <a:pPr marL="432000" indent="-321120">
               <a:lnSpc>
                 <a:spcPct val="100000"/>
               </a:lnSpc>
@@ -5070,7 +5028,7 @@
             </a:endParaRPr>
           </a:p>
           <a:p>
-            <a:pPr marL="432000" indent="-320760">
+            <a:pPr marL="432000" indent="-321120">
               <a:lnSpc>
                 <a:spcPct val="100000"/>
               </a:lnSpc>
@@ -5099,7 +5057,7 @@
             </a:endParaRPr>
           </a:p>
           <a:p>
-            <a:pPr marL="432000" indent="-320760">
+            <a:pPr marL="432000" indent="-321120">
               <a:lnSpc>
                 <a:spcPct val="100000"/>
               </a:lnSpc>
@@ -5206,7 +5164,7 @@
         <p:spPr>
           <a:xfrm>
             <a:off x="465480" y="7040880"/>
-            <a:ext cx="5749200" cy="343440"/>
+            <a:ext cx="5749560" cy="343800"/>
           </a:xfrm>
           <a:prstGeom prst="rect">
             <a:avLst/>
@@ -5259,7 +5217,7 @@
         <p:spPr>
           <a:xfrm>
             <a:off x="5216040" y="4114800"/>
-            <a:ext cx="2189880" cy="2799720"/>
+            <a:ext cx="2190240" cy="2800080"/>
           </a:xfrm>
           <a:prstGeom prst="rect">
             <a:avLst/>
@@ -5327,7 +5285,7 @@
         <p:spPr>
           <a:xfrm>
             <a:off x="720000" y="300960"/>
-            <a:ext cx="8852400" cy="1259280"/>
+            <a:ext cx="8852760" cy="1259640"/>
           </a:xfrm>
           <a:prstGeom prst="rect">
             <a:avLst/>
@@ -5376,7 +5334,7 @@
         <p:spPr>
           <a:xfrm>
             <a:off x="720000" y="2160000"/>
-            <a:ext cx="8636760" cy="4381560"/>
+            <a:ext cx="8637120" cy="4381920"/>
           </a:xfrm>
           <a:prstGeom prst="rect">
             <a:avLst/>
@@ -5395,7 +5353,7 @@
         <p:txBody>
           <a:bodyPr lIns="0" rIns="0" tIns="0" bIns="0"/>
           <a:p>
-            <a:pPr marL="432000" indent="-320760">
+            <a:pPr marL="432000" indent="-321120">
               <a:lnSpc>
                 <a:spcPct val="100000"/>
               </a:lnSpc>
@@ -5464,7 +5422,7 @@
         <p:spPr>
           <a:xfrm>
             <a:off x="4754880" y="2560320"/>
-            <a:ext cx="4721760" cy="4849200"/>
+            <a:ext cx="4722120" cy="4849560"/>
           </a:xfrm>
           <a:prstGeom prst="rect">
             <a:avLst/>
@@ -5532,7 +5490,7 @@
         <p:spPr>
           <a:xfrm>
             <a:off x="720000" y="300960"/>
-            <a:ext cx="8852400" cy="1259280"/>
+            <a:ext cx="8852760" cy="1259640"/>
           </a:xfrm>
           <a:prstGeom prst="rect">
             <a:avLst/>
@@ -5581,7 +5539,7 @@
         <p:spPr>
           <a:xfrm>
             <a:off x="720000" y="2160000"/>
-            <a:ext cx="8636760" cy="4381560"/>
+            <a:ext cx="8637120" cy="4381920"/>
           </a:xfrm>
           <a:prstGeom prst="rect">
             <a:avLst/>
@@ -5600,7 +5558,7 @@
         <p:txBody>
           <a:bodyPr lIns="0" rIns="0" tIns="0" bIns="0"/>
           <a:p>
-            <a:pPr marL="432000" indent="-320760">
+            <a:pPr marL="432000" indent="-321120">
               <a:lnSpc>
                 <a:spcPct val="100000"/>
               </a:lnSpc>
@@ -5629,7 +5587,7 @@
             </a:endParaRPr>
           </a:p>
           <a:p>
-            <a:pPr marL="432000" indent="-320760">
+            <a:pPr marL="432000" indent="-321120">
               <a:lnSpc>
                 <a:spcPct val="100000"/>
               </a:lnSpc>
@@ -5658,7 +5616,7 @@
             </a:endParaRPr>
           </a:p>
           <a:p>
-            <a:pPr marL="432000" indent="-320760">
+            <a:pPr marL="432000" indent="-321120">
               <a:lnSpc>
                 <a:spcPct val="100000"/>
               </a:lnSpc>
@@ -5687,7 +5645,7 @@
             </a:endParaRPr>
           </a:p>
           <a:p>
-            <a:pPr marL="432000" indent="-320760">
+            <a:pPr marL="432000" indent="-321120">
               <a:lnSpc>
                 <a:spcPct val="100000"/>
               </a:lnSpc>
@@ -5716,7 +5674,7 @@
             </a:endParaRPr>
           </a:p>
           <a:p>
-            <a:pPr marL="432000" indent="-320760">
+            <a:pPr marL="432000" indent="-321120">
               <a:lnSpc>
                 <a:spcPct val="100000"/>
               </a:lnSpc>
@@ -5817,7 +5775,7 @@
         <p:spPr>
           <a:xfrm>
             <a:off x="720000" y="300960"/>
-            <a:ext cx="8852400" cy="1259280"/>
+            <a:ext cx="8852760" cy="1259640"/>
           </a:xfrm>
           <a:prstGeom prst="rect">
             <a:avLst/>
@@ -5866,7 +5824,7 @@
         <p:spPr>
           <a:xfrm>
             <a:off x="720000" y="2160000"/>
-            <a:ext cx="8636760" cy="4381560"/>
+            <a:ext cx="8637120" cy="4381920"/>
           </a:xfrm>
           <a:prstGeom prst="rect">
             <a:avLst/>
@@ -5885,7 +5843,7 @@
         <p:txBody>
           <a:bodyPr lIns="0" rIns="0" tIns="0" bIns="0"/>
           <a:p>
-            <a:pPr marL="432000" indent="-320760">
+            <a:pPr marL="432000" indent="-321120">
               <a:lnSpc>
                 <a:spcPct val="100000"/>
               </a:lnSpc>
@@ -5954,7 +5912,7 @@
         <p:spPr>
           <a:xfrm>
             <a:off x="977400" y="2853720"/>
-            <a:ext cx="3753360" cy="1809000"/>
+            <a:ext cx="3753720" cy="1809360"/>
           </a:xfrm>
           <a:prstGeom prst="rect">
             <a:avLst/>
@@ -5977,7 +5935,7 @@
         <p:spPr>
           <a:xfrm>
             <a:off x="5294160" y="2926080"/>
-            <a:ext cx="3827520" cy="4114080"/>
+            <a:ext cx="3827880" cy="4114440"/>
           </a:xfrm>
           <a:prstGeom prst="rect">
             <a:avLst/>
@@ -6045,7 +6003,7 @@
         <p:spPr>
           <a:xfrm>
             <a:off x="720000" y="300960"/>
-            <a:ext cx="8852400" cy="1259280"/>
+            <a:ext cx="8852760" cy="1259640"/>
           </a:xfrm>
           <a:prstGeom prst="rect">
             <a:avLst/>
@@ -6094,7 +6052,7 @@
         <p:spPr>
           <a:xfrm>
             <a:off x="720000" y="2160000"/>
-            <a:ext cx="8636760" cy="4381560"/>
+            <a:ext cx="8637120" cy="4381920"/>
           </a:xfrm>
           <a:prstGeom prst="rect">
             <a:avLst/>
@@ -6113,7 +6071,7 @@
         <p:txBody>
           <a:bodyPr lIns="0" rIns="0" tIns="0" bIns="0"/>
           <a:p>
-            <a:pPr marL="432000" indent="-320760">
+            <a:pPr marL="432000" indent="-321120">
               <a:lnSpc>
                 <a:spcPct val="100000"/>
               </a:lnSpc>
@@ -6142,7 +6100,7 @@
             </a:endParaRPr>
           </a:p>
           <a:p>
-            <a:pPr lvl="1" marL="432000" indent="-215640">
+            <a:pPr lvl="1" marL="432000" indent="-216000">
               <a:lnSpc>
                 <a:spcPct val="100000"/>
               </a:lnSpc>
@@ -6171,7 +6129,7 @@
             </a:endParaRPr>
           </a:p>
           <a:p>
-            <a:pPr marL="432000" indent="-320760">
+            <a:pPr marL="432000" indent="-321120">
               <a:lnSpc>
                 <a:spcPct val="100000"/>
               </a:lnSpc>
@@ -6200,7 +6158,7 @@
             </a:endParaRPr>
           </a:p>
           <a:p>
-            <a:pPr lvl="1" marL="432000" indent="-215640">
+            <a:pPr lvl="1" marL="432000" indent="-216000">
               <a:lnSpc>
                 <a:spcPct val="100000"/>
               </a:lnSpc>
@@ -6229,7 +6187,7 @@
             </a:endParaRPr>
           </a:p>
           <a:p>
-            <a:pPr lvl="1" marL="432000" indent="-215640">
+            <a:pPr lvl="1" marL="432000" indent="-216000">
               <a:lnSpc>
                 <a:spcPct val="100000"/>
               </a:lnSpc>
@@ -6343,7 +6301,7 @@
         <p:spPr>
           <a:xfrm>
             <a:off x="720000" y="300960"/>
-            <a:ext cx="8852400" cy="1259280"/>
+            <a:ext cx="8852760" cy="1259640"/>
           </a:xfrm>
           <a:prstGeom prst="rect">
             <a:avLst/>
@@ -6392,7 +6350,7 @@
         <p:spPr>
           <a:xfrm>
             <a:off x="720000" y="2160000"/>
-            <a:ext cx="8636760" cy="4381560"/>
+            <a:ext cx="8637120" cy="4381920"/>
           </a:xfrm>
           <a:prstGeom prst="rect">
             <a:avLst/>
@@ -6411,7 +6369,7 @@
         <p:txBody>
           <a:bodyPr lIns="0" rIns="0" tIns="0" bIns="0"/>
           <a:p>
-            <a:pPr marL="432000" indent="-320760">
+            <a:pPr marL="432000" indent="-321120">
               <a:lnSpc>
                 <a:spcPct val="100000"/>
               </a:lnSpc>
@@ -6440,7 +6398,7 @@
             </a:endParaRPr>
           </a:p>
           <a:p>
-            <a:pPr marL="432000" indent="-320760">
+            <a:pPr marL="432000" indent="-321120">
               <a:lnSpc>
                 <a:spcPct val="100000"/>
               </a:lnSpc>
@@ -6469,7 +6427,7 @@
             </a:endParaRPr>
           </a:p>
           <a:p>
-            <a:pPr marL="432000" indent="-320760">
+            <a:pPr marL="432000" indent="-321120">
               <a:lnSpc>
                 <a:spcPct val="100000"/>
               </a:lnSpc>
@@ -6498,7 +6456,7 @@
             </a:endParaRPr>
           </a:p>
           <a:p>
-            <a:pPr marL="432000" indent="-320760">
+            <a:pPr marL="432000" indent="-321120">
               <a:lnSpc>
                 <a:spcPct val="100000"/>
               </a:lnSpc>
@@ -6563,7 +6521,7 @@
         <p:spPr>
           <a:xfrm>
             <a:off x="465480" y="7040880"/>
-            <a:ext cx="5749200" cy="343440"/>
+            <a:ext cx="5749560" cy="343800"/>
           </a:xfrm>
           <a:prstGeom prst="rect">
             <a:avLst/>
@@ -6661,7 +6619,7 @@
         <p:spPr>
           <a:xfrm>
             <a:off x="720000" y="300960"/>
-            <a:ext cx="8852400" cy="1259280"/>
+            <a:ext cx="8852760" cy="1259640"/>
           </a:xfrm>
           <a:prstGeom prst="rect">
             <a:avLst/>
@@ -6710,7 +6668,7 @@
         <p:spPr>
           <a:xfrm>
             <a:off x="720000" y="2160000"/>
-            <a:ext cx="8636760" cy="4381560"/>
+            <a:ext cx="8637120" cy="4381920"/>
           </a:xfrm>
           <a:prstGeom prst="rect">
             <a:avLst/>
@@ -6729,7 +6687,7 @@
         <p:txBody>
           <a:bodyPr lIns="0" rIns="0" tIns="0" bIns="0"/>
           <a:p>
-            <a:pPr marL="432000" indent="-320760">
+            <a:pPr marL="432000" indent="-321120">
               <a:lnSpc>
                 <a:spcPct val="100000"/>
               </a:lnSpc>
@@ -6767,11 +6725,10 @@
               </a:spcBef>
             </a:pPr>
             <a:r>
-              <a:rPr b="0" lang="en-SG" sz="2000" spc="-1" strike="noStrike" u="sng">
+              <a:rPr b="0" lang="en-SG" sz="2000" spc="-1" strike="noStrike">
                 <a:solidFill>
-                  <a:srgbClr val="0000ff"/>
+                  <a:srgbClr val="333333"/>
                 </a:solidFill>
-                <a:uFillTx/>
                 <a:latin typeface="Noto Sans Regular"/>
                 <a:ea typeface="DejaVu Sans"/>
                 <a:hlinkClick r:id="rId1"/>
@@ -6783,7 +6740,7 @@
             </a:endParaRPr>
           </a:p>
           <a:p>
-            <a:pPr marL="432000" indent="-320760">
+            <a:pPr marL="432000" indent="-321120">
               <a:lnSpc>
                 <a:spcPct val="100000"/>
               </a:lnSpc>
@@ -6812,20 +6769,7 @@
             </a:endParaRPr>
           </a:p>
           <a:p>
-            <a:pPr>
-              <a:lnSpc>
-                <a:spcPct val="100000"/>
-              </a:lnSpc>
-              <a:spcBef>
-                <a:spcPts val="1417"/>
-              </a:spcBef>
-            </a:pPr>
-            <a:endParaRPr b="0" lang="en-SG" sz="2000" spc="-1" strike="noStrike">
-              <a:latin typeface="Arial"/>
-            </a:endParaRPr>
-          </a:p>
-          <a:p>
-            <a:pPr marL="432000" indent="-320760">
+            <a:pPr marL="432000" indent="-321120">
               <a:lnSpc>
                 <a:spcPct val="100000"/>
               </a:lnSpc>
@@ -6839,45 +6783,12 @@
               <a:buFont typeface="Wingdings" charset="2"/>
               <a:buChar char=""/>
             </a:pPr>
-            <a:r>
-              <a:rPr b="0" lang="en-SG" sz="2000" spc="-1" strike="noStrike">
-                <a:solidFill>
-                  <a:srgbClr val="333333"/>
-                </a:solidFill>
-                <a:latin typeface="Noto Sans Regular"/>
-                <a:ea typeface="DejaVu Sans"/>
-              </a:rPr>
-              <a:t>Factory – Creational</a:t>
-            </a:r>
             <a:endParaRPr b="0" lang="en-SG" sz="2000" spc="-1" strike="noStrike">
               <a:latin typeface="Arial"/>
             </a:endParaRPr>
           </a:p>
           <a:p>
-            <a:pPr>
-              <a:lnSpc>
-                <a:spcPct val="100000"/>
-              </a:lnSpc>
-              <a:spcBef>
-                <a:spcPts val="1417"/>
-              </a:spcBef>
-            </a:pPr>
-            <a:r>
-              <a:rPr b="0" lang="en-SG" sz="2000" spc="-1" strike="noStrike">
-                <a:solidFill>
-                  <a:srgbClr val="333333"/>
-                </a:solidFill>
-                <a:latin typeface="Noto Sans Regular"/>
-                <a:ea typeface="DejaVu Sans"/>
-              </a:rPr>
-              <a:t>https://www.dofactory.com/net/factory-method-design-pattern</a:t>
-            </a:r>
-            <a:endParaRPr b="0" lang="en-SG" sz="2000" spc="-1" strike="noStrike">
-              <a:latin typeface="Arial"/>
-            </a:endParaRPr>
-          </a:p>
-          <a:p>
-            <a:pPr marL="432000" indent="-320760">
+            <a:pPr marL="432000" indent="-321120">
               <a:lnSpc>
                 <a:spcPct val="100000"/>
               </a:lnSpc>
@@ -6899,7 +6810,7 @@
                 <a:latin typeface="Noto Sans Regular"/>
                 <a:ea typeface="DejaVu Sans"/>
               </a:rPr>
-              <a:t>Observe “Document” class. Its constructor calls CreatePages(), which is the Factory Method implemented as an abstract method, that needs to be overriden by those inheriting from Document.</a:t>
+              <a:t>Factory – Creational</a:t>
             </a:r>
             <a:endParaRPr b="0" lang="en-SG" sz="2000" spc="-1" strike="noStrike">
               <a:latin typeface="Arial"/>
@@ -6914,18 +6825,76 @@
                 <a:spcPts val="1417"/>
               </a:spcBef>
             </a:pPr>
+            <a:r>
+              <a:rPr b="0" lang="en-SG" sz="2000" spc="-1" strike="noStrike">
+                <a:solidFill>
+                  <a:srgbClr val="333333"/>
+                </a:solidFill>
+                <a:latin typeface="Noto Sans Regular"/>
+                <a:ea typeface="DejaVu Sans"/>
+              </a:rPr>
+              <a:t>https://www.dofactory.com/net/factory-method-design-pattern</a:t>
+            </a:r>
             <a:endParaRPr b="0" lang="en-SG" sz="2000" spc="-1" strike="noStrike">
               <a:latin typeface="Arial"/>
             </a:endParaRPr>
           </a:p>
           <a:p>
-            <a:pPr>
+            <a:pPr marL="432000" indent="-321120">
               <a:lnSpc>
                 <a:spcPct val="100000"/>
               </a:lnSpc>
               <a:spcBef>
                 <a:spcPts val="1417"/>
               </a:spcBef>
+              <a:buClr>
+                <a:srgbClr val="ef2929"/>
+              </a:buClr>
+              <a:buSzPct val="45000"/>
+              <a:buFont typeface="Wingdings" charset="2"/>
+              <a:buChar char=""/>
+            </a:pPr>
+            <a:r>
+              <a:rPr b="0" lang="en-SG" sz="2000" spc="-1" strike="noStrike">
+                <a:solidFill>
+                  <a:srgbClr val="333333"/>
+                </a:solidFill>
+                <a:latin typeface="Noto Sans Regular"/>
+                <a:ea typeface="DejaVu Sans"/>
+              </a:rPr>
+              <a:t>Observe “Document” class. Its constructor calls CreatePages(), which is the Factory Method implemented as an abstract method, that needs to be overriden by those inheriting from Document.</a:t>
+            </a:r>
+            <a:endParaRPr b="0" lang="en-SG" sz="2000" spc="-1" strike="noStrike">
+              <a:latin typeface="Arial"/>
+            </a:endParaRPr>
+          </a:p>
+          <a:p>
+            <a:pPr marL="432000" indent="-321120">
+              <a:lnSpc>
+                <a:spcPct val="100000"/>
+              </a:lnSpc>
+              <a:spcBef>
+                <a:spcPts val="1417"/>
+              </a:spcBef>
+              <a:buClr>
+                <a:srgbClr val="ef2929"/>
+              </a:buClr>
+              <a:buSzPct val="45000"/>
+              <a:buFont typeface="Wingdings" charset="2"/>
+              <a:buChar char=""/>
+            </a:pPr>
+            <a:endParaRPr b="0" lang="en-SG" sz="2000" spc="-1" strike="noStrike">
+              <a:latin typeface="Arial"/>
+            </a:endParaRPr>
+          </a:p>
+          <a:p>
+            <a:pPr>
+              <a:lnSpc>
+                <a:spcPct val="100000"/>
+              </a:lnSpc>
+              <a:spcBef>
+                <a:spcPts val="1417"/>
+              </a:spcBef>
             </a:pPr>
             <a:endParaRPr b="0" lang="en-SG" sz="2000" spc="-1" strike="noStrike">
               <a:latin typeface="Arial"/>
@@ -6955,7 +6924,7 @@
         <p:spPr>
           <a:xfrm>
             <a:off x="465480" y="7040880"/>
-            <a:ext cx="5749200" cy="343440"/>
+            <a:ext cx="5749560" cy="343800"/>
           </a:xfrm>
           <a:prstGeom prst="rect">
             <a:avLst/>
@@ -7030,7 +6999,7 @@
         <p:spPr>
           <a:xfrm>
             <a:off x="720000" y="300960"/>
-            <a:ext cx="8852400" cy="1259280"/>
+            <a:ext cx="8852760" cy="1259640"/>
           </a:xfrm>
           <a:prstGeom prst="rect">
             <a:avLst/>
@@ -7079,7 +7048,7 @@
         <p:spPr>
           <a:xfrm>
             <a:off x="720000" y="2160000"/>
-            <a:ext cx="8636760" cy="4381560"/>
+            <a:ext cx="8637120" cy="4381920"/>
           </a:xfrm>
           <a:prstGeom prst="rect">
             <a:avLst/>
@@ -7098,7 +7067,7 @@
         <p:txBody>
           <a:bodyPr lIns="0" rIns="0" tIns="0" bIns="0"/>
           <a:p>
-            <a:pPr marL="432000" indent="-320760">
+            <a:pPr marL="432000" indent="-321120">
               <a:lnSpc>
                 <a:spcPct val="100000"/>
               </a:lnSpc>
@@ -7150,7 +7119,7 @@
             </a:endParaRPr>
           </a:p>
           <a:p>
-            <a:pPr marL="432000" indent="-320760">
+            <a:pPr marL="432000" indent="-321120">
               <a:lnSpc>
                 <a:spcPct val="100000"/>
               </a:lnSpc>
@@ -7179,20 +7148,7 @@
             </a:endParaRPr>
           </a:p>
           <a:p>
-            <a:pPr>
-              <a:lnSpc>
-                <a:spcPct val="100000"/>
-              </a:lnSpc>
-              <a:spcBef>
-                <a:spcPts val="1417"/>
-              </a:spcBef>
-            </a:pPr>
-            <a:endParaRPr b="0" lang="en-SG" sz="2000" spc="-1" strike="noStrike">
-              <a:latin typeface="Arial"/>
-            </a:endParaRPr>
-          </a:p>
-          <a:p>
-            <a:pPr marL="432000" indent="-320760">
+            <a:pPr marL="432000" indent="-321120">
               <a:lnSpc>
                 <a:spcPct val="100000"/>
               </a:lnSpc>
@@ -7206,45 +7162,12 @@
               <a:buFont typeface="Wingdings" charset="2"/>
               <a:buChar char=""/>
             </a:pPr>
-            <a:r>
-              <a:rPr b="0" lang="en-SG" sz="2000" spc="-1" strike="noStrike">
-                <a:solidFill>
-                  <a:srgbClr val="333333"/>
-                </a:solidFill>
-                <a:latin typeface="Noto Sans Regular"/>
-                <a:ea typeface="DejaVu Sans"/>
-              </a:rPr>
-              <a:t>Template – Behavioural</a:t>
-            </a:r>
             <a:endParaRPr b="0" lang="en-SG" sz="2000" spc="-1" strike="noStrike">
               <a:latin typeface="Arial"/>
             </a:endParaRPr>
           </a:p>
           <a:p>
-            <a:pPr>
-              <a:lnSpc>
-                <a:spcPct val="100000"/>
-              </a:lnSpc>
-              <a:spcBef>
-                <a:spcPts val="1417"/>
-              </a:spcBef>
-            </a:pPr>
-            <a:r>
-              <a:rPr b="0" lang="en-SG" sz="2000" spc="-1" strike="noStrike">
-                <a:solidFill>
-                  <a:srgbClr val="333333"/>
-                </a:solidFill>
-                <a:latin typeface="Noto Sans Regular"/>
-                <a:ea typeface="DejaVu Sans"/>
-              </a:rPr>
-              <a:t>https://www.dofactory.com/net/template-method-design-pattern</a:t>
-            </a:r>
-            <a:endParaRPr b="0" lang="en-SG" sz="2000" spc="-1" strike="noStrike">
-              <a:latin typeface="Arial"/>
-            </a:endParaRPr>
-          </a:p>
-          <a:p>
-            <a:pPr marL="432000" indent="-320760">
+            <a:pPr marL="432000" indent="-321120">
               <a:lnSpc>
                 <a:spcPct val="100000"/>
               </a:lnSpc>
@@ -7266,7 +7189,7 @@
                 <a:latin typeface="Noto Sans Regular"/>
                 <a:ea typeface="DejaVu Sans"/>
               </a:rPr>
-              <a:t>Note the ‘Template Method’ Run(). It defines the 4 methods that need to run in this sequence. Note that these are abstract methods within the abstract class. Implementing classes need to override these.</a:t>
+              <a:t>Template – Behavioural</a:t>
             </a:r>
             <a:endParaRPr b="0" lang="en-SG" sz="2000" spc="-1" strike="noStrike">
               <a:latin typeface="Arial"/>
@@ -7281,18 +7204,76 @@
                 <a:spcPts val="1417"/>
               </a:spcBef>
             </a:pPr>
+            <a:r>
+              <a:rPr b="0" lang="en-SG" sz="2000" spc="-1" strike="noStrike">
+                <a:solidFill>
+                  <a:srgbClr val="333333"/>
+                </a:solidFill>
+                <a:latin typeface="Noto Sans Regular"/>
+                <a:ea typeface="DejaVu Sans"/>
+              </a:rPr>
+              <a:t>https://www.dofactory.com/net/template-method-design-pattern</a:t>
+            </a:r>
             <a:endParaRPr b="0" lang="en-SG" sz="2000" spc="-1" strike="noStrike">
               <a:latin typeface="Arial"/>
             </a:endParaRPr>
           </a:p>
           <a:p>
-            <a:pPr>
+            <a:pPr marL="432000" indent="-321120">
               <a:lnSpc>
                 <a:spcPct val="100000"/>
               </a:lnSpc>
               <a:spcBef>
                 <a:spcPts val="1417"/>
               </a:spcBef>
+              <a:buClr>
+                <a:srgbClr val="ef2929"/>
+              </a:buClr>
+              <a:buSzPct val="45000"/>
+              <a:buFont typeface="Wingdings" charset="2"/>
+              <a:buChar char=""/>
+            </a:pPr>
+            <a:r>
+              <a:rPr b="0" lang="en-SG" sz="2000" spc="-1" strike="noStrike">
+                <a:solidFill>
+                  <a:srgbClr val="333333"/>
+                </a:solidFill>
+                <a:latin typeface="Noto Sans Regular"/>
+                <a:ea typeface="DejaVu Sans"/>
+              </a:rPr>
+              <a:t>Note the ‘Template Method’ Run(). It defines the 4 methods that need to run in this sequence. Note that these are abstract methods within the abstract class. Implementing classes need to override these.</a:t>
+            </a:r>
+            <a:endParaRPr b="0" lang="en-SG" sz="2000" spc="-1" strike="noStrike">
+              <a:latin typeface="Arial"/>
+            </a:endParaRPr>
+          </a:p>
+          <a:p>
+            <a:pPr marL="432000" indent="-321120">
+              <a:lnSpc>
+                <a:spcPct val="100000"/>
+              </a:lnSpc>
+              <a:spcBef>
+                <a:spcPts val="1417"/>
+              </a:spcBef>
+              <a:buClr>
+                <a:srgbClr val="ef2929"/>
+              </a:buClr>
+              <a:buSzPct val="45000"/>
+              <a:buFont typeface="Wingdings" charset="2"/>
+              <a:buChar char=""/>
+            </a:pPr>
+            <a:endParaRPr b="0" lang="en-SG" sz="2000" spc="-1" strike="noStrike">
+              <a:latin typeface="Arial"/>
+            </a:endParaRPr>
+          </a:p>
+          <a:p>
+            <a:pPr>
+              <a:lnSpc>
+                <a:spcPct val="100000"/>
+              </a:lnSpc>
+              <a:spcBef>
+                <a:spcPts val="1417"/>
+              </a:spcBef>
             </a:pPr>
             <a:endParaRPr b="0" lang="en-SG" sz="2000" spc="-1" strike="noStrike">
               <a:latin typeface="Arial"/>
@@ -7322,7 +7303,7 @@
         <p:spPr>
           <a:xfrm>
             <a:off x="465480" y="7040880"/>
-            <a:ext cx="5749200" cy="343440"/>
+            <a:ext cx="5749560" cy="343800"/>
           </a:xfrm>
           <a:prstGeom prst="rect">
             <a:avLst/>
@@ -7397,7 +7378,7 @@
         <p:spPr>
           <a:xfrm>
             <a:off x="720000" y="300960"/>
-            <a:ext cx="8852400" cy="1259280"/>
+            <a:ext cx="8852760" cy="1259640"/>
           </a:xfrm>
           <a:prstGeom prst="rect">
             <a:avLst/>
@@ -7446,7 +7427,7 @@
         <p:spPr>
           <a:xfrm>
             <a:off x="720000" y="2160000"/>
-            <a:ext cx="8636760" cy="4381560"/>
+            <a:ext cx="8637120" cy="4381920"/>
           </a:xfrm>
           <a:prstGeom prst="rect">
             <a:avLst/>
@@ -7465,7 +7446,7 @@
         <p:txBody>
           <a:bodyPr lIns="0" rIns="0" tIns="0" bIns="0"/>
           <a:p>
-            <a:pPr marL="432000" indent="-320760">
+            <a:pPr marL="432000" indent="-321120">
               <a:lnSpc>
                 <a:spcPct val="100000"/>
               </a:lnSpc>
@@ -7517,7 +7498,7 @@
             </a:endParaRPr>
           </a:p>
           <a:p>
-            <a:pPr marL="432000" indent="-320760">
+            <a:pPr marL="432000" indent="-321120">
               <a:lnSpc>
                 <a:spcPct val="100000"/>
               </a:lnSpc>
@@ -7582,7 +7563,7 @@
         <p:spPr>
           <a:xfrm>
             <a:off x="465480" y="7040880"/>
-            <a:ext cx="5749200" cy="343440"/>
+            <a:ext cx="5749560" cy="343800"/>
           </a:xfrm>
           <a:prstGeom prst="rect">
             <a:avLst/>
@@ -7657,7 +7638,7 @@
         <p:spPr>
           <a:xfrm>
             <a:off x="720000" y="300960"/>
-            <a:ext cx="8852400" cy="1259280"/>
+            <a:ext cx="8852760" cy="1259640"/>
           </a:xfrm>
           <a:prstGeom prst="rect">
             <a:avLst/>
@@ -7706,7 +7687,7 @@
         <p:spPr>
           <a:xfrm>
             <a:off x="720000" y="2160000"/>
-            <a:ext cx="8636760" cy="4381560"/>
+            <a:ext cx="8637120" cy="4381920"/>
           </a:xfrm>
           <a:prstGeom prst="rect">
             <a:avLst/>
@@ -7725,7 +7706,7 @@
         <p:txBody>
           <a:bodyPr lIns="0" rIns="0" tIns="0" bIns="0"/>
           <a:p>
-            <a:pPr marL="432000" indent="-320760">
+            <a:pPr marL="432000" indent="-321120">
               <a:lnSpc>
                 <a:spcPct val="100000"/>
               </a:lnSpc>
@@ -7754,7 +7735,7 @@
             </a:endParaRPr>
           </a:p>
           <a:p>
-            <a:pPr lvl="1" marL="432000" indent="-214920">
+            <a:pPr lvl="1" marL="432000" indent="-215280">
               <a:lnSpc>
                 <a:spcPct val="100000"/>
               </a:lnSpc>
@@ -7783,7 +7764,7 @@
             </a:endParaRPr>
           </a:p>
           <a:p>
-            <a:pPr lvl="1" marL="432000" indent="-214920">
+            <a:pPr lvl="1" marL="432000" indent="-215280">
               <a:lnSpc>
                 <a:spcPct val="100000"/>
               </a:lnSpc>
@@ -7812,7 +7793,7 @@
             </a:endParaRPr>
           </a:p>
           <a:p>
-            <a:pPr lvl="1" marL="432000" indent="-214920">
+            <a:pPr lvl="1" marL="432000" indent="-215280">
               <a:lnSpc>
                 <a:spcPct val="100000"/>
               </a:lnSpc>
@@ -7841,7 +7822,7 @@
             </a:endParaRPr>
           </a:p>
           <a:p>
-            <a:pPr lvl="1" marL="432000" indent="-214920">
+            <a:pPr lvl="1" marL="432000" indent="-215280">
               <a:lnSpc>
                 <a:spcPct val="100000"/>
               </a:lnSpc>
@@ -7870,7 +7851,7 @@
             </a:endParaRPr>
           </a:p>
           <a:p>
-            <a:pPr lvl="1" marL="432000" indent="-214920">
+            <a:pPr lvl="1" marL="432000" indent="-215280">
               <a:lnSpc>
                 <a:spcPct val="100000"/>
               </a:lnSpc>
@@ -7921,6 +7902,55 @@
               </a:spcAft>
             </a:pPr>
             <a:endParaRPr b="0" lang="en-SG" sz="2000" spc="-1" strike="noStrike">
+              <a:latin typeface="Arial"/>
+            </a:endParaRPr>
+          </a:p>
+        </p:txBody>
+      </p:sp>
+      <p:sp>
+        <p:nvSpPr>
+          <p:cNvPr id="155" name="CustomShape 3"/>
+          <p:cNvSpPr/>
+          <p:nvPr/>
+        </p:nvSpPr>
+        <p:spPr>
+          <a:xfrm>
+            <a:off x="465480" y="7040880"/>
+            <a:ext cx="5749560" cy="343800"/>
+          </a:xfrm>
+          <a:prstGeom prst="rect">
+            <a:avLst/>
+          </a:prstGeom>
+          <a:noFill/>
+          <a:ln>
+            <a:noFill/>
+          </a:ln>
+        </p:spPr>
+        <p:style>
+          <a:lnRef idx="0"/>
+          <a:fillRef idx="0"/>
+          <a:effectRef idx="0"/>
+          <a:fontRef idx="minor"/>
+        </p:style>
+        <p:txBody>
+          <a:bodyPr lIns="90000" rIns="90000" tIns="45000" bIns="45000"/>
+          <a:p>
+            <a:pPr>
+              <a:lnSpc>
+                <a:spcPct val="100000"/>
+              </a:lnSpc>
+            </a:pPr>
+            <a:r>
+              <a:rPr b="0" lang="en-SG" sz="1300" spc="-1" strike="noStrike">
+                <a:solidFill>
+                  <a:srgbClr val="000000"/>
+                </a:solidFill>
+                <a:latin typeface="Arial"/>
+                <a:ea typeface="DejaVu Sans"/>
+              </a:rPr>
+              <a:t>https://www.geeksforgeeks.org/introduction-to-net-framework/</a:t>
+            </a:r>
+            <a:endParaRPr b="0" lang="en-SG" sz="1300" spc="-1" strike="noStrike">
               <a:latin typeface="Arial"/>
             </a:endParaRPr>
           </a:p>
@@ -7977,14 +8007,14 @@
       </p:grpSpPr>
       <p:sp>
         <p:nvSpPr>
-          <p:cNvPr id="155" name="CustomShape 1"/>
+          <p:cNvPr id="156" name="CustomShape 1"/>
           <p:cNvSpPr/>
           <p:nvPr/>
         </p:nvSpPr>
         <p:spPr>
           <a:xfrm>
             <a:off x="720000" y="300960"/>
-            <a:ext cx="8852400" cy="1259280"/>
+            <a:ext cx="8852760" cy="1259640"/>
           </a:xfrm>
           <a:prstGeom prst="rect">
             <a:avLst/>
@@ -8008,6 +8038,7 @@
                 <a:spcPct val="100000"/>
               </a:lnSpc>
             </a:pPr>
+            <a:br/>
             <a:r>
               <a:rPr b="1" lang="en-SG" sz="4400" spc="-1" strike="noStrike">
                 <a:solidFill>
@@ -8016,7 +8047,7 @@
                 <a:latin typeface="Noto Sans Regular"/>
                 <a:ea typeface="DejaVu Sans"/>
               </a:rPr>
-              <a:t>SOLID</a:t>
+              <a:t>References</a:t>
             </a:r>
             <a:endParaRPr b="0" lang="en-SG" sz="4400" spc="-1" strike="noStrike">
               <a:latin typeface="Arial"/>
@@ -8026,14 +8057,14 @@
       </p:sp>
       <p:sp>
         <p:nvSpPr>
-          <p:cNvPr id="156" name="CustomShape 2"/>
+          <p:cNvPr id="157" name="CustomShape 2"/>
           <p:cNvSpPr/>
           <p:nvPr/>
         </p:nvSpPr>
         <p:spPr>
           <a:xfrm>
             <a:off x="720000" y="2160000"/>
-            <a:ext cx="8636760" cy="4381560"/>
+            <a:ext cx="8637120" cy="4381920"/>
           </a:xfrm>
           <a:prstGeom prst="rect">
             <a:avLst/>
@@ -8052,7 +8083,7 @@
         <p:txBody>
           <a:bodyPr lIns="0" rIns="0" tIns="0" bIns="0"/>
           <a:p>
-            <a:pPr marL="432000" indent="-320760">
+            <a:pPr marL="432000" indent="-321120">
               <a:lnSpc>
                 <a:spcPct val="100000"/>
               </a:lnSpc>
@@ -8067,16 +8098,6 @@
               <a:buChar char=""/>
             </a:pPr>
             <a:r>
-              <a:rPr b="0" lang="en-SG" sz="1800" spc="-1" strike="noStrike">
-                <a:solidFill>
-                  <a:srgbClr val="333333"/>
-                </a:solidFill>
-                <a:latin typeface="Noto Sans Regular"/>
-                <a:ea typeface="DejaVu Sans"/>
-              </a:rPr>
-              <a:t>Si</a:t>
-            </a:r>
-            <a:r>
               <a:rPr b="0" lang="en-SG" sz="2000" spc="-1" strike="noStrike">
                 <a:solidFill>
                   <a:srgbClr val="333333"/>
@@ -8084,14 +8105,38 @@
                 <a:latin typeface="Noto Sans Regular"/>
                 <a:ea typeface="DejaVu Sans"/>
               </a:rPr>
-              <a:t>ngle Responsibility Principle (SRP)</a:t>
+              <a:t>University of Wisconsin, CSE 403 materials</a:t>
             </a:r>
             <a:endParaRPr b="0" lang="en-SG" sz="2000" spc="-1" strike="noStrike">
               <a:latin typeface="Arial"/>
             </a:endParaRPr>
           </a:p>
           <a:p>
-            <a:pPr marL="432000" indent="-320760">
+            <a:pPr>
+              <a:lnSpc>
+                <a:spcPct val="100000"/>
+              </a:lnSpc>
+              <a:spcBef>
+                <a:spcPts val="1417"/>
+              </a:spcBef>
+            </a:pPr>
+            <a:r>
+              <a:rPr b="0" lang="en-SG" sz="2000" spc="-1" strike="noStrike">
+                <a:solidFill>
+                  <a:srgbClr val="333333"/>
+                </a:solidFill>
+                <a:latin typeface="Noto Sans Regular"/>
+                <a:ea typeface="DejaVu Sans"/>
+                <a:hlinkClick r:id="rId1"/>
+              </a:rPr>
+              <a:t>https://courses.cs.washington.edu/courses/cse403/11sp/lectures/</a:t>
+            </a:r>
+            <a:endParaRPr b="0" lang="en-SG" sz="2000" spc="-1" strike="noStrike">
+              <a:latin typeface="Arial"/>
+            </a:endParaRPr>
+          </a:p>
+          <a:p>
+            <a:pPr marL="432000" indent="-321120">
               <a:lnSpc>
                 <a:spcPct val="100000"/>
               </a:lnSpc>
@@ -8113,8 +8158,27 @@
                 <a:latin typeface="Noto Sans Regular"/>
                 <a:ea typeface="DejaVu Sans"/>
               </a:rPr>
-              <a:t>“</a:t>
-            </a:r>
+              <a:t>Blackboard system/Architecture</a:t>
+            </a:r>
+            <a:endParaRPr b="0" lang="en-SG" sz="2000" spc="-1" strike="noStrike">
+              <a:latin typeface="Arial"/>
+            </a:endParaRPr>
+          </a:p>
+          <a:p>
+            <a:pPr marL="432000" indent="-321120">
+              <a:lnSpc>
+                <a:spcPct val="100000"/>
+              </a:lnSpc>
+              <a:spcBef>
+                <a:spcPts val="1417"/>
+              </a:spcBef>
+              <a:buClr>
+                <a:srgbClr val="ef2929"/>
+              </a:buClr>
+              <a:buSzPct val="45000"/>
+              <a:buFont typeface="Wingdings" charset="2"/>
+              <a:buChar char=""/>
+            </a:pPr>
             <a:r>
               <a:rPr b="0" lang="en-SG" sz="2000" spc="-1" strike="noStrike">
                 <a:solidFill>
@@ -8123,7 +8187,7 @@
                 <a:latin typeface="Noto Sans Regular"/>
                 <a:ea typeface="DejaVu Sans"/>
               </a:rPr>
-              <a:t>A class should have only one reason to change.”</a:t>
+              <a:t>https://en.wikipedia.org/wiki/Blackboard_system</a:t>
             </a:r>
             <a:endParaRPr b="0" lang="en-SG" sz="2000" spc="-1" strike="noStrike">
               <a:latin typeface="Arial"/>
@@ -8147,6 +8211,19 @@
               <a:lnSpc>
                 <a:spcPct val="100000"/>
               </a:lnSpc>
+              <a:spcBef>
+                <a:spcPts val="1417"/>
+              </a:spcBef>
+            </a:pPr>
+            <a:endParaRPr b="0" lang="en-SG" sz="2000" spc="-1" strike="noStrike">
+              <a:latin typeface="Arial"/>
+            </a:endParaRPr>
+          </a:p>
+          <a:p>
+            <a:pPr>
+              <a:lnSpc>
+                <a:spcPct val="100000"/>
+              </a:lnSpc>
               <a:spcAft>
                 <a:spcPts val="1414"/>
               </a:spcAft>
@@ -8157,29 +8234,55 @@
           </a:p>
         </p:txBody>
       </p:sp>
-      <p:pic>
-        <p:nvPicPr>
-          <p:cNvPr id="157" name="" descr=""/>
-          <p:cNvPicPr/>
+      <p:sp>
+        <p:nvSpPr>
+          <p:cNvPr id="158" name="CustomShape 3"/>
+          <p:cNvSpPr/>
           <p:nvPr/>
-        </p:nvPicPr>
-        <p:blipFill>
-          <a:blip r:embed="rId1"/>
-          <a:stretch/>
-        </p:blipFill>
-        <p:spPr>
-          <a:xfrm>
-            <a:off x="1139040" y="3200400"/>
-            <a:ext cx="5444640" cy="3776760"/>
-          </a:xfrm>
-          <a:prstGeom prst="rect">
-            <a:avLst/>
-          </a:prstGeom>
+        </p:nvSpPr>
+        <p:spPr>
+          <a:xfrm>
+            <a:off x="465480" y="7040880"/>
+            <a:ext cx="5749560" cy="343800"/>
+          </a:xfrm>
+          <a:prstGeom prst="rect">
+            <a:avLst/>
+          </a:prstGeom>
+          <a:noFill/>
           <a:ln>
             <a:noFill/>
           </a:ln>
         </p:spPr>
-      </p:pic>
+        <p:style>
+          <a:lnRef idx="0"/>
+          <a:fillRef idx="0"/>
+          <a:effectRef idx="0"/>
+          <a:fontRef idx="minor"/>
+        </p:style>
+        <p:txBody>
+          <a:bodyPr lIns="90000" rIns="90000" tIns="45000" bIns="45000"/>
+          <a:p>
+            <a:pPr>
+              <a:lnSpc>
+                <a:spcPct val="100000"/>
+              </a:lnSpc>
+            </a:pPr>
+            <a:r>
+              <a:rPr b="0" lang="en-SG" sz="1300" spc="-1" strike="noStrike">
+                <a:solidFill>
+                  <a:srgbClr val="000000"/>
+                </a:solidFill>
+                <a:latin typeface="Arial"/>
+                <a:ea typeface="DejaVu Sans"/>
+              </a:rPr>
+              <a:t>https://www.geeksforgeeks.org/introduction-to-net-framework/</a:t>
+            </a:r>
+            <a:endParaRPr b="0" lang="en-SG" sz="1300" spc="-1" strike="noStrike">
+              <a:latin typeface="Arial"/>
+            </a:endParaRPr>
+          </a:p>
+        </p:txBody>
+      </p:sp>
     </p:spTree>
   </p:cSld>
   <p:timing>
@@ -8189,622 +8292,6 @@
           <p:childTnLst>
             <p:seq>
               <p:cTn id="54" dur="indefinite" nodeType="mainSeq"/>
-              <p:prevCondLst>
-                <p:cond delay="0" evt="onPrev">
-                  <p:tgtEl>
-                    <p:sldTgt/>
-                  </p:tgtEl>
-                </p:cond>
-              </p:prevCondLst>
-              <p:nextCondLst>
-                <p:cond delay="0" evt="onNext">
-                  <p:tgtEl>
-                    <p:sldTgt/>
-                  </p:tgtEl>
-                </p:cond>
-              </p:nextCondLst>
-            </p:seq>
-          </p:childTnLst>
-        </p:cTn>
-      </p:par>
-    </p:tnLst>
-  </p:timing>
-</p:sld>
-</file>
-
-<file path=ppt/slides/slide28.xml><?xml version="1.0" encoding="utf-8"?>
-<p:sld xmlns:a="http://schemas.openxmlformats.org/drawingml/2006/main" xmlns:p="http://schemas.openxmlformats.org/presentationml/2006/main" xmlns:r="http://schemas.openxmlformats.org/officeDocument/2006/relationships" xmlns:p14="http://schemas.microsoft.com/office/powerpoint/2010/main" xmlns:p15="http://schemas.microsoft.com/office/powerpoint/2012/main" xmlns:mc="http://schemas.openxmlformats.org/markup-compatibility/2006">
-  <p:cSld>
-    <p:spTree>
-      <p:nvGrpSpPr>
-        <p:cNvPr id="1" name=""/>
-        <p:cNvGrpSpPr/>
-        <p:nvPr/>
-      </p:nvGrpSpPr>
-      <p:grpSpPr>
-        <a:xfrm>
-          <a:off x="0" y="0"/>
-          <a:ext cx="0" cy="0"/>
-          <a:chOff x="0" y="0"/>
-          <a:chExt cx="0" cy="0"/>
-        </a:xfrm>
-      </p:grpSpPr>
-      <p:sp>
-        <p:nvSpPr>
-          <p:cNvPr id="158" name="CustomShape 1"/>
-          <p:cNvSpPr/>
-          <p:nvPr/>
-        </p:nvSpPr>
-        <p:spPr>
-          <a:xfrm>
-            <a:off x="720000" y="300960"/>
-            <a:ext cx="8852400" cy="1259280"/>
-          </a:xfrm>
-          <a:prstGeom prst="rect">
-            <a:avLst/>
-          </a:prstGeom>
-          <a:noFill/>
-          <a:ln>
-            <a:noFill/>
-          </a:ln>
-        </p:spPr>
-        <p:style>
-          <a:lnRef idx="0"/>
-          <a:fillRef idx="0"/>
-          <a:effectRef idx="0"/>
-          <a:fontRef idx="minor"/>
-        </p:style>
-        <p:txBody>
-          <a:bodyPr lIns="0" rIns="0" tIns="0" bIns="0" anchor="ctr"/>
-          <a:p>
-            <a:pPr>
-              <a:lnSpc>
-                <a:spcPct val="100000"/>
-              </a:lnSpc>
-            </a:pPr>
-            <a:r>
-              <a:rPr b="1" lang="en-SG" sz="4400" spc="-1" strike="noStrike">
-                <a:solidFill>
-                  <a:srgbClr val="333333"/>
-                </a:solidFill>
-                <a:latin typeface="Noto Sans Regular"/>
-                <a:ea typeface="DejaVu Sans"/>
-              </a:rPr>
-              <a:t>SOLID</a:t>
-            </a:r>
-            <a:endParaRPr b="0" lang="en-SG" sz="4400" spc="-1" strike="noStrike">
-              <a:latin typeface="Arial"/>
-            </a:endParaRPr>
-          </a:p>
-        </p:txBody>
-      </p:sp>
-      <p:sp>
-        <p:nvSpPr>
-          <p:cNvPr id="159" name="CustomShape 2"/>
-          <p:cNvSpPr/>
-          <p:nvPr/>
-        </p:nvSpPr>
-        <p:spPr>
-          <a:xfrm>
-            <a:off x="720000" y="2160000"/>
-            <a:ext cx="8636760" cy="4381560"/>
-          </a:xfrm>
-          <a:prstGeom prst="rect">
-            <a:avLst/>
-          </a:prstGeom>
-          <a:noFill/>
-          <a:ln>
-            <a:noFill/>
-          </a:ln>
-        </p:spPr>
-        <p:style>
-          <a:lnRef idx="0"/>
-          <a:fillRef idx="0"/>
-          <a:effectRef idx="0"/>
-          <a:fontRef idx="minor"/>
-        </p:style>
-        <p:txBody>
-          <a:bodyPr lIns="0" rIns="0" tIns="0" bIns="0"/>
-          <a:p>
-            <a:pPr marL="432000" indent="-320760">
-              <a:lnSpc>
-                <a:spcPct val="100000"/>
-              </a:lnSpc>
-              <a:spcBef>
-                <a:spcPts val="1417"/>
-              </a:spcBef>
-              <a:buClr>
-                <a:srgbClr val="ef2929"/>
-              </a:buClr>
-              <a:buSzPct val="45000"/>
-              <a:buFont typeface="Wingdings" charset="2"/>
-              <a:buChar char=""/>
-            </a:pPr>
-            <a:r>
-              <a:rPr b="0" lang="en-SG" sz="1800" spc="-1" strike="noStrike">
-                <a:solidFill>
-                  <a:srgbClr val="333333"/>
-                </a:solidFill>
-                <a:latin typeface="Noto Sans Regular"/>
-                <a:ea typeface="DejaVu Sans"/>
-              </a:rPr>
-              <a:t>Si</a:t>
-            </a:r>
-            <a:r>
-              <a:rPr b="0" lang="en-SG" sz="2000" spc="-1" strike="noStrike">
-                <a:solidFill>
-                  <a:srgbClr val="333333"/>
-                </a:solidFill>
-                <a:latin typeface="Noto Sans Regular"/>
-                <a:ea typeface="DejaVu Sans"/>
-              </a:rPr>
-              <a:t>ngle Responsibility Principle (SRP)</a:t>
-            </a:r>
-            <a:endParaRPr b="0" lang="en-SG" sz="2000" spc="-1" strike="noStrike">
-              <a:latin typeface="Arial"/>
-            </a:endParaRPr>
-          </a:p>
-          <a:p>
-            <a:pPr marL="432000" indent="-320760">
-              <a:lnSpc>
-                <a:spcPct val="100000"/>
-              </a:lnSpc>
-              <a:spcBef>
-                <a:spcPts val="1417"/>
-              </a:spcBef>
-              <a:buClr>
-                <a:srgbClr val="ef2929"/>
-              </a:buClr>
-              <a:buSzPct val="45000"/>
-              <a:buFont typeface="Wingdings" charset="2"/>
-              <a:buChar char=""/>
-            </a:pPr>
-            <a:endParaRPr b="0" lang="en-SG" sz="2000" spc="-1" strike="noStrike">
-              <a:latin typeface="Arial"/>
-            </a:endParaRPr>
-          </a:p>
-          <a:p>
-            <a:pPr>
-              <a:lnSpc>
-                <a:spcPct val="100000"/>
-              </a:lnSpc>
-              <a:spcBef>
-                <a:spcPts val="1417"/>
-              </a:spcBef>
-            </a:pPr>
-            <a:endParaRPr b="0" lang="en-SG" sz="2000" spc="-1" strike="noStrike">
-              <a:latin typeface="Arial"/>
-            </a:endParaRPr>
-          </a:p>
-          <a:p>
-            <a:pPr>
-              <a:lnSpc>
-                <a:spcPct val="100000"/>
-              </a:lnSpc>
-              <a:spcAft>
-                <a:spcPts val="1414"/>
-              </a:spcAft>
-            </a:pPr>
-            <a:endParaRPr b="0" lang="en-SG" sz="2000" spc="-1" strike="noStrike">
-              <a:latin typeface="Arial"/>
-            </a:endParaRPr>
-          </a:p>
-        </p:txBody>
-      </p:sp>
-      <p:pic>
-        <p:nvPicPr>
-          <p:cNvPr id="160" name="" descr=""/>
-          <p:cNvPicPr/>
-          <p:nvPr/>
-        </p:nvPicPr>
-        <p:blipFill>
-          <a:blip r:embed="rId1"/>
-          <a:stretch/>
-        </p:blipFill>
-        <p:spPr>
-          <a:xfrm>
-            <a:off x="1146960" y="2638080"/>
-            <a:ext cx="3699360" cy="2025360"/>
-          </a:xfrm>
-          <a:prstGeom prst="rect">
-            <a:avLst/>
-          </a:prstGeom>
-          <a:ln>
-            <a:noFill/>
-          </a:ln>
-        </p:spPr>
-      </p:pic>
-      <p:pic>
-        <p:nvPicPr>
-          <p:cNvPr id="161" name="" descr=""/>
-          <p:cNvPicPr/>
-          <p:nvPr/>
-        </p:nvPicPr>
-        <p:blipFill>
-          <a:blip r:embed="rId2"/>
-          <a:stretch/>
-        </p:blipFill>
-        <p:spPr>
-          <a:xfrm>
-            <a:off x="5146560" y="4212000"/>
-            <a:ext cx="4088880" cy="2737440"/>
-          </a:xfrm>
-          <a:prstGeom prst="rect">
-            <a:avLst/>
-          </a:prstGeom>
-          <a:ln>
-            <a:noFill/>
-          </a:ln>
-        </p:spPr>
-      </p:pic>
-    </p:spTree>
-  </p:cSld>
-  <p:timing>
-    <p:tnLst>
-      <p:par>
-        <p:cTn id="55" dur="indefinite" restart="never" nodeType="tmRoot">
-          <p:childTnLst>
-            <p:seq>
-              <p:cTn id="56" dur="indefinite" nodeType="mainSeq"/>
-              <p:prevCondLst>
-                <p:cond delay="0" evt="onPrev">
-                  <p:tgtEl>
-                    <p:sldTgt/>
-                  </p:tgtEl>
-                </p:cond>
-              </p:prevCondLst>
-              <p:nextCondLst>
-                <p:cond delay="0" evt="onNext">
-                  <p:tgtEl>
-                    <p:sldTgt/>
-                  </p:tgtEl>
-                </p:cond>
-              </p:nextCondLst>
-            </p:seq>
-          </p:childTnLst>
-        </p:cTn>
-      </p:par>
-    </p:tnLst>
-  </p:timing>
-</p:sld>
-</file>
-
-<file path=ppt/slides/slide29.xml><?xml version="1.0" encoding="utf-8"?>
-<p:sld xmlns:a="http://schemas.openxmlformats.org/drawingml/2006/main" xmlns:p="http://schemas.openxmlformats.org/presentationml/2006/main" xmlns:r="http://schemas.openxmlformats.org/officeDocument/2006/relationships" xmlns:p14="http://schemas.microsoft.com/office/powerpoint/2010/main" xmlns:p15="http://schemas.microsoft.com/office/powerpoint/2012/main" xmlns:mc="http://schemas.openxmlformats.org/markup-compatibility/2006">
-  <p:cSld>
-    <p:spTree>
-      <p:nvGrpSpPr>
-        <p:cNvPr id="1" name=""/>
-        <p:cNvGrpSpPr/>
-        <p:nvPr/>
-      </p:nvGrpSpPr>
-      <p:grpSpPr>
-        <a:xfrm>
-          <a:off x="0" y="0"/>
-          <a:ext cx="0" cy="0"/>
-          <a:chOff x="0" y="0"/>
-          <a:chExt cx="0" cy="0"/>
-        </a:xfrm>
-      </p:grpSpPr>
-      <p:sp>
-        <p:nvSpPr>
-          <p:cNvPr id="162" name="CustomShape 1"/>
-          <p:cNvSpPr/>
-          <p:nvPr/>
-        </p:nvSpPr>
-        <p:spPr>
-          <a:xfrm>
-            <a:off x="720000" y="300960"/>
-            <a:ext cx="8852400" cy="1259280"/>
-          </a:xfrm>
-          <a:prstGeom prst="rect">
-            <a:avLst/>
-          </a:prstGeom>
-          <a:noFill/>
-          <a:ln>
-            <a:noFill/>
-          </a:ln>
-        </p:spPr>
-        <p:style>
-          <a:lnRef idx="0"/>
-          <a:fillRef idx="0"/>
-          <a:effectRef idx="0"/>
-          <a:fontRef idx="minor"/>
-        </p:style>
-        <p:txBody>
-          <a:bodyPr lIns="0" rIns="0" tIns="0" bIns="0" anchor="ctr"/>
-          <a:p>
-            <a:pPr>
-              <a:lnSpc>
-                <a:spcPct val="100000"/>
-              </a:lnSpc>
-            </a:pPr>
-            <a:r>
-              <a:rPr b="1" lang="en-SG" sz="4400" spc="-1" strike="noStrike">
-                <a:solidFill>
-                  <a:srgbClr val="333333"/>
-                </a:solidFill>
-                <a:latin typeface="Noto Sans Regular"/>
-                <a:ea typeface="DejaVu Sans"/>
-              </a:rPr>
-              <a:t>SOLID</a:t>
-            </a:r>
-            <a:endParaRPr b="0" lang="en-SG" sz="4400" spc="-1" strike="noStrike">
-              <a:latin typeface="Arial"/>
-            </a:endParaRPr>
-          </a:p>
-        </p:txBody>
-      </p:sp>
-      <p:sp>
-        <p:nvSpPr>
-          <p:cNvPr id="163" name="CustomShape 2"/>
-          <p:cNvSpPr/>
-          <p:nvPr/>
-        </p:nvSpPr>
-        <p:spPr>
-          <a:xfrm>
-            <a:off x="720000" y="2160000"/>
-            <a:ext cx="8636760" cy="4381560"/>
-          </a:xfrm>
-          <a:prstGeom prst="rect">
-            <a:avLst/>
-          </a:prstGeom>
-          <a:noFill/>
-          <a:ln>
-            <a:noFill/>
-          </a:ln>
-        </p:spPr>
-        <p:style>
-          <a:lnRef idx="0"/>
-          <a:fillRef idx="0"/>
-          <a:effectRef idx="0"/>
-          <a:fontRef idx="minor"/>
-        </p:style>
-        <p:txBody>
-          <a:bodyPr lIns="0" rIns="0" tIns="0" bIns="0"/>
-          <a:p>
-            <a:pPr marL="432000" indent="-320760">
-              <a:lnSpc>
-                <a:spcPct val="100000"/>
-              </a:lnSpc>
-              <a:spcBef>
-                <a:spcPts val="1417"/>
-              </a:spcBef>
-              <a:buClr>
-                <a:srgbClr val="ef2929"/>
-              </a:buClr>
-              <a:buSzPct val="45000"/>
-              <a:buFont typeface="Wingdings" charset="2"/>
-              <a:buChar char=""/>
-            </a:pPr>
-            <a:r>
-              <a:rPr b="0" lang="en-SG" sz="2000" spc="-1" strike="noStrike">
-                <a:solidFill>
-                  <a:srgbClr val="333333"/>
-                </a:solidFill>
-                <a:latin typeface="Noto Sans Regular"/>
-                <a:ea typeface="DejaVu Sans"/>
-              </a:rPr>
-              <a:t>Open-Close Principle</a:t>
-            </a:r>
-            <a:endParaRPr b="0" lang="en-SG" sz="2000" spc="-1" strike="noStrike">
-              <a:latin typeface="Arial"/>
-            </a:endParaRPr>
-          </a:p>
-          <a:p>
-            <a:pPr marL="432000" indent="-320760">
-              <a:lnSpc>
-                <a:spcPct val="100000"/>
-              </a:lnSpc>
-              <a:spcBef>
-                <a:spcPts val="1417"/>
-              </a:spcBef>
-              <a:buClr>
-                <a:srgbClr val="ef2929"/>
-              </a:buClr>
-              <a:buSzPct val="45000"/>
-              <a:buFont typeface="Wingdings" charset="2"/>
-              <a:buChar char=""/>
-            </a:pPr>
-            <a:r>
-              <a:rPr b="0" lang="en-SG" sz="2000" spc="-1" strike="noStrike">
-                <a:solidFill>
-                  <a:srgbClr val="333333"/>
-                </a:solidFill>
-                <a:latin typeface="Noto Sans Regular"/>
-                <a:ea typeface="DejaVu Sans"/>
-              </a:rPr>
-              <a:t>“</a:t>
-            </a:r>
-            <a:r>
-              <a:rPr b="0" lang="en-SG" sz="2000" spc="-1" strike="noStrike">
-                <a:solidFill>
-                  <a:srgbClr val="333333"/>
-                </a:solidFill>
-                <a:latin typeface="Noto Sans Regular"/>
-                <a:ea typeface="DejaVu Sans"/>
-              </a:rPr>
-              <a:t>Software entities (classes, modules, functions etc) should be open for extension, but closed for modification.”</a:t>
-            </a:r>
-            <a:endParaRPr b="0" lang="en-SG" sz="2000" spc="-1" strike="noStrike">
-              <a:latin typeface="Arial"/>
-            </a:endParaRPr>
-          </a:p>
-          <a:p>
-            <a:pPr>
-              <a:lnSpc>
-                <a:spcPct val="100000"/>
-              </a:lnSpc>
-              <a:spcAft>
-                <a:spcPts val="1414"/>
-              </a:spcAft>
-            </a:pPr>
-            <a:endParaRPr b="0" lang="en-SG" sz="2000" spc="-1" strike="noStrike">
-              <a:latin typeface="Arial"/>
-            </a:endParaRPr>
-          </a:p>
-        </p:txBody>
-      </p:sp>
-      <p:sp>
-        <p:nvSpPr>
-          <p:cNvPr id="164" name="CustomShape 3"/>
-          <p:cNvSpPr/>
-          <p:nvPr/>
-        </p:nvSpPr>
-        <p:spPr>
-          <a:xfrm>
-            <a:off x="465480" y="7040880"/>
-            <a:ext cx="5749200" cy="343440"/>
-          </a:xfrm>
-          <a:prstGeom prst="rect">
-            <a:avLst/>
-          </a:prstGeom>
-          <a:noFill/>
-          <a:ln>
-            <a:noFill/>
-          </a:ln>
-        </p:spPr>
-        <p:style>
-          <a:lnRef idx="0"/>
-          <a:fillRef idx="0"/>
-          <a:effectRef idx="0"/>
-          <a:fontRef idx="minor"/>
-        </p:style>
-      </p:sp>
-      <p:pic>
-        <p:nvPicPr>
-          <p:cNvPr id="165" name="" descr=""/>
-          <p:cNvPicPr/>
-          <p:nvPr/>
-        </p:nvPicPr>
-        <p:blipFill>
-          <a:blip r:embed="rId1"/>
-          <a:stretch/>
-        </p:blipFill>
-        <p:spPr>
-          <a:xfrm>
-            <a:off x="1230480" y="3461400"/>
-            <a:ext cx="3524400" cy="1019160"/>
-          </a:xfrm>
-          <a:prstGeom prst="rect">
-            <a:avLst/>
-          </a:prstGeom>
-          <a:ln>
-            <a:noFill/>
-          </a:ln>
-        </p:spPr>
-      </p:pic>
-      <p:pic>
-        <p:nvPicPr>
-          <p:cNvPr id="166" name="" descr=""/>
-          <p:cNvPicPr/>
-          <p:nvPr/>
-        </p:nvPicPr>
-        <p:blipFill>
-          <a:blip r:embed="rId2"/>
-          <a:stretch/>
-        </p:blipFill>
-        <p:spPr>
-          <a:xfrm>
-            <a:off x="1432440" y="4720680"/>
-            <a:ext cx="2133720" cy="2228760"/>
-          </a:xfrm>
-          <a:prstGeom prst="rect">
-            <a:avLst/>
-          </a:prstGeom>
-          <a:ln>
-            <a:noFill/>
-          </a:ln>
-        </p:spPr>
-      </p:pic>
-      <p:sp>
-        <p:nvSpPr>
-          <p:cNvPr id="167" name="TextShape 4"/>
-          <p:cNvSpPr txBox="1"/>
-          <p:nvPr/>
-        </p:nvSpPr>
-        <p:spPr>
-          <a:xfrm>
-            <a:off x="4847040" y="3749040"/>
-            <a:ext cx="3108240" cy="346320"/>
-          </a:xfrm>
-          <a:prstGeom prst="rect">
-            <a:avLst/>
-          </a:prstGeom>
-          <a:noFill/>
-          <a:ln>
-            <a:noFill/>
-          </a:ln>
-        </p:spPr>
-        <p:txBody>
-          <a:bodyPr lIns="90000" rIns="90000" tIns="45000" bIns="45000"/>
-          <a:p>
-            <a:r>
-              <a:rPr b="0" lang="en-SG" sz="1800" spc="-1" strike="noStrike">
-                <a:latin typeface="Arial"/>
-              </a:rPr>
-              <a:t>Client is not open and closed</a:t>
-            </a:r>
-            <a:endParaRPr b="0" lang="en-SG" sz="1800" spc="-1" strike="noStrike">
-              <a:latin typeface="Arial"/>
-            </a:endParaRPr>
-          </a:p>
-        </p:txBody>
-      </p:sp>
-      <p:sp>
-        <p:nvSpPr>
-          <p:cNvPr id="168" name="TextShape 5"/>
-          <p:cNvSpPr txBox="1"/>
-          <p:nvPr/>
-        </p:nvSpPr>
-        <p:spPr>
-          <a:xfrm>
-            <a:off x="5029200" y="5048640"/>
-            <a:ext cx="3248640" cy="602280"/>
-          </a:xfrm>
-          <a:prstGeom prst="rect">
-            <a:avLst/>
-          </a:prstGeom>
-          <a:noFill/>
-          <a:ln>
-            <a:noFill/>
-          </a:ln>
-        </p:spPr>
-        <p:txBody>
-          <a:bodyPr lIns="90000" rIns="90000" tIns="45000" bIns="45000"/>
-          <a:p>
-            <a:r>
-              <a:rPr b="0" lang="en-SG" sz="1800" spc="-1" strike="noStrike">
-                <a:latin typeface="Arial"/>
-              </a:rPr>
-              <a:t>Template Method Pattern: </a:t>
-            </a:r>
-            <a:endParaRPr b="0" lang="en-SG" sz="1800" spc="-1" strike="noStrike">
-              <a:latin typeface="Arial"/>
-            </a:endParaRPr>
-          </a:p>
-          <a:p>
-            <a:r>
-              <a:rPr b="0" lang="en-SG" sz="1800" spc="-1" strike="noStrike">
-                <a:latin typeface="Arial"/>
-              </a:rPr>
-              <a:t>Base class is open and closed</a:t>
-            </a:r>
-            <a:endParaRPr b="0" lang="en-SG" sz="1800" spc="-1" strike="noStrike">
-              <a:latin typeface="Arial"/>
-            </a:endParaRPr>
-          </a:p>
-        </p:txBody>
-      </p:sp>
-    </p:spTree>
-  </p:cSld>
-  <p:timing>
-    <p:tnLst>
-      <p:par>
-        <p:cTn id="57" dur="indefinite" restart="never" nodeType="tmRoot">
-          <p:childTnLst>
-            <p:seq>
-              <p:cTn id="58" dur="indefinite" nodeType="mainSeq"/>
               <p:prevCondLst>
                 <p:cond delay="0" evt="onPrev">
                   <p:tgtEl>
@@ -8854,7 +8341,7 @@
         <p:spPr>
           <a:xfrm>
             <a:off x="720000" y="300960"/>
-            <a:ext cx="8852400" cy="1259280"/>
+            <a:ext cx="8852760" cy="1259640"/>
           </a:xfrm>
           <a:prstGeom prst="rect">
             <a:avLst/>
@@ -8903,7 +8390,7 @@
         <p:spPr>
           <a:xfrm>
             <a:off x="720000" y="2160000"/>
-            <a:ext cx="8636760" cy="4381560"/>
+            <a:ext cx="8637120" cy="4381920"/>
           </a:xfrm>
           <a:prstGeom prst="rect">
             <a:avLst/>
@@ -8922,7 +8409,7 @@
         <p:txBody>
           <a:bodyPr lIns="0" rIns="0" tIns="0" bIns="0"/>
           <a:p>
-            <a:pPr marL="432000" indent="-320760">
+            <a:pPr marL="432000" indent="-321120">
               <a:lnSpc>
                 <a:spcPct val="100000"/>
               </a:lnSpc>
@@ -8951,7 +8438,7 @@
             </a:endParaRPr>
           </a:p>
           <a:p>
-            <a:pPr marL="432000" indent="-320760">
+            <a:pPr marL="432000" indent="-321120">
               <a:lnSpc>
                 <a:spcPct val="100000"/>
               </a:lnSpc>
@@ -8980,7 +8467,7 @@
             </a:endParaRPr>
           </a:p>
           <a:p>
-            <a:pPr marL="432000" indent="-320760">
+            <a:pPr marL="432000" indent="-321120">
               <a:lnSpc>
                 <a:spcPct val="100000"/>
               </a:lnSpc>
@@ -9009,7 +8496,7 @@
             </a:endParaRPr>
           </a:p>
           <a:p>
-            <a:pPr marL="432000" indent="-320760">
+            <a:pPr marL="432000" indent="-321120">
               <a:lnSpc>
                 <a:spcPct val="100000"/>
               </a:lnSpc>
@@ -9038,7 +8525,7 @@
             </a:endParaRPr>
           </a:p>
           <a:p>
-            <a:pPr marL="432000" indent="-320760">
+            <a:pPr marL="432000" indent="-321120">
               <a:lnSpc>
                 <a:spcPct val="100000"/>
               </a:lnSpc>
@@ -9067,7 +8554,7 @@
             </a:endParaRPr>
           </a:p>
           <a:p>
-            <a:pPr lvl="1" marL="432000" indent="-215640">
+            <a:pPr lvl="1" marL="432000" indent="-216000">
               <a:lnSpc>
                 <a:spcPct val="100000"/>
               </a:lnSpc>
@@ -9096,7 +8583,7 @@
             </a:endParaRPr>
           </a:p>
           <a:p>
-            <a:pPr lvl="1" marL="432000" indent="-215640">
+            <a:pPr lvl="1" marL="432000" indent="-216000">
               <a:lnSpc>
                 <a:spcPct val="100000"/>
               </a:lnSpc>
@@ -9125,7 +8612,7 @@
             </a:endParaRPr>
           </a:p>
           <a:p>
-            <a:pPr lvl="1" marL="432000" indent="-215640">
+            <a:pPr lvl="1" marL="432000" indent="-216000">
               <a:lnSpc>
                 <a:spcPct val="100000"/>
               </a:lnSpc>
@@ -9203,7 +8690,7 @@
         <p:spPr>
           <a:xfrm>
             <a:off x="465480" y="7040880"/>
-            <a:ext cx="5749200" cy="343440"/>
+            <a:ext cx="5749560" cy="343800"/>
           </a:xfrm>
           <a:prstGeom prst="rect">
             <a:avLst/>
@@ -9229,1303 +8716,6 @@
           <p:childTnLst>
             <p:seq>
               <p:cTn id="6" dur="indefinite" nodeType="mainSeq"/>
-              <p:prevCondLst>
-                <p:cond delay="0" evt="onPrev">
-                  <p:tgtEl>
-                    <p:sldTgt/>
-                  </p:tgtEl>
-                </p:cond>
-              </p:prevCondLst>
-              <p:nextCondLst>
-                <p:cond delay="0" evt="onNext">
-                  <p:tgtEl>
-                    <p:sldTgt/>
-                  </p:tgtEl>
-                </p:cond>
-              </p:nextCondLst>
-            </p:seq>
-          </p:childTnLst>
-        </p:cTn>
-      </p:par>
-    </p:tnLst>
-  </p:timing>
-</p:sld>
-</file>
-
-<file path=ppt/slides/slide30.xml><?xml version="1.0" encoding="utf-8"?>
-<p:sld xmlns:a="http://schemas.openxmlformats.org/drawingml/2006/main" xmlns:p="http://schemas.openxmlformats.org/presentationml/2006/main" xmlns:r="http://schemas.openxmlformats.org/officeDocument/2006/relationships" xmlns:p14="http://schemas.microsoft.com/office/powerpoint/2010/main" xmlns:p15="http://schemas.microsoft.com/office/powerpoint/2012/main" xmlns:mc="http://schemas.openxmlformats.org/markup-compatibility/2006">
-  <p:cSld>
-    <p:spTree>
-      <p:nvGrpSpPr>
-        <p:cNvPr id="1" name=""/>
-        <p:cNvGrpSpPr/>
-        <p:nvPr/>
-      </p:nvGrpSpPr>
-      <p:grpSpPr>
-        <a:xfrm>
-          <a:off x="0" y="0"/>
-          <a:ext cx="0" cy="0"/>
-          <a:chOff x="0" y="0"/>
-          <a:chExt cx="0" cy="0"/>
-        </a:xfrm>
-      </p:grpSpPr>
-      <p:sp>
-        <p:nvSpPr>
-          <p:cNvPr id="169" name="CustomShape 1"/>
-          <p:cNvSpPr/>
-          <p:nvPr/>
-        </p:nvSpPr>
-        <p:spPr>
-          <a:xfrm>
-            <a:off x="720000" y="300960"/>
-            <a:ext cx="8852400" cy="1259280"/>
-          </a:xfrm>
-          <a:prstGeom prst="rect">
-            <a:avLst/>
-          </a:prstGeom>
-          <a:noFill/>
-          <a:ln>
-            <a:noFill/>
-          </a:ln>
-        </p:spPr>
-        <p:style>
-          <a:lnRef idx="0"/>
-          <a:fillRef idx="0"/>
-          <a:effectRef idx="0"/>
-          <a:fontRef idx="minor"/>
-        </p:style>
-        <p:txBody>
-          <a:bodyPr lIns="0" rIns="0" tIns="0" bIns="0" anchor="ctr"/>
-          <a:p>
-            <a:pPr>
-              <a:lnSpc>
-                <a:spcPct val="100000"/>
-              </a:lnSpc>
-            </a:pPr>
-            <a:r>
-              <a:rPr b="1" lang="en-SG" sz="4400" spc="-1" strike="noStrike">
-                <a:solidFill>
-                  <a:srgbClr val="333333"/>
-                </a:solidFill>
-                <a:latin typeface="Noto Sans Regular"/>
-                <a:ea typeface="DejaVu Sans"/>
-              </a:rPr>
-              <a:t>SOLID</a:t>
-            </a:r>
-            <a:endParaRPr b="0" lang="en-SG" sz="4400" spc="-1" strike="noStrike">
-              <a:latin typeface="Arial"/>
-            </a:endParaRPr>
-          </a:p>
-        </p:txBody>
-      </p:sp>
-      <p:sp>
-        <p:nvSpPr>
-          <p:cNvPr id="170" name="CustomShape 2"/>
-          <p:cNvSpPr/>
-          <p:nvPr/>
-        </p:nvSpPr>
-        <p:spPr>
-          <a:xfrm>
-            <a:off x="720000" y="2160000"/>
-            <a:ext cx="4857840" cy="4381560"/>
-          </a:xfrm>
-          <a:prstGeom prst="rect">
-            <a:avLst/>
-          </a:prstGeom>
-          <a:noFill/>
-          <a:ln>
-            <a:noFill/>
-          </a:ln>
-        </p:spPr>
-        <p:style>
-          <a:lnRef idx="0"/>
-          <a:fillRef idx="0"/>
-          <a:effectRef idx="0"/>
-          <a:fontRef idx="minor"/>
-        </p:style>
-        <p:txBody>
-          <a:bodyPr lIns="0" rIns="0" tIns="0" bIns="0"/>
-          <a:p>
-            <a:pPr marL="432000" indent="-320760">
-              <a:lnSpc>
-                <a:spcPct val="100000"/>
-              </a:lnSpc>
-              <a:spcBef>
-                <a:spcPts val="1417"/>
-              </a:spcBef>
-              <a:buClr>
-                <a:srgbClr val="ef2929"/>
-              </a:buClr>
-              <a:buSzPct val="45000"/>
-              <a:buFont typeface="Wingdings" charset="2"/>
-              <a:buChar char=""/>
-            </a:pPr>
-            <a:r>
-              <a:rPr b="0" lang="en-SG" sz="1800" spc="-1" strike="noStrike">
-                <a:solidFill>
-                  <a:srgbClr val="333333"/>
-                </a:solidFill>
-                <a:latin typeface="Noto Sans Regular"/>
-                <a:ea typeface="DejaVu Sans"/>
-              </a:rPr>
-              <a:t>L</a:t>
-            </a:r>
-            <a:r>
-              <a:rPr b="0" lang="en-SG" sz="2000" spc="-1" strike="noStrike">
-                <a:solidFill>
-                  <a:srgbClr val="333333"/>
-                </a:solidFill>
-                <a:latin typeface="Noto Sans Regular"/>
-                <a:ea typeface="DejaVu Sans"/>
-              </a:rPr>
-              <a:t>iskov Substitution Principle (LSP)</a:t>
-            </a:r>
-            <a:endParaRPr b="0" lang="en-SG" sz="2000" spc="-1" strike="noStrike">
-              <a:latin typeface="Arial"/>
-            </a:endParaRPr>
-          </a:p>
-          <a:p>
-            <a:pPr marL="432000" indent="-320760">
-              <a:lnSpc>
-                <a:spcPct val="100000"/>
-              </a:lnSpc>
-              <a:spcBef>
-                <a:spcPts val="1417"/>
-              </a:spcBef>
-              <a:buClr>
-                <a:srgbClr val="ef2929"/>
-              </a:buClr>
-              <a:buSzPct val="45000"/>
-              <a:buFont typeface="Wingdings" charset="2"/>
-              <a:buChar char=""/>
-            </a:pPr>
-            <a:r>
-              <a:rPr b="0" lang="en-SG" sz="2000" spc="-1" strike="noStrike">
-                <a:solidFill>
-                  <a:srgbClr val="333333"/>
-                </a:solidFill>
-                <a:latin typeface="Noto Sans Regular"/>
-                <a:ea typeface="DejaVu Sans"/>
-              </a:rPr>
-              <a:t>Subtypes must be substitutable for their base types.</a:t>
-            </a:r>
-            <a:endParaRPr b="0" lang="en-SG" sz="2000" spc="-1" strike="noStrike">
-              <a:latin typeface="Arial"/>
-            </a:endParaRPr>
-          </a:p>
-          <a:p>
-            <a:pPr marL="432000" indent="-320760">
-              <a:lnSpc>
-                <a:spcPct val="100000"/>
-              </a:lnSpc>
-              <a:spcBef>
-                <a:spcPts val="1417"/>
-              </a:spcBef>
-              <a:buClr>
-                <a:srgbClr val="ef2929"/>
-              </a:buClr>
-              <a:buSzPct val="45000"/>
-              <a:buFont typeface="Wingdings" charset="2"/>
-              <a:buChar char=""/>
-            </a:pPr>
-            <a:r>
-              <a:rPr b="0" lang="en-SG" sz="2000" spc="-1" strike="noStrike">
-                <a:solidFill>
-                  <a:srgbClr val="333333"/>
-                </a:solidFill>
-                <a:latin typeface="Noto Sans Regular"/>
-                <a:ea typeface="DejaVu Sans"/>
-              </a:rPr>
-              <a:t>Violating LSP often results in Run-Time Type Information (RTTI)</a:t>
-            </a:r>
-            <a:endParaRPr b="0" lang="en-SG" sz="2000" spc="-1" strike="noStrike">
-              <a:latin typeface="Arial"/>
-            </a:endParaRPr>
-          </a:p>
-          <a:p>
-            <a:pPr marL="432000" indent="-320760">
-              <a:lnSpc>
-                <a:spcPct val="100000"/>
-              </a:lnSpc>
-              <a:spcBef>
-                <a:spcPts val="1417"/>
-              </a:spcBef>
-              <a:buClr>
-                <a:srgbClr val="ef2929"/>
-              </a:buClr>
-              <a:buSzPct val="45000"/>
-              <a:buFont typeface="Wingdings" charset="2"/>
-              <a:buChar char=""/>
-            </a:pPr>
-            <a:r>
-              <a:rPr b="0" lang="en-SG" sz="2000" spc="-1" strike="noStrike">
-                <a:solidFill>
-                  <a:srgbClr val="333333"/>
-                </a:solidFill>
-                <a:latin typeface="Noto Sans Regular"/>
-                <a:ea typeface="DejaVu Sans"/>
-              </a:rPr>
-              <a:t>Frequent use of if or if/else to determine type of an object so behaviour is appropriate.</a:t>
-            </a:r>
-            <a:endParaRPr b="0" lang="en-SG" sz="2000" spc="-1" strike="noStrike">
-              <a:latin typeface="Arial"/>
-            </a:endParaRPr>
-          </a:p>
-          <a:p>
-            <a:pPr marL="432000" indent="-320760">
-              <a:lnSpc>
-                <a:spcPct val="100000"/>
-              </a:lnSpc>
-              <a:spcBef>
-                <a:spcPts val="1417"/>
-              </a:spcBef>
-              <a:buClr>
-                <a:srgbClr val="ef2929"/>
-              </a:buClr>
-              <a:buSzPct val="45000"/>
-              <a:buFont typeface="Wingdings" charset="2"/>
-              <a:buChar char=""/>
-            </a:pPr>
-            <a:endParaRPr b="0" lang="en-SG" sz="2000" spc="-1" strike="noStrike">
-              <a:latin typeface="Arial"/>
-            </a:endParaRPr>
-          </a:p>
-          <a:p>
-            <a:pPr>
-              <a:lnSpc>
-                <a:spcPct val="100000"/>
-              </a:lnSpc>
-              <a:spcBef>
-                <a:spcPts val="1417"/>
-              </a:spcBef>
-            </a:pPr>
-            <a:endParaRPr b="0" lang="en-SG" sz="2000" spc="-1" strike="noStrike">
-              <a:latin typeface="Arial"/>
-            </a:endParaRPr>
-          </a:p>
-          <a:p>
-            <a:pPr>
-              <a:lnSpc>
-                <a:spcPct val="100000"/>
-              </a:lnSpc>
-              <a:spcAft>
-                <a:spcPts val="1414"/>
-              </a:spcAft>
-            </a:pPr>
-            <a:endParaRPr b="0" lang="en-SG" sz="2000" spc="-1" strike="noStrike">
-              <a:latin typeface="Arial"/>
-            </a:endParaRPr>
-          </a:p>
-        </p:txBody>
-      </p:sp>
-      <p:pic>
-        <p:nvPicPr>
-          <p:cNvPr id="171" name="" descr=""/>
-          <p:cNvPicPr/>
-          <p:nvPr/>
-        </p:nvPicPr>
-        <p:blipFill>
-          <a:blip r:embed="rId1"/>
-          <a:stretch/>
-        </p:blipFill>
-        <p:spPr>
-          <a:xfrm>
-            <a:off x="6366600" y="2379240"/>
-            <a:ext cx="2228760" cy="3838680"/>
-          </a:xfrm>
-          <a:prstGeom prst="rect">
-            <a:avLst/>
-          </a:prstGeom>
-          <a:ln>
-            <a:noFill/>
-          </a:ln>
-        </p:spPr>
-      </p:pic>
-    </p:spTree>
-  </p:cSld>
-  <p:timing>
-    <p:tnLst>
-      <p:par>
-        <p:cTn id="59" dur="indefinite" restart="never" nodeType="tmRoot">
-          <p:childTnLst>
-            <p:seq>
-              <p:cTn id="60" dur="indefinite" nodeType="mainSeq"/>
-              <p:prevCondLst>
-                <p:cond delay="0" evt="onPrev">
-                  <p:tgtEl>
-                    <p:sldTgt/>
-                  </p:tgtEl>
-                </p:cond>
-              </p:prevCondLst>
-              <p:nextCondLst>
-                <p:cond delay="0" evt="onNext">
-                  <p:tgtEl>
-                    <p:sldTgt/>
-                  </p:tgtEl>
-                </p:cond>
-              </p:nextCondLst>
-            </p:seq>
-          </p:childTnLst>
-        </p:cTn>
-      </p:par>
-    </p:tnLst>
-  </p:timing>
-</p:sld>
-</file>
-
-<file path=ppt/slides/slide31.xml><?xml version="1.0" encoding="utf-8"?>
-<p:sld xmlns:a="http://schemas.openxmlformats.org/drawingml/2006/main" xmlns:p="http://schemas.openxmlformats.org/presentationml/2006/main" xmlns:r="http://schemas.openxmlformats.org/officeDocument/2006/relationships" xmlns:p14="http://schemas.microsoft.com/office/powerpoint/2010/main" xmlns:p15="http://schemas.microsoft.com/office/powerpoint/2012/main" xmlns:mc="http://schemas.openxmlformats.org/markup-compatibility/2006">
-  <p:cSld>
-    <p:spTree>
-      <p:nvGrpSpPr>
-        <p:cNvPr id="1" name=""/>
-        <p:cNvGrpSpPr/>
-        <p:nvPr/>
-      </p:nvGrpSpPr>
-      <p:grpSpPr>
-        <a:xfrm>
-          <a:off x="0" y="0"/>
-          <a:ext cx="0" cy="0"/>
-          <a:chOff x="0" y="0"/>
-          <a:chExt cx="0" cy="0"/>
-        </a:xfrm>
-      </p:grpSpPr>
-      <p:sp>
-        <p:nvSpPr>
-          <p:cNvPr id="172" name="CustomShape 1"/>
-          <p:cNvSpPr/>
-          <p:nvPr/>
-        </p:nvSpPr>
-        <p:spPr>
-          <a:xfrm>
-            <a:off x="720000" y="300960"/>
-            <a:ext cx="8852400" cy="1259280"/>
-          </a:xfrm>
-          <a:prstGeom prst="rect">
-            <a:avLst/>
-          </a:prstGeom>
-          <a:noFill/>
-          <a:ln>
-            <a:noFill/>
-          </a:ln>
-        </p:spPr>
-        <p:style>
-          <a:lnRef idx="0"/>
-          <a:fillRef idx="0"/>
-          <a:effectRef idx="0"/>
-          <a:fontRef idx="minor"/>
-        </p:style>
-        <p:txBody>
-          <a:bodyPr lIns="0" rIns="0" tIns="0" bIns="0" anchor="ctr"/>
-          <a:p>
-            <a:pPr>
-              <a:lnSpc>
-                <a:spcPct val="100000"/>
-              </a:lnSpc>
-            </a:pPr>
-            <a:r>
-              <a:rPr b="1" lang="en-SG" sz="4400" spc="-1" strike="noStrike">
-                <a:solidFill>
-                  <a:srgbClr val="333333"/>
-                </a:solidFill>
-                <a:latin typeface="Noto Sans Regular"/>
-                <a:ea typeface="DejaVu Sans"/>
-              </a:rPr>
-              <a:t>SOLID</a:t>
-            </a:r>
-            <a:endParaRPr b="0" lang="en-SG" sz="4400" spc="-1" strike="noStrike">
-              <a:latin typeface="Arial"/>
-            </a:endParaRPr>
-          </a:p>
-        </p:txBody>
-      </p:sp>
-      <p:sp>
-        <p:nvSpPr>
-          <p:cNvPr id="173" name="CustomShape 2"/>
-          <p:cNvSpPr/>
-          <p:nvPr/>
-        </p:nvSpPr>
-        <p:spPr>
-          <a:xfrm>
-            <a:off x="720000" y="2160000"/>
-            <a:ext cx="8636760" cy="4381560"/>
-          </a:xfrm>
-          <a:prstGeom prst="rect">
-            <a:avLst/>
-          </a:prstGeom>
-          <a:noFill/>
-          <a:ln>
-            <a:noFill/>
-          </a:ln>
-        </p:spPr>
-        <p:style>
-          <a:lnRef idx="0"/>
-          <a:fillRef idx="0"/>
-          <a:effectRef idx="0"/>
-          <a:fontRef idx="minor"/>
-        </p:style>
-        <p:txBody>
-          <a:bodyPr lIns="0" rIns="0" tIns="0" bIns="0"/>
-          <a:p>
-            <a:pPr marL="432000" indent="-320760">
-              <a:lnSpc>
-                <a:spcPct val="100000"/>
-              </a:lnSpc>
-              <a:spcBef>
-                <a:spcPts val="1417"/>
-              </a:spcBef>
-              <a:buClr>
-                <a:srgbClr val="ef2929"/>
-              </a:buClr>
-              <a:buSzPct val="45000"/>
-              <a:buFont typeface="Wingdings" charset="2"/>
-              <a:buChar char=""/>
-            </a:pPr>
-            <a:r>
-              <a:rPr b="0" lang="en-SG" sz="2000" spc="-1" strike="noStrike">
-                <a:solidFill>
-                  <a:srgbClr val="333333"/>
-                </a:solidFill>
-                <a:latin typeface="Noto Sans Regular"/>
-                <a:ea typeface="DejaVu Sans"/>
-              </a:rPr>
-              <a:t>Interface Segregation Principle</a:t>
-            </a:r>
-            <a:endParaRPr b="0" lang="en-SG" sz="2000" spc="-1" strike="noStrike">
-              <a:latin typeface="Arial"/>
-            </a:endParaRPr>
-          </a:p>
-          <a:p>
-            <a:pPr marL="432000" indent="-320760">
-              <a:lnSpc>
-                <a:spcPct val="100000"/>
-              </a:lnSpc>
-              <a:spcBef>
-                <a:spcPts val="1417"/>
-              </a:spcBef>
-              <a:buClr>
-                <a:srgbClr val="ef2929"/>
-              </a:buClr>
-              <a:buSzPct val="45000"/>
-              <a:buFont typeface="Wingdings" charset="2"/>
-              <a:buChar char=""/>
-            </a:pPr>
-            <a:r>
-              <a:rPr b="0" lang="en-SG" sz="2000" spc="-1" strike="noStrike">
-                <a:solidFill>
-                  <a:srgbClr val="333333"/>
-                </a:solidFill>
-                <a:latin typeface="Noto Sans Regular"/>
-                <a:ea typeface="DejaVu Sans"/>
-              </a:rPr>
-              <a:t>Clients should not be forced to depend on methods that they do not use.</a:t>
-            </a:r>
-            <a:endParaRPr b="0" lang="en-SG" sz="2000" spc="-1" strike="noStrike">
-              <a:latin typeface="Arial"/>
-            </a:endParaRPr>
-          </a:p>
-          <a:p>
-            <a:pPr marL="432000" indent="-320760">
-              <a:lnSpc>
-                <a:spcPct val="100000"/>
-              </a:lnSpc>
-              <a:spcBef>
-                <a:spcPts val="1417"/>
-              </a:spcBef>
-              <a:buClr>
-                <a:srgbClr val="ef2929"/>
-              </a:buClr>
-              <a:buSzPct val="45000"/>
-              <a:buFont typeface="Wingdings" charset="2"/>
-              <a:buChar char=""/>
-            </a:pPr>
-            <a:r>
-              <a:rPr b="0" lang="en-SG" sz="2000" spc="-1" strike="noStrike">
-                <a:solidFill>
-                  <a:srgbClr val="333333"/>
-                </a:solidFill>
-                <a:latin typeface="Noto Sans Regular"/>
-                <a:ea typeface="DejaVu Sans"/>
-              </a:rPr>
-              <a:t>Disadvantages of ‘fat’ interfaces – classes whose interfaces are not cohesive.</a:t>
-            </a:r>
-            <a:endParaRPr b="0" lang="en-SG" sz="2000" spc="-1" strike="noStrike">
-              <a:latin typeface="Arial"/>
-            </a:endParaRPr>
-          </a:p>
-          <a:p>
-            <a:pPr marL="432000" indent="-320760">
-              <a:lnSpc>
-                <a:spcPct val="100000"/>
-              </a:lnSpc>
-              <a:spcBef>
-                <a:spcPts val="1417"/>
-              </a:spcBef>
-              <a:buClr>
-                <a:srgbClr val="ef2929"/>
-              </a:buClr>
-              <a:buSzPct val="45000"/>
-              <a:buFont typeface="Wingdings" charset="2"/>
-              <a:buChar char=""/>
-            </a:pPr>
-            <a:r>
-              <a:rPr b="0" lang="en-SG" sz="2000" spc="-1" strike="noStrike">
-                <a:solidFill>
-                  <a:srgbClr val="333333"/>
-                </a:solidFill>
-                <a:latin typeface="Noto Sans Regular"/>
-                <a:ea typeface="DejaVu Sans"/>
-              </a:rPr>
-              <a:t>Should be broken up into group of methods.</a:t>
-            </a:r>
-            <a:endParaRPr b="0" lang="en-SG" sz="2000" spc="-1" strike="noStrike">
-              <a:latin typeface="Arial"/>
-            </a:endParaRPr>
-          </a:p>
-          <a:p>
-            <a:pPr>
-              <a:lnSpc>
-                <a:spcPct val="100000"/>
-              </a:lnSpc>
-              <a:spcBef>
-                <a:spcPts val="1417"/>
-              </a:spcBef>
-            </a:pPr>
-            <a:endParaRPr b="0" lang="en-SG" sz="2000" spc="-1" strike="noStrike">
-              <a:latin typeface="Arial"/>
-            </a:endParaRPr>
-          </a:p>
-          <a:p>
-            <a:pPr>
-              <a:lnSpc>
-                <a:spcPct val="100000"/>
-              </a:lnSpc>
-              <a:spcAft>
-                <a:spcPts val="1414"/>
-              </a:spcAft>
-            </a:pPr>
-            <a:endParaRPr b="0" lang="en-SG" sz="2000" spc="-1" strike="noStrike">
-              <a:latin typeface="Arial"/>
-            </a:endParaRPr>
-          </a:p>
-        </p:txBody>
-      </p:sp>
-    </p:spTree>
-  </p:cSld>
-  <p:timing>
-    <p:tnLst>
-      <p:par>
-        <p:cTn id="61" dur="indefinite" restart="never" nodeType="tmRoot">
-          <p:childTnLst>
-            <p:seq>
-              <p:cTn id="62" dur="indefinite" nodeType="mainSeq"/>
-              <p:prevCondLst>
-                <p:cond delay="0" evt="onPrev">
-                  <p:tgtEl>
-                    <p:sldTgt/>
-                  </p:tgtEl>
-                </p:cond>
-              </p:prevCondLst>
-              <p:nextCondLst>
-                <p:cond delay="0" evt="onNext">
-                  <p:tgtEl>
-                    <p:sldTgt/>
-                  </p:tgtEl>
-                </p:cond>
-              </p:nextCondLst>
-            </p:seq>
-          </p:childTnLst>
-        </p:cTn>
-      </p:par>
-    </p:tnLst>
-  </p:timing>
-</p:sld>
-</file>
-
-<file path=ppt/slides/slide32.xml><?xml version="1.0" encoding="utf-8"?>
-<p:sld xmlns:a="http://schemas.openxmlformats.org/drawingml/2006/main" xmlns:p="http://schemas.openxmlformats.org/presentationml/2006/main" xmlns:r="http://schemas.openxmlformats.org/officeDocument/2006/relationships" xmlns:p14="http://schemas.microsoft.com/office/powerpoint/2010/main" xmlns:p15="http://schemas.microsoft.com/office/powerpoint/2012/main" xmlns:mc="http://schemas.openxmlformats.org/markup-compatibility/2006">
-  <p:cSld>
-    <p:spTree>
-      <p:nvGrpSpPr>
-        <p:cNvPr id="1" name=""/>
-        <p:cNvGrpSpPr/>
-        <p:nvPr/>
-      </p:nvGrpSpPr>
-      <p:grpSpPr>
-        <a:xfrm>
-          <a:off x="0" y="0"/>
-          <a:ext cx="0" cy="0"/>
-          <a:chOff x="0" y="0"/>
-          <a:chExt cx="0" cy="0"/>
-        </a:xfrm>
-      </p:grpSpPr>
-      <p:sp>
-        <p:nvSpPr>
-          <p:cNvPr id="174" name="CustomShape 1"/>
-          <p:cNvSpPr/>
-          <p:nvPr/>
-        </p:nvSpPr>
-        <p:spPr>
-          <a:xfrm>
-            <a:off x="720000" y="300960"/>
-            <a:ext cx="8852400" cy="1259280"/>
-          </a:xfrm>
-          <a:prstGeom prst="rect">
-            <a:avLst/>
-          </a:prstGeom>
-          <a:noFill/>
-          <a:ln>
-            <a:noFill/>
-          </a:ln>
-        </p:spPr>
-        <p:style>
-          <a:lnRef idx="0"/>
-          <a:fillRef idx="0"/>
-          <a:effectRef idx="0"/>
-          <a:fontRef idx="minor"/>
-        </p:style>
-        <p:txBody>
-          <a:bodyPr lIns="0" rIns="0" tIns="0" bIns="0" anchor="ctr"/>
-          <a:p>
-            <a:pPr>
-              <a:lnSpc>
-                <a:spcPct val="100000"/>
-              </a:lnSpc>
-            </a:pPr>
-            <a:r>
-              <a:rPr b="1" lang="en-SG" sz="4400" spc="-1" strike="noStrike">
-                <a:solidFill>
-                  <a:srgbClr val="333333"/>
-                </a:solidFill>
-                <a:latin typeface="Noto Sans Regular"/>
-                <a:ea typeface="DejaVu Sans"/>
-              </a:rPr>
-              <a:t>SOLID</a:t>
-            </a:r>
-            <a:endParaRPr b="0" lang="en-SG" sz="4400" spc="-1" strike="noStrike">
-              <a:latin typeface="Arial"/>
-            </a:endParaRPr>
-          </a:p>
-        </p:txBody>
-      </p:sp>
-      <p:sp>
-        <p:nvSpPr>
-          <p:cNvPr id="175" name="CustomShape 2"/>
-          <p:cNvSpPr/>
-          <p:nvPr/>
-        </p:nvSpPr>
-        <p:spPr>
-          <a:xfrm>
-            <a:off x="720000" y="2160000"/>
-            <a:ext cx="8636760" cy="4381560"/>
-          </a:xfrm>
-          <a:prstGeom prst="rect">
-            <a:avLst/>
-          </a:prstGeom>
-          <a:noFill/>
-          <a:ln>
-            <a:noFill/>
-          </a:ln>
-        </p:spPr>
-        <p:style>
-          <a:lnRef idx="0"/>
-          <a:fillRef idx="0"/>
-          <a:effectRef idx="0"/>
-          <a:fontRef idx="minor"/>
-        </p:style>
-        <p:txBody>
-          <a:bodyPr lIns="0" rIns="0" tIns="0" bIns="0"/>
-          <a:p>
-            <a:pPr marL="432000" indent="-320760">
-              <a:lnSpc>
-                <a:spcPct val="100000"/>
-              </a:lnSpc>
-              <a:spcBef>
-                <a:spcPts val="1417"/>
-              </a:spcBef>
-              <a:buClr>
-                <a:srgbClr val="ef2929"/>
-              </a:buClr>
-              <a:buSzPct val="45000"/>
-              <a:buFont typeface="Wingdings" charset="2"/>
-              <a:buChar char=""/>
-            </a:pPr>
-            <a:r>
-              <a:rPr b="0" lang="en-SG" sz="2000" spc="-1" strike="noStrike">
-                <a:solidFill>
-                  <a:srgbClr val="333333"/>
-                </a:solidFill>
-                <a:latin typeface="Noto Sans Regular"/>
-                <a:ea typeface="DejaVu Sans"/>
-              </a:rPr>
-              <a:t>Dependency Inversion Principle (DIP)</a:t>
-            </a:r>
-            <a:endParaRPr b="0" lang="en-SG" sz="2000" spc="-1" strike="noStrike">
-              <a:latin typeface="Arial"/>
-            </a:endParaRPr>
-          </a:p>
-          <a:p>
-            <a:pPr marL="432000" indent="-320760">
-              <a:lnSpc>
-                <a:spcPct val="100000"/>
-              </a:lnSpc>
-              <a:spcBef>
-                <a:spcPts val="1417"/>
-              </a:spcBef>
-              <a:buClr>
-                <a:srgbClr val="ef2929"/>
-              </a:buClr>
-              <a:buSzPct val="45000"/>
-              <a:buFont typeface="Wingdings" charset="2"/>
-              <a:buChar char=""/>
-            </a:pPr>
-            <a:r>
-              <a:rPr b="0" lang="en-SG" sz="2000" spc="-1" strike="noStrike">
-                <a:solidFill>
-                  <a:srgbClr val="333333"/>
-                </a:solidFill>
-                <a:latin typeface="Noto Sans Regular"/>
-                <a:ea typeface="DejaVu Sans"/>
-              </a:rPr>
-              <a:t>High-level modules should not depend on low-level modules. Both should depend on abstractions.</a:t>
-            </a:r>
-            <a:endParaRPr b="0" lang="en-SG" sz="2000" spc="-1" strike="noStrike">
-              <a:latin typeface="Arial"/>
-            </a:endParaRPr>
-          </a:p>
-          <a:p>
-            <a:pPr marL="432000" indent="-320760">
-              <a:lnSpc>
-                <a:spcPct val="100000"/>
-              </a:lnSpc>
-              <a:spcBef>
-                <a:spcPts val="1417"/>
-              </a:spcBef>
-              <a:buClr>
-                <a:srgbClr val="ef2929"/>
-              </a:buClr>
-              <a:buSzPct val="45000"/>
-              <a:buFont typeface="Wingdings" charset="2"/>
-              <a:buChar char=""/>
-            </a:pPr>
-            <a:r>
-              <a:rPr b="0" lang="en-SG" sz="2000" spc="-1" strike="noStrike">
-                <a:solidFill>
-                  <a:srgbClr val="333333"/>
-                </a:solidFill>
-                <a:latin typeface="Noto Sans Regular"/>
-                <a:ea typeface="DejaVu Sans"/>
-              </a:rPr>
-              <a:t>Abstractions should not depend on details. Details should depend on abstractions.</a:t>
-            </a:r>
-            <a:endParaRPr b="0" lang="en-SG" sz="2000" spc="-1" strike="noStrike">
-              <a:latin typeface="Arial"/>
-            </a:endParaRPr>
-          </a:p>
-          <a:p>
-            <a:pPr marL="432000" indent="-320760">
-              <a:lnSpc>
-                <a:spcPct val="100000"/>
-              </a:lnSpc>
-              <a:spcBef>
-                <a:spcPts val="1417"/>
-              </a:spcBef>
-              <a:buClr>
-                <a:srgbClr val="ef2929"/>
-              </a:buClr>
-              <a:buSzPct val="45000"/>
-              <a:buFont typeface="Wingdings" charset="2"/>
-              <a:buChar char=""/>
-            </a:pPr>
-            <a:r>
-              <a:rPr b="0" lang="en-SG" sz="2000" spc="-1" strike="noStrike">
-                <a:solidFill>
-                  <a:srgbClr val="333333"/>
-                </a:solidFill>
-                <a:latin typeface="Noto Sans Regular"/>
-                <a:ea typeface="DejaVu Sans"/>
-              </a:rPr>
-              <a:t>Naively:</a:t>
-            </a:r>
-            <a:endParaRPr b="0" lang="en-SG" sz="2000" spc="-1" strike="noStrike">
-              <a:latin typeface="Arial"/>
-            </a:endParaRPr>
-          </a:p>
-          <a:p>
-            <a:pPr lvl="1" marL="432000" indent="-216000">
-              <a:lnSpc>
-                <a:spcPct val="100000"/>
-              </a:lnSpc>
-              <a:spcBef>
-                <a:spcPts val="1417"/>
-              </a:spcBef>
-              <a:buClr>
-                <a:srgbClr val="000000"/>
-              </a:buClr>
-              <a:buSzPct val="45000"/>
-              <a:buFont typeface="Wingdings" charset="2"/>
-              <a:buChar char=""/>
-            </a:pPr>
-            <a:r>
-              <a:rPr b="0" lang="en-SG" sz="2000" spc="-1" strike="noStrike">
-                <a:solidFill>
-                  <a:srgbClr val="333333"/>
-                </a:solidFill>
-                <a:latin typeface="Noto Sans Regular"/>
-                <a:ea typeface="DejaVu Sans"/>
-              </a:rPr>
-              <a:t>No variable should hold a reference to a concrete class;</a:t>
-            </a:r>
-            <a:endParaRPr b="0" lang="en-SG" sz="2000" spc="-1" strike="noStrike">
-              <a:latin typeface="Arial"/>
-            </a:endParaRPr>
-          </a:p>
-          <a:p>
-            <a:pPr lvl="1" marL="432000" indent="-216000">
-              <a:lnSpc>
-                <a:spcPct val="100000"/>
-              </a:lnSpc>
-              <a:spcBef>
-                <a:spcPts val="1417"/>
-              </a:spcBef>
-              <a:buClr>
-                <a:srgbClr val="000000"/>
-              </a:buClr>
-              <a:buSzPct val="45000"/>
-              <a:buFont typeface="Wingdings" charset="2"/>
-              <a:buChar char=""/>
-            </a:pPr>
-            <a:r>
-              <a:rPr b="0" lang="en-SG" sz="2000" spc="-1" strike="noStrike">
-                <a:solidFill>
-                  <a:srgbClr val="333333"/>
-                </a:solidFill>
-                <a:latin typeface="Noto Sans Regular"/>
-                <a:ea typeface="DejaVu Sans"/>
-              </a:rPr>
-              <a:t>No class should derive from a concrete class;</a:t>
-            </a:r>
-            <a:endParaRPr b="0" lang="en-SG" sz="2000" spc="-1" strike="noStrike">
-              <a:latin typeface="Arial"/>
-            </a:endParaRPr>
-          </a:p>
-          <a:p>
-            <a:pPr lvl="1" marL="432000" indent="-216000">
-              <a:lnSpc>
-                <a:spcPct val="100000"/>
-              </a:lnSpc>
-              <a:spcBef>
-                <a:spcPts val="1417"/>
-              </a:spcBef>
-              <a:buClr>
-                <a:srgbClr val="000000"/>
-              </a:buClr>
-              <a:buSzPct val="45000"/>
-              <a:buFont typeface="Wingdings" charset="2"/>
-              <a:buChar char=""/>
-            </a:pPr>
-            <a:r>
-              <a:rPr b="0" lang="en-SG" sz="2000" spc="-1" strike="noStrike">
-                <a:solidFill>
-                  <a:srgbClr val="333333"/>
-                </a:solidFill>
-                <a:latin typeface="Noto Sans Regular"/>
-                <a:ea typeface="DejaVu Sans"/>
-              </a:rPr>
-              <a:t>No method should override an implemented method of any of its base classes.</a:t>
-            </a:r>
-            <a:endParaRPr b="0" lang="en-SG" sz="2000" spc="-1" strike="noStrike">
-              <a:latin typeface="Arial"/>
-            </a:endParaRPr>
-          </a:p>
-          <a:p>
-            <a:pPr>
-              <a:lnSpc>
-                <a:spcPct val="100000"/>
-              </a:lnSpc>
-              <a:spcBef>
-                <a:spcPts val="1417"/>
-              </a:spcBef>
-            </a:pPr>
-            <a:r>
-              <a:rPr b="0" lang="en-SG" sz="2000" spc="-1" strike="noStrike">
-                <a:solidFill>
-                  <a:srgbClr val="333333"/>
-                </a:solidFill>
-                <a:latin typeface="Noto Sans Regular"/>
-                <a:ea typeface="DejaVu Sans"/>
-              </a:rPr>
-              <a:t> </a:t>
-            </a:r>
-            <a:endParaRPr b="0" lang="en-SG" sz="2000" spc="-1" strike="noStrike">
-              <a:latin typeface="Arial"/>
-            </a:endParaRPr>
-          </a:p>
-          <a:p>
-            <a:pPr>
-              <a:lnSpc>
-                <a:spcPct val="100000"/>
-              </a:lnSpc>
-              <a:spcBef>
-                <a:spcPts val="1417"/>
-              </a:spcBef>
-            </a:pPr>
-            <a:endParaRPr b="0" lang="en-SG" sz="2000" spc="-1" strike="noStrike">
-              <a:latin typeface="Arial"/>
-            </a:endParaRPr>
-          </a:p>
-          <a:p>
-            <a:pPr>
-              <a:lnSpc>
-                <a:spcPct val="100000"/>
-              </a:lnSpc>
-              <a:spcAft>
-                <a:spcPts val="1414"/>
-              </a:spcAft>
-            </a:pPr>
-            <a:endParaRPr b="0" lang="en-SG" sz="2000" spc="-1" strike="noStrike">
-              <a:latin typeface="Arial"/>
-            </a:endParaRPr>
-          </a:p>
-        </p:txBody>
-      </p:sp>
-    </p:spTree>
-  </p:cSld>
-  <p:timing>
-    <p:tnLst>
-      <p:par>
-        <p:cTn id="63" dur="indefinite" restart="never" nodeType="tmRoot">
-          <p:childTnLst>
-            <p:seq>
-              <p:cTn id="64" dur="indefinite" nodeType="mainSeq"/>
-              <p:prevCondLst>
-                <p:cond delay="0" evt="onPrev">
-                  <p:tgtEl>
-                    <p:sldTgt/>
-                  </p:tgtEl>
-                </p:cond>
-              </p:prevCondLst>
-              <p:nextCondLst>
-                <p:cond delay="0" evt="onNext">
-                  <p:tgtEl>
-                    <p:sldTgt/>
-                  </p:tgtEl>
-                </p:cond>
-              </p:nextCondLst>
-            </p:seq>
-          </p:childTnLst>
-        </p:cTn>
-      </p:par>
-    </p:tnLst>
-  </p:timing>
-</p:sld>
-</file>
-
-<file path=ppt/slides/slide33.xml><?xml version="1.0" encoding="utf-8"?>
-<p:sld xmlns:a="http://schemas.openxmlformats.org/drawingml/2006/main" xmlns:p="http://schemas.openxmlformats.org/presentationml/2006/main" xmlns:r="http://schemas.openxmlformats.org/officeDocument/2006/relationships" xmlns:p14="http://schemas.microsoft.com/office/powerpoint/2010/main" xmlns:p15="http://schemas.microsoft.com/office/powerpoint/2012/main" xmlns:mc="http://schemas.openxmlformats.org/markup-compatibility/2006">
-  <p:cSld>
-    <p:spTree>
-      <p:nvGrpSpPr>
-        <p:cNvPr id="1" name=""/>
-        <p:cNvGrpSpPr/>
-        <p:nvPr/>
-      </p:nvGrpSpPr>
-      <p:grpSpPr>
-        <a:xfrm>
-          <a:off x="0" y="0"/>
-          <a:ext cx="0" cy="0"/>
-          <a:chOff x="0" y="0"/>
-          <a:chExt cx="0" cy="0"/>
-        </a:xfrm>
-      </p:grpSpPr>
-      <p:sp>
-        <p:nvSpPr>
-          <p:cNvPr id="176" name="CustomShape 1"/>
-          <p:cNvSpPr/>
-          <p:nvPr/>
-        </p:nvSpPr>
-        <p:spPr>
-          <a:xfrm>
-            <a:off x="720000" y="300960"/>
-            <a:ext cx="8852400" cy="1259280"/>
-          </a:xfrm>
-          <a:prstGeom prst="rect">
-            <a:avLst/>
-          </a:prstGeom>
-          <a:noFill/>
-          <a:ln>
-            <a:noFill/>
-          </a:ln>
-        </p:spPr>
-        <p:style>
-          <a:lnRef idx="0"/>
-          <a:fillRef idx="0"/>
-          <a:effectRef idx="0"/>
-          <a:fontRef idx="minor"/>
-        </p:style>
-        <p:txBody>
-          <a:bodyPr lIns="0" rIns="0" tIns="0" bIns="0" anchor="ctr"/>
-          <a:p>
-            <a:pPr>
-              <a:lnSpc>
-                <a:spcPct val="100000"/>
-              </a:lnSpc>
-            </a:pPr>
-            <a:br/>
-            <a:r>
-              <a:rPr b="1" lang="en-SG" sz="4400" spc="-1" strike="noStrike">
-                <a:solidFill>
-                  <a:srgbClr val="333333"/>
-                </a:solidFill>
-                <a:latin typeface="Noto Sans Regular"/>
-                <a:ea typeface="DejaVu Sans"/>
-              </a:rPr>
-              <a:t>References</a:t>
-            </a:r>
-            <a:endParaRPr b="0" lang="en-SG" sz="4400" spc="-1" strike="noStrike">
-              <a:latin typeface="Arial"/>
-            </a:endParaRPr>
-          </a:p>
-        </p:txBody>
-      </p:sp>
-      <p:sp>
-        <p:nvSpPr>
-          <p:cNvPr id="177" name="CustomShape 2"/>
-          <p:cNvSpPr/>
-          <p:nvPr/>
-        </p:nvSpPr>
-        <p:spPr>
-          <a:xfrm>
-            <a:off x="720000" y="2160000"/>
-            <a:ext cx="8636760" cy="4381560"/>
-          </a:xfrm>
-          <a:prstGeom prst="rect">
-            <a:avLst/>
-          </a:prstGeom>
-          <a:noFill/>
-          <a:ln>
-            <a:noFill/>
-          </a:ln>
-        </p:spPr>
-        <p:style>
-          <a:lnRef idx="0"/>
-          <a:fillRef idx="0"/>
-          <a:effectRef idx="0"/>
-          <a:fontRef idx="minor"/>
-        </p:style>
-        <p:txBody>
-          <a:bodyPr lIns="0" rIns="0" tIns="0" bIns="0"/>
-          <a:p>
-            <a:pPr marL="432000" indent="-320760">
-              <a:lnSpc>
-                <a:spcPct val="100000"/>
-              </a:lnSpc>
-              <a:spcBef>
-                <a:spcPts val="1417"/>
-              </a:spcBef>
-              <a:buClr>
-                <a:srgbClr val="ef2929"/>
-              </a:buClr>
-              <a:buSzPct val="45000"/>
-              <a:buFont typeface="Wingdings" charset="2"/>
-              <a:buChar char=""/>
-            </a:pPr>
-            <a:r>
-              <a:rPr b="0" lang="en-SG" sz="2000" spc="-1" strike="noStrike">
-                <a:solidFill>
-                  <a:srgbClr val="333333"/>
-                </a:solidFill>
-                <a:latin typeface="Noto Sans Regular"/>
-                <a:ea typeface="DejaVu Sans"/>
-              </a:rPr>
-              <a:t>University of Wisconsin, CSE 403 materials</a:t>
-            </a:r>
-            <a:endParaRPr b="0" lang="en-SG" sz="2000" spc="-1" strike="noStrike">
-              <a:latin typeface="Arial"/>
-            </a:endParaRPr>
-          </a:p>
-          <a:p>
-            <a:pPr>
-              <a:lnSpc>
-                <a:spcPct val="100000"/>
-              </a:lnSpc>
-              <a:spcBef>
-                <a:spcPts val="1417"/>
-              </a:spcBef>
-            </a:pPr>
-            <a:r>
-              <a:rPr b="0" lang="en-SG" sz="2000" spc="-1" strike="noStrike" u="sng">
-                <a:solidFill>
-                  <a:srgbClr val="0000ff"/>
-                </a:solidFill>
-                <a:uFillTx/>
-                <a:latin typeface="Noto Sans Regular"/>
-                <a:ea typeface="DejaVu Sans"/>
-                <a:hlinkClick r:id="rId1"/>
-              </a:rPr>
-              <a:t>https://courses.cs.washington.edu/courses/cse403/11sp/lectures/</a:t>
-            </a:r>
-            <a:endParaRPr b="0" lang="en-SG" sz="2000" spc="-1" strike="noStrike">
-              <a:latin typeface="Arial"/>
-            </a:endParaRPr>
-          </a:p>
-          <a:p>
-            <a:pPr marL="432000" indent="-320760">
-              <a:lnSpc>
-                <a:spcPct val="100000"/>
-              </a:lnSpc>
-              <a:spcBef>
-                <a:spcPts val="1417"/>
-              </a:spcBef>
-              <a:buClr>
-                <a:srgbClr val="ef2929"/>
-              </a:buClr>
-              <a:buSzPct val="45000"/>
-              <a:buFont typeface="Wingdings" charset="2"/>
-              <a:buChar char=""/>
-            </a:pPr>
-            <a:r>
-              <a:rPr b="0" lang="en-SG" sz="2000" spc="-1" strike="noStrike">
-                <a:solidFill>
-                  <a:srgbClr val="333333"/>
-                </a:solidFill>
-                <a:latin typeface="Noto Sans Regular"/>
-                <a:ea typeface="DejaVu Sans"/>
-              </a:rPr>
-              <a:t>Blackboard system/Architecture</a:t>
-            </a:r>
-            <a:endParaRPr b="0" lang="en-SG" sz="2000" spc="-1" strike="noStrike">
-              <a:latin typeface="Arial"/>
-            </a:endParaRPr>
-          </a:p>
-          <a:p>
-            <a:pPr marL="432000" indent="-320760">
-              <a:lnSpc>
-                <a:spcPct val="100000"/>
-              </a:lnSpc>
-              <a:spcBef>
-                <a:spcPts val="1417"/>
-              </a:spcBef>
-              <a:buClr>
-                <a:srgbClr val="ef2929"/>
-              </a:buClr>
-              <a:buSzPct val="45000"/>
-              <a:buFont typeface="Wingdings" charset="2"/>
-              <a:buChar char=""/>
-            </a:pPr>
-            <a:r>
-              <a:rPr b="0" lang="en-SG" sz="2000" spc="-1" strike="noStrike">
-                <a:solidFill>
-                  <a:srgbClr val="333333"/>
-                </a:solidFill>
-                <a:latin typeface="Noto Sans Regular"/>
-                <a:ea typeface="DejaVu Sans"/>
-              </a:rPr>
-              <a:t>https://en.wikipedia.org/wiki/Blackboard_system</a:t>
-            </a:r>
-            <a:endParaRPr b="0" lang="en-SG" sz="2000" spc="-1" strike="noStrike">
-              <a:latin typeface="Arial"/>
-            </a:endParaRPr>
-          </a:p>
-          <a:p>
-            <a:pPr>
-              <a:lnSpc>
-                <a:spcPct val="100000"/>
-              </a:lnSpc>
-              <a:spcBef>
-                <a:spcPts val="1417"/>
-              </a:spcBef>
-            </a:pPr>
-            <a:endParaRPr b="0" lang="en-SG" sz="2000" spc="-1" strike="noStrike">
-              <a:latin typeface="Arial"/>
-            </a:endParaRPr>
-          </a:p>
-          <a:p>
-            <a:pPr>
-              <a:lnSpc>
-                <a:spcPct val="100000"/>
-              </a:lnSpc>
-              <a:spcBef>
-                <a:spcPts val="1417"/>
-              </a:spcBef>
-            </a:pPr>
-            <a:endParaRPr b="0" lang="en-SG" sz="2000" spc="-1" strike="noStrike">
-              <a:latin typeface="Arial"/>
-            </a:endParaRPr>
-          </a:p>
-          <a:p>
-            <a:pPr>
-              <a:lnSpc>
-                <a:spcPct val="100000"/>
-              </a:lnSpc>
-              <a:spcAft>
-                <a:spcPts val="1414"/>
-              </a:spcAft>
-            </a:pPr>
-            <a:endParaRPr b="0" lang="en-SG" sz="2000" spc="-1" strike="noStrike">
-              <a:latin typeface="Arial"/>
-            </a:endParaRPr>
-          </a:p>
-        </p:txBody>
-      </p:sp>
-      <p:sp>
-        <p:nvSpPr>
-          <p:cNvPr id="178" name="CustomShape 3"/>
-          <p:cNvSpPr/>
-          <p:nvPr/>
-        </p:nvSpPr>
-        <p:spPr>
-          <a:xfrm>
-            <a:off x="465480" y="7040880"/>
-            <a:ext cx="5749200" cy="343440"/>
-          </a:xfrm>
-          <a:prstGeom prst="rect">
-            <a:avLst/>
-          </a:prstGeom>
-          <a:noFill/>
-          <a:ln>
-            <a:noFill/>
-          </a:ln>
-        </p:spPr>
-        <p:style>
-          <a:lnRef idx="0"/>
-          <a:fillRef idx="0"/>
-          <a:effectRef idx="0"/>
-          <a:fontRef idx="minor"/>
-        </p:style>
-        <p:txBody>
-          <a:bodyPr lIns="90000" rIns="90000" tIns="45000" bIns="45000"/>
-          <a:p>
-            <a:pPr>
-              <a:lnSpc>
-                <a:spcPct val="100000"/>
-              </a:lnSpc>
-            </a:pPr>
-            <a:r>
-              <a:rPr b="0" lang="en-SG" sz="1300" spc="-1" strike="noStrike">
-                <a:solidFill>
-                  <a:srgbClr val="000000"/>
-                </a:solidFill>
-                <a:latin typeface="Arial"/>
-                <a:ea typeface="DejaVu Sans"/>
-              </a:rPr>
-              <a:t>https://www.geeksforgeeks.org/introduction-to-net-framework/</a:t>
-            </a:r>
-            <a:endParaRPr b="0" lang="en-SG" sz="1300" spc="-1" strike="noStrike">
-              <a:latin typeface="Arial"/>
-            </a:endParaRPr>
-          </a:p>
-        </p:txBody>
-      </p:sp>
-    </p:spTree>
-  </p:cSld>
-  <p:timing>
-    <p:tnLst>
-      <p:par>
-        <p:cTn id="65" dur="indefinite" restart="never" nodeType="tmRoot">
-          <p:childTnLst>
-            <p:seq>
-              <p:cTn id="66" dur="indefinite" nodeType="mainSeq"/>
               <p:prevCondLst>
                 <p:cond delay="0" evt="onPrev">
                   <p:tgtEl>
@@ -10575,7 +8765,7 @@
         <p:spPr>
           <a:xfrm>
             <a:off x="720000" y="300960"/>
-            <a:ext cx="8852400" cy="1259280"/>
+            <a:ext cx="8852760" cy="1259640"/>
           </a:xfrm>
           <a:prstGeom prst="rect">
             <a:avLst/>
@@ -10624,7 +8814,7 @@
         <p:spPr>
           <a:xfrm>
             <a:off x="720000" y="2160000"/>
-            <a:ext cx="8636760" cy="4381560"/>
+            <a:ext cx="8637120" cy="4381920"/>
           </a:xfrm>
           <a:prstGeom prst="rect">
             <a:avLst/>
@@ -10643,7 +8833,7 @@
         <p:txBody>
           <a:bodyPr lIns="0" rIns="0" tIns="0" bIns="0"/>
           <a:p>
-            <a:pPr marL="432000" indent="-320760">
+            <a:pPr marL="432000" indent="-321120">
               <a:lnSpc>
                 <a:spcPct val="100000"/>
               </a:lnSpc>
@@ -10672,7 +8862,7 @@
             </a:endParaRPr>
           </a:p>
           <a:p>
-            <a:pPr lvl="1" marL="432000" indent="-215640">
+            <a:pPr lvl="1" marL="432000" indent="-216000">
               <a:lnSpc>
                 <a:spcPct val="100000"/>
               </a:lnSpc>
@@ -10701,7 +8891,7 @@
             </a:endParaRPr>
           </a:p>
           <a:p>
-            <a:pPr lvl="1" marL="432000" indent="-215640">
+            <a:pPr lvl="1" marL="432000" indent="-216000">
               <a:lnSpc>
                 <a:spcPct val="100000"/>
               </a:lnSpc>
@@ -10730,7 +8920,7 @@
             </a:endParaRPr>
           </a:p>
           <a:p>
-            <a:pPr lvl="1" marL="432000" indent="-215640">
+            <a:pPr lvl="1" marL="432000" indent="-216000">
               <a:lnSpc>
                 <a:spcPct val="100000"/>
               </a:lnSpc>
@@ -10759,7 +8949,7 @@
             </a:endParaRPr>
           </a:p>
           <a:p>
-            <a:pPr lvl="1" marL="432000" indent="-215640">
+            <a:pPr lvl="1" marL="432000" indent="-216000">
               <a:lnSpc>
                 <a:spcPct val="100000"/>
               </a:lnSpc>
@@ -10788,7 +8978,7 @@
             </a:endParaRPr>
           </a:p>
           <a:p>
-            <a:pPr lvl="1" marL="432000" indent="-215640">
+            <a:pPr lvl="1" marL="432000" indent="-216000">
               <a:lnSpc>
                 <a:spcPct val="100000"/>
               </a:lnSpc>
@@ -10853,7 +9043,7 @@
         <p:spPr>
           <a:xfrm>
             <a:off x="465480" y="7040880"/>
-            <a:ext cx="5749200" cy="343440"/>
+            <a:ext cx="5749560" cy="343800"/>
           </a:xfrm>
           <a:prstGeom prst="rect">
             <a:avLst/>
@@ -10928,7 +9118,7 @@
         <p:spPr>
           <a:xfrm>
             <a:off x="720000" y="300960"/>
-            <a:ext cx="8852400" cy="1259280"/>
+            <a:ext cx="8852760" cy="1259640"/>
           </a:xfrm>
           <a:prstGeom prst="rect">
             <a:avLst/>
@@ -10977,7 +9167,7 @@
         <p:spPr>
           <a:xfrm>
             <a:off x="720000" y="2160000"/>
-            <a:ext cx="8636760" cy="4381560"/>
+            <a:ext cx="8637120" cy="4381920"/>
           </a:xfrm>
           <a:prstGeom prst="rect">
             <a:avLst/>
@@ -10996,13 +9186,19 @@
         <p:txBody>
           <a:bodyPr lIns="0" rIns="0" tIns="0" bIns="0"/>
           <a:p>
-            <a:pPr>
+            <a:pPr marL="432000" indent="-321120">
               <a:lnSpc>
                 <a:spcPct val="100000"/>
               </a:lnSpc>
               <a:spcBef>
                 <a:spcPts val="1417"/>
               </a:spcBef>
+              <a:buClr>
+                <a:srgbClr val="ef2929"/>
+              </a:buClr>
+              <a:buSzPct val="45000"/>
+              <a:buFont typeface="Wingdings" charset="2"/>
+              <a:buChar char=""/>
             </a:pPr>
             <a:endParaRPr b="0" lang="en-SG" sz="1800" spc="-1" strike="noStrike">
               <a:latin typeface="Arial"/>
@@ -11045,7 +9241,7 @@
         <p:spPr>
           <a:xfrm>
             <a:off x="465480" y="7040880"/>
-            <a:ext cx="5749200" cy="343440"/>
+            <a:ext cx="5749560" cy="343800"/>
           </a:xfrm>
           <a:prstGeom prst="rect">
             <a:avLst/>
@@ -11075,7 +9271,7 @@
         <p:spPr>
           <a:xfrm>
             <a:off x="822960" y="1818000"/>
-            <a:ext cx="7016040" cy="5131080"/>
+            <a:ext cx="7016400" cy="5131440"/>
           </a:xfrm>
           <a:prstGeom prst="rect">
             <a:avLst/>
@@ -11143,7 +9339,7 @@
         <p:spPr>
           <a:xfrm>
             <a:off x="720000" y="300960"/>
-            <a:ext cx="8852400" cy="1259280"/>
+            <a:ext cx="8852760" cy="1259640"/>
           </a:xfrm>
           <a:prstGeom prst="rect">
             <a:avLst/>
@@ -11192,7 +9388,7 @@
         <p:spPr>
           <a:xfrm>
             <a:off x="720000" y="2160000"/>
-            <a:ext cx="8636760" cy="4381560"/>
+            <a:ext cx="8637120" cy="4381920"/>
           </a:xfrm>
           <a:prstGeom prst="rect">
             <a:avLst/>
@@ -11211,13 +9407,19 @@
         <p:txBody>
           <a:bodyPr lIns="0" rIns="0" tIns="0" bIns="0"/>
           <a:p>
-            <a:pPr>
+            <a:pPr marL="432000" indent="-321120">
               <a:lnSpc>
                 <a:spcPct val="100000"/>
               </a:lnSpc>
               <a:spcBef>
                 <a:spcPts val="1417"/>
               </a:spcBef>
+              <a:buClr>
+                <a:srgbClr val="ef2929"/>
+              </a:buClr>
+              <a:buSzPct val="45000"/>
+              <a:buFont typeface="Wingdings" charset="2"/>
+              <a:buChar char=""/>
             </a:pPr>
             <a:endParaRPr b="0" lang="en-SG" sz="1800" spc="-1" strike="noStrike">
               <a:latin typeface="Arial"/>
@@ -11260,7 +9462,7 @@
         <p:spPr>
           <a:xfrm>
             <a:off x="465480" y="7040880"/>
-            <a:ext cx="5749200" cy="343440"/>
+            <a:ext cx="5749560" cy="343800"/>
           </a:xfrm>
           <a:prstGeom prst="rect">
             <a:avLst/>
@@ -11290,7 +9492,7 @@
         <p:spPr>
           <a:xfrm>
             <a:off x="345240" y="1828800"/>
-            <a:ext cx="7701120" cy="5028840"/>
+            <a:ext cx="7701480" cy="5029200"/>
           </a:xfrm>
           <a:prstGeom prst="rect">
             <a:avLst/>
@@ -11358,7 +9560,7 @@
         <p:spPr>
           <a:xfrm>
             <a:off x="720000" y="300960"/>
-            <a:ext cx="8852400" cy="1259280"/>
+            <a:ext cx="8852760" cy="1259640"/>
           </a:xfrm>
           <a:prstGeom prst="rect">
             <a:avLst/>
@@ -11407,7 +9609,7 @@
         <p:spPr>
           <a:xfrm>
             <a:off x="720000" y="2160000"/>
-            <a:ext cx="8636760" cy="4381560"/>
+            <a:ext cx="8637120" cy="4381920"/>
           </a:xfrm>
           <a:prstGeom prst="rect">
             <a:avLst/>
@@ -11426,13 +9628,19 @@
         <p:txBody>
           <a:bodyPr lIns="0" rIns="0" tIns="0" bIns="0"/>
           <a:p>
-            <a:pPr>
+            <a:pPr marL="432000" indent="-321120">
               <a:lnSpc>
                 <a:spcPct val="100000"/>
               </a:lnSpc>
               <a:spcBef>
                 <a:spcPts val="1417"/>
               </a:spcBef>
+              <a:buClr>
+                <a:srgbClr val="ef2929"/>
+              </a:buClr>
+              <a:buSzPct val="45000"/>
+              <a:buFont typeface="Wingdings" charset="2"/>
+              <a:buChar char=""/>
             </a:pPr>
             <a:endParaRPr b="0" lang="en-SG" sz="1800" spc="-1" strike="noStrike">
               <a:latin typeface="Arial"/>
@@ -11475,7 +9683,7 @@
         <p:spPr>
           <a:xfrm>
             <a:off x="465480" y="7040880"/>
-            <a:ext cx="5749200" cy="343440"/>
+            <a:ext cx="5749560" cy="343800"/>
           </a:xfrm>
           <a:prstGeom prst="rect">
             <a:avLst/>
@@ -11505,7 +9713,7 @@
         <p:spPr>
           <a:xfrm>
             <a:off x="346680" y="2011680"/>
-            <a:ext cx="9619920" cy="4752720"/>
+            <a:ext cx="9620280" cy="4753080"/>
           </a:xfrm>
           <a:prstGeom prst="rect">
             <a:avLst/>
@@ -11573,7 +9781,7 @@
         <p:spPr>
           <a:xfrm>
             <a:off x="792000" y="3993480"/>
-            <a:ext cx="8564760" cy="1658160"/>
+            <a:ext cx="8565120" cy="1658520"/>
           </a:xfrm>
           <a:prstGeom prst="rect">
             <a:avLst/>
@@ -11637,7 +9845,7 @@
                 <a:latin typeface="Noto Sans Regular"/>
                 <a:ea typeface="DejaVu Sans"/>
               </a:rPr>
-              <a:t>[ Imagine your role as a software architecture, leading a team of competent software engineers who can build whatever you design]</a:t>
+              <a:t>[ Imagine your role as a software architecture, leading a team of competent software engineers that can build whatever you design]</a:t>
             </a:r>
             <a:endParaRPr b="0" lang="en-SG" sz="1800" spc="-1" strike="noStrike">
               <a:latin typeface="Arial"/>
@@ -11664,7 +9872,7 @@
         <p:spPr>
           <a:xfrm>
             <a:off x="792000" y="5904000"/>
-            <a:ext cx="8564760" cy="979200"/>
+            <a:ext cx="8565120" cy="979560"/>
           </a:xfrm>
           <a:prstGeom prst="rect">
             <a:avLst/>
@@ -11739,7 +9947,7 @@
         <p:spPr>
           <a:xfrm>
             <a:off x="792000" y="3993480"/>
-            <a:ext cx="8564760" cy="1658160"/>
+            <a:ext cx="8565120" cy="1658520"/>
           </a:xfrm>
           <a:prstGeom prst="rect">
             <a:avLst/>
@@ -11790,7 +9998,7 @@
         <p:spPr>
           <a:xfrm>
             <a:off x="792000" y="5904000"/>
-            <a:ext cx="8564760" cy="979200"/>
+            <a:ext cx="8565120" cy="979560"/>
           </a:xfrm>
           <a:prstGeom prst="rect">
             <a:avLst/>

--- a/SE_Intro.pptx
+++ b/SE_Intro.pptx
@@ -33,6 +33,11 @@
     <p:sldId id="280" r:id="rId28"/>
     <p:sldId id="281" r:id="rId29"/>
     <p:sldId id="282" r:id="rId30"/>
+    <p:sldId id="283" r:id="rId31"/>
+    <p:sldId id="284" r:id="rId32"/>
+    <p:sldId id="285" r:id="rId33"/>
+    <p:sldId id="286" r:id="rId34"/>
+    <p:sldId id="287" r:id="rId35"/>
   </p:sldIdLst>
   <p:sldSz cx="10080625" cy="7559675"/>
   <p:notesSz cx="7559675" cy="10691812"/>
@@ -2729,7 +2734,7 @@
         <p:spPr>
           <a:xfrm>
             <a:off x="0" y="4320000"/>
-            <a:ext cx="501120" cy="1077120"/>
+            <a:ext cx="500760" cy="1076760"/>
           </a:xfrm>
           <a:prstGeom prst="rect">
             <a:avLst/>
@@ -3008,7 +3013,7 @@
         <p:spPr>
           <a:xfrm>
             <a:off x="0" y="288000"/>
-            <a:ext cx="501120" cy="1077120"/>
+            <a:ext cx="500760" cy="1076760"/>
           </a:xfrm>
           <a:prstGeom prst="rect">
             <a:avLst/>
@@ -3287,7 +3292,7 @@
         <p:spPr>
           <a:xfrm>
             <a:off x="792000" y="3993480"/>
-            <a:ext cx="8565120" cy="1658520"/>
+            <a:ext cx="8564760" cy="1658160"/>
           </a:xfrm>
           <a:prstGeom prst="rect">
             <a:avLst/>
@@ -3338,7 +3343,7 @@
         <p:spPr>
           <a:xfrm>
             <a:off x="792000" y="5904000"/>
-            <a:ext cx="8565120" cy="979560"/>
+            <a:ext cx="8564760" cy="979200"/>
           </a:xfrm>
           <a:prstGeom prst="rect">
             <a:avLst/>
@@ -3413,7 +3418,7 @@
         <p:spPr>
           <a:xfrm>
             <a:off x="720000" y="300960"/>
-            <a:ext cx="8852760" cy="1259640"/>
+            <a:ext cx="8852400" cy="1259280"/>
           </a:xfrm>
           <a:prstGeom prst="rect">
             <a:avLst/>
@@ -3462,7 +3467,7 @@
         <p:spPr>
           <a:xfrm>
             <a:off x="720000" y="2160000"/>
-            <a:ext cx="8637120" cy="4381920"/>
+            <a:ext cx="8636760" cy="4381560"/>
           </a:xfrm>
           <a:prstGeom prst="rect">
             <a:avLst/>
@@ -3481,7 +3486,7 @@
         <p:txBody>
           <a:bodyPr lIns="0" rIns="0" tIns="0" bIns="0"/>
           <a:p>
-            <a:pPr marL="432000" indent="-321120">
+            <a:pPr marL="432000" indent="-320760">
               <a:lnSpc>
                 <a:spcPct val="100000"/>
               </a:lnSpc>
@@ -3510,7 +3515,7 @@
             </a:endParaRPr>
           </a:p>
           <a:p>
-            <a:pPr lvl="1" marL="432000" indent="-216000">
+            <a:pPr lvl="1" marL="432000" indent="-215640">
               <a:lnSpc>
                 <a:spcPct val="100000"/>
               </a:lnSpc>
@@ -3539,7 +3544,7 @@
             </a:endParaRPr>
           </a:p>
           <a:p>
-            <a:pPr lvl="1" marL="432000" indent="-216000">
+            <a:pPr lvl="1" marL="432000" indent="-215640">
               <a:lnSpc>
                 <a:spcPct val="100000"/>
               </a:lnSpc>
@@ -3568,7 +3573,7 @@
             </a:endParaRPr>
           </a:p>
           <a:p>
-            <a:pPr lvl="1" marL="432000" indent="-216000">
+            <a:pPr lvl="1" marL="432000" indent="-215640">
               <a:lnSpc>
                 <a:spcPct val="100000"/>
               </a:lnSpc>
@@ -3633,7 +3638,7 @@
         <p:spPr>
           <a:xfrm>
             <a:off x="465480" y="7040880"/>
-            <a:ext cx="5749560" cy="343800"/>
+            <a:ext cx="5749200" cy="343440"/>
           </a:xfrm>
           <a:prstGeom prst="rect">
             <a:avLst/>
@@ -3731,7 +3736,7 @@
         <p:spPr>
           <a:xfrm>
             <a:off x="720000" y="300960"/>
-            <a:ext cx="8852760" cy="1259640"/>
+            <a:ext cx="8852400" cy="1259280"/>
           </a:xfrm>
           <a:prstGeom prst="rect">
             <a:avLst/>
@@ -3780,7 +3785,7 @@
         <p:spPr>
           <a:xfrm>
             <a:off x="465480" y="7040880"/>
-            <a:ext cx="5749560" cy="343800"/>
+            <a:ext cx="5749200" cy="343440"/>
           </a:xfrm>
           <a:prstGeom prst="rect">
             <a:avLst/>
@@ -3833,7 +3838,7 @@
         <p:spPr>
           <a:xfrm>
             <a:off x="528480" y="1392480"/>
-            <a:ext cx="5686560" cy="5648400"/>
+            <a:ext cx="5686200" cy="5648040"/>
           </a:xfrm>
           <a:prstGeom prst="rect">
             <a:avLst/>
@@ -3845,14 +3850,14 @@
       </p:pic>
       <p:sp>
         <p:nvSpPr>
-          <p:cNvPr id="110" name="TextShape 3"/>
-          <p:cNvSpPr txBox="1"/>
+          <p:cNvPr id="110" name="CustomShape 3"/>
+          <p:cNvSpPr/>
           <p:nvPr/>
         </p:nvSpPr>
         <p:spPr>
           <a:xfrm>
             <a:off x="6224760" y="2468880"/>
-            <a:ext cx="3762000" cy="1626120"/>
+            <a:ext cx="3761640" cy="1625760"/>
           </a:xfrm>
           <a:prstGeom prst="rect">
             <a:avLst/>
@@ -3862,9 +3867,20 @@
             <a:noFill/>
           </a:ln>
         </p:spPr>
+        <p:style>
+          <a:lnRef idx="0"/>
+          <a:fillRef idx="0"/>
+          <a:effectRef idx="0"/>
+          <a:fontRef idx="minor"/>
+        </p:style>
         <p:txBody>
           <a:bodyPr lIns="90000" rIns="90000" tIns="45000" bIns="45000"/>
           <a:p>
+            <a:pPr>
+              <a:lnSpc>
+                <a:spcPct val="100000"/>
+              </a:lnSpc>
+            </a:pPr>
             <a:r>
               <a:rPr b="0" lang="en-SG" sz="1800" spc="-1" strike="noStrike">
                 <a:latin typeface="Arial"/>
@@ -3876,11 +3892,21 @@
             </a:endParaRPr>
           </a:p>
           <a:p>
+            <a:pPr>
+              <a:lnSpc>
+                <a:spcPct val="100000"/>
+              </a:lnSpc>
+            </a:pPr>
             <a:endParaRPr b="0" lang="en-SG" sz="1800" spc="-1" strike="noStrike">
               <a:latin typeface="Arial"/>
             </a:endParaRPr>
           </a:p>
           <a:p>
+            <a:pPr>
+              <a:lnSpc>
+                <a:spcPct val="100000"/>
+              </a:lnSpc>
+            </a:pPr>
             <a:r>
               <a:rPr b="0" lang="en-SG" sz="1800" spc="-1" strike="noStrike">
                 <a:latin typeface="Arial"/>
@@ -3892,6 +3918,11 @@
             </a:endParaRPr>
           </a:p>
           <a:p>
+            <a:pPr>
+              <a:lnSpc>
+                <a:spcPct val="100000"/>
+              </a:lnSpc>
+            </a:pPr>
             <a:r>
               <a:rPr b="0" lang="en-SG" sz="1800" spc="-1" strike="noStrike">
                 <a:latin typeface="Arial"/>
@@ -3903,11 +3934,21 @@
             </a:endParaRPr>
           </a:p>
           <a:p>
+            <a:pPr>
+              <a:lnSpc>
+                <a:spcPct val="100000"/>
+              </a:lnSpc>
+            </a:pPr>
             <a:endParaRPr b="0" lang="en-SG" sz="1800" spc="-1" strike="noStrike">
               <a:latin typeface="Arial"/>
             </a:endParaRPr>
           </a:p>
           <a:p>
+            <a:pPr>
+              <a:lnSpc>
+                <a:spcPct val="100000"/>
+              </a:lnSpc>
+            </a:pPr>
             <a:r>
               <a:rPr b="0" lang="en-SG" sz="1800" spc="-1" strike="noStrike">
                 <a:latin typeface="Arial"/>
@@ -3978,7 +4019,7 @@
         <p:spPr>
           <a:xfrm>
             <a:off x="720000" y="300960"/>
-            <a:ext cx="8852760" cy="1259640"/>
+            <a:ext cx="8852400" cy="1259280"/>
           </a:xfrm>
           <a:prstGeom prst="rect">
             <a:avLst/>
@@ -4027,7 +4068,7 @@
         <p:spPr>
           <a:xfrm>
             <a:off x="465480" y="7040880"/>
-            <a:ext cx="5749560" cy="343800"/>
+            <a:ext cx="5749200" cy="343440"/>
           </a:xfrm>
           <a:prstGeom prst="rect">
             <a:avLst/>
@@ -4080,7 +4121,7 @@
         <p:spPr>
           <a:xfrm>
             <a:off x="274320" y="2062080"/>
-            <a:ext cx="9298440" cy="1778400"/>
+            <a:ext cx="9298080" cy="1778040"/>
           </a:xfrm>
           <a:prstGeom prst="rect">
             <a:avLst/>
@@ -4148,7 +4189,7 @@
         <p:spPr>
           <a:xfrm>
             <a:off x="720000" y="300960"/>
-            <a:ext cx="8852760" cy="1259640"/>
+            <a:ext cx="8852400" cy="1259280"/>
           </a:xfrm>
           <a:prstGeom prst="rect">
             <a:avLst/>
@@ -4197,7 +4238,7 @@
         <p:spPr>
           <a:xfrm>
             <a:off x="465480" y="7040880"/>
-            <a:ext cx="5749560" cy="343800"/>
+            <a:ext cx="5749200" cy="343440"/>
           </a:xfrm>
           <a:prstGeom prst="rect">
             <a:avLst/>
@@ -4250,7 +4291,7 @@
         <p:spPr>
           <a:xfrm>
             <a:off x="375120" y="1560600"/>
-            <a:ext cx="8586000" cy="3941280"/>
+            <a:ext cx="8585640" cy="3940920"/>
           </a:xfrm>
           <a:prstGeom prst="rect">
             <a:avLst/>
@@ -4318,7 +4359,7 @@
         <p:spPr>
           <a:xfrm>
             <a:off x="720000" y="300960"/>
-            <a:ext cx="8852760" cy="1259640"/>
+            <a:ext cx="8852400" cy="1259280"/>
           </a:xfrm>
           <a:prstGeom prst="rect">
             <a:avLst/>
@@ -4367,7 +4408,7 @@
         <p:spPr>
           <a:xfrm>
             <a:off x="465480" y="7040880"/>
-            <a:ext cx="5749560" cy="343800"/>
+            <a:ext cx="5749200" cy="343440"/>
           </a:xfrm>
           <a:prstGeom prst="rect">
             <a:avLst/>
@@ -4420,7 +4461,7 @@
         <p:spPr>
           <a:xfrm>
             <a:off x="375120" y="1560600"/>
-            <a:ext cx="8586000" cy="3941280"/>
+            <a:ext cx="8585640" cy="3940920"/>
           </a:xfrm>
           <a:prstGeom prst="rect">
             <a:avLst/>
@@ -4488,7 +4529,7 @@
         <p:spPr>
           <a:xfrm>
             <a:off x="720000" y="300960"/>
-            <a:ext cx="8852760" cy="1259640"/>
+            <a:ext cx="8852400" cy="1259280"/>
           </a:xfrm>
           <a:prstGeom prst="rect">
             <a:avLst/>
@@ -4537,7 +4578,7 @@
         <p:spPr>
           <a:xfrm>
             <a:off x="465480" y="7040880"/>
-            <a:ext cx="5749560" cy="343800"/>
+            <a:ext cx="5749200" cy="343440"/>
           </a:xfrm>
           <a:prstGeom prst="rect">
             <a:avLst/>
@@ -4590,7 +4631,7 @@
         <p:spPr>
           <a:xfrm>
             <a:off x="365760" y="1920240"/>
-            <a:ext cx="9282960" cy="3317400"/>
+            <a:ext cx="9282600" cy="3317040"/>
           </a:xfrm>
           <a:prstGeom prst="rect">
             <a:avLst/>
@@ -4658,7 +4699,7 @@
         <p:spPr>
           <a:xfrm>
             <a:off x="720000" y="300960"/>
-            <a:ext cx="8852760" cy="1259640"/>
+            <a:ext cx="8852400" cy="1259280"/>
           </a:xfrm>
           <a:prstGeom prst="rect">
             <a:avLst/>
@@ -4707,7 +4748,7 @@
         <p:spPr>
           <a:xfrm>
             <a:off x="465480" y="7040880"/>
-            <a:ext cx="5749560" cy="343800"/>
+            <a:ext cx="5749200" cy="343440"/>
           </a:xfrm>
           <a:prstGeom prst="rect">
             <a:avLst/>
@@ -4737,7 +4778,7 @@
         <p:spPr>
           <a:xfrm>
             <a:off x="1268640" y="2857320"/>
-            <a:ext cx="5772240" cy="2171880"/>
+            <a:ext cx="5771880" cy="2171520"/>
           </a:xfrm>
           <a:prstGeom prst="rect">
             <a:avLst/>
@@ -4805,7 +4846,7 @@
         <p:spPr>
           <a:xfrm>
             <a:off x="792000" y="3993480"/>
-            <a:ext cx="8565120" cy="1658520"/>
+            <a:ext cx="8564760" cy="1658160"/>
           </a:xfrm>
           <a:prstGeom prst="rect">
             <a:avLst/>
@@ -4856,7 +4897,7 @@
         <p:spPr>
           <a:xfrm>
             <a:off x="792000" y="5904000"/>
-            <a:ext cx="8565120" cy="979560"/>
+            <a:ext cx="8564760" cy="979200"/>
           </a:xfrm>
           <a:prstGeom prst="rect">
             <a:avLst/>
@@ -4931,7 +4972,7 @@
         <p:spPr>
           <a:xfrm>
             <a:off x="720000" y="300960"/>
-            <a:ext cx="8852760" cy="1259640"/>
+            <a:ext cx="8852400" cy="1259280"/>
           </a:xfrm>
           <a:prstGeom prst="rect">
             <a:avLst/>
@@ -4980,7 +5021,7 @@
         <p:spPr>
           <a:xfrm>
             <a:off x="720000" y="2160000"/>
-            <a:ext cx="8637120" cy="4381920"/>
+            <a:ext cx="8636760" cy="4381560"/>
           </a:xfrm>
           <a:prstGeom prst="rect">
             <a:avLst/>
@@ -4999,7 +5040,7 @@
         <p:txBody>
           <a:bodyPr lIns="0" rIns="0" tIns="0" bIns="0"/>
           <a:p>
-            <a:pPr marL="432000" indent="-321120">
+            <a:pPr marL="432000" indent="-320760">
               <a:lnSpc>
                 <a:spcPct val="100000"/>
               </a:lnSpc>
@@ -5028,7 +5069,7 @@
             </a:endParaRPr>
           </a:p>
           <a:p>
-            <a:pPr marL="432000" indent="-321120">
+            <a:pPr marL="432000" indent="-320760">
               <a:lnSpc>
                 <a:spcPct val="100000"/>
               </a:lnSpc>
@@ -5057,7 +5098,7 @@
             </a:endParaRPr>
           </a:p>
           <a:p>
-            <a:pPr marL="432000" indent="-321120">
+            <a:pPr marL="432000" indent="-320760">
               <a:lnSpc>
                 <a:spcPct val="100000"/>
               </a:lnSpc>
@@ -5164,7 +5205,7 @@
         <p:spPr>
           <a:xfrm>
             <a:off x="465480" y="7040880"/>
-            <a:ext cx="5749560" cy="343800"/>
+            <a:ext cx="5749200" cy="343440"/>
           </a:xfrm>
           <a:prstGeom prst="rect">
             <a:avLst/>
@@ -5217,7 +5258,7 @@
         <p:spPr>
           <a:xfrm>
             <a:off x="5216040" y="4114800"/>
-            <a:ext cx="2190240" cy="2800080"/>
+            <a:ext cx="2189880" cy="2799720"/>
           </a:xfrm>
           <a:prstGeom prst="rect">
             <a:avLst/>
@@ -5285,7 +5326,7 @@
         <p:spPr>
           <a:xfrm>
             <a:off x="720000" y="300960"/>
-            <a:ext cx="8852760" cy="1259640"/>
+            <a:ext cx="8852400" cy="1259280"/>
           </a:xfrm>
           <a:prstGeom prst="rect">
             <a:avLst/>
@@ -5334,7 +5375,7 @@
         <p:spPr>
           <a:xfrm>
             <a:off x="720000" y="2160000"/>
-            <a:ext cx="8637120" cy="4381920"/>
+            <a:ext cx="8636760" cy="4381560"/>
           </a:xfrm>
           <a:prstGeom prst="rect">
             <a:avLst/>
@@ -5353,7 +5394,7 @@
         <p:txBody>
           <a:bodyPr lIns="0" rIns="0" tIns="0" bIns="0"/>
           <a:p>
-            <a:pPr marL="432000" indent="-321120">
+            <a:pPr marL="432000" indent="-320760">
               <a:lnSpc>
                 <a:spcPct val="100000"/>
               </a:lnSpc>
@@ -5422,7 +5463,7 @@
         <p:spPr>
           <a:xfrm>
             <a:off x="4754880" y="2560320"/>
-            <a:ext cx="4722120" cy="4849560"/>
+            <a:ext cx="4721760" cy="4849200"/>
           </a:xfrm>
           <a:prstGeom prst="rect">
             <a:avLst/>
@@ -5490,7 +5531,7 @@
         <p:spPr>
           <a:xfrm>
             <a:off x="720000" y="300960"/>
-            <a:ext cx="8852760" cy="1259640"/>
+            <a:ext cx="8852400" cy="1259280"/>
           </a:xfrm>
           <a:prstGeom prst="rect">
             <a:avLst/>
@@ -5539,7 +5580,7 @@
         <p:spPr>
           <a:xfrm>
             <a:off x="720000" y="2160000"/>
-            <a:ext cx="8637120" cy="4381920"/>
+            <a:ext cx="8636760" cy="4381560"/>
           </a:xfrm>
           <a:prstGeom prst="rect">
             <a:avLst/>
@@ -5558,7 +5599,7 @@
         <p:txBody>
           <a:bodyPr lIns="0" rIns="0" tIns="0" bIns="0"/>
           <a:p>
-            <a:pPr marL="432000" indent="-321120">
+            <a:pPr marL="432000" indent="-320760">
               <a:lnSpc>
                 <a:spcPct val="100000"/>
               </a:lnSpc>
@@ -5587,7 +5628,7 @@
             </a:endParaRPr>
           </a:p>
           <a:p>
-            <a:pPr marL="432000" indent="-321120">
+            <a:pPr marL="432000" indent="-320760">
               <a:lnSpc>
                 <a:spcPct val="100000"/>
               </a:lnSpc>
@@ -5616,7 +5657,7 @@
             </a:endParaRPr>
           </a:p>
           <a:p>
-            <a:pPr marL="432000" indent="-321120">
+            <a:pPr marL="432000" indent="-320760">
               <a:lnSpc>
                 <a:spcPct val="100000"/>
               </a:lnSpc>
@@ -5645,7 +5686,7 @@
             </a:endParaRPr>
           </a:p>
           <a:p>
-            <a:pPr marL="432000" indent="-321120">
+            <a:pPr marL="432000" indent="-320760">
               <a:lnSpc>
                 <a:spcPct val="100000"/>
               </a:lnSpc>
@@ -5674,7 +5715,7 @@
             </a:endParaRPr>
           </a:p>
           <a:p>
-            <a:pPr marL="432000" indent="-321120">
+            <a:pPr marL="432000" indent="-320760">
               <a:lnSpc>
                 <a:spcPct val="100000"/>
               </a:lnSpc>
@@ -5775,7 +5816,7 @@
         <p:spPr>
           <a:xfrm>
             <a:off x="720000" y="300960"/>
-            <a:ext cx="8852760" cy="1259640"/>
+            <a:ext cx="8852400" cy="1259280"/>
           </a:xfrm>
           <a:prstGeom prst="rect">
             <a:avLst/>
@@ -5824,7 +5865,7 @@
         <p:spPr>
           <a:xfrm>
             <a:off x="720000" y="2160000"/>
-            <a:ext cx="8637120" cy="4381920"/>
+            <a:ext cx="8636760" cy="4381560"/>
           </a:xfrm>
           <a:prstGeom prst="rect">
             <a:avLst/>
@@ -5843,7 +5884,7 @@
         <p:txBody>
           <a:bodyPr lIns="0" rIns="0" tIns="0" bIns="0"/>
           <a:p>
-            <a:pPr marL="432000" indent="-321120">
+            <a:pPr marL="432000" indent="-320760">
               <a:lnSpc>
                 <a:spcPct val="100000"/>
               </a:lnSpc>
@@ -5912,7 +5953,7 @@
         <p:spPr>
           <a:xfrm>
             <a:off x="977400" y="2853720"/>
-            <a:ext cx="3753720" cy="1809360"/>
+            <a:ext cx="3753360" cy="1809000"/>
           </a:xfrm>
           <a:prstGeom prst="rect">
             <a:avLst/>
@@ -5935,7 +5976,7 @@
         <p:spPr>
           <a:xfrm>
             <a:off x="5294160" y="2926080"/>
-            <a:ext cx="3827880" cy="4114440"/>
+            <a:ext cx="3827520" cy="4114080"/>
           </a:xfrm>
           <a:prstGeom prst="rect">
             <a:avLst/>
@@ -6003,7 +6044,7 @@
         <p:spPr>
           <a:xfrm>
             <a:off x="720000" y="300960"/>
-            <a:ext cx="8852760" cy="1259640"/>
+            <a:ext cx="8852400" cy="1259280"/>
           </a:xfrm>
           <a:prstGeom prst="rect">
             <a:avLst/>
@@ -6052,7 +6093,7 @@
         <p:spPr>
           <a:xfrm>
             <a:off x="720000" y="2160000"/>
-            <a:ext cx="8637120" cy="4381920"/>
+            <a:ext cx="8636760" cy="4381560"/>
           </a:xfrm>
           <a:prstGeom prst="rect">
             <a:avLst/>
@@ -6071,7 +6112,7 @@
         <p:txBody>
           <a:bodyPr lIns="0" rIns="0" tIns="0" bIns="0"/>
           <a:p>
-            <a:pPr marL="432000" indent="-321120">
+            <a:pPr marL="432000" indent="-320760">
               <a:lnSpc>
                 <a:spcPct val="100000"/>
               </a:lnSpc>
@@ -6100,7 +6141,7 @@
             </a:endParaRPr>
           </a:p>
           <a:p>
-            <a:pPr lvl="1" marL="432000" indent="-216000">
+            <a:pPr lvl="1" marL="432000" indent="-215640">
               <a:lnSpc>
                 <a:spcPct val="100000"/>
               </a:lnSpc>
@@ -6129,7 +6170,7 @@
             </a:endParaRPr>
           </a:p>
           <a:p>
-            <a:pPr marL="432000" indent="-321120">
+            <a:pPr marL="432000" indent="-320760">
               <a:lnSpc>
                 <a:spcPct val="100000"/>
               </a:lnSpc>
@@ -6158,7 +6199,7 @@
             </a:endParaRPr>
           </a:p>
           <a:p>
-            <a:pPr lvl="1" marL="432000" indent="-216000">
+            <a:pPr lvl="1" marL="432000" indent="-215640">
               <a:lnSpc>
                 <a:spcPct val="100000"/>
               </a:lnSpc>
@@ -6187,7 +6228,7 @@
             </a:endParaRPr>
           </a:p>
           <a:p>
-            <a:pPr lvl="1" marL="432000" indent="-216000">
+            <a:pPr lvl="1" marL="432000" indent="-215640">
               <a:lnSpc>
                 <a:spcPct val="100000"/>
               </a:lnSpc>
@@ -6301,7 +6342,7 @@
         <p:spPr>
           <a:xfrm>
             <a:off x="720000" y="300960"/>
-            <a:ext cx="8852760" cy="1259640"/>
+            <a:ext cx="8852400" cy="1259280"/>
           </a:xfrm>
           <a:prstGeom prst="rect">
             <a:avLst/>
@@ -6350,7 +6391,7 @@
         <p:spPr>
           <a:xfrm>
             <a:off x="720000" y="2160000"/>
-            <a:ext cx="8637120" cy="4381920"/>
+            <a:ext cx="8636760" cy="4381560"/>
           </a:xfrm>
           <a:prstGeom prst="rect">
             <a:avLst/>
@@ -6369,7 +6410,7 @@
         <p:txBody>
           <a:bodyPr lIns="0" rIns="0" tIns="0" bIns="0"/>
           <a:p>
-            <a:pPr marL="432000" indent="-321120">
+            <a:pPr marL="432000" indent="-320760">
               <a:lnSpc>
                 <a:spcPct val="100000"/>
               </a:lnSpc>
@@ -6398,7 +6439,7 @@
             </a:endParaRPr>
           </a:p>
           <a:p>
-            <a:pPr marL="432000" indent="-321120">
+            <a:pPr marL="432000" indent="-320760">
               <a:lnSpc>
                 <a:spcPct val="100000"/>
               </a:lnSpc>
@@ -6427,7 +6468,7 @@
             </a:endParaRPr>
           </a:p>
           <a:p>
-            <a:pPr marL="432000" indent="-321120">
+            <a:pPr marL="432000" indent="-320760">
               <a:lnSpc>
                 <a:spcPct val="100000"/>
               </a:lnSpc>
@@ -6456,7 +6497,7 @@
             </a:endParaRPr>
           </a:p>
           <a:p>
-            <a:pPr marL="432000" indent="-321120">
+            <a:pPr marL="432000" indent="-320760">
               <a:lnSpc>
                 <a:spcPct val="100000"/>
               </a:lnSpc>
@@ -6521,7 +6562,7 @@
         <p:spPr>
           <a:xfrm>
             <a:off x="465480" y="7040880"/>
-            <a:ext cx="5749560" cy="343800"/>
+            <a:ext cx="5749200" cy="343440"/>
           </a:xfrm>
           <a:prstGeom prst="rect">
             <a:avLst/>
@@ -6619,7 +6660,7 @@
         <p:spPr>
           <a:xfrm>
             <a:off x="720000" y="300960"/>
-            <a:ext cx="8852760" cy="1259640"/>
+            <a:ext cx="8852400" cy="1259280"/>
           </a:xfrm>
           <a:prstGeom prst="rect">
             <a:avLst/>
@@ -6668,7 +6709,7 @@
         <p:spPr>
           <a:xfrm>
             <a:off x="720000" y="2160000"/>
-            <a:ext cx="8637120" cy="4381920"/>
+            <a:ext cx="8636760" cy="4381560"/>
           </a:xfrm>
           <a:prstGeom prst="rect">
             <a:avLst/>
@@ -6687,7 +6728,7 @@
         <p:txBody>
           <a:bodyPr lIns="0" rIns="0" tIns="0" bIns="0"/>
           <a:p>
-            <a:pPr marL="432000" indent="-321120">
+            <a:pPr marL="432000" indent="-320760">
               <a:lnSpc>
                 <a:spcPct val="100000"/>
               </a:lnSpc>
@@ -6725,10 +6766,11 @@
               </a:spcBef>
             </a:pPr>
             <a:r>
-              <a:rPr b="0" lang="en-SG" sz="2000" spc="-1" strike="noStrike">
-                <a:solidFill>
-                  <a:srgbClr val="333333"/>
-                </a:solidFill>
+              <a:rPr b="0" lang="en-SG" sz="2000" spc="-1" strike="noStrike" u="sng">
+                <a:solidFill>
+                  <a:srgbClr val="0000ff"/>
+                </a:solidFill>
+                <a:uFillTx/>
                 <a:latin typeface="Noto Sans Regular"/>
                 <a:ea typeface="DejaVu Sans"/>
                 <a:hlinkClick r:id="rId1"/>
@@ -6740,7 +6782,7 @@
             </a:endParaRPr>
           </a:p>
           <a:p>
-            <a:pPr marL="432000" indent="-321120">
+            <a:pPr marL="432000" indent="-320760">
               <a:lnSpc>
                 <a:spcPct val="100000"/>
               </a:lnSpc>
@@ -6769,7 +6811,20 @@
             </a:endParaRPr>
           </a:p>
           <a:p>
-            <a:pPr marL="432000" indent="-321120">
+            <a:pPr>
+              <a:lnSpc>
+                <a:spcPct val="100000"/>
+              </a:lnSpc>
+              <a:spcBef>
+                <a:spcPts val="1417"/>
+              </a:spcBef>
+            </a:pPr>
+            <a:endParaRPr b="0" lang="en-SG" sz="2000" spc="-1" strike="noStrike">
+              <a:latin typeface="Arial"/>
+            </a:endParaRPr>
+          </a:p>
+          <a:p>
+            <a:pPr marL="432000" indent="-320760">
               <a:lnSpc>
                 <a:spcPct val="100000"/>
               </a:lnSpc>
@@ -6783,12 +6838,45 @@
               <a:buFont typeface="Wingdings" charset="2"/>
               <a:buChar char=""/>
             </a:pPr>
-            <a:endParaRPr b="0" lang="en-SG" sz="2000" spc="-1" strike="noStrike">
-              <a:latin typeface="Arial"/>
-            </a:endParaRPr>
-          </a:p>
-          <a:p>
-            <a:pPr marL="432000" indent="-321120">
+            <a:r>
+              <a:rPr b="0" lang="en-SG" sz="2000" spc="-1" strike="noStrike">
+                <a:solidFill>
+                  <a:srgbClr val="333333"/>
+                </a:solidFill>
+                <a:latin typeface="Noto Sans Regular"/>
+                <a:ea typeface="DejaVu Sans"/>
+              </a:rPr>
+              <a:t>Factory – Creational</a:t>
+            </a:r>
+            <a:endParaRPr b="0" lang="en-SG" sz="2000" spc="-1" strike="noStrike">
+              <a:latin typeface="Arial"/>
+            </a:endParaRPr>
+          </a:p>
+          <a:p>
+            <a:pPr>
+              <a:lnSpc>
+                <a:spcPct val="100000"/>
+              </a:lnSpc>
+              <a:spcBef>
+                <a:spcPts val="1417"/>
+              </a:spcBef>
+            </a:pPr>
+            <a:r>
+              <a:rPr b="0" lang="en-SG" sz="2000" spc="-1" strike="noStrike">
+                <a:solidFill>
+                  <a:srgbClr val="333333"/>
+                </a:solidFill>
+                <a:latin typeface="Noto Sans Regular"/>
+                <a:ea typeface="DejaVu Sans"/>
+              </a:rPr>
+              <a:t>https://www.dofactory.com/net/factory-method-design-pattern</a:t>
+            </a:r>
+            <a:endParaRPr b="0" lang="en-SG" sz="2000" spc="-1" strike="noStrike">
+              <a:latin typeface="Arial"/>
+            </a:endParaRPr>
+          </a:p>
+          <a:p>
+            <a:pPr marL="432000" indent="-320760">
               <a:lnSpc>
                 <a:spcPct val="100000"/>
               </a:lnSpc>
@@ -6810,7 +6898,7 @@
                 <a:latin typeface="Noto Sans Regular"/>
                 <a:ea typeface="DejaVu Sans"/>
               </a:rPr>
-              <a:t>Factory – Creational</a:t>
+              <a:t>Observe “Document” class. Its constructor calls CreatePages(), which is the Factory Method implemented as an abstract method, that needs to be overriden by those inheriting from Document.</a:t>
             </a:r>
             <a:endParaRPr b="0" lang="en-SG" sz="2000" spc="-1" strike="noStrike">
               <a:latin typeface="Arial"/>
@@ -6824,64 +6912,6 @@
               <a:spcBef>
                 <a:spcPts val="1417"/>
               </a:spcBef>
-            </a:pPr>
-            <a:r>
-              <a:rPr b="0" lang="en-SG" sz="2000" spc="-1" strike="noStrike">
-                <a:solidFill>
-                  <a:srgbClr val="333333"/>
-                </a:solidFill>
-                <a:latin typeface="Noto Sans Regular"/>
-                <a:ea typeface="DejaVu Sans"/>
-              </a:rPr>
-              <a:t>https://www.dofactory.com/net/factory-method-design-pattern</a:t>
-            </a:r>
-            <a:endParaRPr b="0" lang="en-SG" sz="2000" spc="-1" strike="noStrike">
-              <a:latin typeface="Arial"/>
-            </a:endParaRPr>
-          </a:p>
-          <a:p>
-            <a:pPr marL="432000" indent="-321120">
-              <a:lnSpc>
-                <a:spcPct val="100000"/>
-              </a:lnSpc>
-              <a:spcBef>
-                <a:spcPts val="1417"/>
-              </a:spcBef>
-              <a:buClr>
-                <a:srgbClr val="ef2929"/>
-              </a:buClr>
-              <a:buSzPct val="45000"/>
-              <a:buFont typeface="Wingdings" charset="2"/>
-              <a:buChar char=""/>
-            </a:pPr>
-            <a:r>
-              <a:rPr b="0" lang="en-SG" sz="2000" spc="-1" strike="noStrike">
-                <a:solidFill>
-                  <a:srgbClr val="333333"/>
-                </a:solidFill>
-                <a:latin typeface="Noto Sans Regular"/>
-                <a:ea typeface="DejaVu Sans"/>
-              </a:rPr>
-              <a:t>Observe “Document” class. Its constructor calls CreatePages(), which is the Factory Method implemented as an abstract method, that needs to be overriden by those inheriting from Document.</a:t>
-            </a:r>
-            <a:endParaRPr b="0" lang="en-SG" sz="2000" spc="-1" strike="noStrike">
-              <a:latin typeface="Arial"/>
-            </a:endParaRPr>
-          </a:p>
-          <a:p>
-            <a:pPr marL="432000" indent="-321120">
-              <a:lnSpc>
-                <a:spcPct val="100000"/>
-              </a:lnSpc>
-              <a:spcBef>
-                <a:spcPts val="1417"/>
-              </a:spcBef>
-              <a:buClr>
-                <a:srgbClr val="ef2929"/>
-              </a:buClr>
-              <a:buSzPct val="45000"/>
-              <a:buFont typeface="Wingdings" charset="2"/>
-              <a:buChar char=""/>
             </a:pPr>
             <a:endParaRPr b="0" lang="en-SG" sz="2000" spc="-1" strike="noStrike">
               <a:latin typeface="Arial"/>
@@ -6924,7 +6954,7 @@
         <p:spPr>
           <a:xfrm>
             <a:off x="465480" y="7040880"/>
-            <a:ext cx="5749560" cy="343800"/>
+            <a:ext cx="5749200" cy="343440"/>
           </a:xfrm>
           <a:prstGeom prst="rect">
             <a:avLst/>
@@ -6999,7 +7029,7 @@
         <p:spPr>
           <a:xfrm>
             <a:off x="720000" y="300960"/>
-            <a:ext cx="8852760" cy="1259640"/>
+            <a:ext cx="8852400" cy="1259280"/>
           </a:xfrm>
           <a:prstGeom prst="rect">
             <a:avLst/>
@@ -7048,7 +7078,7 @@
         <p:spPr>
           <a:xfrm>
             <a:off x="720000" y="2160000"/>
-            <a:ext cx="8637120" cy="4381920"/>
+            <a:ext cx="8636760" cy="4381560"/>
           </a:xfrm>
           <a:prstGeom prst="rect">
             <a:avLst/>
@@ -7067,7 +7097,7 @@
         <p:txBody>
           <a:bodyPr lIns="0" rIns="0" tIns="0" bIns="0"/>
           <a:p>
-            <a:pPr marL="432000" indent="-321120">
+            <a:pPr marL="432000" indent="-320760">
               <a:lnSpc>
                 <a:spcPct val="100000"/>
               </a:lnSpc>
@@ -7119,7 +7149,7 @@
             </a:endParaRPr>
           </a:p>
           <a:p>
-            <a:pPr marL="432000" indent="-321120">
+            <a:pPr marL="432000" indent="-320760">
               <a:lnSpc>
                 <a:spcPct val="100000"/>
               </a:lnSpc>
@@ -7148,7 +7178,20 @@
             </a:endParaRPr>
           </a:p>
           <a:p>
-            <a:pPr marL="432000" indent="-321120">
+            <a:pPr>
+              <a:lnSpc>
+                <a:spcPct val="100000"/>
+              </a:lnSpc>
+              <a:spcBef>
+                <a:spcPts val="1417"/>
+              </a:spcBef>
+            </a:pPr>
+            <a:endParaRPr b="0" lang="en-SG" sz="2000" spc="-1" strike="noStrike">
+              <a:latin typeface="Arial"/>
+            </a:endParaRPr>
+          </a:p>
+          <a:p>
+            <a:pPr marL="432000" indent="-320760">
               <a:lnSpc>
                 <a:spcPct val="100000"/>
               </a:lnSpc>
@@ -7162,12 +7205,45 @@
               <a:buFont typeface="Wingdings" charset="2"/>
               <a:buChar char=""/>
             </a:pPr>
-            <a:endParaRPr b="0" lang="en-SG" sz="2000" spc="-1" strike="noStrike">
-              <a:latin typeface="Arial"/>
-            </a:endParaRPr>
-          </a:p>
-          <a:p>
-            <a:pPr marL="432000" indent="-321120">
+            <a:r>
+              <a:rPr b="0" lang="en-SG" sz="2000" spc="-1" strike="noStrike">
+                <a:solidFill>
+                  <a:srgbClr val="333333"/>
+                </a:solidFill>
+                <a:latin typeface="Noto Sans Regular"/>
+                <a:ea typeface="DejaVu Sans"/>
+              </a:rPr>
+              <a:t>Template – Behavioural</a:t>
+            </a:r>
+            <a:endParaRPr b="0" lang="en-SG" sz="2000" spc="-1" strike="noStrike">
+              <a:latin typeface="Arial"/>
+            </a:endParaRPr>
+          </a:p>
+          <a:p>
+            <a:pPr>
+              <a:lnSpc>
+                <a:spcPct val="100000"/>
+              </a:lnSpc>
+              <a:spcBef>
+                <a:spcPts val="1417"/>
+              </a:spcBef>
+            </a:pPr>
+            <a:r>
+              <a:rPr b="0" lang="en-SG" sz="2000" spc="-1" strike="noStrike">
+                <a:solidFill>
+                  <a:srgbClr val="333333"/>
+                </a:solidFill>
+                <a:latin typeface="Noto Sans Regular"/>
+                <a:ea typeface="DejaVu Sans"/>
+              </a:rPr>
+              <a:t>https://www.dofactory.com/net/template-method-design-pattern</a:t>
+            </a:r>
+            <a:endParaRPr b="0" lang="en-SG" sz="2000" spc="-1" strike="noStrike">
+              <a:latin typeface="Arial"/>
+            </a:endParaRPr>
+          </a:p>
+          <a:p>
+            <a:pPr marL="432000" indent="-320760">
               <a:lnSpc>
                 <a:spcPct val="100000"/>
               </a:lnSpc>
@@ -7189,7 +7265,7 @@
                 <a:latin typeface="Noto Sans Regular"/>
                 <a:ea typeface="DejaVu Sans"/>
               </a:rPr>
-              <a:t>Template – Behavioural</a:t>
+              <a:t>Note the ‘Template Method’ Run(). It defines the 4 methods that need to run in this sequence. Note that these are abstract methods within the abstract class. Implementing classes need to override these.</a:t>
             </a:r>
             <a:endParaRPr b="0" lang="en-SG" sz="2000" spc="-1" strike="noStrike">
               <a:latin typeface="Arial"/>
@@ -7203,64 +7279,6 @@
               <a:spcBef>
                 <a:spcPts val="1417"/>
               </a:spcBef>
-            </a:pPr>
-            <a:r>
-              <a:rPr b="0" lang="en-SG" sz="2000" spc="-1" strike="noStrike">
-                <a:solidFill>
-                  <a:srgbClr val="333333"/>
-                </a:solidFill>
-                <a:latin typeface="Noto Sans Regular"/>
-                <a:ea typeface="DejaVu Sans"/>
-              </a:rPr>
-              <a:t>https://www.dofactory.com/net/template-method-design-pattern</a:t>
-            </a:r>
-            <a:endParaRPr b="0" lang="en-SG" sz="2000" spc="-1" strike="noStrike">
-              <a:latin typeface="Arial"/>
-            </a:endParaRPr>
-          </a:p>
-          <a:p>
-            <a:pPr marL="432000" indent="-321120">
-              <a:lnSpc>
-                <a:spcPct val="100000"/>
-              </a:lnSpc>
-              <a:spcBef>
-                <a:spcPts val="1417"/>
-              </a:spcBef>
-              <a:buClr>
-                <a:srgbClr val="ef2929"/>
-              </a:buClr>
-              <a:buSzPct val="45000"/>
-              <a:buFont typeface="Wingdings" charset="2"/>
-              <a:buChar char=""/>
-            </a:pPr>
-            <a:r>
-              <a:rPr b="0" lang="en-SG" sz="2000" spc="-1" strike="noStrike">
-                <a:solidFill>
-                  <a:srgbClr val="333333"/>
-                </a:solidFill>
-                <a:latin typeface="Noto Sans Regular"/>
-                <a:ea typeface="DejaVu Sans"/>
-              </a:rPr>
-              <a:t>Note the ‘Template Method’ Run(). It defines the 4 methods that need to run in this sequence. Note that these are abstract methods within the abstract class. Implementing classes need to override these.</a:t>
-            </a:r>
-            <a:endParaRPr b="0" lang="en-SG" sz="2000" spc="-1" strike="noStrike">
-              <a:latin typeface="Arial"/>
-            </a:endParaRPr>
-          </a:p>
-          <a:p>
-            <a:pPr marL="432000" indent="-321120">
-              <a:lnSpc>
-                <a:spcPct val="100000"/>
-              </a:lnSpc>
-              <a:spcBef>
-                <a:spcPts val="1417"/>
-              </a:spcBef>
-              <a:buClr>
-                <a:srgbClr val="ef2929"/>
-              </a:buClr>
-              <a:buSzPct val="45000"/>
-              <a:buFont typeface="Wingdings" charset="2"/>
-              <a:buChar char=""/>
             </a:pPr>
             <a:endParaRPr b="0" lang="en-SG" sz="2000" spc="-1" strike="noStrike">
               <a:latin typeface="Arial"/>
@@ -7303,7 +7321,7 @@
         <p:spPr>
           <a:xfrm>
             <a:off x="465480" y="7040880"/>
-            <a:ext cx="5749560" cy="343800"/>
+            <a:ext cx="5749200" cy="343440"/>
           </a:xfrm>
           <a:prstGeom prst="rect">
             <a:avLst/>
@@ -7378,7 +7396,7 @@
         <p:spPr>
           <a:xfrm>
             <a:off x="720000" y="300960"/>
-            <a:ext cx="8852760" cy="1259640"/>
+            <a:ext cx="8852400" cy="1259280"/>
           </a:xfrm>
           <a:prstGeom prst="rect">
             <a:avLst/>
@@ -7427,7 +7445,7 @@
         <p:spPr>
           <a:xfrm>
             <a:off x="720000" y="2160000"/>
-            <a:ext cx="8637120" cy="4381920"/>
+            <a:ext cx="8636760" cy="4381560"/>
           </a:xfrm>
           <a:prstGeom prst="rect">
             <a:avLst/>
@@ -7446,7 +7464,7 @@
         <p:txBody>
           <a:bodyPr lIns="0" rIns="0" tIns="0" bIns="0"/>
           <a:p>
-            <a:pPr marL="432000" indent="-321120">
+            <a:pPr marL="432000" indent="-320760">
               <a:lnSpc>
                 <a:spcPct val="100000"/>
               </a:lnSpc>
@@ -7498,7 +7516,7 @@
             </a:endParaRPr>
           </a:p>
           <a:p>
-            <a:pPr marL="432000" indent="-321120">
+            <a:pPr marL="432000" indent="-320760">
               <a:lnSpc>
                 <a:spcPct val="100000"/>
               </a:lnSpc>
@@ -7563,7 +7581,7 @@
         <p:spPr>
           <a:xfrm>
             <a:off x="465480" y="7040880"/>
-            <a:ext cx="5749560" cy="343800"/>
+            <a:ext cx="5749200" cy="343440"/>
           </a:xfrm>
           <a:prstGeom prst="rect">
             <a:avLst/>
@@ -7638,7 +7656,7 @@
         <p:spPr>
           <a:xfrm>
             <a:off x="720000" y="300960"/>
-            <a:ext cx="8852760" cy="1259640"/>
+            <a:ext cx="8852400" cy="1259280"/>
           </a:xfrm>
           <a:prstGeom prst="rect">
             <a:avLst/>
@@ -7687,7 +7705,7 @@
         <p:spPr>
           <a:xfrm>
             <a:off x="720000" y="2160000"/>
-            <a:ext cx="8637120" cy="4381920"/>
+            <a:ext cx="8636760" cy="4381560"/>
           </a:xfrm>
           <a:prstGeom prst="rect">
             <a:avLst/>
@@ -7706,7 +7724,7 @@
         <p:txBody>
           <a:bodyPr lIns="0" rIns="0" tIns="0" bIns="0"/>
           <a:p>
-            <a:pPr marL="432000" indent="-321120">
+            <a:pPr marL="432000" indent="-320760">
               <a:lnSpc>
                 <a:spcPct val="100000"/>
               </a:lnSpc>
@@ -7735,7 +7753,7 @@
             </a:endParaRPr>
           </a:p>
           <a:p>
-            <a:pPr lvl="1" marL="432000" indent="-215280">
+            <a:pPr lvl="1" marL="432000" indent="-214920">
               <a:lnSpc>
                 <a:spcPct val="100000"/>
               </a:lnSpc>
@@ -7764,7 +7782,7 @@
             </a:endParaRPr>
           </a:p>
           <a:p>
-            <a:pPr lvl="1" marL="432000" indent="-215280">
+            <a:pPr lvl="1" marL="432000" indent="-214920">
               <a:lnSpc>
                 <a:spcPct val="100000"/>
               </a:lnSpc>
@@ -7793,7 +7811,7 @@
             </a:endParaRPr>
           </a:p>
           <a:p>
-            <a:pPr lvl="1" marL="432000" indent="-215280">
+            <a:pPr lvl="1" marL="432000" indent="-214920">
               <a:lnSpc>
                 <a:spcPct val="100000"/>
               </a:lnSpc>
@@ -7822,7 +7840,7 @@
             </a:endParaRPr>
           </a:p>
           <a:p>
-            <a:pPr lvl="1" marL="432000" indent="-215280">
+            <a:pPr lvl="1" marL="432000" indent="-214920">
               <a:lnSpc>
                 <a:spcPct val="100000"/>
               </a:lnSpc>
@@ -7851,7 +7869,7 @@
             </a:endParaRPr>
           </a:p>
           <a:p>
-            <a:pPr lvl="1" marL="432000" indent="-215280">
+            <a:pPr lvl="1" marL="432000" indent="-214920">
               <a:lnSpc>
                 <a:spcPct val="100000"/>
               </a:lnSpc>
@@ -7902,55 +7920,6 @@
               </a:spcAft>
             </a:pPr>
             <a:endParaRPr b="0" lang="en-SG" sz="2000" spc="-1" strike="noStrike">
-              <a:latin typeface="Arial"/>
-            </a:endParaRPr>
-          </a:p>
-        </p:txBody>
-      </p:sp>
-      <p:sp>
-        <p:nvSpPr>
-          <p:cNvPr id="155" name="CustomShape 3"/>
-          <p:cNvSpPr/>
-          <p:nvPr/>
-        </p:nvSpPr>
-        <p:spPr>
-          <a:xfrm>
-            <a:off x="465480" y="7040880"/>
-            <a:ext cx="5749560" cy="343800"/>
-          </a:xfrm>
-          <a:prstGeom prst="rect">
-            <a:avLst/>
-          </a:prstGeom>
-          <a:noFill/>
-          <a:ln>
-            <a:noFill/>
-          </a:ln>
-        </p:spPr>
-        <p:style>
-          <a:lnRef idx="0"/>
-          <a:fillRef idx="0"/>
-          <a:effectRef idx="0"/>
-          <a:fontRef idx="minor"/>
-        </p:style>
-        <p:txBody>
-          <a:bodyPr lIns="90000" rIns="90000" tIns="45000" bIns="45000"/>
-          <a:p>
-            <a:pPr>
-              <a:lnSpc>
-                <a:spcPct val="100000"/>
-              </a:lnSpc>
-            </a:pPr>
-            <a:r>
-              <a:rPr b="0" lang="en-SG" sz="1300" spc="-1" strike="noStrike">
-                <a:solidFill>
-                  <a:srgbClr val="000000"/>
-                </a:solidFill>
-                <a:latin typeface="Arial"/>
-                <a:ea typeface="DejaVu Sans"/>
-              </a:rPr>
-              <a:t>https://www.geeksforgeeks.org/introduction-to-net-framework/</a:t>
-            </a:r>
-            <a:endParaRPr b="0" lang="en-SG" sz="1300" spc="-1" strike="noStrike">
               <a:latin typeface="Arial"/>
             </a:endParaRPr>
           </a:p>
@@ -8007,14 +7976,14 @@
       </p:grpSpPr>
       <p:sp>
         <p:nvSpPr>
-          <p:cNvPr id="156" name="CustomShape 1"/>
+          <p:cNvPr id="155" name="CustomShape 1"/>
           <p:cNvSpPr/>
           <p:nvPr/>
         </p:nvSpPr>
         <p:spPr>
           <a:xfrm>
             <a:off x="720000" y="300960"/>
-            <a:ext cx="8852760" cy="1259640"/>
+            <a:ext cx="8852400" cy="1259280"/>
           </a:xfrm>
           <a:prstGeom prst="rect">
             <a:avLst/>
@@ -8038,7 +8007,6 @@
                 <a:spcPct val="100000"/>
               </a:lnSpc>
             </a:pPr>
-            <a:br/>
             <a:r>
               <a:rPr b="1" lang="en-SG" sz="4400" spc="-1" strike="noStrike">
                 <a:solidFill>
@@ -8047,7 +8015,7 @@
                 <a:latin typeface="Noto Sans Regular"/>
                 <a:ea typeface="DejaVu Sans"/>
               </a:rPr>
-              <a:t>References</a:t>
+              <a:t>SOLID</a:t>
             </a:r>
             <a:endParaRPr b="0" lang="en-SG" sz="4400" spc="-1" strike="noStrike">
               <a:latin typeface="Arial"/>
@@ -8057,14 +8025,14 @@
       </p:sp>
       <p:sp>
         <p:nvSpPr>
-          <p:cNvPr id="157" name="CustomShape 2"/>
+          <p:cNvPr id="156" name="CustomShape 2"/>
           <p:cNvSpPr/>
           <p:nvPr/>
         </p:nvSpPr>
         <p:spPr>
           <a:xfrm>
             <a:off x="720000" y="2160000"/>
-            <a:ext cx="8637120" cy="4381920"/>
+            <a:ext cx="8636760" cy="4381560"/>
           </a:xfrm>
           <a:prstGeom prst="rect">
             <a:avLst/>
@@ -8083,7 +8051,7 @@
         <p:txBody>
           <a:bodyPr lIns="0" rIns="0" tIns="0" bIns="0"/>
           <a:p>
-            <a:pPr marL="432000" indent="-321120">
+            <a:pPr marL="432000" indent="-320760">
               <a:lnSpc>
                 <a:spcPct val="100000"/>
               </a:lnSpc>
@@ -8105,38 +8073,14 @@
                 <a:latin typeface="Noto Sans Regular"/>
                 <a:ea typeface="DejaVu Sans"/>
               </a:rPr>
-              <a:t>University of Wisconsin, CSE 403 materials</a:t>
-            </a:r>
-            <a:endParaRPr b="0" lang="en-SG" sz="2000" spc="-1" strike="noStrike">
-              <a:latin typeface="Arial"/>
-            </a:endParaRPr>
-          </a:p>
-          <a:p>
-            <a:pPr>
-              <a:lnSpc>
-                <a:spcPct val="100000"/>
-              </a:lnSpc>
-              <a:spcBef>
-                <a:spcPts val="1417"/>
-              </a:spcBef>
-            </a:pPr>
-            <a:r>
-              <a:rPr b="0" lang="en-SG" sz="2000" spc="-1" strike="noStrike">
-                <a:solidFill>
-                  <a:srgbClr val="333333"/>
-                </a:solidFill>
-                <a:latin typeface="Noto Sans Regular"/>
-                <a:ea typeface="DejaVu Sans"/>
-                <a:hlinkClick r:id="rId1"/>
-              </a:rPr>
-              <a:t>https://courses.cs.washington.edu/courses/cse403/11sp/lectures/</a:t>
-            </a:r>
-            <a:endParaRPr b="0" lang="en-SG" sz="2000" spc="-1" strike="noStrike">
-              <a:latin typeface="Arial"/>
-            </a:endParaRPr>
-          </a:p>
-          <a:p>
-            <a:pPr marL="432000" indent="-321120">
+              <a:t>Single Responsibility Principle (SRP)</a:t>
+            </a:r>
+            <a:endParaRPr b="0" lang="en-SG" sz="2000" spc="-1" strike="noStrike">
+              <a:latin typeface="Arial"/>
+            </a:endParaRPr>
+          </a:p>
+          <a:p>
+            <a:pPr marL="432000" indent="-320760">
               <a:lnSpc>
                 <a:spcPct val="100000"/>
               </a:lnSpc>
@@ -8158,50 +8102,8 @@
                 <a:latin typeface="Noto Sans Regular"/>
                 <a:ea typeface="DejaVu Sans"/>
               </a:rPr>
-              <a:t>Blackboard system/Architecture</a:t>
-            </a:r>
-            <a:endParaRPr b="0" lang="en-SG" sz="2000" spc="-1" strike="noStrike">
-              <a:latin typeface="Arial"/>
-            </a:endParaRPr>
-          </a:p>
-          <a:p>
-            <a:pPr marL="432000" indent="-321120">
-              <a:lnSpc>
-                <a:spcPct val="100000"/>
-              </a:lnSpc>
-              <a:spcBef>
-                <a:spcPts val="1417"/>
-              </a:spcBef>
-              <a:buClr>
-                <a:srgbClr val="ef2929"/>
-              </a:buClr>
-              <a:buSzPct val="45000"/>
-              <a:buFont typeface="Wingdings" charset="2"/>
-              <a:buChar char=""/>
-            </a:pPr>
-            <a:r>
-              <a:rPr b="0" lang="en-SG" sz="2000" spc="-1" strike="noStrike">
-                <a:solidFill>
-                  <a:srgbClr val="333333"/>
-                </a:solidFill>
-                <a:latin typeface="Noto Sans Regular"/>
-                <a:ea typeface="DejaVu Sans"/>
-              </a:rPr>
-              <a:t>https://en.wikipedia.org/wiki/Blackboard_system</a:t>
-            </a:r>
-            <a:endParaRPr b="0" lang="en-SG" sz="2000" spc="-1" strike="noStrike">
-              <a:latin typeface="Arial"/>
-            </a:endParaRPr>
-          </a:p>
-          <a:p>
-            <a:pPr>
-              <a:lnSpc>
-                <a:spcPct val="100000"/>
-              </a:lnSpc>
-              <a:spcBef>
-                <a:spcPts val="1417"/>
-              </a:spcBef>
-            </a:pPr>
+              <a:t>A class should have only one reason to change. </a:t>
+            </a:r>
             <a:endParaRPr b="0" lang="en-SG" sz="2000" spc="-1" strike="noStrike">
               <a:latin typeface="Arial"/>
             </a:endParaRPr>
@@ -8234,55 +8136,29 @@
           </a:p>
         </p:txBody>
       </p:sp>
-      <p:sp>
-        <p:nvSpPr>
-          <p:cNvPr id="158" name="CustomShape 3"/>
-          <p:cNvSpPr/>
+      <p:pic>
+        <p:nvPicPr>
+          <p:cNvPr id="157" name="" descr=""/>
+          <p:cNvPicPr/>
           <p:nvPr/>
-        </p:nvSpPr>
-        <p:spPr>
-          <a:xfrm>
-            <a:off x="465480" y="7040880"/>
-            <a:ext cx="5749560" cy="343800"/>
-          </a:xfrm>
-          <a:prstGeom prst="rect">
-            <a:avLst/>
-          </a:prstGeom>
-          <a:noFill/>
+        </p:nvPicPr>
+        <p:blipFill>
+          <a:blip r:embed="rId1"/>
+          <a:stretch/>
+        </p:blipFill>
+        <p:spPr>
+          <a:xfrm>
+            <a:off x="1062360" y="3358440"/>
+            <a:ext cx="5155560" cy="3591000"/>
+          </a:xfrm>
+          <a:prstGeom prst="rect">
+            <a:avLst/>
+          </a:prstGeom>
           <a:ln>
             <a:noFill/>
           </a:ln>
         </p:spPr>
-        <p:style>
-          <a:lnRef idx="0"/>
-          <a:fillRef idx="0"/>
-          <a:effectRef idx="0"/>
-          <a:fontRef idx="minor"/>
-        </p:style>
-        <p:txBody>
-          <a:bodyPr lIns="90000" rIns="90000" tIns="45000" bIns="45000"/>
-          <a:p>
-            <a:pPr>
-              <a:lnSpc>
-                <a:spcPct val="100000"/>
-              </a:lnSpc>
-            </a:pPr>
-            <a:r>
-              <a:rPr b="0" lang="en-SG" sz="1300" spc="-1" strike="noStrike">
-                <a:solidFill>
-                  <a:srgbClr val="000000"/>
-                </a:solidFill>
-                <a:latin typeface="Arial"/>
-                <a:ea typeface="DejaVu Sans"/>
-              </a:rPr>
-              <a:t>https://www.geeksforgeeks.org/introduction-to-net-framework/</a:t>
-            </a:r>
-            <a:endParaRPr b="0" lang="en-SG" sz="1300" spc="-1" strike="noStrike">
-              <a:latin typeface="Arial"/>
-            </a:endParaRPr>
-          </a:p>
-        </p:txBody>
-      </p:sp>
+      </p:pic>
     </p:spTree>
   </p:cSld>
   <p:timing>
@@ -8292,6 +8168,621 @@
           <p:childTnLst>
             <p:seq>
               <p:cTn id="54" dur="indefinite" nodeType="mainSeq"/>
+              <p:prevCondLst>
+                <p:cond delay="0" evt="onPrev">
+                  <p:tgtEl>
+                    <p:sldTgt/>
+                  </p:tgtEl>
+                </p:cond>
+              </p:prevCondLst>
+              <p:nextCondLst>
+                <p:cond delay="0" evt="onNext">
+                  <p:tgtEl>
+                    <p:sldTgt/>
+                  </p:tgtEl>
+                </p:cond>
+              </p:nextCondLst>
+            </p:seq>
+          </p:childTnLst>
+        </p:cTn>
+      </p:par>
+    </p:tnLst>
+  </p:timing>
+</p:sld>
+</file>
+
+<file path=ppt/slides/slide28.xml><?xml version="1.0" encoding="utf-8"?>
+<p:sld xmlns:a="http://schemas.openxmlformats.org/drawingml/2006/main" xmlns:p="http://schemas.openxmlformats.org/presentationml/2006/main" xmlns:r="http://schemas.openxmlformats.org/officeDocument/2006/relationships" xmlns:p14="http://schemas.microsoft.com/office/powerpoint/2010/main" xmlns:p15="http://schemas.microsoft.com/office/powerpoint/2012/main" xmlns:mc="http://schemas.openxmlformats.org/markup-compatibility/2006">
+  <p:cSld>
+    <p:spTree>
+      <p:nvGrpSpPr>
+        <p:cNvPr id="1" name=""/>
+        <p:cNvGrpSpPr/>
+        <p:nvPr/>
+      </p:nvGrpSpPr>
+      <p:grpSpPr>
+        <a:xfrm>
+          <a:off x="0" y="0"/>
+          <a:ext cx="0" cy="0"/>
+          <a:chOff x="0" y="0"/>
+          <a:chExt cx="0" cy="0"/>
+        </a:xfrm>
+      </p:grpSpPr>
+      <p:sp>
+        <p:nvSpPr>
+          <p:cNvPr id="158" name="CustomShape 1"/>
+          <p:cNvSpPr/>
+          <p:nvPr/>
+        </p:nvSpPr>
+        <p:spPr>
+          <a:xfrm>
+            <a:off x="720000" y="300960"/>
+            <a:ext cx="8852400" cy="1259280"/>
+          </a:xfrm>
+          <a:prstGeom prst="rect">
+            <a:avLst/>
+          </a:prstGeom>
+          <a:noFill/>
+          <a:ln>
+            <a:noFill/>
+          </a:ln>
+        </p:spPr>
+        <p:style>
+          <a:lnRef idx="0"/>
+          <a:fillRef idx="0"/>
+          <a:effectRef idx="0"/>
+          <a:fontRef idx="minor"/>
+        </p:style>
+        <p:txBody>
+          <a:bodyPr lIns="0" rIns="0" tIns="0" bIns="0" anchor="ctr"/>
+          <a:p>
+            <a:pPr>
+              <a:lnSpc>
+                <a:spcPct val="100000"/>
+              </a:lnSpc>
+            </a:pPr>
+            <a:r>
+              <a:rPr b="1" lang="en-SG" sz="4400" spc="-1" strike="noStrike">
+                <a:solidFill>
+                  <a:srgbClr val="333333"/>
+                </a:solidFill>
+                <a:latin typeface="Noto Sans Regular"/>
+                <a:ea typeface="DejaVu Sans"/>
+              </a:rPr>
+              <a:t>SOLID</a:t>
+            </a:r>
+            <a:endParaRPr b="0" lang="en-SG" sz="4400" spc="-1" strike="noStrike">
+              <a:latin typeface="Arial"/>
+            </a:endParaRPr>
+          </a:p>
+        </p:txBody>
+      </p:sp>
+      <p:sp>
+        <p:nvSpPr>
+          <p:cNvPr id="159" name="CustomShape 2"/>
+          <p:cNvSpPr/>
+          <p:nvPr/>
+        </p:nvSpPr>
+        <p:spPr>
+          <a:xfrm>
+            <a:off x="720000" y="2160000"/>
+            <a:ext cx="8636760" cy="4381560"/>
+          </a:xfrm>
+          <a:prstGeom prst="rect">
+            <a:avLst/>
+          </a:prstGeom>
+          <a:noFill/>
+          <a:ln>
+            <a:noFill/>
+          </a:ln>
+        </p:spPr>
+        <p:style>
+          <a:lnRef idx="0"/>
+          <a:fillRef idx="0"/>
+          <a:effectRef idx="0"/>
+          <a:fontRef idx="minor"/>
+        </p:style>
+        <p:txBody>
+          <a:bodyPr lIns="0" rIns="0" tIns="0" bIns="0"/>
+          <a:p>
+            <a:pPr marL="432000" indent="-320760">
+              <a:lnSpc>
+                <a:spcPct val="100000"/>
+              </a:lnSpc>
+              <a:spcBef>
+                <a:spcPts val="1417"/>
+              </a:spcBef>
+              <a:buClr>
+                <a:srgbClr val="ef2929"/>
+              </a:buClr>
+              <a:buSzPct val="45000"/>
+              <a:buFont typeface="Wingdings" charset="2"/>
+              <a:buChar char=""/>
+            </a:pPr>
+            <a:r>
+              <a:rPr b="0" lang="en-SG" sz="2000" spc="-1" strike="noStrike">
+                <a:solidFill>
+                  <a:srgbClr val="333333"/>
+                </a:solidFill>
+                <a:latin typeface="Noto Sans Regular"/>
+                <a:ea typeface="DejaVu Sans"/>
+              </a:rPr>
+              <a:t>A </a:t>
+            </a:r>
+            <a:r>
+              <a:rPr b="0" lang="en-SG" sz="2000" spc="-1" strike="noStrike">
+                <a:solidFill>
+                  <a:srgbClr val="333333"/>
+                </a:solidFill>
+                <a:latin typeface="Noto Sans Regular"/>
+                <a:ea typeface="DejaVu Sans"/>
+              </a:rPr>
+              <a:t>Open-Close Principle</a:t>
+            </a:r>
+            <a:endParaRPr b="0" lang="en-SG" sz="2000" spc="-1" strike="noStrike">
+              <a:latin typeface="Arial"/>
+            </a:endParaRPr>
+          </a:p>
+          <a:p>
+            <a:pPr marL="432000" indent="-320760">
+              <a:lnSpc>
+                <a:spcPct val="100000"/>
+              </a:lnSpc>
+              <a:spcBef>
+                <a:spcPts val="1417"/>
+              </a:spcBef>
+              <a:buClr>
+                <a:srgbClr val="ef2929"/>
+              </a:buClr>
+              <a:buSzPct val="45000"/>
+              <a:buFont typeface="Wingdings" charset="2"/>
+              <a:buChar char=""/>
+            </a:pPr>
+            <a:r>
+              <a:rPr b="0" lang="en-SG" sz="2000" spc="-1" strike="noStrike">
+                <a:solidFill>
+                  <a:srgbClr val="333333"/>
+                </a:solidFill>
+                <a:latin typeface="Noto Sans Regular"/>
+                <a:ea typeface="DejaVu Sans"/>
+              </a:rPr>
+              <a:t>Software entities (classes, modules, functions etc) should be open for extension but closed for modification. </a:t>
+            </a:r>
+            <a:endParaRPr b="0" lang="en-SG" sz="2000" spc="-1" strike="noStrike">
+              <a:latin typeface="Arial"/>
+            </a:endParaRPr>
+          </a:p>
+          <a:p>
+            <a:pPr>
+              <a:lnSpc>
+                <a:spcPct val="100000"/>
+              </a:lnSpc>
+              <a:spcBef>
+                <a:spcPts val="1417"/>
+              </a:spcBef>
+            </a:pPr>
+            <a:endParaRPr b="0" lang="en-SG" sz="2000" spc="-1" strike="noStrike">
+              <a:latin typeface="Arial"/>
+            </a:endParaRPr>
+          </a:p>
+          <a:p>
+            <a:pPr>
+              <a:lnSpc>
+                <a:spcPct val="100000"/>
+              </a:lnSpc>
+              <a:spcAft>
+                <a:spcPts val="1414"/>
+              </a:spcAft>
+            </a:pPr>
+            <a:endParaRPr b="0" lang="en-SG" sz="2000" spc="-1" strike="noStrike">
+              <a:latin typeface="Arial"/>
+            </a:endParaRPr>
+          </a:p>
+        </p:txBody>
+      </p:sp>
+      <p:pic>
+        <p:nvPicPr>
+          <p:cNvPr id="160" name="" descr=""/>
+          <p:cNvPicPr/>
+          <p:nvPr/>
+        </p:nvPicPr>
+        <p:blipFill>
+          <a:blip r:embed="rId1"/>
+          <a:stretch/>
+        </p:blipFill>
+        <p:spPr>
+          <a:xfrm>
+            <a:off x="1097280" y="3621240"/>
+            <a:ext cx="4143240" cy="3419640"/>
+          </a:xfrm>
+          <a:prstGeom prst="rect">
+            <a:avLst/>
+          </a:prstGeom>
+          <a:ln>
+            <a:noFill/>
+          </a:ln>
+        </p:spPr>
+      </p:pic>
+      <p:sp>
+        <p:nvSpPr>
+          <p:cNvPr id="161" name="TextShape 3"/>
+          <p:cNvSpPr txBox="1"/>
+          <p:nvPr/>
+        </p:nvSpPr>
+        <p:spPr>
+          <a:xfrm>
+            <a:off x="5120640" y="3951360"/>
+            <a:ext cx="3108240" cy="346320"/>
+          </a:xfrm>
+          <a:prstGeom prst="rect">
+            <a:avLst/>
+          </a:prstGeom>
+          <a:noFill/>
+          <a:ln>
+            <a:noFill/>
+          </a:ln>
+        </p:spPr>
+        <p:txBody>
+          <a:bodyPr lIns="90000" rIns="90000" tIns="45000" bIns="45000"/>
+          <a:p>
+            <a:r>
+              <a:rPr b="0" lang="en-SG" sz="1800" spc="-1" strike="noStrike">
+                <a:latin typeface="Arial"/>
+              </a:rPr>
+              <a:t>Client is not open and closed</a:t>
+            </a:r>
+            <a:endParaRPr b="0" lang="en-SG" sz="1800" spc="-1" strike="noStrike">
+              <a:latin typeface="Arial"/>
+            </a:endParaRPr>
+          </a:p>
+        </p:txBody>
+      </p:sp>
+      <p:sp>
+        <p:nvSpPr>
+          <p:cNvPr id="162" name="TextShape 4"/>
+          <p:cNvSpPr txBox="1"/>
+          <p:nvPr/>
+        </p:nvSpPr>
+        <p:spPr>
+          <a:xfrm>
+            <a:off x="4114800" y="5140080"/>
+            <a:ext cx="3312720" cy="602280"/>
+          </a:xfrm>
+          <a:prstGeom prst="rect">
+            <a:avLst/>
+          </a:prstGeom>
+          <a:noFill/>
+          <a:ln>
+            <a:noFill/>
+          </a:ln>
+        </p:spPr>
+        <p:txBody>
+          <a:bodyPr lIns="90000" rIns="90000" tIns="45000" bIns="45000"/>
+          <a:p>
+            <a:r>
+              <a:rPr b="0" lang="en-SG" sz="1800" spc="-1" strike="noStrike">
+                <a:latin typeface="Arial"/>
+              </a:rPr>
+              <a:t>Template Method Pattern: </a:t>
+            </a:r>
+            <a:endParaRPr b="0" lang="en-SG" sz="1800" spc="-1" strike="noStrike">
+              <a:latin typeface="Arial"/>
+            </a:endParaRPr>
+          </a:p>
+          <a:p>
+            <a:r>
+              <a:rPr b="0" lang="en-SG" sz="1800" spc="-1" strike="noStrike">
+                <a:latin typeface="Arial"/>
+              </a:rPr>
+              <a:t>Base class is open and closed.</a:t>
+            </a:r>
+            <a:endParaRPr b="0" lang="en-SG" sz="1800" spc="-1" strike="noStrike">
+              <a:latin typeface="Arial"/>
+            </a:endParaRPr>
+          </a:p>
+        </p:txBody>
+      </p:sp>
+    </p:spTree>
+  </p:cSld>
+  <p:timing>
+    <p:tnLst>
+      <p:par>
+        <p:cTn id="55" dur="indefinite" restart="never" nodeType="tmRoot">
+          <p:childTnLst>
+            <p:seq>
+              <p:cTn id="56" dur="indefinite" nodeType="mainSeq"/>
+              <p:prevCondLst>
+                <p:cond delay="0" evt="onPrev">
+                  <p:tgtEl>
+                    <p:sldTgt/>
+                  </p:tgtEl>
+                </p:cond>
+              </p:prevCondLst>
+              <p:nextCondLst>
+                <p:cond delay="0" evt="onNext">
+                  <p:tgtEl>
+                    <p:sldTgt/>
+                  </p:tgtEl>
+                </p:cond>
+              </p:nextCondLst>
+            </p:seq>
+          </p:childTnLst>
+        </p:cTn>
+      </p:par>
+    </p:tnLst>
+  </p:timing>
+</p:sld>
+</file>
+
+<file path=ppt/slides/slide29.xml><?xml version="1.0" encoding="utf-8"?>
+<p:sld xmlns:a="http://schemas.openxmlformats.org/drawingml/2006/main" xmlns:p="http://schemas.openxmlformats.org/presentationml/2006/main" xmlns:r="http://schemas.openxmlformats.org/officeDocument/2006/relationships" xmlns:p14="http://schemas.microsoft.com/office/powerpoint/2010/main" xmlns:p15="http://schemas.microsoft.com/office/powerpoint/2012/main" xmlns:mc="http://schemas.openxmlformats.org/markup-compatibility/2006">
+  <p:cSld>
+    <p:spTree>
+      <p:nvGrpSpPr>
+        <p:cNvPr id="1" name=""/>
+        <p:cNvGrpSpPr/>
+        <p:nvPr/>
+      </p:nvGrpSpPr>
+      <p:grpSpPr>
+        <a:xfrm>
+          <a:off x="0" y="0"/>
+          <a:ext cx="0" cy="0"/>
+          <a:chOff x="0" y="0"/>
+          <a:chExt cx="0" cy="0"/>
+        </a:xfrm>
+      </p:grpSpPr>
+      <p:sp>
+        <p:nvSpPr>
+          <p:cNvPr id="163" name="CustomShape 1"/>
+          <p:cNvSpPr/>
+          <p:nvPr/>
+        </p:nvSpPr>
+        <p:spPr>
+          <a:xfrm>
+            <a:off x="720000" y="300960"/>
+            <a:ext cx="8852400" cy="1259280"/>
+          </a:xfrm>
+          <a:prstGeom prst="rect">
+            <a:avLst/>
+          </a:prstGeom>
+          <a:noFill/>
+          <a:ln>
+            <a:noFill/>
+          </a:ln>
+        </p:spPr>
+        <p:style>
+          <a:lnRef idx="0"/>
+          <a:fillRef idx="0"/>
+          <a:effectRef idx="0"/>
+          <a:fontRef idx="minor"/>
+        </p:style>
+        <p:txBody>
+          <a:bodyPr lIns="0" rIns="0" tIns="0" bIns="0" anchor="ctr"/>
+          <a:p>
+            <a:pPr>
+              <a:lnSpc>
+                <a:spcPct val="100000"/>
+              </a:lnSpc>
+            </a:pPr>
+            <a:r>
+              <a:rPr b="1" lang="en-SG" sz="4400" spc="-1" strike="noStrike">
+                <a:solidFill>
+                  <a:srgbClr val="333333"/>
+                </a:solidFill>
+                <a:latin typeface="Noto Sans Regular"/>
+                <a:ea typeface="DejaVu Sans"/>
+              </a:rPr>
+              <a:t>SOLID</a:t>
+            </a:r>
+            <a:endParaRPr b="0" lang="en-SG" sz="4400" spc="-1" strike="noStrike">
+              <a:latin typeface="Arial"/>
+            </a:endParaRPr>
+          </a:p>
+        </p:txBody>
+      </p:sp>
+      <p:sp>
+        <p:nvSpPr>
+          <p:cNvPr id="164" name="CustomShape 2"/>
+          <p:cNvSpPr/>
+          <p:nvPr/>
+        </p:nvSpPr>
+        <p:spPr>
+          <a:xfrm>
+            <a:off x="720000" y="2160000"/>
+            <a:ext cx="5406480" cy="4381560"/>
+          </a:xfrm>
+          <a:prstGeom prst="rect">
+            <a:avLst/>
+          </a:prstGeom>
+          <a:noFill/>
+          <a:ln>
+            <a:noFill/>
+          </a:ln>
+        </p:spPr>
+        <p:style>
+          <a:lnRef idx="0"/>
+          <a:fillRef idx="0"/>
+          <a:effectRef idx="0"/>
+          <a:fontRef idx="minor"/>
+        </p:style>
+        <p:txBody>
+          <a:bodyPr lIns="0" rIns="0" tIns="0" bIns="0"/>
+          <a:p>
+            <a:pPr marL="432000" indent="-320760">
+              <a:lnSpc>
+                <a:spcPct val="100000"/>
+              </a:lnSpc>
+              <a:spcBef>
+                <a:spcPts val="1417"/>
+              </a:spcBef>
+              <a:buClr>
+                <a:srgbClr val="ef2929"/>
+              </a:buClr>
+              <a:buSzPct val="45000"/>
+              <a:buFont typeface="Wingdings" charset="2"/>
+              <a:buChar char=""/>
+            </a:pPr>
+            <a:r>
+              <a:rPr b="0" lang="en-SG" sz="2000" spc="-1" strike="noStrike">
+                <a:solidFill>
+                  <a:srgbClr val="333333"/>
+                </a:solidFill>
+                <a:latin typeface="Noto Sans Regular"/>
+                <a:ea typeface="DejaVu Sans"/>
+              </a:rPr>
+              <a:t>Liskov Substitution Principle</a:t>
+            </a:r>
+            <a:endParaRPr b="0" lang="en-SG" sz="2000" spc="-1" strike="noStrike">
+              <a:latin typeface="Arial"/>
+            </a:endParaRPr>
+          </a:p>
+          <a:p>
+            <a:pPr marL="432000" indent="-320760">
+              <a:lnSpc>
+                <a:spcPct val="100000"/>
+              </a:lnSpc>
+              <a:spcBef>
+                <a:spcPts val="1417"/>
+              </a:spcBef>
+              <a:buClr>
+                <a:srgbClr val="ef2929"/>
+              </a:buClr>
+              <a:buSzPct val="45000"/>
+              <a:buFont typeface="Wingdings" charset="2"/>
+              <a:buChar char=""/>
+            </a:pPr>
+            <a:r>
+              <a:rPr b="0" lang="en-SG" sz="2000" spc="-1" strike="noStrike">
+                <a:solidFill>
+                  <a:srgbClr val="333333"/>
+                </a:solidFill>
+                <a:latin typeface="Noto Sans Regular"/>
+                <a:ea typeface="DejaVu Sans"/>
+              </a:rPr>
+              <a:t>Subtypes must be substitutable for their base types</a:t>
+            </a:r>
+            <a:endParaRPr b="0" lang="en-SG" sz="2000" spc="-1" strike="noStrike">
+              <a:latin typeface="Arial"/>
+            </a:endParaRPr>
+          </a:p>
+          <a:p>
+            <a:pPr marL="432000" indent="-320760">
+              <a:lnSpc>
+                <a:spcPct val="100000"/>
+              </a:lnSpc>
+              <a:spcBef>
+                <a:spcPts val="1417"/>
+              </a:spcBef>
+              <a:buClr>
+                <a:srgbClr val="ef2929"/>
+              </a:buClr>
+              <a:buSzPct val="45000"/>
+              <a:buFont typeface="Wingdings" charset="2"/>
+              <a:buChar char=""/>
+            </a:pPr>
+            <a:r>
+              <a:rPr b="0" lang="en-SG" sz="2000" spc="-1" strike="noStrike">
+                <a:solidFill>
+                  <a:srgbClr val="333333"/>
+                </a:solidFill>
+                <a:latin typeface="Noto Sans Regular"/>
+                <a:ea typeface="DejaVu Sans"/>
+              </a:rPr>
+              <a:t>Violation often results in the use of Run-Time Type Information</a:t>
+            </a:r>
+            <a:endParaRPr b="0" lang="en-SG" sz="2000" spc="-1" strike="noStrike">
+              <a:latin typeface="Arial"/>
+            </a:endParaRPr>
+          </a:p>
+          <a:p>
+            <a:pPr marL="432000" indent="-320760">
+              <a:lnSpc>
+                <a:spcPct val="100000"/>
+              </a:lnSpc>
+              <a:spcBef>
+                <a:spcPts val="1417"/>
+              </a:spcBef>
+              <a:buClr>
+                <a:srgbClr val="ef2929"/>
+              </a:buClr>
+              <a:buSzPct val="45000"/>
+              <a:buFont typeface="Wingdings" charset="2"/>
+              <a:buChar char=""/>
+            </a:pPr>
+            <a:r>
+              <a:rPr b="0" lang="en-SG" sz="2000" spc="-1" strike="noStrike">
+                <a:solidFill>
+                  <a:srgbClr val="333333"/>
+                </a:solidFill>
+                <a:latin typeface="Noto Sans Regular"/>
+                <a:ea typeface="DejaVu Sans"/>
+              </a:rPr>
+              <a:t>if/else used to determine type of object and behaviour</a:t>
+            </a:r>
+            <a:endParaRPr b="0" lang="en-SG" sz="2000" spc="-1" strike="noStrike">
+              <a:latin typeface="Arial"/>
+            </a:endParaRPr>
+          </a:p>
+          <a:p>
+            <a:pPr>
+              <a:lnSpc>
+                <a:spcPct val="100000"/>
+              </a:lnSpc>
+              <a:spcBef>
+                <a:spcPts val="1417"/>
+              </a:spcBef>
+            </a:pPr>
+            <a:endParaRPr b="0" lang="en-SG" sz="2000" spc="-1" strike="noStrike">
+              <a:latin typeface="Arial"/>
+            </a:endParaRPr>
+          </a:p>
+          <a:p>
+            <a:pPr>
+              <a:lnSpc>
+                <a:spcPct val="100000"/>
+              </a:lnSpc>
+              <a:spcAft>
+                <a:spcPts val="1414"/>
+              </a:spcAft>
+            </a:pPr>
+            <a:endParaRPr b="0" lang="en-SG" sz="2000" spc="-1" strike="noStrike">
+              <a:latin typeface="Arial"/>
+            </a:endParaRPr>
+          </a:p>
+        </p:txBody>
+      </p:sp>
+      <p:pic>
+        <p:nvPicPr>
+          <p:cNvPr id="165" name="" descr=""/>
+          <p:cNvPicPr/>
+          <p:nvPr/>
+        </p:nvPicPr>
+        <p:blipFill>
+          <a:blip r:embed="rId1"/>
+          <a:stretch/>
+        </p:blipFill>
+        <p:spPr>
+          <a:xfrm>
+            <a:off x="6949440" y="2341080"/>
+            <a:ext cx="2162160" cy="3876840"/>
+          </a:xfrm>
+          <a:prstGeom prst="rect">
+            <a:avLst/>
+          </a:prstGeom>
+          <a:ln>
+            <a:noFill/>
+          </a:ln>
+        </p:spPr>
+      </p:pic>
+    </p:spTree>
+  </p:cSld>
+  <p:timing>
+    <p:tnLst>
+      <p:par>
+        <p:cTn id="57" dur="indefinite" restart="never" nodeType="tmRoot">
+          <p:childTnLst>
+            <p:seq>
+              <p:cTn id="58" dur="indefinite" nodeType="mainSeq"/>
               <p:prevCondLst>
                 <p:cond delay="0" evt="onPrev">
                   <p:tgtEl>
@@ -8341,7 +8832,7 @@
         <p:spPr>
           <a:xfrm>
             <a:off x="720000" y="300960"/>
-            <a:ext cx="8852760" cy="1259640"/>
+            <a:ext cx="8852400" cy="1259280"/>
           </a:xfrm>
           <a:prstGeom prst="rect">
             <a:avLst/>
@@ -8390,7 +8881,7 @@
         <p:spPr>
           <a:xfrm>
             <a:off x="720000" y="2160000"/>
-            <a:ext cx="8637120" cy="4381920"/>
+            <a:ext cx="8636760" cy="4381560"/>
           </a:xfrm>
           <a:prstGeom prst="rect">
             <a:avLst/>
@@ -8409,7 +8900,7 @@
         <p:txBody>
           <a:bodyPr lIns="0" rIns="0" tIns="0" bIns="0"/>
           <a:p>
-            <a:pPr marL="432000" indent="-321120">
+            <a:pPr marL="432000" indent="-320760">
               <a:lnSpc>
                 <a:spcPct val="100000"/>
               </a:lnSpc>
@@ -8438,7 +8929,7 @@
             </a:endParaRPr>
           </a:p>
           <a:p>
-            <a:pPr marL="432000" indent="-321120">
+            <a:pPr marL="432000" indent="-320760">
               <a:lnSpc>
                 <a:spcPct val="100000"/>
               </a:lnSpc>
@@ -8467,7 +8958,7 @@
             </a:endParaRPr>
           </a:p>
           <a:p>
-            <a:pPr marL="432000" indent="-321120">
+            <a:pPr marL="432000" indent="-320760">
               <a:lnSpc>
                 <a:spcPct val="100000"/>
               </a:lnSpc>
@@ -8496,7 +8987,7 @@
             </a:endParaRPr>
           </a:p>
           <a:p>
-            <a:pPr marL="432000" indent="-321120">
+            <a:pPr marL="432000" indent="-320760">
               <a:lnSpc>
                 <a:spcPct val="100000"/>
               </a:lnSpc>
@@ -8525,7 +9016,7 @@
             </a:endParaRPr>
           </a:p>
           <a:p>
-            <a:pPr marL="432000" indent="-321120">
+            <a:pPr marL="432000" indent="-320760">
               <a:lnSpc>
                 <a:spcPct val="100000"/>
               </a:lnSpc>
@@ -8554,7 +9045,7 @@
             </a:endParaRPr>
           </a:p>
           <a:p>
-            <a:pPr lvl="1" marL="432000" indent="-216000">
+            <a:pPr lvl="1" marL="432000" indent="-215640">
               <a:lnSpc>
                 <a:spcPct val="100000"/>
               </a:lnSpc>
@@ -8583,7 +9074,7 @@
             </a:endParaRPr>
           </a:p>
           <a:p>
-            <a:pPr lvl="1" marL="432000" indent="-216000">
+            <a:pPr lvl="1" marL="432000" indent="-215640">
               <a:lnSpc>
                 <a:spcPct val="100000"/>
               </a:lnSpc>
@@ -8612,7 +9103,7 @@
             </a:endParaRPr>
           </a:p>
           <a:p>
-            <a:pPr lvl="1" marL="432000" indent="-216000">
+            <a:pPr lvl="1" marL="432000" indent="-215640">
               <a:lnSpc>
                 <a:spcPct val="100000"/>
               </a:lnSpc>
@@ -8690,7 +9181,7 @@
         <p:spPr>
           <a:xfrm>
             <a:off x="465480" y="7040880"/>
-            <a:ext cx="5749560" cy="343800"/>
+            <a:ext cx="5749200" cy="343440"/>
           </a:xfrm>
           <a:prstGeom prst="rect">
             <a:avLst/>
@@ -8716,6 +9207,930 @@
           <p:childTnLst>
             <p:seq>
               <p:cTn id="6" dur="indefinite" nodeType="mainSeq"/>
+              <p:prevCondLst>
+                <p:cond delay="0" evt="onPrev">
+                  <p:tgtEl>
+                    <p:sldTgt/>
+                  </p:tgtEl>
+                </p:cond>
+              </p:prevCondLst>
+              <p:nextCondLst>
+                <p:cond delay="0" evt="onNext">
+                  <p:tgtEl>
+                    <p:sldTgt/>
+                  </p:tgtEl>
+                </p:cond>
+              </p:nextCondLst>
+            </p:seq>
+          </p:childTnLst>
+        </p:cTn>
+      </p:par>
+    </p:tnLst>
+  </p:timing>
+</p:sld>
+</file>
+
+<file path=ppt/slides/slide30.xml><?xml version="1.0" encoding="utf-8"?>
+<p:sld xmlns:a="http://schemas.openxmlformats.org/drawingml/2006/main" xmlns:p="http://schemas.openxmlformats.org/presentationml/2006/main" xmlns:r="http://schemas.openxmlformats.org/officeDocument/2006/relationships" xmlns:p14="http://schemas.microsoft.com/office/powerpoint/2010/main" xmlns:p15="http://schemas.microsoft.com/office/powerpoint/2012/main" xmlns:mc="http://schemas.openxmlformats.org/markup-compatibility/2006">
+  <p:cSld>
+    <p:spTree>
+      <p:nvGrpSpPr>
+        <p:cNvPr id="1" name=""/>
+        <p:cNvGrpSpPr/>
+        <p:nvPr/>
+      </p:nvGrpSpPr>
+      <p:grpSpPr>
+        <a:xfrm>
+          <a:off x="0" y="0"/>
+          <a:ext cx="0" cy="0"/>
+          <a:chOff x="0" y="0"/>
+          <a:chExt cx="0" cy="0"/>
+        </a:xfrm>
+      </p:grpSpPr>
+      <p:sp>
+        <p:nvSpPr>
+          <p:cNvPr id="166" name="CustomShape 1"/>
+          <p:cNvSpPr/>
+          <p:nvPr/>
+        </p:nvSpPr>
+        <p:spPr>
+          <a:xfrm>
+            <a:off x="720000" y="300960"/>
+            <a:ext cx="8852400" cy="1259280"/>
+          </a:xfrm>
+          <a:prstGeom prst="rect">
+            <a:avLst/>
+          </a:prstGeom>
+          <a:noFill/>
+          <a:ln>
+            <a:noFill/>
+          </a:ln>
+        </p:spPr>
+        <p:style>
+          <a:lnRef idx="0"/>
+          <a:fillRef idx="0"/>
+          <a:effectRef idx="0"/>
+          <a:fontRef idx="minor"/>
+        </p:style>
+        <p:txBody>
+          <a:bodyPr lIns="0" rIns="0" tIns="0" bIns="0" anchor="ctr"/>
+          <a:p>
+            <a:pPr>
+              <a:lnSpc>
+                <a:spcPct val="100000"/>
+              </a:lnSpc>
+            </a:pPr>
+            <a:r>
+              <a:rPr b="1" lang="en-SG" sz="4400" spc="-1" strike="noStrike">
+                <a:solidFill>
+                  <a:srgbClr val="333333"/>
+                </a:solidFill>
+                <a:latin typeface="Noto Sans Regular"/>
+                <a:ea typeface="DejaVu Sans"/>
+              </a:rPr>
+              <a:t>SOLID</a:t>
+            </a:r>
+            <a:endParaRPr b="0" lang="en-SG" sz="4400" spc="-1" strike="noStrike">
+              <a:latin typeface="Arial"/>
+            </a:endParaRPr>
+          </a:p>
+        </p:txBody>
+      </p:sp>
+      <p:sp>
+        <p:nvSpPr>
+          <p:cNvPr id="167" name="CustomShape 2"/>
+          <p:cNvSpPr/>
+          <p:nvPr/>
+        </p:nvSpPr>
+        <p:spPr>
+          <a:xfrm>
+            <a:off x="720000" y="2160000"/>
+            <a:ext cx="8636760" cy="4381560"/>
+          </a:xfrm>
+          <a:prstGeom prst="rect">
+            <a:avLst/>
+          </a:prstGeom>
+          <a:noFill/>
+          <a:ln>
+            <a:noFill/>
+          </a:ln>
+        </p:spPr>
+        <p:style>
+          <a:lnRef idx="0"/>
+          <a:fillRef idx="0"/>
+          <a:effectRef idx="0"/>
+          <a:fontRef idx="minor"/>
+        </p:style>
+        <p:txBody>
+          <a:bodyPr lIns="0" rIns="0" tIns="0" bIns="0"/>
+          <a:p>
+            <a:pPr marL="432000" indent="-320760">
+              <a:lnSpc>
+                <a:spcPct val="100000"/>
+              </a:lnSpc>
+              <a:spcBef>
+                <a:spcPts val="1417"/>
+              </a:spcBef>
+              <a:buClr>
+                <a:srgbClr val="ef2929"/>
+              </a:buClr>
+              <a:buSzPct val="45000"/>
+              <a:buFont typeface="Wingdings" charset="2"/>
+              <a:buChar char=""/>
+            </a:pPr>
+            <a:r>
+              <a:rPr b="0" lang="en-SG" sz="2000" spc="-1" strike="noStrike">
+                <a:solidFill>
+                  <a:srgbClr val="333333"/>
+                </a:solidFill>
+                <a:latin typeface="Noto Sans Regular"/>
+                <a:ea typeface="DejaVu Sans"/>
+              </a:rPr>
+              <a:t>Interface Segregaton Principle</a:t>
+            </a:r>
+            <a:endParaRPr b="0" lang="en-SG" sz="2000" spc="-1" strike="noStrike">
+              <a:latin typeface="Arial"/>
+            </a:endParaRPr>
+          </a:p>
+          <a:p>
+            <a:pPr marL="432000" indent="-320760">
+              <a:lnSpc>
+                <a:spcPct val="100000"/>
+              </a:lnSpc>
+              <a:spcBef>
+                <a:spcPts val="1417"/>
+              </a:spcBef>
+              <a:buClr>
+                <a:srgbClr val="ef2929"/>
+              </a:buClr>
+              <a:buSzPct val="45000"/>
+              <a:buFont typeface="Wingdings" charset="2"/>
+              <a:buChar char=""/>
+            </a:pPr>
+            <a:r>
+              <a:rPr b="0" lang="en-SG" sz="2000" spc="-1" strike="noStrike">
+                <a:solidFill>
+                  <a:srgbClr val="333333"/>
+                </a:solidFill>
+                <a:latin typeface="Noto Sans Regular"/>
+                <a:ea typeface="DejaVu Sans"/>
+              </a:rPr>
+              <a:t>Disadvantages of “fat” interfaces – classes whose interfaces are not cohesive.</a:t>
+            </a:r>
+            <a:endParaRPr b="0" lang="en-SG" sz="2000" spc="-1" strike="noStrike">
+              <a:latin typeface="Arial"/>
+            </a:endParaRPr>
+          </a:p>
+          <a:p>
+            <a:pPr marL="432000" indent="-320760">
+              <a:lnSpc>
+                <a:spcPct val="100000"/>
+              </a:lnSpc>
+              <a:spcBef>
+                <a:spcPts val="1417"/>
+              </a:spcBef>
+              <a:buClr>
+                <a:srgbClr val="ef2929"/>
+              </a:buClr>
+              <a:buSzPct val="45000"/>
+              <a:buFont typeface="Wingdings" charset="2"/>
+              <a:buChar char=""/>
+            </a:pPr>
+            <a:r>
+              <a:rPr b="0" lang="en-SG" sz="2000" spc="-1" strike="noStrike">
+                <a:solidFill>
+                  <a:srgbClr val="333333"/>
+                </a:solidFill>
+                <a:latin typeface="Noto Sans Regular"/>
+                <a:ea typeface="DejaVu Sans"/>
+              </a:rPr>
+              <a:t>Interfaces of the class can be broke up into groups of methods.</a:t>
+            </a:r>
+            <a:endParaRPr b="0" lang="en-SG" sz="2000" spc="-1" strike="noStrike">
+              <a:latin typeface="Arial"/>
+            </a:endParaRPr>
+          </a:p>
+          <a:p>
+            <a:pPr>
+              <a:lnSpc>
+                <a:spcPct val="100000"/>
+              </a:lnSpc>
+              <a:spcBef>
+                <a:spcPts val="1417"/>
+              </a:spcBef>
+            </a:pPr>
+            <a:endParaRPr b="0" lang="en-SG" sz="2000" spc="-1" strike="noStrike">
+              <a:latin typeface="Arial"/>
+            </a:endParaRPr>
+          </a:p>
+          <a:p>
+            <a:pPr>
+              <a:lnSpc>
+                <a:spcPct val="100000"/>
+              </a:lnSpc>
+              <a:spcAft>
+                <a:spcPts val="1414"/>
+              </a:spcAft>
+            </a:pPr>
+            <a:endParaRPr b="0" lang="en-SG" sz="2000" spc="-1" strike="noStrike">
+              <a:latin typeface="Arial"/>
+            </a:endParaRPr>
+          </a:p>
+        </p:txBody>
+      </p:sp>
+    </p:spTree>
+  </p:cSld>
+  <p:timing>
+    <p:tnLst>
+      <p:par>
+        <p:cTn id="59" dur="indefinite" restart="never" nodeType="tmRoot">
+          <p:childTnLst>
+            <p:seq>
+              <p:cTn id="60" dur="indefinite" nodeType="mainSeq"/>
+              <p:prevCondLst>
+                <p:cond delay="0" evt="onPrev">
+                  <p:tgtEl>
+                    <p:sldTgt/>
+                  </p:tgtEl>
+                </p:cond>
+              </p:prevCondLst>
+              <p:nextCondLst>
+                <p:cond delay="0" evt="onNext">
+                  <p:tgtEl>
+                    <p:sldTgt/>
+                  </p:tgtEl>
+                </p:cond>
+              </p:nextCondLst>
+            </p:seq>
+          </p:childTnLst>
+        </p:cTn>
+      </p:par>
+    </p:tnLst>
+  </p:timing>
+</p:sld>
+</file>
+
+<file path=ppt/slides/slide31.xml><?xml version="1.0" encoding="utf-8"?>
+<p:sld xmlns:a="http://schemas.openxmlformats.org/drawingml/2006/main" xmlns:p="http://schemas.openxmlformats.org/presentationml/2006/main" xmlns:r="http://schemas.openxmlformats.org/officeDocument/2006/relationships" xmlns:p14="http://schemas.microsoft.com/office/powerpoint/2010/main" xmlns:p15="http://schemas.microsoft.com/office/powerpoint/2012/main" xmlns:mc="http://schemas.openxmlformats.org/markup-compatibility/2006">
+  <p:cSld>
+    <p:spTree>
+      <p:nvGrpSpPr>
+        <p:cNvPr id="1" name=""/>
+        <p:cNvGrpSpPr/>
+        <p:nvPr/>
+      </p:nvGrpSpPr>
+      <p:grpSpPr>
+        <a:xfrm>
+          <a:off x="0" y="0"/>
+          <a:ext cx="0" cy="0"/>
+          <a:chOff x="0" y="0"/>
+          <a:chExt cx="0" cy="0"/>
+        </a:xfrm>
+      </p:grpSpPr>
+      <p:sp>
+        <p:nvSpPr>
+          <p:cNvPr id="168" name="CustomShape 1"/>
+          <p:cNvSpPr/>
+          <p:nvPr/>
+        </p:nvSpPr>
+        <p:spPr>
+          <a:xfrm>
+            <a:off x="720000" y="300960"/>
+            <a:ext cx="8852400" cy="1259280"/>
+          </a:xfrm>
+          <a:prstGeom prst="rect">
+            <a:avLst/>
+          </a:prstGeom>
+          <a:noFill/>
+          <a:ln>
+            <a:noFill/>
+          </a:ln>
+        </p:spPr>
+        <p:style>
+          <a:lnRef idx="0"/>
+          <a:fillRef idx="0"/>
+          <a:effectRef idx="0"/>
+          <a:fontRef idx="minor"/>
+        </p:style>
+        <p:txBody>
+          <a:bodyPr lIns="0" rIns="0" tIns="0" bIns="0" anchor="ctr"/>
+          <a:p>
+            <a:pPr>
+              <a:lnSpc>
+                <a:spcPct val="100000"/>
+              </a:lnSpc>
+            </a:pPr>
+            <a:r>
+              <a:rPr b="1" lang="en-SG" sz="4400" spc="-1" strike="noStrike">
+                <a:solidFill>
+                  <a:srgbClr val="333333"/>
+                </a:solidFill>
+                <a:latin typeface="Noto Sans Regular"/>
+                <a:ea typeface="DejaVu Sans"/>
+              </a:rPr>
+              <a:t>SOLID</a:t>
+            </a:r>
+            <a:endParaRPr b="0" lang="en-SG" sz="4400" spc="-1" strike="noStrike">
+              <a:latin typeface="Arial"/>
+            </a:endParaRPr>
+          </a:p>
+        </p:txBody>
+      </p:sp>
+      <p:sp>
+        <p:nvSpPr>
+          <p:cNvPr id="169" name="CustomShape 2"/>
+          <p:cNvSpPr/>
+          <p:nvPr/>
+        </p:nvSpPr>
+        <p:spPr>
+          <a:xfrm>
+            <a:off x="720000" y="2160000"/>
+            <a:ext cx="8636760" cy="4381560"/>
+          </a:xfrm>
+          <a:prstGeom prst="rect">
+            <a:avLst/>
+          </a:prstGeom>
+          <a:noFill/>
+          <a:ln>
+            <a:noFill/>
+          </a:ln>
+        </p:spPr>
+        <p:style>
+          <a:lnRef idx="0"/>
+          <a:fillRef idx="0"/>
+          <a:effectRef idx="0"/>
+          <a:fontRef idx="minor"/>
+        </p:style>
+        <p:txBody>
+          <a:bodyPr lIns="0" rIns="0" tIns="0" bIns="0"/>
+          <a:p>
+            <a:pPr marL="432000" indent="-320760">
+              <a:lnSpc>
+                <a:spcPct val="100000"/>
+              </a:lnSpc>
+              <a:spcBef>
+                <a:spcPts val="1417"/>
+              </a:spcBef>
+              <a:buClr>
+                <a:srgbClr val="ef2929"/>
+              </a:buClr>
+              <a:buSzPct val="45000"/>
+              <a:buFont typeface="Wingdings" charset="2"/>
+              <a:buChar char=""/>
+            </a:pPr>
+            <a:r>
+              <a:rPr b="0" lang="en-SG" sz="2000" spc="-1" strike="noStrike">
+                <a:solidFill>
+                  <a:srgbClr val="333333"/>
+                </a:solidFill>
+                <a:latin typeface="Noto Sans Regular"/>
+                <a:ea typeface="DejaVu Sans"/>
+              </a:rPr>
+              <a:t>Dependency Injection Principle</a:t>
+            </a:r>
+            <a:endParaRPr b="0" lang="en-SG" sz="2000" spc="-1" strike="noStrike">
+              <a:latin typeface="Arial"/>
+            </a:endParaRPr>
+          </a:p>
+          <a:p>
+            <a:pPr marL="432000" indent="-320760">
+              <a:lnSpc>
+                <a:spcPct val="100000"/>
+              </a:lnSpc>
+              <a:spcBef>
+                <a:spcPts val="1417"/>
+              </a:spcBef>
+              <a:buClr>
+                <a:srgbClr val="ef2929"/>
+              </a:buClr>
+              <a:buSzPct val="45000"/>
+              <a:buFont typeface="Wingdings" charset="2"/>
+              <a:buChar char=""/>
+            </a:pPr>
+            <a:r>
+              <a:rPr b="0" lang="en-SG" sz="2000" spc="-1" strike="noStrike">
+                <a:solidFill>
+                  <a:srgbClr val="333333"/>
+                </a:solidFill>
+                <a:latin typeface="Noto Sans Regular"/>
+                <a:ea typeface="DejaVu Sans"/>
+              </a:rPr>
+              <a:t>High-level modules should not depend on low-level modules. Both should depend on abstractions.</a:t>
+            </a:r>
+            <a:endParaRPr b="0" lang="en-SG" sz="2000" spc="-1" strike="noStrike">
+              <a:latin typeface="Arial"/>
+            </a:endParaRPr>
+          </a:p>
+          <a:p>
+            <a:pPr marL="432000" indent="-320760">
+              <a:lnSpc>
+                <a:spcPct val="100000"/>
+              </a:lnSpc>
+              <a:spcBef>
+                <a:spcPts val="1417"/>
+              </a:spcBef>
+              <a:buClr>
+                <a:srgbClr val="ef2929"/>
+              </a:buClr>
+              <a:buSzPct val="45000"/>
+              <a:buFont typeface="Wingdings" charset="2"/>
+              <a:buChar char=""/>
+            </a:pPr>
+            <a:r>
+              <a:rPr b="0" lang="en-SG" sz="2000" spc="-1" strike="noStrike">
+                <a:solidFill>
+                  <a:srgbClr val="333333"/>
+                </a:solidFill>
+                <a:latin typeface="Noto Sans Regular"/>
+                <a:ea typeface="DejaVu Sans"/>
+              </a:rPr>
+              <a:t>Abstractions should not depend on details. Details should depend on abstractions.</a:t>
+            </a:r>
+            <a:endParaRPr b="0" lang="en-SG" sz="2000" spc="-1" strike="noStrike">
+              <a:latin typeface="Arial"/>
+            </a:endParaRPr>
+          </a:p>
+          <a:p>
+            <a:pPr marL="432000" indent="-320760">
+              <a:lnSpc>
+                <a:spcPct val="100000"/>
+              </a:lnSpc>
+              <a:spcBef>
+                <a:spcPts val="1417"/>
+              </a:spcBef>
+              <a:buClr>
+                <a:srgbClr val="ef2929"/>
+              </a:buClr>
+              <a:buSzPct val="45000"/>
+              <a:buFont typeface="Wingdings" charset="2"/>
+              <a:buChar char=""/>
+            </a:pPr>
+            <a:r>
+              <a:rPr b="0" lang="en-SG" sz="2000" spc="-1" strike="noStrike">
+                <a:solidFill>
+                  <a:srgbClr val="333333"/>
+                </a:solidFill>
+                <a:latin typeface="Noto Sans Regular"/>
+                <a:ea typeface="DejaVu Sans"/>
+              </a:rPr>
+              <a:t>Naively:</a:t>
+            </a:r>
+            <a:endParaRPr b="0" lang="en-SG" sz="2000" spc="-1" strike="noStrike">
+              <a:latin typeface="Arial"/>
+            </a:endParaRPr>
+          </a:p>
+          <a:p>
+            <a:pPr lvl="1" marL="432000" indent="-214920">
+              <a:lnSpc>
+                <a:spcPct val="100000"/>
+              </a:lnSpc>
+              <a:spcBef>
+                <a:spcPts val="1417"/>
+              </a:spcBef>
+              <a:buClr>
+                <a:srgbClr val="000000"/>
+              </a:buClr>
+              <a:buSzPct val="45000"/>
+              <a:buFont typeface="Wingdings" charset="2"/>
+              <a:buChar char=""/>
+            </a:pPr>
+            <a:r>
+              <a:rPr b="0" lang="en-SG" sz="2000" spc="-1" strike="noStrike">
+                <a:solidFill>
+                  <a:srgbClr val="333333"/>
+                </a:solidFill>
+                <a:latin typeface="Noto Sans Regular"/>
+                <a:ea typeface="DejaVu Sans"/>
+              </a:rPr>
+              <a:t>No variable should hold a reference to a concrete class.</a:t>
+            </a:r>
+            <a:endParaRPr b="0" lang="en-SG" sz="2000" spc="-1" strike="noStrike">
+              <a:latin typeface="Arial"/>
+            </a:endParaRPr>
+          </a:p>
+          <a:p>
+            <a:pPr lvl="1" marL="432000" indent="-214920">
+              <a:lnSpc>
+                <a:spcPct val="100000"/>
+              </a:lnSpc>
+              <a:spcBef>
+                <a:spcPts val="1417"/>
+              </a:spcBef>
+              <a:buClr>
+                <a:srgbClr val="000000"/>
+              </a:buClr>
+              <a:buSzPct val="45000"/>
+              <a:buFont typeface="Wingdings" charset="2"/>
+              <a:buChar char=""/>
+            </a:pPr>
+            <a:r>
+              <a:rPr b="0" lang="en-SG" sz="2000" spc="-1" strike="noStrike">
+                <a:solidFill>
+                  <a:srgbClr val="333333"/>
+                </a:solidFill>
+                <a:latin typeface="Noto Sans Regular"/>
+                <a:ea typeface="DejaVu Sans"/>
+              </a:rPr>
+              <a:t>No class should derive from a concrete class.</a:t>
+            </a:r>
+            <a:endParaRPr b="0" lang="en-SG" sz="2000" spc="-1" strike="noStrike">
+              <a:latin typeface="Arial"/>
+            </a:endParaRPr>
+          </a:p>
+          <a:p>
+            <a:pPr lvl="1" marL="432000" indent="-214920">
+              <a:lnSpc>
+                <a:spcPct val="100000"/>
+              </a:lnSpc>
+              <a:spcBef>
+                <a:spcPts val="1417"/>
+              </a:spcBef>
+              <a:buClr>
+                <a:srgbClr val="000000"/>
+              </a:buClr>
+              <a:buSzPct val="45000"/>
+              <a:buFont typeface="Wingdings" charset="2"/>
+              <a:buChar char=""/>
+            </a:pPr>
+            <a:r>
+              <a:rPr b="0" lang="en-SG" sz="2000" spc="-1" strike="noStrike">
+                <a:solidFill>
+                  <a:srgbClr val="333333"/>
+                </a:solidFill>
+                <a:latin typeface="Noto Sans Regular"/>
+                <a:ea typeface="DejaVu Sans"/>
+              </a:rPr>
+              <a:t>No method should override an implemented method of any of its base classes.</a:t>
+            </a:r>
+            <a:endParaRPr b="0" lang="en-SG" sz="2000" spc="-1" strike="noStrike">
+              <a:latin typeface="Arial"/>
+            </a:endParaRPr>
+          </a:p>
+          <a:p>
+            <a:pPr>
+              <a:lnSpc>
+                <a:spcPct val="100000"/>
+              </a:lnSpc>
+              <a:spcBef>
+                <a:spcPts val="1417"/>
+              </a:spcBef>
+            </a:pPr>
+            <a:endParaRPr b="0" lang="en-SG" sz="2000" spc="-1" strike="noStrike">
+              <a:latin typeface="Arial"/>
+            </a:endParaRPr>
+          </a:p>
+          <a:p>
+            <a:pPr>
+              <a:lnSpc>
+                <a:spcPct val="100000"/>
+              </a:lnSpc>
+              <a:spcAft>
+                <a:spcPts val="1414"/>
+              </a:spcAft>
+            </a:pPr>
+            <a:endParaRPr b="0" lang="en-SG" sz="2000" spc="-1" strike="noStrike">
+              <a:latin typeface="Arial"/>
+            </a:endParaRPr>
+          </a:p>
+        </p:txBody>
+      </p:sp>
+    </p:spTree>
+  </p:cSld>
+  <p:timing>
+    <p:tnLst>
+      <p:par>
+        <p:cTn id="61" dur="indefinite" restart="never" nodeType="tmRoot">
+          <p:childTnLst>
+            <p:seq>
+              <p:cTn id="62" dur="indefinite" nodeType="mainSeq"/>
+              <p:prevCondLst>
+                <p:cond delay="0" evt="onPrev">
+                  <p:tgtEl>
+                    <p:sldTgt/>
+                  </p:tgtEl>
+                </p:cond>
+              </p:prevCondLst>
+              <p:nextCondLst>
+                <p:cond delay="0" evt="onNext">
+                  <p:tgtEl>
+                    <p:sldTgt/>
+                  </p:tgtEl>
+                </p:cond>
+              </p:nextCondLst>
+            </p:seq>
+          </p:childTnLst>
+        </p:cTn>
+      </p:par>
+    </p:tnLst>
+  </p:timing>
+</p:sld>
+</file>
+
+<file path=ppt/slides/slide32.xml><?xml version="1.0" encoding="utf-8"?>
+<p:sld xmlns:a="http://schemas.openxmlformats.org/drawingml/2006/main" xmlns:p="http://schemas.openxmlformats.org/presentationml/2006/main" xmlns:r="http://schemas.openxmlformats.org/officeDocument/2006/relationships" xmlns:p14="http://schemas.microsoft.com/office/powerpoint/2010/main" xmlns:p15="http://schemas.microsoft.com/office/powerpoint/2012/main" xmlns:mc="http://schemas.openxmlformats.org/markup-compatibility/2006">
+  <p:cSld>
+    <p:spTree>
+      <p:nvGrpSpPr>
+        <p:cNvPr id="1" name=""/>
+        <p:cNvGrpSpPr/>
+        <p:nvPr/>
+      </p:nvGrpSpPr>
+      <p:grpSpPr>
+        <a:xfrm>
+          <a:off x="0" y="0"/>
+          <a:ext cx="0" cy="0"/>
+          <a:chOff x="0" y="0"/>
+          <a:chExt cx="0" cy="0"/>
+        </a:xfrm>
+      </p:grpSpPr>
+      <p:sp>
+        <p:nvSpPr>
+          <p:cNvPr id="170" name="CustomShape 1"/>
+          <p:cNvSpPr/>
+          <p:nvPr/>
+        </p:nvSpPr>
+        <p:spPr>
+          <a:xfrm>
+            <a:off x="720000" y="300960"/>
+            <a:ext cx="8852400" cy="1259280"/>
+          </a:xfrm>
+          <a:prstGeom prst="rect">
+            <a:avLst/>
+          </a:prstGeom>
+          <a:noFill/>
+          <a:ln>
+            <a:noFill/>
+          </a:ln>
+        </p:spPr>
+        <p:style>
+          <a:lnRef idx="0"/>
+          <a:fillRef idx="0"/>
+          <a:effectRef idx="0"/>
+          <a:fontRef idx="minor"/>
+        </p:style>
+        <p:txBody>
+          <a:bodyPr lIns="0" rIns="0" tIns="0" bIns="0" anchor="ctr"/>
+          <a:p>
+            <a:pPr>
+              <a:lnSpc>
+                <a:spcPct val="100000"/>
+              </a:lnSpc>
+            </a:pPr>
+            <a:br/>
+            <a:r>
+              <a:rPr b="1" lang="en-SG" sz="4400" spc="-1" strike="noStrike">
+                <a:solidFill>
+                  <a:srgbClr val="333333"/>
+                </a:solidFill>
+                <a:latin typeface="Noto Sans Regular"/>
+                <a:ea typeface="DejaVu Sans"/>
+              </a:rPr>
+              <a:t>References</a:t>
+            </a:r>
+            <a:endParaRPr b="0" lang="en-SG" sz="4400" spc="-1" strike="noStrike">
+              <a:latin typeface="Arial"/>
+            </a:endParaRPr>
+          </a:p>
+        </p:txBody>
+      </p:sp>
+      <p:sp>
+        <p:nvSpPr>
+          <p:cNvPr id="171" name="CustomShape 2"/>
+          <p:cNvSpPr/>
+          <p:nvPr/>
+        </p:nvSpPr>
+        <p:spPr>
+          <a:xfrm>
+            <a:off x="720000" y="2160000"/>
+            <a:ext cx="8636760" cy="4381560"/>
+          </a:xfrm>
+          <a:prstGeom prst="rect">
+            <a:avLst/>
+          </a:prstGeom>
+          <a:noFill/>
+          <a:ln>
+            <a:noFill/>
+          </a:ln>
+        </p:spPr>
+        <p:style>
+          <a:lnRef idx="0"/>
+          <a:fillRef idx="0"/>
+          <a:effectRef idx="0"/>
+          <a:fontRef idx="minor"/>
+        </p:style>
+        <p:txBody>
+          <a:bodyPr lIns="0" rIns="0" tIns="0" bIns="0"/>
+          <a:p>
+            <a:pPr marL="432000" indent="-320760">
+              <a:lnSpc>
+                <a:spcPct val="100000"/>
+              </a:lnSpc>
+              <a:spcBef>
+                <a:spcPts val="1417"/>
+              </a:spcBef>
+              <a:buClr>
+                <a:srgbClr val="ef2929"/>
+              </a:buClr>
+              <a:buSzPct val="45000"/>
+              <a:buFont typeface="Wingdings" charset="2"/>
+              <a:buChar char=""/>
+            </a:pPr>
+            <a:r>
+              <a:rPr b="0" lang="en-SG" sz="2000" spc="-1" strike="noStrike">
+                <a:solidFill>
+                  <a:srgbClr val="333333"/>
+                </a:solidFill>
+                <a:latin typeface="Noto Sans Regular"/>
+                <a:ea typeface="DejaVu Sans"/>
+              </a:rPr>
+              <a:t>University of Wisconsin, CSE 403 materials</a:t>
+            </a:r>
+            <a:endParaRPr b="0" lang="en-SG" sz="2000" spc="-1" strike="noStrike">
+              <a:latin typeface="Arial"/>
+            </a:endParaRPr>
+          </a:p>
+          <a:p>
+            <a:pPr>
+              <a:lnSpc>
+                <a:spcPct val="100000"/>
+              </a:lnSpc>
+              <a:spcBef>
+                <a:spcPts val="1417"/>
+              </a:spcBef>
+            </a:pPr>
+            <a:r>
+              <a:rPr b="0" lang="en-SG" sz="2000" spc="-1" strike="noStrike" u="sng">
+                <a:solidFill>
+                  <a:srgbClr val="0000ff"/>
+                </a:solidFill>
+                <a:uFillTx/>
+                <a:latin typeface="Noto Sans Regular"/>
+                <a:ea typeface="DejaVu Sans"/>
+                <a:hlinkClick r:id="rId1"/>
+              </a:rPr>
+              <a:t>https://courses.cs.washington.edu/courses/cse403/11sp/lectures/</a:t>
+            </a:r>
+            <a:endParaRPr b="0" lang="en-SG" sz="2000" spc="-1" strike="noStrike">
+              <a:latin typeface="Arial"/>
+            </a:endParaRPr>
+          </a:p>
+          <a:p>
+            <a:pPr marL="432000" indent="-320760">
+              <a:lnSpc>
+                <a:spcPct val="100000"/>
+              </a:lnSpc>
+              <a:spcBef>
+                <a:spcPts val="1417"/>
+              </a:spcBef>
+              <a:buClr>
+                <a:srgbClr val="ef2929"/>
+              </a:buClr>
+              <a:buSzPct val="45000"/>
+              <a:buFont typeface="Wingdings" charset="2"/>
+              <a:buChar char=""/>
+            </a:pPr>
+            <a:r>
+              <a:rPr b="0" lang="en-SG" sz="2000" spc="-1" strike="noStrike">
+                <a:solidFill>
+                  <a:srgbClr val="333333"/>
+                </a:solidFill>
+                <a:latin typeface="Noto Sans Regular"/>
+                <a:ea typeface="DejaVu Sans"/>
+              </a:rPr>
+              <a:t>Blackboard system/Architecture</a:t>
+            </a:r>
+            <a:endParaRPr b="0" lang="en-SG" sz="2000" spc="-1" strike="noStrike">
+              <a:latin typeface="Arial"/>
+            </a:endParaRPr>
+          </a:p>
+          <a:p>
+            <a:pPr marL="432000" indent="-320760">
+              <a:lnSpc>
+                <a:spcPct val="100000"/>
+              </a:lnSpc>
+              <a:spcBef>
+                <a:spcPts val="1417"/>
+              </a:spcBef>
+              <a:buClr>
+                <a:srgbClr val="ef2929"/>
+              </a:buClr>
+              <a:buSzPct val="45000"/>
+              <a:buFont typeface="Wingdings" charset="2"/>
+              <a:buChar char=""/>
+            </a:pPr>
+            <a:r>
+              <a:rPr b="0" lang="en-SG" sz="2000" spc="-1" strike="noStrike">
+                <a:solidFill>
+                  <a:srgbClr val="333333"/>
+                </a:solidFill>
+                <a:latin typeface="Noto Sans Regular"/>
+                <a:ea typeface="DejaVu Sans"/>
+              </a:rPr>
+              <a:t>https://en.wikipedia.org/wiki/Blackboard_system</a:t>
+            </a:r>
+            <a:endParaRPr b="0" lang="en-SG" sz="2000" spc="-1" strike="noStrike">
+              <a:latin typeface="Arial"/>
+            </a:endParaRPr>
+          </a:p>
+          <a:p>
+            <a:pPr>
+              <a:lnSpc>
+                <a:spcPct val="100000"/>
+              </a:lnSpc>
+              <a:spcBef>
+                <a:spcPts val="1417"/>
+              </a:spcBef>
+            </a:pPr>
+            <a:endParaRPr b="0" lang="en-SG" sz="2000" spc="-1" strike="noStrike">
+              <a:latin typeface="Arial"/>
+            </a:endParaRPr>
+          </a:p>
+          <a:p>
+            <a:pPr>
+              <a:lnSpc>
+                <a:spcPct val="100000"/>
+              </a:lnSpc>
+              <a:spcBef>
+                <a:spcPts val="1417"/>
+              </a:spcBef>
+            </a:pPr>
+            <a:endParaRPr b="0" lang="en-SG" sz="2000" spc="-1" strike="noStrike">
+              <a:latin typeface="Arial"/>
+            </a:endParaRPr>
+          </a:p>
+          <a:p>
+            <a:pPr>
+              <a:lnSpc>
+                <a:spcPct val="100000"/>
+              </a:lnSpc>
+              <a:spcAft>
+                <a:spcPts val="1414"/>
+              </a:spcAft>
+            </a:pPr>
+            <a:endParaRPr b="0" lang="en-SG" sz="2000" spc="-1" strike="noStrike">
+              <a:latin typeface="Arial"/>
+            </a:endParaRPr>
+          </a:p>
+        </p:txBody>
+      </p:sp>
+      <p:sp>
+        <p:nvSpPr>
+          <p:cNvPr id="172" name="CustomShape 3"/>
+          <p:cNvSpPr/>
+          <p:nvPr/>
+        </p:nvSpPr>
+        <p:spPr>
+          <a:xfrm>
+            <a:off x="465480" y="7040880"/>
+            <a:ext cx="5749200" cy="343440"/>
+          </a:xfrm>
+          <a:prstGeom prst="rect">
+            <a:avLst/>
+          </a:prstGeom>
+          <a:noFill/>
+          <a:ln>
+            <a:noFill/>
+          </a:ln>
+        </p:spPr>
+        <p:style>
+          <a:lnRef idx="0"/>
+          <a:fillRef idx="0"/>
+          <a:effectRef idx="0"/>
+          <a:fontRef idx="minor"/>
+        </p:style>
+        <p:txBody>
+          <a:bodyPr lIns="90000" rIns="90000" tIns="45000" bIns="45000"/>
+          <a:p>
+            <a:pPr>
+              <a:lnSpc>
+                <a:spcPct val="100000"/>
+              </a:lnSpc>
+            </a:pPr>
+            <a:r>
+              <a:rPr b="0" lang="en-SG" sz="1300" spc="-1" strike="noStrike">
+                <a:solidFill>
+                  <a:srgbClr val="000000"/>
+                </a:solidFill>
+                <a:latin typeface="Arial"/>
+                <a:ea typeface="DejaVu Sans"/>
+              </a:rPr>
+              <a:t>https://www.geeksforgeeks.org/introduction-to-net-framework/</a:t>
+            </a:r>
+            <a:endParaRPr b="0" lang="en-SG" sz="1300" spc="-1" strike="noStrike">
+              <a:latin typeface="Arial"/>
+            </a:endParaRPr>
+          </a:p>
+        </p:txBody>
+      </p:sp>
+    </p:spTree>
+  </p:cSld>
+  <p:timing>
+    <p:tnLst>
+      <p:par>
+        <p:cTn id="63" dur="indefinite" restart="never" nodeType="tmRoot">
+          <p:childTnLst>
+            <p:seq>
+              <p:cTn id="64" dur="indefinite" nodeType="mainSeq"/>
               <p:prevCondLst>
                 <p:cond delay="0" evt="onPrev">
                   <p:tgtEl>
@@ -8765,7 +10180,7 @@
         <p:spPr>
           <a:xfrm>
             <a:off x="720000" y="300960"/>
-            <a:ext cx="8852760" cy="1259640"/>
+            <a:ext cx="8852400" cy="1259280"/>
           </a:xfrm>
           <a:prstGeom prst="rect">
             <a:avLst/>
@@ -8814,7 +10229,7 @@
         <p:spPr>
           <a:xfrm>
             <a:off x="720000" y="2160000"/>
-            <a:ext cx="8637120" cy="4381920"/>
+            <a:ext cx="8636760" cy="4381560"/>
           </a:xfrm>
           <a:prstGeom prst="rect">
             <a:avLst/>
@@ -8833,7 +10248,7 @@
         <p:txBody>
           <a:bodyPr lIns="0" rIns="0" tIns="0" bIns="0"/>
           <a:p>
-            <a:pPr marL="432000" indent="-321120">
+            <a:pPr marL="432000" indent="-320760">
               <a:lnSpc>
                 <a:spcPct val="100000"/>
               </a:lnSpc>
@@ -8862,7 +10277,7 @@
             </a:endParaRPr>
           </a:p>
           <a:p>
-            <a:pPr lvl="1" marL="432000" indent="-216000">
+            <a:pPr lvl="1" marL="432000" indent="-215640">
               <a:lnSpc>
                 <a:spcPct val="100000"/>
               </a:lnSpc>
@@ -8891,7 +10306,7 @@
             </a:endParaRPr>
           </a:p>
           <a:p>
-            <a:pPr lvl="1" marL="432000" indent="-216000">
+            <a:pPr lvl="1" marL="432000" indent="-215640">
               <a:lnSpc>
                 <a:spcPct val="100000"/>
               </a:lnSpc>
@@ -8920,7 +10335,7 @@
             </a:endParaRPr>
           </a:p>
           <a:p>
-            <a:pPr lvl="1" marL="432000" indent="-216000">
+            <a:pPr lvl="1" marL="432000" indent="-215640">
               <a:lnSpc>
                 <a:spcPct val="100000"/>
               </a:lnSpc>
@@ -8949,7 +10364,7 @@
             </a:endParaRPr>
           </a:p>
           <a:p>
-            <a:pPr lvl="1" marL="432000" indent="-216000">
+            <a:pPr lvl="1" marL="432000" indent="-215640">
               <a:lnSpc>
                 <a:spcPct val="100000"/>
               </a:lnSpc>
@@ -8978,7 +10393,7 @@
             </a:endParaRPr>
           </a:p>
           <a:p>
-            <a:pPr lvl="1" marL="432000" indent="-216000">
+            <a:pPr lvl="1" marL="432000" indent="-215640">
               <a:lnSpc>
                 <a:spcPct val="100000"/>
               </a:lnSpc>
@@ -9043,7 +10458,7 @@
         <p:spPr>
           <a:xfrm>
             <a:off x="465480" y="7040880"/>
-            <a:ext cx="5749560" cy="343800"/>
+            <a:ext cx="5749200" cy="343440"/>
           </a:xfrm>
           <a:prstGeom prst="rect">
             <a:avLst/>
@@ -9118,7 +10533,7 @@
         <p:spPr>
           <a:xfrm>
             <a:off x="720000" y="300960"/>
-            <a:ext cx="8852760" cy="1259640"/>
+            <a:ext cx="8852400" cy="1259280"/>
           </a:xfrm>
           <a:prstGeom prst="rect">
             <a:avLst/>
@@ -9167,7 +10582,7 @@
         <p:spPr>
           <a:xfrm>
             <a:off x="720000" y="2160000"/>
-            <a:ext cx="8637120" cy="4381920"/>
+            <a:ext cx="8636760" cy="4381560"/>
           </a:xfrm>
           <a:prstGeom prst="rect">
             <a:avLst/>
@@ -9186,19 +10601,13 @@
         <p:txBody>
           <a:bodyPr lIns="0" rIns="0" tIns="0" bIns="0"/>
           <a:p>
-            <a:pPr marL="432000" indent="-321120">
+            <a:pPr>
               <a:lnSpc>
                 <a:spcPct val="100000"/>
               </a:lnSpc>
               <a:spcBef>
                 <a:spcPts val="1417"/>
               </a:spcBef>
-              <a:buClr>
-                <a:srgbClr val="ef2929"/>
-              </a:buClr>
-              <a:buSzPct val="45000"/>
-              <a:buFont typeface="Wingdings" charset="2"/>
-              <a:buChar char=""/>
             </a:pPr>
             <a:endParaRPr b="0" lang="en-SG" sz="1800" spc="-1" strike="noStrike">
               <a:latin typeface="Arial"/>
@@ -9241,7 +10650,7 @@
         <p:spPr>
           <a:xfrm>
             <a:off x="465480" y="7040880"/>
-            <a:ext cx="5749560" cy="343800"/>
+            <a:ext cx="5749200" cy="343440"/>
           </a:xfrm>
           <a:prstGeom prst="rect">
             <a:avLst/>
@@ -9271,7 +10680,7 @@
         <p:spPr>
           <a:xfrm>
             <a:off x="822960" y="1818000"/>
-            <a:ext cx="7016400" cy="5131440"/>
+            <a:ext cx="7016040" cy="5131080"/>
           </a:xfrm>
           <a:prstGeom prst="rect">
             <a:avLst/>
@@ -9339,7 +10748,7 @@
         <p:spPr>
           <a:xfrm>
             <a:off x="720000" y="300960"/>
-            <a:ext cx="8852760" cy="1259640"/>
+            <a:ext cx="8852400" cy="1259280"/>
           </a:xfrm>
           <a:prstGeom prst="rect">
             <a:avLst/>
@@ -9388,7 +10797,7 @@
         <p:spPr>
           <a:xfrm>
             <a:off x="720000" y="2160000"/>
-            <a:ext cx="8637120" cy="4381920"/>
+            <a:ext cx="8636760" cy="4381560"/>
           </a:xfrm>
           <a:prstGeom prst="rect">
             <a:avLst/>
@@ -9407,19 +10816,13 @@
         <p:txBody>
           <a:bodyPr lIns="0" rIns="0" tIns="0" bIns="0"/>
           <a:p>
-            <a:pPr marL="432000" indent="-321120">
+            <a:pPr>
               <a:lnSpc>
                 <a:spcPct val="100000"/>
               </a:lnSpc>
               <a:spcBef>
                 <a:spcPts val="1417"/>
               </a:spcBef>
-              <a:buClr>
-                <a:srgbClr val="ef2929"/>
-              </a:buClr>
-              <a:buSzPct val="45000"/>
-              <a:buFont typeface="Wingdings" charset="2"/>
-              <a:buChar char=""/>
             </a:pPr>
             <a:endParaRPr b="0" lang="en-SG" sz="1800" spc="-1" strike="noStrike">
               <a:latin typeface="Arial"/>
@@ -9462,7 +10865,7 @@
         <p:spPr>
           <a:xfrm>
             <a:off x="465480" y="7040880"/>
-            <a:ext cx="5749560" cy="343800"/>
+            <a:ext cx="5749200" cy="343440"/>
           </a:xfrm>
           <a:prstGeom prst="rect">
             <a:avLst/>
@@ -9492,7 +10895,7 @@
         <p:spPr>
           <a:xfrm>
             <a:off x="345240" y="1828800"/>
-            <a:ext cx="7701480" cy="5029200"/>
+            <a:ext cx="7701120" cy="5028840"/>
           </a:xfrm>
           <a:prstGeom prst="rect">
             <a:avLst/>
@@ -9560,7 +10963,7 @@
         <p:spPr>
           <a:xfrm>
             <a:off x="720000" y="300960"/>
-            <a:ext cx="8852760" cy="1259640"/>
+            <a:ext cx="8852400" cy="1259280"/>
           </a:xfrm>
           <a:prstGeom prst="rect">
             <a:avLst/>
@@ -9609,7 +11012,7 @@
         <p:spPr>
           <a:xfrm>
             <a:off x="720000" y="2160000"/>
-            <a:ext cx="8637120" cy="4381920"/>
+            <a:ext cx="8636760" cy="4381560"/>
           </a:xfrm>
           <a:prstGeom prst="rect">
             <a:avLst/>
@@ -9628,19 +11031,13 @@
         <p:txBody>
           <a:bodyPr lIns="0" rIns="0" tIns="0" bIns="0"/>
           <a:p>
-            <a:pPr marL="432000" indent="-321120">
+            <a:pPr>
               <a:lnSpc>
                 <a:spcPct val="100000"/>
               </a:lnSpc>
               <a:spcBef>
                 <a:spcPts val="1417"/>
               </a:spcBef>
-              <a:buClr>
-                <a:srgbClr val="ef2929"/>
-              </a:buClr>
-              <a:buSzPct val="45000"/>
-              <a:buFont typeface="Wingdings" charset="2"/>
-              <a:buChar char=""/>
             </a:pPr>
             <a:endParaRPr b="0" lang="en-SG" sz="1800" spc="-1" strike="noStrike">
               <a:latin typeface="Arial"/>
@@ -9683,7 +11080,7 @@
         <p:spPr>
           <a:xfrm>
             <a:off x="465480" y="7040880"/>
-            <a:ext cx="5749560" cy="343800"/>
+            <a:ext cx="5749200" cy="343440"/>
           </a:xfrm>
           <a:prstGeom prst="rect">
             <a:avLst/>
@@ -9713,7 +11110,7 @@
         <p:spPr>
           <a:xfrm>
             <a:off x="346680" y="2011680"/>
-            <a:ext cx="9620280" cy="4753080"/>
+            <a:ext cx="9619920" cy="4752720"/>
           </a:xfrm>
           <a:prstGeom prst="rect">
             <a:avLst/>
@@ -9781,7 +11178,7 @@
         <p:spPr>
           <a:xfrm>
             <a:off x="792000" y="3993480"/>
-            <a:ext cx="8565120" cy="1658520"/>
+            <a:ext cx="8564760" cy="1658160"/>
           </a:xfrm>
           <a:prstGeom prst="rect">
             <a:avLst/>
@@ -9872,7 +11269,7 @@
         <p:spPr>
           <a:xfrm>
             <a:off x="792000" y="5904000"/>
-            <a:ext cx="8565120" cy="979560"/>
+            <a:ext cx="8564760" cy="979200"/>
           </a:xfrm>
           <a:prstGeom prst="rect">
             <a:avLst/>
@@ -9947,7 +11344,7 @@
         <p:spPr>
           <a:xfrm>
             <a:off x="792000" y="3993480"/>
-            <a:ext cx="8565120" cy="1658520"/>
+            <a:ext cx="8564760" cy="1658160"/>
           </a:xfrm>
           <a:prstGeom prst="rect">
             <a:avLst/>
@@ -9998,7 +11395,7 @@
         <p:spPr>
           <a:xfrm>
             <a:off x="792000" y="5904000"/>
-            <a:ext cx="8565120" cy="979560"/>
+            <a:ext cx="8564760" cy="979200"/>
           </a:xfrm>
           <a:prstGeom prst="rect">
             <a:avLst/>
